--- a/U_Siddhartha Vanam.pptx
+++ b/U_Siddhartha Vanam.pptx
@@ -11380,7 +11380,7 @@
             <a:tbl>
               <a:tblPr>
                 <a:noFill/>
-                <a:tableStyleId>{56BF7CD4-A2DD-4E84-A6B7-50462621C6E4}</a:tableStyleId>
+                <a:tableStyleId>{D1C4A533-5BE6-4AE1-8CF4-843ECA0BF2EF}</a:tableStyleId>
               </a:tblPr>
               <a:tblGrid>
                 <a:gridCol w="1492650"/>
@@ -12420,7 +12420,28 @@
                 <a:cs typeface="Lato"/>
                 <a:sym typeface="Lato"/>
               </a:rPr>
-              <a:t>Coordinate between Regional branches to reach the site ASAP</a:t>
+              <a:t>Keep a </a:t>
+            </a:r>
+            <a:r>
+              <a:rPr b="1" lang="en">
+                <a:solidFill>
+                  <a:srgbClr val="CC0000"/>
+                </a:solidFill>
+                <a:latin typeface="Lato"/>
+                <a:ea typeface="Lato"/>
+                <a:cs typeface="Lato"/>
+                <a:sym typeface="Lato"/>
+              </a:rPr>
+              <a:t>data dictionary </a:t>
+            </a:r>
+            <a:r>
+              <a:rPr lang="en">
+                <a:latin typeface="Lato"/>
+                <a:ea typeface="Lato"/>
+                <a:cs typeface="Lato"/>
+                <a:sym typeface="Lato"/>
+              </a:rPr>
+              <a:t>to understand different features.</a:t>
             </a:r>
             <a:endParaRPr>
               <a:latin typeface="Lato"/>
@@ -16767,6 +16788,285 @@
 </file>
 
 <file path=ppt/theme/theme1.xml><?xml version="1.0" encoding="utf-8"?>
+<a:theme xmlns:a="http://schemas.openxmlformats.org/drawingml/2006/main" xmlns:r="http://schemas.openxmlformats.org/officeDocument/2006/relationships" name="Streamline">
+  <a:themeElements>
+    <a:clrScheme name="Streamline">
+      <a:dk1>
+        <a:srgbClr val="1A9988"/>
+      </a:dk1>
+      <a:lt1>
+        <a:srgbClr val="FFFFFF"/>
+      </a:lt1>
+      <a:dk2>
+        <a:srgbClr val="1A1A1A"/>
+      </a:dk2>
+      <a:lt2>
+        <a:srgbClr val="E9EDEE"/>
+      </a:lt2>
+      <a:accent1>
+        <a:srgbClr val="595959"/>
+      </a:accent1>
+      <a:accent2>
+        <a:srgbClr val="6AA4C8"/>
+      </a:accent2>
+      <a:accent3>
+        <a:srgbClr val="EB5600"/>
+      </a:accent3>
+      <a:accent4>
+        <a:srgbClr val="A2FFE8"/>
+      </a:accent4>
+      <a:accent5>
+        <a:srgbClr val="1C3678"/>
+      </a:accent5>
+      <a:accent6>
+        <a:srgbClr val="FFB8A2"/>
+      </a:accent6>
+      <a:hlink>
+        <a:srgbClr val="1C3678"/>
+      </a:hlink>
+      <a:folHlink>
+        <a:srgbClr val="1C3678"/>
+      </a:folHlink>
+    </a:clrScheme>
+    <a:fontScheme name="Office">
+      <a:majorFont>
+        <a:latin typeface="Arial"/>
+        <a:ea typeface=""/>
+        <a:cs typeface=""/>
+        <a:font script="Jpan" typeface="ＭＳ Ｐゴシック"/>
+        <a:font script="Hang" typeface="맑은 고딕"/>
+        <a:font script="Hans" typeface="宋体"/>
+        <a:font script="Hant" typeface="新細明體"/>
+        <a:font script="Arab" typeface="Times New Roman"/>
+        <a:font script="Hebr" typeface="Times New Roman"/>
+        <a:font script="Thai" typeface="Angsana New"/>
+        <a:font script="Ethi" typeface="Nyala"/>
+        <a:font script="Beng" typeface="Vrinda"/>
+        <a:font script="Gujr" typeface="Shruti"/>
+        <a:font script="Khmr" typeface="MoolBoran"/>
+        <a:font script="Knda" typeface="Tunga"/>
+        <a:font script="Guru" typeface="Raavi"/>
+        <a:font script="Cans" typeface="Euphemia"/>
+        <a:font script="Cher" typeface="Plantagenet Cherokee"/>
+        <a:font script="Yiii" typeface="Microsoft Yi Baiti"/>
+        <a:font script="Tibt" typeface="Microsoft Himalaya"/>
+        <a:font script="Thaa" typeface="MV Boli"/>
+        <a:font script="Deva" typeface="Mangal"/>
+        <a:font script="Telu" typeface="Gautami"/>
+        <a:font script="Taml" typeface="Latha"/>
+        <a:font script="Syrc" typeface="Estrangelo Edessa"/>
+        <a:font script="Orya" typeface="Kalinga"/>
+        <a:font script="Mlym" typeface="Kartika"/>
+        <a:font script="Laoo" typeface="DokChampa"/>
+        <a:font script="Sinh" typeface="Iskoola Pota"/>
+        <a:font script="Mong" typeface="Mongolian Baiti"/>
+        <a:font script="Viet" typeface="Times New Roman"/>
+        <a:font script="Uigh" typeface="Microsoft Uighur"/>
+        <a:font script="Geor" typeface="Sylfaen"/>
+      </a:majorFont>
+      <a:minorFont>
+        <a:latin typeface="Arial"/>
+        <a:ea typeface=""/>
+        <a:cs typeface=""/>
+        <a:font script="Jpan" typeface="ＭＳ Ｐゴシック"/>
+        <a:font script="Hang" typeface="맑은 고딕"/>
+        <a:font script="Hans" typeface="宋体"/>
+        <a:font script="Hant" typeface="新細明體"/>
+        <a:font script="Arab" typeface="Arial"/>
+        <a:font script="Hebr" typeface="Arial"/>
+        <a:font script="Thai" typeface="Cordia New"/>
+        <a:font script="Ethi" typeface="Nyala"/>
+        <a:font script="Beng" typeface="Vrinda"/>
+        <a:font script="Gujr" typeface="Shruti"/>
+        <a:font script="Khmr" typeface="DaunPenh"/>
+        <a:font script="Knda" typeface="Tunga"/>
+        <a:font script="Guru" typeface="Raavi"/>
+        <a:font script="Cans" typeface="Euphemia"/>
+        <a:font script="Cher" typeface="Plantagenet Cherokee"/>
+        <a:font script="Yiii" typeface="Microsoft Yi Baiti"/>
+        <a:font script="Tibt" typeface="Microsoft Himalaya"/>
+        <a:font script="Thaa" typeface="MV Boli"/>
+        <a:font script="Deva" typeface="Mangal"/>
+        <a:font script="Telu" typeface="Gautami"/>
+        <a:font script="Taml" typeface="Latha"/>
+        <a:font script="Syrc" typeface="Estrangelo Edessa"/>
+        <a:font script="Orya" typeface="Kalinga"/>
+        <a:font script="Mlym" typeface="Kartika"/>
+        <a:font script="Laoo" typeface="DokChampa"/>
+        <a:font script="Sinh" typeface="Iskoola Pota"/>
+        <a:font script="Mong" typeface="Mongolian Baiti"/>
+        <a:font script="Viet" typeface="Arial"/>
+        <a:font script="Uigh" typeface="Microsoft Uighur"/>
+        <a:font script="Geor" typeface="Sylfaen"/>
+      </a:minorFont>
+    </a:fontScheme>
+    <a:fmtScheme name="Office">
+      <a:fillStyleLst>
+        <a:solidFill>
+          <a:schemeClr val="phClr"/>
+        </a:solidFill>
+        <a:gradFill rotWithShape="1">
+          <a:gsLst>
+            <a:gs pos="0">
+              <a:schemeClr val="phClr">
+                <a:tint val="50000"/>
+                <a:satMod val="300000"/>
+              </a:schemeClr>
+            </a:gs>
+            <a:gs pos="35000">
+              <a:schemeClr val="phClr">
+                <a:tint val="37000"/>
+                <a:satMod val="300000"/>
+              </a:schemeClr>
+            </a:gs>
+            <a:gs pos="100000">
+              <a:schemeClr val="phClr">
+                <a:tint val="15000"/>
+                <a:satMod val="350000"/>
+              </a:schemeClr>
+            </a:gs>
+          </a:gsLst>
+          <a:lin ang="16200000" scaled="1"/>
+        </a:gradFill>
+        <a:gradFill rotWithShape="1">
+          <a:gsLst>
+            <a:gs pos="0">
+              <a:schemeClr val="phClr">
+                <a:tint val="100000"/>
+                <a:shade val="100000"/>
+                <a:satMod val="130000"/>
+              </a:schemeClr>
+            </a:gs>
+            <a:gs pos="100000">
+              <a:schemeClr val="phClr">
+                <a:tint val="50000"/>
+                <a:shade val="100000"/>
+                <a:satMod val="350000"/>
+              </a:schemeClr>
+            </a:gs>
+          </a:gsLst>
+          <a:lin ang="16200000" scaled="0"/>
+        </a:gradFill>
+      </a:fillStyleLst>
+      <a:lnStyleLst>
+        <a:ln w="9525" cap="flat" cmpd="sng" algn="ctr">
+          <a:solidFill>
+            <a:schemeClr val="phClr">
+              <a:shade val="95000"/>
+              <a:satMod val="105000"/>
+            </a:schemeClr>
+          </a:solidFill>
+          <a:prstDash val="solid"/>
+        </a:ln>
+        <a:ln w="25400" cap="flat" cmpd="sng" algn="ctr">
+          <a:solidFill>
+            <a:schemeClr val="phClr"/>
+          </a:solidFill>
+          <a:prstDash val="solid"/>
+        </a:ln>
+        <a:ln w="38100" cap="flat" cmpd="sng" algn="ctr">
+          <a:solidFill>
+            <a:schemeClr val="phClr"/>
+          </a:solidFill>
+          <a:prstDash val="solid"/>
+        </a:ln>
+      </a:lnStyleLst>
+      <a:effectStyleLst>
+        <a:effectStyle>
+          <a:effectLst>
+            <a:outerShdw blurRad="40000" dist="20000" dir="5400000" rotWithShape="0">
+              <a:srgbClr val="000000">
+                <a:alpha val="38000"/>
+              </a:srgbClr>
+            </a:outerShdw>
+          </a:effectLst>
+        </a:effectStyle>
+        <a:effectStyle>
+          <a:effectLst>
+            <a:outerShdw blurRad="40000" dist="23000" dir="5400000" rotWithShape="0">
+              <a:srgbClr val="000000">
+                <a:alpha val="35000"/>
+              </a:srgbClr>
+            </a:outerShdw>
+          </a:effectLst>
+        </a:effectStyle>
+        <a:effectStyle>
+          <a:effectLst>
+            <a:outerShdw blurRad="40000" dist="23000" dir="5400000" rotWithShape="0">
+              <a:srgbClr val="000000">
+                <a:alpha val="35000"/>
+              </a:srgbClr>
+            </a:outerShdw>
+          </a:effectLst>
+          <a:scene3d>
+            <a:camera prst="orthographicFront">
+              <a:rot lat="0" lon="0" rev="0"/>
+            </a:camera>
+            <a:lightRig rig="threePt" dir="t">
+              <a:rot lat="0" lon="0" rev="1200000"/>
+            </a:lightRig>
+          </a:scene3d>
+          <a:sp3d>
+            <a:bevelT w="63500" h="25400"/>
+          </a:sp3d>
+        </a:effectStyle>
+      </a:effectStyleLst>
+      <a:bgFillStyleLst>
+        <a:solidFill>
+          <a:schemeClr val="phClr"/>
+        </a:solidFill>
+        <a:gradFill rotWithShape="1">
+          <a:gsLst>
+            <a:gs pos="0">
+              <a:schemeClr val="phClr">
+                <a:tint val="40000"/>
+                <a:satMod val="350000"/>
+              </a:schemeClr>
+            </a:gs>
+            <a:gs pos="40000">
+              <a:schemeClr val="phClr">
+                <a:tint val="45000"/>
+                <a:shade val="99000"/>
+                <a:satMod val="350000"/>
+              </a:schemeClr>
+            </a:gs>
+            <a:gs pos="100000">
+              <a:schemeClr val="phClr">
+                <a:shade val="20000"/>
+                <a:satMod val="255000"/>
+              </a:schemeClr>
+            </a:gs>
+          </a:gsLst>
+          <a:path path="circle">
+            <a:fillToRect l="50000" t="-80000" r="50000" b="180000"/>
+          </a:path>
+        </a:gradFill>
+        <a:gradFill rotWithShape="1">
+          <a:gsLst>
+            <a:gs pos="0">
+              <a:schemeClr val="phClr">
+                <a:tint val="80000"/>
+                <a:satMod val="300000"/>
+              </a:schemeClr>
+            </a:gs>
+            <a:gs pos="100000">
+              <a:schemeClr val="phClr">
+                <a:shade val="30000"/>
+                <a:satMod val="200000"/>
+              </a:schemeClr>
+            </a:gs>
+          </a:gsLst>
+          <a:path path="circle">
+            <a:fillToRect l="50000" t="50000" r="50000" b="50000"/>
+          </a:path>
+        </a:gradFill>
+      </a:bgFillStyleLst>
+    </a:fmtScheme>
+  </a:themeElements>
+</a:theme>
+</file>
+
+<file path=ppt/theme/theme2.xml><?xml version="1.0" encoding="utf-8"?>
 <a:theme xmlns:a="http://schemas.openxmlformats.org/drawingml/2006/main" xmlns:r="http://schemas.openxmlformats.org/officeDocument/2006/relationships">
   <a:themeElements>
     <a:clrScheme name="Default">
@@ -17043,283 +17343,4 @@
     </a:fmtScheme>
   </a:themeElements>
 </a:theme>
-</file>
-
-<file path=ppt/theme/theme2.xml><?xml version="1.0" encoding="utf-8"?>
-<a:theme xmlns:a="http://schemas.openxmlformats.org/drawingml/2006/main" xmlns:r="http://schemas.openxmlformats.org/officeDocument/2006/relationships" name="Streamline">
-  <a:themeElements>
-    <a:clrScheme name="Streamline">
-      <a:dk1>
-        <a:srgbClr val="1A9988"/>
-      </a:dk1>
-      <a:lt1>
-        <a:srgbClr val="FFFFFF"/>
-      </a:lt1>
-      <a:dk2>
-        <a:srgbClr val="1A1A1A"/>
-      </a:dk2>
-      <a:lt2>
-        <a:srgbClr val="E9EDEE"/>
-      </a:lt2>
-      <a:accent1>
-        <a:srgbClr val="595959"/>
-      </a:accent1>
-      <a:accent2>
-        <a:srgbClr val="6AA4C8"/>
-      </a:accent2>
-      <a:accent3>
-        <a:srgbClr val="EB5600"/>
-      </a:accent3>
-      <a:accent4>
-        <a:srgbClr val="A2FFE8"/>
-      </a:accent4>
-      <a:accent5>
-        <a:srgbClr val="1C3678"/>
-      </a:accent5>
-      <a:accent6>
-        <a:srgbClr val="FFB8A2"/>
-      </a:accent6>
-      <a:hlink>
-        <a:srgbClr val="1C3678"/>
-      </a:hlink>
-      <a:folHlink>
-        <a:srgbClr val="1C3678"/>
-      </a:folHlink>
-    </a:clrScheme>
-    <a:fontScheme name="Office">
-      <a:majorFont>
-        <a:latin typeface="Arial"/>
-        <a:ea typeface=""/>
-        <a:cs typeface=""/>
-        <a:font script="Jpan" typeface="ＭＳ Ｐゴシック"/>
-        <a:font script="Hang" typeface="맑은 고딕"/>
-        <a:font script="Hans" typeface="宋体"/>
-        <a:font script="Hant" typeface="新細明體"/>
-        <a:font script="Arab" typeface="Times New Roman"/>
-        <a:font script="Hebr" typeface="Times New Roman"/>
-        <a:font script="Thai" typeface="Angsana New"/>
-        <a:font script="Ethi" typeface="Nyala"/>
-        <a:font script="Beng" typeface="Vrinda"/>
-        <a:font script="Gujr" typeface="Shruti"/>
-        <a:font script="Khmr" typeface="MoolBoran"/>
-        <a:font script="Knda" typeface="Tunga"/>
-        <a:font script="Guru" typeface="Raavi"/>
-        <a:font script="Cans" typeface="Euphemia"/>
-        <a:font script="Cher" typeface="Plantagenet Cherokee"/>
-        <a:font script="Yiii" typeface="Microsoft Yi Baiti"/>
-        <a:font script="Tibt" typeface="Microsoft Himalaya"/>
-        <a:font script="Thaa" typeface="MV Boli"/>
-        <a:font script="Deva" typeface="Mangal"/>
-        <a:font script="Telu" typeface="Gautami"/>
-        <a:font script="Taml" typeface="Latha"/>
-        <a:font script="Syrc" typeface="Estrangelo Edessa"/>
-        <a:font script="Orya" typeface="Kalinga"/>
-        <a:font script="Mlym" typeface="Kartika"/>
-        <a:font script="Laoo" typeface="DokChampa"/>
-        <a:font script="Sinh" typeface="Iskoola Pota"/>
-        <a:font script="Mong" typeface="Mongolian Baiti"/>
-        <a:font script="Viet" typeface="Times New Roman"/>
-        <a:font script="Uigh" typeface="Microsoft Uighur"/>
-        <a:font script="Geor" typeface="Sylfaen"/>
-      </a:majorFont>
-      <a:minorFont>
-        <a:latin typeface="Arial"/>
-        <a:ea typeface=""/>
-        <a:cs typeface=""/>
-        <a:font script="Jpan" typeface="ＭＳ Ｐゴシック"/>
-        <a:font script="Hang" typeface="맑은 고딕"/>
-        <a:font script="Hans" typeface="宋体"/>
-        <a:font script="Hant" typeface="新細明體"/>
-        <a:font script="Arab" typeface="Arial"/>
-        <a:font script="Hebr" typeface="Arial"/>
-        <a:font script="Thai" typeface="Cordia New"/>
-        <a:font script="Ethi" typeface="Nyala"/>
-        <a:font script="Beng" typeface="Vrinda"/>
-        <a:font script="Gujr" typeface="Shruti"/>
-        <a:font script="Khmr" typeface="DaunPenh"/>
-        <a:font script="Knda" typeface="Tunga"/>
-        <a:font script="Guru" typeface="Raavi"/>
-        <a:font script="Cans" typeface="Euphemia"/>
-        <a:font script="Cher" typeface="Plantagenet Cherokee"/>
-        <a:font script="Yiii" typeface="Microsoft Yi Baiti"/>
-        <a:font script="Tibt" typeface="Microsoft Himalaya"/>
-        <a:font script="Thaa" typeface="MV Boli"/>
-        <a:font script="Deva" typeface="Mangal"/>
-        <a:font script="Telu" typeface="Gautami"/>
-        <a:font script="Taml" typeface="Latha"/>
-        <a:font script="Syrc" typeface="Estrangelo Edessa"/>
-        <a:font script="Orya" typeface="Kalinga"/>
-        <a:font script="Mlym" typeface="Kartika"/>
-        <a:font script="Laoo" typeface="DokChampa"/>
-        <a:font script="Sinh" typeface="Iskoola Pota"/>
-        <a:font script="Mong" typeface="Mongolian Baiti"/>
-        <a:font script="Viet" typeface="Arial"/>
-        <a:font script="Uigh" typeface="Microsoft Uighur"/>
-        <a:font script="Geor" typeface="Sylfaen"/>
-      </a:minorFont>
-    </a:fontScheme>
-    <a:fmtScheme name="Office">
-      <a:fillStyleLst>
-        <a:solidFill>
-          <a:schemeClr val="phClr"/>
-        </a:solidFill>
-        <a:gradFill rotWithShape="1">
-          <a:gsLst>
-            <a:gs pos="0">
-              <a:schemeClr val="phClr">
-                <a:tint val="50000"/>
-                <a:satMod val="300000"/>
-              </a:schemeClr>
-            </a:gs>
-            <a:gs pos="35000">
-              <a:schemeClr val="phClr">
-                <a:tint val="37000"/>
-                <a:satMod val="300000"/>
-              </a:schemeClr>
-            </a:gs>
-            <a:gs pos="100000">
-              <a:schemeClr val="phClr">
-                <a:tint val="15000"/>
-                <a:satMod val="350000"/>
-              </a:schemeClr>
-            </a:gs>
-          </a:gsLst>
-          <a:lin ang="16200000" scaled="1"/>
-        </a:gradFill>
-        <a:gradFill rotWithShape="1">
-          <a:gsLst>
-            <a:gs pos="0">
-              <a:schemeClr val="phClr">
-                <a:tint val="100000"/>
-                <a:shade val="100000"/>
-                <a:satMod val="130000"/>
-              </a:schemeClr>
-            </a:gs>
-            <a:gs pos="100000">
-              <a:schemeClr val="phClr">
-                <a:tint val="50000"/>
-                <a:shade val="100000"/>
-                <a:satMod val="350000"/>
-              </a:schemeClr>
-            </a:gs>
-          </a:gsLst>
-          <a:lin ang="16200000" scaled="0"/>
-        </a:gradFill>
-      </a:fillStyleLst>
-      <a:lnStyleLst>
-        <a:ln w="9525" cap="flat" cmpd="sng" algn="ctr">
-          <a:solidFill>
-            <a:schemeClr val="phClr">
-              <a:shade val="95000"/>
-              <a:satMod val="105000"/>
-            </a:schemeClr>
-          </a:solidFill>
-          <a:prstDash val="solid"/>
-        </a:ln>
-        <a:ln w="25400" cap="flat" cmpd="sng" algn="ctr">
-          <a:solidFill>
-            <a:schemeClr val="phClr"/>
-          </a:solidFill>
-          <a:prstDash val="solid"/>
-        </a:ln>
-        <a:ln w="38100" cap="flat" cmpd="sng" algn="ctr">
-          <a:solidFill>
-            <a:schemeClr val="phClr"/>
-          </a:solidFill>
-          <a:prstDash val="solid"/>
-        </a:ln>
-      </a:lnStyleLst>
-      <a:effectStyleLst>
-        <a:effectStyle>
-          <a:effectLst>
-            <a:outerShdw blurRad="40000" dist="20000" dir="5400000" rotWithShape="0">
-              <a:srgbClr val="000000">
-                <a:alpha val="38000"/>
-              </a:srgbClr>
-            </a:outerShdw>
-          </a:effectLst>
-        </a:effectStyle>
-        <a:effectStyle>
-          <a:effectLst>
-            <a:outerShdw blurRad="40000" dist="23000" dir="5400000" rotWithShape="0">
-              <a:srgbClr val="000000">
-                <a:alpha val="35000"/>
-              </a:srgbClr>
-            </a:outerShdw>
-          </a:effectLst>
-        </a:effectStyle>
-        <a:effectStyle>
-          <a:effectLst>
-            <a:outerShdw blurRad="40000" dist="23000" dir="5400000" rotWithShape="0">
-              <a:srgbClr val="000000">
-                <a:alpha val="35000"/>
-              </a:srgbClr>
-            </a:outerShdw>
-          </a:effectLst>
-          <a:scene3d>
-            <a:camera prst="orthographicFront">
-              <a:rot lat="0" lon="0" rev="0"/>
-            </a:camera>
-            <a:lightRig rig="threePt" dir="t">
-              <a:rot lat="0" lon="0" rev="1200000"/>
-            </a:lightRig>
-          </a:scene3d>
-          <a:sp3d>
-            <a:bevelT w="63500" h="25400"/>
-          </a:sp3d>
-        </a:effectStyle>
-      </a:effectStyleLst>
-      <a:bgFillStyleLst>
-        <a:solidFill>
-          <a:schemeClr val="phClr"/>
-        </a:solidFill>
-        <a:gradFill rotWithShape="1">
-          <a:gsLst>
-            <a:gs pos="0">
-              <a:schemeClr val="phClr">
-                <a:tint val="40000"/>
-                <a:satMod val="350000"/>
-              </a:schemeClr>
-            </a:gs>
-            <a:gs pos="40000">
-              <a:schemeClr val="phClr">
-                <a:tint val="45000"/>
-                <a:shade val="99000"/>
-                <a:satMod val="350000"/>
-              </a:schemeClr>
-            </a:gs>
-            <a:gs pos="100000">
-              <a:schemeClr val="phClr">
-                <a:shade val="20000"/>
-                <a:satMod val="255000"/>
-              </a:schemeClr>
-            </a:gs>
-          </a:gsLst>
-          <a:path path="circle">
-            <a:fillToRect l="50000" t="-80000" r="50000" b="180000"/>
-          </a:path>
-        </a:gradFill>
-        <a:gradFill rotWithShape="1">
-          <a:gsLst>
-            <a:gs pos="0">
-              <a:schemeClr val="phClr">
-                <a:tint val="80000"/>
-                <a:satMod val="300000"/>
-              </a:schemeClr>
-            </a:gs>
-            <a:gs pos="100000">
-              <a:schemeClr val="phClr">
-                <a:shade val="30000"/>
-                <a:satMod val="200000"/>
-              </a:schemeClr>
-            </a:gs>
-          </a:gsLst>
-          <a:path path="circle">
-            <a:fillToRect l="50000" t="50000" r="50000" b="50000"/>
-          </a:path>
-        </a:gradFill>
-      </a:bgFillStyleLst>
-    </a:fmtScheme>
-  </a:themeElements>
-</a:theme>
 </file>
--- a/U_Siddhartha Vanam.pptx
+++ b/U_Siddhartha Vanam.pptx
@@ -1,48 +1,48 @@
 
 <file path=ppt/presentation.xml><?xml version="1.0" encoding="utf-8"?>
-<p:presentation xmlns:a="http://schemas.openxmlformats.org/drawingml/2006/main" xmlns:r="http://schemas.openxmlformats.org/officeDocument/2006/relationships" xmlns:mc="http://schemas.openxmlformats.org/markup-compatibility/2006" xmlns:mv="urn:schemas-microsoft-com:mac:vml" xmlns:p="http://schemas.openxmlformats.org/presentationml/2006/main" xmlns:c="http://schemas.openxmlformats.org/drawingml/2006/chart" xmlns:dgm="http://schemas.openxmlformats.org/drawingml/2006/diagram" xmlns:o="urn:schemas-microsoft-com:office:office" xmlns:v="urn:schemas-microsoft-com:vml" xmlns:pvml="urn:schemas-microsoft-com:office:powerpoint" xmlns:com="http://schemas.openxmlformats.org/drawingml/2006/compatibility" xmlns:p14="http://schemas.microsoft.com/office/powerpoint/2010/main" xmlns:p15="http://schemas.microsoft.com/office/powerpoint/2012/main" xmlns:ahyp="http://schemas.microsoft.com/office/drawing/2018/hyperlinkcolor" autoCompressPictures="0" embedTrueTypeFonts="1" strictFirstAndLastChars="0" saveSubsetFonts="1">
+<p:presentation xmlns:a="http://schemas.openxmlformats.org/drawingml/2006/main" xmlns:r="http://schemas.openxmlformats.org/officeDocument/2006/relationships" xmlns:p="http://schemas.openxmlformats.org/presentationml/2006/main" strictFirstAndLastChars="0" embedTrueTypeFonts="1" saveSubsetFonts="1" autoCompressPictures="0">
   <p:sldMasterIdLst>
-    <p:sldMasterId id="2147483659" r:id="rId5"/>
+    <p:sldMasterId id="2147483659" r:id="rId1"/>
   </p:sldMasterIdLst>
   <p:notesMasterIdLst>
-    <p:notesMasterId r:id="rId6"/>
+    <p:notesMasterId r:id="rId16"/>
   </p:notesMasterIdLst>
   <p:sldIdLst>
-    <p:sldId id="256" r:id="rId7"/>
-    <p:sldId id="257" r:id="rId8"/>
-    <p:sldId id="258" r:id="rId9"/>
-    <p:sldId id="259" r:id="rId10"/>
-    <p:sldId id="260" r:id="rId11"/>
-    <p:sldId id="261" r:id="rId12"/>
-    <p:sldId id="262" r:id="rId13"/>
-    <p:sldId id="263" r:id="rId14"/>
-    <p:sldId id="264" r:id="rId15"/>
-    <p:sldId id="265" r:id="rId16"/>
-    <p:sldId id="266" r:id="rId17"/>
-    <p:sldId id="267" r:id="rId18"/>
-    <p:sldId id="268" r:id="rId19"/>
-    <p:sldId id="269" r:id="rId20"/>
+    <p:sldId id="256" r:id="rId2"/>
+    <p:sldId id="257" r:id="rId3"/>
+    <p:sldId id="258" r:id="rId4"/>
+    <p:sldId id="259" r:id="rId5"/>
+    <p:sldId id="260" r:id="rId6"/>
+    <p:sldId id="261" r:id="rId7"/>
+    <p:sldId id="262" r:id="rId8"/>
+    <p:sldId id="263" r:id="rId9"/>
+    <p:sldId id="264" r:id="rId10"/>
+    <p:sldId id="265" r:id="rId11"/>
+    <p:sldId id="266" r:id="rId12"/>
+    <p:sldId id="267" r:id="rId13"/>
+    <p:sldId id="268" r:id="rId14"/>
+    <p:sldId id="269" r:id="rId15"/>
   </p:sldIdLst>
-  <p:sldSz cy="5143500" cx="9144000"/>
+  <p:sldSz cx="9144000" cy="5143500" type="screen16x9"/>
   <p:notesSz cx="6858000" cy="9144000"/>
   <p:embeddedFontLst>
     <p:embeddedFont>
-      <p:font typeface="Raleway"/>
+      <p:font typeface="Lato" panose="020F0502020204030203" pitchFamily="34" charset="77"/>
+      <p:regular r:id="rId17"/>
+      <p:bold r:id="rId18"/>
+      <p:italic r:id="rId19"/>
+      <p:boldItalic r:id="rId20"/>
+    </p:embeddedFont>
+    <p:embeddedFont>
+      <p:font typeface="Raleway" pitchFamily="2" charset="77"/>
       <p:regular r:id="rId21"/>
       <p:bold r:id="rId22"/>
       <p:italic r:id="rId23"/>
       <p:boldItalic r:id="rId24"/>
     </p:embeddedFont>
-    <p:embeddedFont>
-      <p:font typeface="Lato"/>
-      <p:regular r:id="rId25"/>
-      <p:bold r:id="rId26"/>
-      <p:italic r:id="rId27"/>
-      <p:boldItalic r:id="rId28"/>
-    </p:embeddedFont>
   </p:embeddedFontLst>
   <p:defaultTextStyle>
-    <a:defPPr lvl="0" marR="0" rtl="0" algn="l">
+    <a:defPPr marR="0" lvl="0" algn="l" rtl="0">
       <a:lnSpc>
         <a:spcPct val="100000"/>
       </a:lnSpc>
@@ -53,7 +53,7 @@
         <a:spcPts val="0"/>
       </a:spcAft>
     </a:defPPr>
-    <a:lvl1pPr lvl="0" marR="0" rtl="0" algn="l">
+    <a:lvl1pPr marR="0" lvl="0" algn="l" rtl="0">
       <a:lnSpc>
         <a:spcPct val="100000"/>
       </a:lnSpc>
@@ -67,7 +67,7 @@
         <a:srgbClr val="000000"/>
       </a:buClr>
       <a:buFont typeface="Arial"/>
-      <a:defRPr b="0" i="0" sz="1400" u="none" cap="none" strike="noStrike">
+      <a:defRPr sz="1400" b="0" i="0" u="none" strike="noStrike" cap="none">
         <a:solidFill>
           <a:srgbClr val="000000"/>
         </a:solidFill>
@@ -77,7 +77,7 @@
         <a:sym typeface="Arial"/>
       </a:defRPr>
     </a:lvl1pPr>
-    <a:lvl2pPr lvl="1" marR="0" rtl="0" algn="l">
+    <a:lvl2pPr marR="0" lvl="1" algn="l" rtl="0">
       <a:lnSpc>
         <a:spcPct val="100000"/>
       </a:lnSpc>
@@ -91,7 +91,7 @@
         <a:srgbClr val="000000"/>
       </a:buClr>
       <a:buFont typeface="Arial"/>
-      <a:defRPr b="0" i="0" sz="1400" u="none" cap="none" strike="noStrike">
+      <a:defRPr sz="1400" b="0" i="0" u="none" strike="noStrike" cap="none">
         <a:solidFill>
           <a:srgbClr val="000000"/>
         </a:solidFill>
@@ -101,7 +101,7 @@
         <a:sym typeface="Arial"/>
       </a:defRPr>
     </a:lvl2pPr>
-    <a:lvl3pPr lvl="2" marR="0" rtl="0" algn="l">
+    <a:lvl3pPr marR="0" lvl="2" algn="l" rtl="0">
       <a:lnSpc>
         <a:spcPct val="100000"/>
       </a:lnSpc>
@@ -115,7 +115,7 @@
         <a:srgbClr val="000000"/>
       </a:buClr>
       <a:buFont typeface="Arial"/>
-      <a:defRPr b="0" i="0" sz="1400" u="none" cap="none" strike="noStrike">
+      <a:defRPr sz="1400" b="0" i="0" u="none" strike="noStrike" cap="none">
         <a:solidFill>
           <a:srgbClr val="000000"/>
         </a:solidFill>
@@ -125,7 +125,7 @@
         <a:sym typeface="Arial"/>
       </a:defRPr>
     </a:lvl3pPr>
-    <a:lvl4pPr lvl="3" marR="0" rtl="0" algn="l">
+    <a:lvl4pPr marR="0" lvl="3" algn="l" rtl="0">
       <a:lnSpc>
         <a:spcPct val="100000"/>
       </a:lnSpc>
@@ -139,7 +139,7 @@
         <a:srgbClr val="000000"/>
       </a:buClr>
       <a:buFont typeface="Arial"/>
-      <a:defRPr b="0" i="0" sz="1400" u="none" cap="none" strike="noStrike">
+      <a:defRPr sz="1400" b="0" i="0" u="none" strike="noStrike" cap="none">
         <a:solidFill>
           <a:srgbClr val="000000"/>
         </a:solidFill>
@@ -149,7 +149,7 @@
         <a:sym typeface="Arial"/>
       </a:defRPr>
     </a:lvl4pPr>
-    <a:lvl5pPr lvl="4" marR="0" rtl="0" algn="l">
+    <a:lvl5pPr marR="0" lvl="4" algn="l" rtl="0">
       <a:lnSpc>
         <a:spcPct val="100000"/>
       </a:lnSpc>
@@ -163,7 +163,7 @@
         <a:srgbClr val="000000"/>
       </a:buClr>
       <a:buFont typeface="Arial"/>
-      <a:defRPr b="0" i="0" sz="1400" u="none" cap="none" strike="noStrike">
+      <a:defRPr sz="1400" b="0" i="0" u="none" strike="noStrike" cap="none">
         <a:solidFill>
           <a:srgbClr val="000000"/>
         </a:solidFill>
@@ -173,7 +173,7 @@
         <a:sym typeface="Arial"/>
       </a:defRPr>
     </a:lvl5pPr>
-    <a:lvl6pPr lvl="5" marR="0" rtl="0" algn="l">
+    <a:lvl6pPr marR="0" lvl="5" algn="l" rtl="0">
       <a:lnSpc>
         <a:spcPct val="100000"/>
       </a:lnSpc>
@@ -187,7 +187,7 @@
         <a:srgbClr val="000000"/>
       </a:buClr>
       <a:buFont typeface="Arial"/>
-      <a:defRPr b="0" i="0" sz="1400" u="none" cap="none" strike="noStrike">
+      <a:defRPr sz="1400" b="0" i="0" u="none" strike="noStrike" cap="none">
         <a:solidFill>
           <a:srgbClr val="000000"/>
         </a:solidFill>
@@ -197,7 +197,7 @@
         <a:sym typeface="Arial"/>
       </a:defRPr>
     </a:lvl6pPr>
-    <a:lvl7pPr lvl="6" marR="0" rtl="0" algn="l">
+    <a:lvl7pPr marR="0" lvl="6" algn="l" rtl="0">
       <a:lnSpc>
         <a:spcPct val="100000"/>
       </a:lnSpc>
@@ -211,7 +211,7 @@
         <a:srgbClr val="000000"/>
       </a:buClr>
       <a:buFont typeface="Arial"/>
-      <a:defRPr b="0" i="0" sz="1400" u="none" cap="none" strike="noStrike">
+      <a:defRPr sz="1400" b="0" i="0" u="none" strike="noStrike" cap="none">
         <a:solidFill>
           <a:srgbClr val="000000"/>
         </a:solidFill>
@@ -221,7 +221,7 @@
         <a:sym typeface="Arial"/>
       </a:defRPr>
     </a:lvl7pPr>
-    <a:lvl8pPr lvl="7" marR="0" rtl="0" algn="l">
+    <a:lvl8pPr marR="0" lvl="7" algn="l" rtl="0">
       <a:lnSpc>
         <a:spcPct val="100000"/>
       </a:lnSpc>
@@ -235,7 +235,7 @@
         <a:srgbClr val="000000"/>
       </a:buClr>
       <a:buFont typeface="Arial"/>
-      <a:defRPr b="0" i="0" sz="1400" u="none" cap="none" strike="noStrike">
+      <a:defRPr sz="1400" b="0" i="0" u="none" strike="noStrike" cap="none">
         <a:solidFill>
           <a:srgbClr val="000000"/>
         </a:solidFill>
@@ -245,7 +245,7 @@
         <a:sym typeface="Arial"/>
       </a:defRPr>
     </a:lvl8pPr>
-    <a:lvl9pPr lvl="8" marR="0" rtl="0" algn="l">
+    <a:lvl9pPr marR="0" lvl="8" algn="l" rtl="0">
       <a:lnSpc>
         <a:spcPct val="100000"/>
       </a:lnSpc>
@@ -259,7 +259,7 @@
         <a:srgbClr val="000000"/>
       </a:buClr>
       <a:buFont typeface="Arial"/>
-      <a:defRPr b="0" i="0" sz="1400" u="none" cap="none" strike="noStrike">
+      <a:defRPr sz="1400" b="0" i="0" u="none" strike="noStrike" cap="none">
         <a:solidFill>
           <a:srgbClr val="000000"/>
         </a:solidFill>
@@ -272,7 +272,7 @@
   </p:defaultTextStyle>
   <p:extLst>
     <p:ext uri="{EFAFB233-063F-42B5-8137-9DF3F51BA10A}">
-      <p15:sldGuideLst>
+      <p15:sldGuideLst xmlns:p15="http://schemas.microsoft.com/office/powerpoint/2012/main">
         <p15:guide id="1" orient="horz" pos="1620">
           <p15:clr>
             <a:srgbClr val="A4A3A4"/>
@@ -290,11 +290,16 @@
 </file>
 
 <file path=ppt/notesMasters/notesMaster1.xml><?xml version="1.0" encoding="utf-8"?>
-<p:notesMaster xmlns:a="http://schemas.openxmlformats.org/drawingml/2006/main" xmlns:r="http://schemas.openxmlformats.org/officeDocument/2006/relationships" xmlns:mc="http://schemas.openxmlformats.org/markup-compatibility/2006" xmlns:mv="urn:schemas-microsoft-com:mac:vml" xmlns:p="http://schemas.openxmlformats.org/presentationml/2006/main" xmlns:c="http://schemas.openxmlformats.org/drawingml/2006/chart" xmlns:dgm="http://schemas.openxmlformats.org/drawingml/2006/diagram" xmlns:o="urn:schemas-microsoft-com:office:office" xmlns:v="urn:schemas-microsoft-com:vml" xmlns:pvml="urn:schemas-microsoft-com:office:powerpoint" xmlns:com="http://schemas.openxmlformats.org/drawingml/2006/compatibility" xmlns:p14="http://schemas.microsoft.com/office/powerpoint/2010/main" xmlns:p15="http://schemas.microsoft.com/office/powerpoint/2012/main" xmlns:ahyp="http://schemas.microsoft.com/office/drawing/2018/hyperlinkcolor">
+<p:notesMaster xmlns:a="http://schemas.openxmlformats.org/drawingml/2006/main" xmlns:r="http://schemas.openxmlformats.org/officeDocument/2006/relationships" xmlns:p="http://schemas.openxmlformats.org/presentationml/2006/main">
   <p:cSld>
+    <p:bg>
+      <p:bgRef idx="1001">
+        <a:schemeClr val="bg1"/>
+      </p:bgRef>
+    </p:bg>
     <p:spTree>
       <p:nvGrpSpPr>
-        <p:cNvPr id="2" name="Shape 2"/>
+        <p:cNvPr id="1" name="Shape 2"/>
         <p:cNvGrpSpPr/>
         <p:nvPr/>
       </p:nvGrpSpPr>
@@ -309,9 +314,11 @@
       <p:sp>
         <p:nvSpPr>
           <p:cNvPr id="3" name="Google Shape;3;n"/>
-          <p:cNvSpPr/>
+          <p:cNvSpPr>
+            <a:spLocks noGrp="1" noRot="1" noChangeAspect="1"/>
+          </p:cNvSpPr>
           <p:nvPr>
-            <p:ph idx="2" type="sldImg"/>
+            <p:ph type="sldImg" idx="2"/>
           </p:nvPr>
         </p:nvSpPr>
         <p:spPr>
@@ -320,9 +327,13 @@
             <a:ext cx="6096075" cy="3429000"/>
           </a:xfrm>
           <a:custGeom>
-            <a:rect b="b" l="l" r="r" t="t"/>
+            <a:avLst/>
+            <a:gdLst/>
+            <a:ahLst/>
+            <a:cxnLst/>
+            <a:rect l="l" t="t" r="r" b="b"/>
             <a:pathLst>
-              <a:path extrusionOk="0" h="120000" w="120000">
+              <a:path w="120000" h="120000" extrusionOk="0">
                 <a:moveTo>
                   <a:pt x="0" y="0"/>
                 </a:moveTo>
@@ -340,23 +351,25 @@
             </a:pathLst>
           </a:custGeom>
           <a:noFill/>
-          <a:ln cap="flat" cmpd="sng" w="9525">
+          <a:ln w="9525" cap="flat" cmpd="sng">
             <a:solidFill>
               <a:srgbClr val="000000"/>
             </a:solidFill>
             <a:prstDash val="solid"/>
             <a:round/>
-            <a:headEnd len="sm" w="sm" type="none"/>
-            <a:tailEnd len="sm" w="sm" type="none"/>
+            <a:headEnd type="none" w="sm" len="sm"/>
+            <a:tailEnd type="none" w="sm" len="sm"/>
           </a:ln>
         </p:spPr>
       </p:sp>
       <p:sp>
         <p:nvSpPr>
           <p:cNvPr id="4" name="Google Shape;4;n"/>
-          <p:cNvSpPr txBox="1"/>
+          <p:cNvSpPr txBox="1">
+            <a:spLocks noGrp="1"/>
+          </p:cNvSpPr>
           <p:nvPr>
-            <p:ph idx="1" type="body"/>
+            <p:ph type="body" idx="1"/>
           </p:nvPr>
         </p:nvSpPr>
         <p:spPr>
@@ -373,11 +386,11 @@
           </a:ln>
         </p:spPr>
         <p:txBody>
-          <a:bodyPr anchorCtr="0" anchor="t" bIns="91425" lIns="91425" spcFirstLastPara="1" rIns="91425" wrap="square" tIns="91425">
+          <a:bodyPr spcFirstLastPara="1" wrap="square" lIns="91425" tIns="91425" rIns="91425" bIns="91425" anchor="t" anchorCtr="0">
             <a:noAutofit/>
           </a:bodyPr>
           <a:lstStyle>
-            <a:lvl1pPr indent="-298450" lvl="0" marL="457200">
+            <a:lvl1pPr marL="457200" lvl="0" indent="-298450">
               <a:spcBef>
                 <a:spcPts val="0"/>
               </a:spcBef>
@@ -388,7 +401,7 @@
               <a:buChar char="●"/>
               <a:defRPr sz="1100"/>
             </a:lvl1pPr>
-            <a:lvl2pPr indent="-298450" lvl="1" marL="914400">
+            <a:lvl2pPr marL="914400" lvl="1" indent="-298450">
               <a:spcBef>
                 <a:spcPts val="0"/>
               </a:spcBef>
@@ -399,7 +412,7 @@
               <a:buChar char="○"/>
               <a:defRPr sz="1100"/>
             </a:lvl2pPr>
-            <a:lvl3pPr indent="-298450" lvl="2" marL="1371600">
+            <a:lvl3pPr marL="1371600" lvl="2" indent="-298450">
               <a:spcBef>
                 <a:spcPts val="0"/>
               </a:spcBef>
@@ -410,7 +423,7 @@
               <a:buChar char="■"/>
               <a:defRPr sz="1100"/>
             </a:lvl3pPr>
-            <a:lvl4pPr indent="-298450" lvl="3" marL="1828800">
+            <a:lvl4pPr marL="1828800" lvl="3" indent="-298450">
               <a:spcBef>
                 <a:spcPts val="0"/>
               </a:spcBef>
@@ -421,7 +434,7 @@
               <a:buChar char="●"/>
               <a:defRPr sz="1100"/>
             </a:lvl4pPr>
-            <a:lvl5pPr indent="-298450" lvl="4" marL="2286000">
+            <a:lvl5pPr marL="2286000" lvl="4" indent="-298450">
               <a:spcBef>
                 <a:spcPts val="0"/>
               </a:spcBef>
@@ -432,7 +445,7 @@
               <a:buChar char="○"/>
               <a:defRPr sz="1100"/>
             </a:lvl5pPr>
-            <a:lvl6pPr indent="-298450" lvl="5" marL="2743200">
+            <a:lvl6pPr marL="2743200" lvl="5" indent="-298450">
               <a:spcBef>
                 <a:spcPts val="0"/>
               </a:spcBef>
@@ -443,7 +456,7 @@
               <a:buChar char="■"/>
               <a:defRPr sz="1100"/>
             </a:lvl6pPr>
-            <a:lvl7pPr indent="-298450" lvl="6" marL="3200400">
+            <a:lvl7pPr marL="3200400" lvl="6" indent="-298450">
               <a:spcBef>
                 <a:spcPts val="0"/>
               </a:spcBef>
@@ -454,7 +467,7 @@
               <a:buChar char="●"/>
               <a:defRPr sz="1100"/>
             </a:lvl7pPr>
-            <a:lvl8pPr indent="-298450" lvl="7" marL="3657600">
+            <a:lvl8pPr marL="3657600" lvl="7" indent="-298450">
               <a:spcBef>
                 <a:spcPts val="0"/>
               </a:spcBef>
@@ -465,7 +478,7 @@
               <a:buChar char="○"/>
               <a:defRPr sz="1100"/>
             </a:lvl8pPr>
-            <a:lvl9pPr indent="-298450" lvl="8" marL="4114800">
+            <a:lvl9pPr marL="4114800" lvl="8" indent="-298450">
               <a:spcBef>
                 <a:spcPts val="0"/>
               </a:spcBef>
@@ -477,14 +490,16 @@
               <a:defRPr sz="1100"/>
             </a:lvl9pPr>
           </a:lstStyle>
-          <a:p/>
+          <a:p>
+            <a:endParaRPr/>
+          </a:p>
         </p:txBody>
       </p:sp>
     </p:spTree>
   </p:cSld>
-  <p:clrMap accent1="accent1" accent2="accent2" accent3="accent3" accent4="accent4" accent5="accent5" accent6="accent6" bg1="lt1" bg2="dk2" tx1="dk1" tx2="lt2" folHlink="folHlink" hlink="hlink"/>
+  <p:clrMap bg1="lt1" tx1="dk1" bg2="dk2" tx2="lt2" accent1="accent1" accent2="accent2" accent3="accent3" accent4="accent4" accent5="accent5" accent6="accent6" hlink="hlink" folHlink="folHlink"/>
   <p:notesStyle>
-    <a:defPPr lvl="0" marR="0" rtl="0" algn="l">
+    <a:defPPr marR="0" lvl="0" algn="l" rtl="0">
       <a:lnSpc>
         <a:spcPct val="100000"/>
       </a:lnSpc>
@@ -495,7 +510,7 @@
         <a:spcPts val="0"/>
       </a:spcAft>
     </a:defPPr>
-    <a:lvl1pPr lvl="0" marR="0" rtl="0" algn="l">
+    <a:lvl1pPr marR="0" lvl="0" algn="l" rtl="0">
       <a:lnSpc>
         <a:spcPct val="100000"/>
       </a:lnSpc>
@@ -509,7 +524,7 @@
         <a:srgbClr val="000000"/>
       </a:buClr>
       <a:buFont typeface="Arial"/>
-      <a:defRPr b="0" i="0" sz="1400" u="none" cap="none" strike="noStrike">
+      <a:defRPr sz="1400" b="0" i="0" u="none" strike="noStrike" cap="none">
         <a:solidFill>
           <a:srgbClr val="000000"/>
         </a:solidFill>
@@ -519,7 +534,7 @@
         <a:sym typeface="Arial"/>
       </a:defRPr>
     </a:lvl1pPr>
-    <a:lvl2pPr lvl="1" marR="0" rtl="0" algn="l">
+    <a:lvl2pPr marR="0" lvl="1" algn="l" rtl="0">
       <a:lnSpc>
         <a:spcPct val="100000"/>
       </a:lnSpc>
@@ -533,7 +548,7 @@
         <a:srgbClr val="000000"/>
       </a:buClr>
       <a:buFont typeface="Arial"/>
-      <a:defRPr b="0" i="0" sz="1400" u="none" cap="none" strike="noStrike">
+      <a:defRPr sz="1400" b="0" i="0" u="none" strike="noStrike" cap="none">
         <a:solidFill>
           <a:srgbClr val="000000"/>
         </a:solidFill>
@@ -543,7 +558,7 @@
         <a:sym typeface="Arial"/>
       </a:defRPr>
     </a:lvl2pPr>
-    <a:lvl3pPr lvl="2" marR="0" rtl="0" algn="l">
+    <a:lvl3pPr marR="0" lvl="2" algn="l" rtl="0">
       <a:lnSpc>
         <a:spcPct val="100000"/>
       </a:lnSpc>
@@ -557,7 +572,7 @@
         <a:srgbClr val="000000"/>
       </a:buClr>
       <a:buFont typeface="Arial"/>
-      <a:defRPr b="0" i="0" sz="1400" u="none" cap="none" strike="noStrike">
+      <a:defRPr sz="1400" b="0" i="0" u="none" strike="noStrike" cap="none">
         <a:solidFill>
           <a:srgbClr val="000000"/>
         </a:solidFill>
@@ -567,7 +582,7 @@
         <a:sym typeface="Arial"/>
       </a:defRPr>
     </a:lvl3pPr>
-    <a:lvl4pPr lvl="3" marR="0" rtl="0" algn="l">
+    <a:lvl4pPr marR="0" lvl="3" algn="l" rtl="0">
       <a:lnSpc>
         <a:spcPct val="100000"/>
       </a:lnSpc>
@@ -581,7 +596,7 @@
         <a:srgbClr val="000000"/>
       </a:buClr>
       <a:buFont typeface="Arial"/>
-      <a:defRPr b="0" i="0" sz="1400" u="none" cap="none" strike="noStrike">
+      <a:defRPr sz="1400" b="0" i="0" u="none" strike="noStrike" cap="none">
         <a:solidFill>
           <a:srgbClr val="000000"/>
         </a:solidFill>
@@ -591,7 +606,7 @@
         <a:sym typeface="Arial"/>
       </a:defRPr>
     </a:lvl4pPr>
-    <a:lvl5pPr lvl="4" marR="0" rtl="0" algn="l">
+    <a:lvl5pPr marR="0" lvl="4" algn="l" rtl="0">
       <a:lnSpc>
         <a:spcPct val="100000"/>
       </a:lnSpc>
@@ -605,7 +620,7 @@
         <a:srgbClr val="000000"/>
       </a:buClr>
       <a:buFont typeface="Arial"/>
-      <a:defRPr b="0" i="0" sz="1400" u="none" cap="none" strike="noStrike">
+      <a:defRPr sz="1400" b="0" i="0" u="none" strike="noStrike" cap="none">
         <a:solidFill>
           <a:srgbClr val="000000"/>
         </a:solidFill>
@@ -615,7 +630,7 @@
         <a:sym typeface="Arial"/>
       </a:defRPr>
     </a:lvl5pPr>
-    <a:lvl6pPr lvl="5" marR="0" rtl="0" algn="l">
+    <a:lvl6pPr marR="0" lvl="5" algn="l" rtl="0">
       <a:lnSpc>
         <a:spcPct val="100000"/>
       </a:lnSpc>
@@ -629,7 +644,7 @@
         <a:srgbClr val="000000"/>
       </a:buClr>
       <a:buFont typeface="Arial"/>
-      <a:defRPr b="0" i="0" sz="1400" u="none" cap="none" strike="noStrike">
+      <a:defRPr sz="1400" b="0" i="0" u="none" strike="noStrike" cap="none">
         <a:solidFill>
           <a:srgbClr val="000000"/>
         </a:solidFill>
@@ -639,7 +654,7 @@
         <a:sym typeface="Arial"/>
       </a:defRPr>
     </a:lvl6pPr>
-    <a:lvl7pPr lvl="6" marR="0" rtl="0" algn="l">
+    <a:lvl7pPr marR="0" lvl="6" algn="l" rtl="0">
       <a:lnSpc>
         <a:spcPct val="100000"/>
       </a:lnSpc>
@@ -653,7 +668,7 @@
         <a:srgbClr val="000000"/>
       </a:buClr>
       <a:buFont typeface="Arial"/>
-      <a:defRPr b="0" i="0" sz="1400" u="none" cap="none" strike="noStrike">
+      <a:defRPr sz="1400" b="0" i="0" u="none" strike="noStrike" cap="none">
         <a:solidFill>
           <a:srgbClr val="000000"/>
         </a:solidFill>
@@ -663,7 +678,7 @@
         <a:sym typeface="Arial"/>
       </a:defRPr>
     </a:lvl7pPr>
-    <a:lvl8pPr lvl="7" marR="0" rtl="0" algn="l">
+    <a:lvl8pPr marR="0" lvl="7" algn="l" rtl="0">
       <a:lnSpc>
         <a:spcPct val="100000"/>
       </a:lnSpc>
@@ -677,7 +692,7 @@
         <a:srgbClr val="000000"/>
       </a:buClr>
       <a:buFont typeface="Arial"/>
-      <a:defRPr b="0" i="0" sz="1400" u="none" cap="none" strike="noStrike">
+      <a:defRPr sz="1400" b="0" i="0" u="none" strike="noStrike" cap="none">
         <a:solidFill>
           <a:srgbClr val="000000"/>
         </a:solidFill>
@@ -687,7 +702,7 @@
         <a:sym typeface="Arial"/>
       </a:defRPr>
     </a:lvl8pPr>
-    <a:lvl9pPr lvl="8" marR="0" rtl="0" algn="l">
+    <a:lvl9pPr marR="0" lvl="8" algn="l" rtl="0">
       <a:lnSpc>
         <a:spcPct val="100000"/>
       </a:lnSpc>
@@ -701,7 +716,7 @@
         <a:srgbClr val="000000"/>
       </a:buClr>
       <a:buFont typeface="Arial"/>
-      <a:defRPr b="0" i="0" sz="1400" u="none" cap="none" strike="noStrike">
+      <a:defRPr sz="1400" b="0" i="0" u="none" strike="noStrike" cap="none">
         <a:solidFill>
           <a:srgbClr val="000000"/>
         </a:solidFill>
@@ -716,11 +731,11 @@
 </file>
 
 <file path=ppt/notesSlides/notesSlide1.xml><?xml version="1.0" encoding="utf-8"?>
-<p:notes xmlns:a="http://schemas.openxmlformats.org/drawingml/2006/main" xmlns:r="http://schemas.openxmlformats.org/officeDocument/2006/relationships" xmlns:mc="http://schemas.openxmlformats.org/markup-compatibility/2006" xmlns:mv="urn:schemas-microsoft-com:mac:vml" xmlns:p="http://schemas.openxmlformats.org/presentationml/2006/main" xmlns:c="http://schemas.openxmlformats.org/drawingml/2006/chart" xmlns:dgm="http://schemas.openxmlformats.org/drawingml/2006/diagram" xmlns:o="urn:schemas-microsoft-com:office:office" xmlns:v="urn:schemas-microsoft-com:vml" xmlns:pvml="urn:schemas-microsoft-com:office:powerpoint" xmlns:com="http://schemas.openxmlformats.org/drawingml/2006/compatibility" xmlns:p14="http://schemas.microsoft.com/office/powerpoint/2010/main" xmlns:p15="http://schemas.microsoft.com/office/powerpoint/2012/main" xmlns:ahyp="http://schemas.microsoft.com/office/drawing/2018/hyperlinkcolor" showMasterPhAnim="0" showMasterSp="0">
+<p:notes xmlns:a="http://schemas.openxmlformats.org/drawingml/2006/main" xmlns:r="http://schemas.openxmlformats.org/officeDocument/2006/relationships" xmlns:p="http://schemas.openxmlformats.org/presentationml/2006/main" showMasterSp="0" showMasterPhAnim="0">
   <p:cSld>
     <p:spTree>
       <p:nvGrpSpPr>
-        <p:cNvPr id="82" name="Shape 82"/>
+        <p:cNvPr id="1" name="Shape 82"/>
         <p:cNvGrpSpPr/>
         <p:nvPr/>
       </p:nvGrpSpPr>
@@ -735,9 +750,11 @@
       <p:sp>
         <p:nvSpPr>
           <p:cNvPr id="83" name="Google Shape;83;p:notes"/>
-          <p:cNvSpPr/>
+          <p:cNvSpPr>
+            <a:spLocks noGrp="1" noRot="1" noChangeAspect="1"/>
+          </p:cNvSpPr>
           <p:nvPr>
-            <p:ph idx="2" type="sldImg"/>
+            <p:ph type="sldImg" idx="2"/>
           </p:nvPr>
         </p:nvSpPr>
         <p:spPr>
@@ -746,9 +763,13 @@
             <a:ext cx="6096075" cy="3429000"/>
           </a:xfrm>
           <a:custGeom>
-            <a:rect b="b" l="l" r="r" t="t"/>
+            <a:avLst/>
+            <a:gdLst/>
+            <a:ahLst/>
+            <a:cxnLst/>
+            <a:rect l="l" t="t" r="r" b="b"/>
             <a:pathLst>
-              <a:path extrusionOk="0" h="120000" w="120000">
+              <a:path w="120000" h="120000" extrusionOk="0">
                 <a:moveTo>
                   <a:pt x="0" y="0"/>
                 </a:moveTo>
@@ -770,9 +791,11 @@
       <p:sp>
         <p:nvSpPr>
           <p:cNvPr id="84" name="Google Shape;84;p:notes"/>
-          <p:cNvSpPr txBox="1"/>
+          <p:cNvSpPr txBox="1">
+            <a:spLocks noGrp="1"/>
+          </p:cNvSpPr>
           <p:nvPr>
-            <p:ph idx="1" type="body"/>
+            <p:ph type="body" idx="1"/>
           </p:nvPr>
         </p:nvSpPr>
         <p:spPr>
@@ -785,12 +808,12 @@
           </a:prstGeom>
         </p:spPr>
         <p:txBody>
-          <a:bodyPr anchorCtr="0" anchor="t" bIns="91425" lIns="91425" spcFirstLastPara="1" rIns="91425" wrap="square" tIns="91425">
+          <a:bodyPr spcFirstLastPara="1" wrap="square" lIns="91425" tIns="91425" rIns="91425" bIns="91425" anchor="t" anchorCtr="0">
             <a:noAutofit/>
           </a:bodyPr>
           <a:lstStyle/>
           <a:p>
-            <a:pPr indent="0" lvl="0" marL="0" rtl="0" algn="l">
+            <a:pPr marL="0" lvl="0" indent="0" algn="l" rtl="0">
               <a:spcBef>
                 <a:spcPts val="0"/>
               </a:spcBef>
@@ -799,9 +822,6 @@
               </a:spcAft>
               <a:buNone/>
             </a:pPr>
-            <a:r>
-              <a:t/>
-            </a:r>
             <a:endParaRPr/>
           </a:p>
         </p:txBody>
@@ -815,11 +835,11 @@
 </file>
 
 <file path=ppt/notesSlides/notesSlide10.xml><?xml version="1.0" encoding="utf-8"?>
-<p:notes xmlns:a="http://schemas.openxmlformats.org/drawingml/2006/main" xmlns:r="http://schemas.openxmlformats.org/officeDocument/2006/relationships" xmlns:mc="http://schemas.openxmlformats.org/markup-compatibility/2006" xmlns:mv="urn:schemas-microsoft-com:mac:vml" xmlns:p="http://schemas.openxmlformats.org/presentationml/2006/main" xmlns:c="http://schemas.openxmlformats.org/drawingml/2006/chart" xmlns:dgm="http://schemas.openxmlformats.org/drawingml/2006/diagram" xmlns:o="urn:schemas-microsoft-com:office:office" xmlns:v="urn:schemas-microsoft-com:vml" xmlns:pvml="urn:schemas-microsoft-com:office:powerpoint" xmlns:com="http://schemas.openxmlformats.org/drawingml/2006/compatibility" xmlns:p14="http://schemas.microsoft.com/office/powerpoint/2010/main" xmlns:p15="http://schemas.microsoft.com/office/powerpoint/2012/main" xmlns:ahyp="http://schemas.microsoft.com/office/drawing/2018/hyperlinkcolor" showMasterPhAnim="0" showMasterSp="0">
+<p:notes xmlns:a="http://schemas.openxmlformats.org/drawingml/2006/main" xmlns:r="http://schemas.openxmlformats.org/officeDocument/2006/relationships" xmlns:p="http://schemas.openxmlformats.org/presentationml/2006/main" showMasterSp="0" showMasterPhAnim="0">
   <p:cSld>
     <p:spTree>
       <p:nvGrpSpPr>
-        <p:cNvPr id="179" name="Shape 179"/>
+        <p:cNvPr id="1" name="Shape 179"/>
         <p:cNvGrpSpPr/>
         <p:nvPr/>
       </p:nvGrpSpPr>
@@ -834,9 +854,11 @@
       <p:sp>
         <p:nvSpPr>
           <p:cNvPr id="180" name="Google Shape;180;gc9421efdba_0_120:notes"/>
-          <p:cNvSpPr/>
+          <p:cNvSpPr>
+            <a:spLocks noGrp="1" noRot="1" noChangeAspect="1"/>
+          </p:cNvSpPr>
           <p:nvPr>
-            <p:ph idx="2" type="sldImg"/>
+            <p:ph type="sldImg" idx="2"/>
           </p:nvPr>
         </p:nvSpPr>
         <p:spPr>
@@ -845,9 +867,13 @@
             <a:ext cx="6096000" cy="3429000"/>
           </a:xfrm>
           <a:custGeom>
-            <a:rect b="b" l="l" r="r" t="t"/>
+            <a:avLst/>
+            <a:gdLst/>
+            <a:ahLst/>
+            <a:cxnLst/>
+            <a:rect l="l" t="t" r="r" b="b"/>
             <a:pathLst>
-              <a:path extrusionOk="0" h="120000" w="120000">
+              <a:path w="120000" h="120000" extrusionOk="0">
                 <a:moveTo>
                   <a:pt x="0" y="0"/>
                 </a:moveTo>
@@ -869,9 +895,11 @@
       <p:sp>
         <p:nvSpPr>
           <p:cNvPr id="181" name="Google Shape;181;gc9421efdba_0_120:notes"/>
-          <p:cNvSpPr txBox="1"/>
+          <p:cNvSpPr txBox="1">
+            <a:spLocks noGrp="1"/>
+          </p:cNvSpPr>
           <p:nvPr>
-            <p:ph idx="1" type="body"/>
+            <p:ph type="body" idx="1"/>
           </p:nvPr>
         </p:nvSpPr>
         <p:spPr>
@@ -884,12 +912,12 @@
           </a:prstGeom>
         </p:spPr>
         <p:txBody>
-          <a:bodyPr anchorCtr="0" anchor="t" bIns="91425" lIns="91425" spcFirstLastPara="1" rIns="91425" wrap="square" tIns="91425">
+          <a:bodyPr spcFirstLastPara="1" wrap="square" lIns="91425" tIns="91425" rIns="91425" bIns="91425" anchor="t" anchorCtr="0">
             <a:noAutofit/>
           </a:bodyPr>
           <a:lstStyle/>
           <a:p>
-            <a:pPr indent="0" lvl="0" marL="0" rtl="0" algn="l">
+            <a:pPr marL="0" lvl="0" indent="0" algn="l" rtl="0">
               <a:spcBef>
                 <a:spcPts val="0"/>
               </a:spcBef>
@@ -898,9 +926,6 @@
               </a:spcAft>
               <a:buNone/>
             </a:pPr>
-            <a:r>
-              <a:t/>
-            </a:r>
             <a:endParaRPr/>
           </a:p>
         </p:txBody>
@@ -914,11 +939,11 @@
 </file>
 
 <file path=ppt/notesSlides/notesSlide11.xml><?xml version="1.0" encoding="utf-8"?>
-<p:notes xmlns:a="http://schemas.openxmlformats.org/drawingml/2006/main" xmlns:r="http://schemas.openxmlformats.org/officeDocument/2006/relationships" xmlns:mc="http://schemas.openxmlformats.org/markup-compatibility/2006" xmlns:mv="urn:schemas-microsoft-com:mac:vml" xmlns:p="http://schemas.openxmlformats.org/presentationml/2006/main" xmlns:c="http://schemas.openxmlformats.org/drawingml/2006/chart" xmlns:dgm="http://schemas.openxmlformats.org/drawingml/2006/diagram" xmlns:o="urn:schemas-microsoft-com:office:office" xmlns:v="urn:schemas-microsoft-com:vml" xmlns:pvml="urn:schemas-microsoft-com:office:powerpoint" xmlns:com="http://schemas.openxmlformats.org/drawingml/2006/compatibility" xmlns:p14="http://schemas.microsoft.com/office/powerpoint/2010/main" xmlns:p15="http://schemas.microsoft.com/office/powerpoint/2012/main" xmlns:ahyp="http://schemas.microsoft.com/office/drawing/2018/hyperlinkcolor" showMasterPhAnim="0" showMasterSp="0">
+<p:notes xmlns:a="http://schemas.openxmlformats.org/drawingml/2006/main" xmlns:r="http://schemas.openxmlformats.org/officeDocument/2006/relationships" xmlns:p="http://schemas.openxmlformats.org/presentationml/2006/main" showMasterSp="0" showMasterPhAnim="0">
   <p:cSld>
     <p:spTree>
       <p:nvGrpSpPr>
-        <p:cNvPr id="199" name="Shape 199"/>
+        <p:cNvPr id="1" name="Shape 199"/>
         <p:cNvGrpSpPr/>
         <p:nvPr/>
       </p:nvGrpSpPr>
@@ -933,20 +958,26 @@
       <p:sp>
         <p:nvSpPr>
           <p:cNvPr id="200" name="Google Shape;200;gc9421efdba_0_133:notes"/>
-          <p:cNvSpPr/>
+          <p:cNvSpPr>
+            <a:spLocks noGrp="1" noRot="1" noChangeAspect="1"/>
+          </p:cNvSpPr>
           <p:nvPr>
-            <p:ph idx="2" type="sldImg"/>
+            <p:ph type="sldImg" idx="2"/>
           </p:nvPr>
         </p:nvSpPr>
         <p:spPr>
           <a:xfrm>
-            <a:off x="381300" y="685800"/>
+            <a:off x="381000" y="685800"/>
             <a:ext cx="6096000" cy="3429000"/>
           </a:xfrm>
           <a:custGeom>
-            <a:rect b="b" l="l" r="r" t="t"/>
+            <a:avLst/>
+            <a:gdLst/>
+            <a:ahLst/>
+            <a:cxnLst/>
+            <a:rect l="l" t="t" r="r" b="b"/>
             <a:pathLst>
-              <a:path extrusionOk="0" h="120000" w="120000">
+              <a:path w="120000" h="120000" extrusionOk="0">
                 <a:moveTo>
                   <a:pt x="0" y="0"/>
                 </a:moveTo>
@@ -968,9 +999,11 @@
       <p:sp>
         <p:nvSpPr>
           <p:cNvPr id="201" name="Google Shape;201;gc9421efdba_0_133:notes"/>
-          <p:cNvSpPr txBox="1"/>
+          <p:cNvSpPr txBox="1">
+            <a:spLocks noGrp="1"/>
+          </p:cNvSpPr>
           <p:nvPr>
-            <p:ph idx="1" type="body"/>
+            <p:ph type="body" idx="1"/>
           </p:nvPr>
         </p:nvSpPr>
         <p:spPr>
@@ -983,12 +1016,12 @@
           </a:prstGeom>
         </p:spPr>
         <p:txBody>
-          <a:bodyPr anchorCtr="0" anchor="t" bIns="91425" lIns="91425" spcFirstLastPara="1" rIns="91425" wrap="square" tIns="91425">
+          <a:bodyPr spcFirstLastPara="1" wrap="square" lIns="91425" tIns="91425" rIns="91425" bIns="91425" anchor="t" anchorCtr="0">
             <a:noAutofit/>
           </a:bodyPr>
           <a:lstStyle/>
           <a:p>
-            <a:pPr indent="0" lvl="0" marL="0" rtl="0" algn="l">
+            <a:pPr marL="0" lvl="0" indent="0" algn="l" rtl="0">
               <a:spcBef>
                 <a:spcPts val="0"/>
               </a:spcBef>
@@ -997,9 +1030,6 @@
               </a:spcAft>
               <a:buNone/>
             </a:pPr>
-            <a:r>
-              <a:t/>
-            </a:r>
             <a:endParaRPr/>
           </a:p>
         </p:txBody>
@@ -1013,11 +1043,11 @@
 </file>
 
 <file path=ppt/notesSlides/notesSlide12.xml><?xml version="1.0" encoding="utf-8"?>
-<p:notes xmlns:a="http://schemas.openxmlformats.org/drawingml/2006/main" xmlns:r="http://schemas.openxmlformats.org/officeDocument/2006/relationships" xmlns:mc="http://schemas.openxmlformats.org/markup-compatibility/2006" xmlns:mv="urn:schemas-microsoft-com:mac:vml" xmlns:p="http://schemas.openxmlformats.org/presentationml/2006/main" xmlns:c="http://schemas.openxmlformats.org/drawingml/2006/chart" xmlns:dgm="http://schemas.openxmlformats.org/drawingml/2006/diagram" xmlns:o="urn:schemas-microsoft-com:office:office" xmlns:v="urn:schemas-microsoft-com:vml" xmlns:pvml="urn:schemas-microsoft-com:office:powerpoint" xmlns:com="http://schemas.openxmlformats.org/drawingml/2006/compatibility" xmlns:p14="http://schemas.microsoft.com/office/powerpoint/2010/main" xmlns:p15="http://schemas.microsoft.com/office/powerpoint/2012/main" xmlns:ahyp="http://schemas.microsoft.com/office/drawing/2018/hyperlinkcolor" showMasterPhAnim="0" showMasterSp="0">
+<p:notes xmlns:a="http://schemas.openxmlformats.org/drawingml/2006/main" xmlns:r="http://schemas.openxmlformats.org/officeDocument/2006/relationships" xmlns:p="http://schemas.openxmlformats.org/presentationml/2006/main" showMasterSp="0" showMasterPhAnim="0">
   <p:cSld>
     <p:spTree>
       <p:nvGrpSpPr>
-        <p:cNvPr id="213" name="Shape 213"/>
+        <p:cNvPr id="1" name="Shape 213"/>
         <p:cNvGrpSpPr/>
         <p:nvPr/>
       </p:nvGrpSpPr>
@@ -1032,9 +1062,11 @@
       <p:sp>
         <p:nvSpPr>
           <p:cNvPr id="214" name="Google Shape;214;gc9421efdba_0_154:notes"/>
-          <p:cNvSpPr/>
+          <p:cNvSpPr>
+            <a:spLocks noGrp="1" noRot="1" noChangeAspect="1"/>
+          </p:cNvSpPr>
           <p:nvPr>
-            <p:ph idx="2" type="sldImg"/>
+            <p:ph type="sldImg" idx="2"/>
           </p:nvPr>
         </p:nvSpPr>
         <p:spPr>
@@ -1043,9 +1075,13 @@
             <a:ext cx="6096000" cy="3429000"/>
           </a:xfrm>
           <a:custGeom>
-            <a:rect b="b" l="l" r="r" t="t"/>
+            <a:avLst/>
+            <a:gdLst/>
+            <a:ahLst/>
+            <a:cxnLst/>
+            <a:rect l="l" t="t" r="r" b="b"/>
             <a:pathLst>
-              <a:path extrusionOk="0" h="120000" w="120000">
+              <a:path w="120000" h="120000" extrusionOk="0">
                 <a:moveTo>
                   <a:pt x="0" y="0"/>
                 </a:moveTo>
@@ -1067,9 +1103,11 @@
       <p:sp>
         <p:nvSpPr>
           <p:cNvPr id="215" name="Google Shape;215;gc9421efdba_0_154:notes"/>
-          <p:cNvSpPr txBox="1"/>
+          <p:cNvSpPr txBox="1">
+            <a:spLocks noGrp="1"/>
+          </p:cNvSpPr>
           <p:nvPr>
-            <p:ph idx="1" type="body"/>
+            <p:ph type="body" idx="1"/>
           </p:nvPr>
         </p:nvSpPr>
         <p:spPr>
@@ -1082,12 +1120,12 @@
           </a:prstGeom>
         </p:spPr>
         <p:txBody>
-          <a:bodyPr anchorCtr="0" anchor="t" bIns="91425" lIns="91425" spcFirstLastPara="1" rIns="91425" wrap="square" tIns="91425">
+          <a:bodyPr spcFirstLastPara="1" wrap="square" lIns="91425" tIns="91425" rIns="91425" bIns="91425" anchor="t" anchorCtr="0">
             <a:noAutofit/>
           </a:bodyPr>
           <a:lstStyle/>
           <a:p>
-            <a:pPr indent="0" lvl="0" marL="0" rtl="0" algn="l">
+            <a:pPr marL="0" lvl="0" indent="0" algn="l" rtl="0">
               <a:spcBef>
                 <a:spcPts val="0"/>
               </a:spcBef>
@@ -1103,7 +1141,7 @@
             <a:endParaRPr/>
           </a:p>
           <a:p>
-            <a:pPr indent="0" lvl="0" marL="0" rtl="0" algn="l">
+            <a:pPr marL="0" lvl="0" indent="0" algn="l" rtl="0">
               <a:spcBef>
                 <a:spcPts val="0"/>
               </a:spcBef>
@@ -1119,7 +1157,7 @@
             <a:endParaRPr/>
           </a:p>
           <a:p>
-            <a:pPr indent="0" lvl="0" marL="0" rtl="0" algn="l">
+            <a:pPr marL="0" lvl="0" indent="0" algn="l" rtl="0">
               <a:spcBef>
                 <a:spcPts val="0"/>
               </a:spcBef>
@@ -1135,7 +1173,7 @@
             <a:endParaRPr/>
           </a:p>
           <a:p>
-            <a:pPr indent="0" lvl="0" marL="0" rtl="0" algn="l">
+            <a:pPr marL="0" lvl="0" indent="0" algn="l" rtl="0">
               <a:spcBef>
                 <a:spcPts val="0"/>
               </a:spcBef>
@@ -1151,7 +1189,7 @@
             <a:endParaRPr/>
           </a:p>
           <a:p>
-            <a:pPr indent="0" lvl="0" marL="0" rtl="0" algn="l">
+            <a:pPr marL="0" lvl="0" indent="0" algn="l" rtl="0">
               <a:spcBef>
                 <a:spcPts val="0"/>
               </a:spcBef>
@@ -1167,7 +1205,7 @@
             <a:endParaRPr/>
           </a:p>
           <a:p>
-            <a:pPr indent="0" lvl="0" marL="0" rtl="0" algn="l">
+            <a:pPr marL="0" lvl="0" indent="0" algn="l" rtl="0">
               <a:spcBef>
                 <a:spcPts val="0"/>
               </a:spcBef>
@@ -1183,7 +1221,7 @@
             <a:endParaRPr/>
           </a:p>
           <a:p>
-            <a:pPr indent="0" lvl="0" marL="0" rtl="0" algn="l">
+            <a:pPr marL="0" lvl="0" indent="0" algn="l" rtl="0">
               <a:spcBef>
                 <a:spcPts val="0"/>
               </a:spcBef>
@@ -1199,7 +1237,7 @@
             <a:endParaRPr/>
           </a:p>
           <a:p>
-            <a:pPr indent="0" lvl="0" marL="0" rtl="0" algn="l">
+            <a:pPr marL="0" lvl="0" indent="0" algn="l" rtl="0">
               <a:spcBef>
                 <a:spcPts val="0"/>
               </a:spcBef>
@@ -1215,7 +1253,7 @@
             <a:endParaRPr/>
           </a:p>
           <a:p>
-            <a:pPr indent="0" lvl="0" marL="0" rtl="0" algn="l">
+            <a:pPr marL="0" lvl="0" indent="0" algn="l" rtl="0">
               <a:spcBef>
                 <a:spcPts val="0"/>
               </a:spcBef>
@@ -1231,7 +1269,7 @@
             <a:endParaRPr/>
           </a:p>
           <a:p>
-            <a:pPr indent="0" lvl="0" marL="0" rtl="0" algn="l">
+            <a:pPr marL="0" lvl="0" indent="0" algn="l" rtl="0">
               <a:spcBef>
                 <a:spcPts val="0"/>
               </a:spcBef>
@@ -1247,7 +1285,7 @@
             <a:endParaRPr/>
           </a:p>
           <a:p>
-            <a:pPr indent="0" lvl="0" marL="0" rtl="0" algn="l">
+            <a:pPr marL="0" lvl="0" indent="0" algn="l" rtl="0">
               <a:spcBef>
                 <a:spcPts val="0"/>
               </a:spcBef>
@@ -1256,9 +1294,6 @@
               </a:spcAft>
               <a:buNone/>
             </a:pPr>
-            <a:r>
-              <a:t/>
-            </a:r>
             <a:endParaRPr/>
           </a:p>
         </p:txBody>
@@ -1272,11 +1307,11 @@
 </file>
 
 <file path=ppt/notesSlides/notesSlide13.xml><?xml version="1.0" encoding="utf-8"?>
-<p:notes xmlns:a="http://schemas.openxmlformats.org/drawingml/2006/main" xmlns:r="http://schemas.openxmlformats.org/officeDocument/2006/relationships" xmlns:mc="http://schemas.openxmlformats.org/markup-compatibility/2006" xmlns:mv="urn:schemas-microsoft-com:mac:vml" xmlns:p="http://schemas.openxmlformats.org/presentationml/2006/main" xmlns:c="http://schemas.openxmlformats.org/drawingml/2006/chart" xmlns:dgm="http://schemas.openxmlformats.org/drawingml/2006/diagram" xmlns:o="urn:schemas-microsoft-com:office:office" xmlns:v="urn:schemas-microsoft-com:vml" xmlns:pvml="urn:schemas-microsoft-com:office:powerpoint" xmlns:com="http://schemas.openxmlformats.org/drawingml/2006/compatibility" xmlns:p14="http://schemas.microsoft.com/office/powerpoint/2010/main" xmlns:p15="http://schemas.microsoft.com/office/powerpoint/2012/main" xmlns:ahyp="http://schemas.microsoft.com/office/drawing/2018/hyperlinkcolor" showMasterPhAnim="0" showMasterSp="0">
+<p:notes xmlns:a="http://schemas.openxmlformats.org/drawingml/2006/main" xmlns:r="http://schemas.openxmlformats.org/officeDocument/2006/relationships" xmlns:p="http://schemas.openxmlformats.org/presentationml/2006/main" showMasterSp="0" showMasterPhAnim="0">
   <p:cSld>
     <p:spTree>
       <p:nvGrpSpPr>
-        <p:cNvPr id="258" name="Shape 258"/>
+        <p:cNvPr id="1" name="Shape 258"/>
         <p:cNvGrpSpPr/>
         <p:nvPr/>
       </p:nvGrpSpPr>
@@ -1291,9 +1326,11 @@
       <p:sp>
         <p:nvSpPr>
           <p:cNvPr id="259" name="Google Shape;259;gc9421efdba_0_6:notes"/>
-          <p:cNvSpPr/>
+          <p:cNvSpPr>
+            <a:spLocks noGrp="1" noRot="1" noChangeAspect="1"/>
+          </p:cNvSpPr>
           <p:nvPr>
-            <p:ph idx="2" type="sldImg"/>
+            <p:ph type="sldImg" idx="2"/>
           </p:nvPr>
         </p:nvSpPr>
         <p:spPr>
@@ -1302,9 +1339,13 @@
             <a:ext cx="6096000" cy="3429000"/>
           </a:xfrm>
           <a:custGeom>
-            <a:rect b="b" l="l" r="r" t="t"/>
+            <a:avLst/>
+            <a:gdLst/>
+            <a:ahLst/>
+            <a:cxnLst/>
+            <a:rect l="l" t="t" r="r" b="b"/>
             <a:pathLst>
-              <a:path extrusionOk="0" h="120000" w="120000">
+              <a:path w="120000" h="120000" extrusionOk="0">
                 <a:moveTo>
                   <a:pt x="0" y="0"/>
                 </a:moveTo>
@@ -1326,9 +1367,11 @@
       <p:sp>
         <p:nvSpPr>
           <p:cNvPr id="260" name="Google Shape;260;gc9421efdba_0_6:notes"/>
-          <p:cNvSpPr txBox="1"/>
+          <p:cNvSpPr txBox="1">
+            <a:spLocks noGrp="1"/>
+          </p:cNvSpPr>
           <p:nvPr>
-            <p:ph idx="1" type="body"/>
+            <p:ph type="body" idx="1"/>
           </p:nvPr>
         </p:nvSpPr>
         <p:spPr>
@@ -1341,12 +1384,12 @@
           </a:prstGeom>
         </p:spPr>
         <p:txBody>
-          <a:bodyPr anchorCtr="0" anchor="t" bIns="91425" lIns="91425" spcFirstLastPara="1" rIns="91425" wrap="square" tIns="91425">
+          <a:bodyPr spcFirstLastPara="1" wrap="square" lIns="91425" tIns="91425" rIns="91425" bIns="91425" anchor="t" anchorCtr="0">
             <a:noAutofit/>
           </a:bodyPr>
           <a:lstStyle/>
           <a:p>
-            <a:pPr indent="0" lvl="0" marL="0" rtl="0" algn="l">
+            <a:pPr marL="0" lvl="0" indent="0" algn="l" rtl="0">
               <a:spcBef>
                 <a:spcPts val="0"/>
               </a:spcBef>
@@ -1372,11 +1415,11 @@
 </file>
 
 <file path=ppt/notesSlides/notesSlide14.xml><?xml version="1.0" encoding="utf-8"?>
-<p:notes xmlns:a="http://schemas.openxmlformats.org/drawingml/2006/main" xmlns:r="http://schemas.openxmlformats.org/officeDocument/2006/relationships" xmlns:mc="http://schemas.openxmlformats.org/markup-compatibility/2006" xmlns:mv="urn:schemas-microsoft-com:mac:vml" xmlns:p="http://schemas.openxmlformats.org/presentationml/2006/main" xmlns:c="http://schemas.openxmlformats.org/drawingml/2006/chart" xmlns:dgm="http://schemas.openxmlformats.org/drawingml/2006/diagram" xmlns:o="urn:schemas-microsoft-com:office:office" xmlns:v="urn:schemas-microsoft-com:vml" xmlns:pvml="urn:schemas-microsoft-com:office:powerpoint" xmlns:com="http://schemas.openxmlformats.org/drawingml/2006/compatibility" xmlns:p14="http://schemas.microsoft.com/office/powerpoint/2010/main" xmlns:p15="http://schemas.microsoft.com/office/powerpoint/2012/main" xmlns:ahyp="http://schemas.microsoft.com/office/drawing/2018/hyperlinkcolor" showMasterPhAnim="0" showMasterSp="0">
+<p:notes xmlns:a="http://schemas.openxmlformats.org/drawingml/2006/main" xmlns:r="http://schemas.openxmlformats.org/officeDocument/2006/relationships" xmlns:p="http://schemas.openxmlformats.org/presentationml/2006/main" showMasterSp="0" showMasterPhAnim="0">
   <p:cSld>
     <p:spTree>
       <p:nvGrpSpPr>
-        <p:cNvPr id="270" name="Shape 270"/>
+        <p:cNvPr id="1" name="Shape 270"/>
         <p:cNvGrpSpPr/>
         <p:nvPr/>
       </p:nvGrpSpPr>
@@ -1391,9 +1434,11 @@
       <p:sp>
         <p:nvSpPr>
           <p:cNvPr id="271" name="Google Shape;271;gb0fe95397c_0_277:notes"/>
-          <p:cNvSpPr/>
+          <p:cNvSpPr>
+            <a:spLocks noGrp="1" noRot="1" noChangeAspect="1"/>
+          </p:cNvSpPr>
           <p:nvPr>
-            <p:ph idx="2" type="sldImg"/>
+            <p:ph type="sldImg" idx="2"/>
           </p:nvPr>
         </p:nvSpPr>
         <p:spPr>
@@ -1402,9 +1447,13 @@
             <a:ext cx="6096000" cy="3429000"/>
           </a:xfrm>
           <a:custGeom>
-            <a:rect b="b" l="l" r="r" t="t"/>
+            <a:avLst/>
+            <a:gdLst/>
+            <a:ahLst/>
+            <a:cxnLst/>
+            <a:rect l="l" t="t" r="r" b="b"/>
             <a:pathLst>
-              <a:path extrusionOk="0" h="120000" w="120000">
+              <a:path w="120000" h="120000" extrusionOk="0">
                 <a:moveTo>
                   <a:pt x="0" y="0"/>
                 </a:moveTo>
@@ -1426,9 +1475,11 @@
       <p:sp>
         <p:nvSpPr>
           <p:cNvPr id="272" name="Google Shape;272;gb0fe95397c_0_277:notes"/>
-          <p:cNvSpPr txBox="1"/>
+          <p:cNvSpPr txBox="1">
+            <a:spLocks noGrp="1"/>
+          </p:cNvSpPr>
           <p:nvPr>
-            <p:ph idx="1" type="body"/>
+            <p:ph type="body" idx="1"/>
           </p:nvPr>
         </p:nvSpPr>
         <p:spPr>
@@ -1441,12 +1492,12 @@
           </a:prstGeom>
         </p:spPr>
         <p:txBody>
-          <a:bodyPr anchorCtr="0" anchor="t" bIns="91425" lIns="91425" spcFirstLastPara="1" rIns="91425" wrap="square" tIns="91425">
+          <a:bodyPr spcFirstLastPara="1" wrap="square" lIns="91425" tIns="91425" rIns="91425" bIns="91425" anchor="t" anchorCtr="0">
             <a:noAutofit/>
           </a:bodyPr>
           <a:lstStyle/>
           <a:p>
-            <a:pPr indent="0" lvl="0" marL="0" rtl="0" algn="l">
+            <a:pPr marL="0" lvl="0" indent="0" algn="l" rtl="0">
               <a:spcBef>
                 <a:spcPts val="0"/>
               </a:spcBef>
@@ -1455,9 +1506,6 @@
               </a:spcAft>
               <a:buNone/>
             </a:pPr>
-            <a:r>
-              <a:t/>
-            </a:r>
             <a:endParaRPr/>
           </a:p>
         </p:txBody>
@@ -1471,11 +1519,11 @@
 </file>
 
 <file path=ppt/notesSlides/notesSlide2.xml><?xml version="1.0" encoding="utf-8"?>
-<p:notes xmlns:a="http://schemas.openxmlformats.org/drawingml/2006/main" xmlns:r="http://schemas.openxmlformats.org/officeDocument/2006/relationships" xmlns:mc="http://schemas.openxmlformats.org/markup-compatibility/2006" xmlns:mv="urn:schemas-microsoft-com:mac:vml" xmlns:p="http://schemas.openxmlformats.org/presentationml/2006/main" xmlns:c="http://schemas.openxmlformats.org/drawingml/2006/chart" xmlns:dgm="http://schemas.openxmlformats.org/drawingml/2006/diagram" xmlns:o="urn:schemas-microsoft-com:office:office" xmlns:v="urn:schemas-microsoft-com:vml" xmlns:pvml="urn:schemas-microsoft-com:office:powerpoint" xmlns:com="http://schemas.openxmlformats.org/drawingml/2006/compatibility" xmlns:p14="http://schemas.microsoft.com/office/powerpoint/2010/main" xmlns:p15="http://schemas.microsoft.com/office/powerpoint/2012/main" xmlns:ahyp="http://schemas.microsoft.com/office/drawing/2018/hyperlinkcolor" showMasterPhAnim="0" showMasterSp="0">
+<p:notes xmlns:a="http://schemas.openxmlformats.org/drawingml/2006/main" xmlns:r="http://schemas.openxmlformats.org/officeDocument/2006/relationships" xmlns:p="http://schemas.openxmlformats.org/presentationml/2006/main" showMasterSp="0" showMasterPhAnim="0">
   <p:cSld>
     <p:spTree>
       <p:nvGrpSpPr>
-        <p:cNvPr id="88" name="Shape 88"/>
+        <p:cNvPr id="1" name="Shape 88"/>
         <p:cNvGrpSpPr/>
         <p:nvPr/>
       </p:nvGrpSpPr>
@@ -1490,9 +1538,11 @@
       <p:sp>
         <p:nvSpPr>
           <p:cNvPr id="89" name="Google Shape;89;gb0fe95397c_0_262:notes"/>
-          <p:cNvSpPr/>
+          <p:cNvSpPr>
+            <a:spLocks noGrp="1" noRot="1" noChangeAspect="1"/>
+          </p:cNvSpPr>
           <p:nvPr>
-            <p:ph idx="2" type="sldImg"/>
+            <p:ph type="sldImg" idx="2"/>
           </p:nvPr>
         </p:nvSpPr>
         <p:spPr>
@@ -1501,9 +1551,13 @@
             <a:ext cx="6096000" cy="3429000"/>
           </a:xfrm>
           <a:custGeom>
-            <a:rect b="b" l="l" r="r" t="t"/>
+            <a:avLst/>
+            <a:gdLst/>
+            <a:ahLst/>
+            <a:cxnLst/>
+            <a:rect l="l" t="t" r="r" b="b"/>
             <a:pathLst>
-              <a:path extrusionOk="0" h="120000" w="120000">
+              <a:path w="120000" h="120000" extrusionOk="0">
                 <a:moveTo>
                   <a:pt x="0" y="0"/>
                 </a:moveTo>
@@ -1525,9 +1579,11 @@
       <p:sp>
         <p:nvSpPr>
           <p:cNvPr id="90" name="Google Shape;90;gb0fe95397c_0_262:notes"/>
-          <p:cNvSpPr txBox="1"/>
+          <p:cNvSpPr txBox="1">
+            <a:spLocks noGrp="1"/>
+          </p:cNvSpPr>
           <p:nvPr>
-            <p:ph idx="1" type="body"/>
+            <p:ph type="body" idx="1"/>
           </p:nvPr>
         </p:nvSpPr>
         <p:spPr>
@@ -1540,12 +1596,12 @@
           </a:prstGeom>
         </p:spPr>
         <p:txBody>
-          <a:bodyPr anchorCtr="0" anchor="t" bIns="91425" lIns="91425" spcFirstLastPara="1" rIns="91425" wrap="square" tIns="91425">
+          <a:bodyPr spcFirstLastPara="1" wrap="square" lIns="91425" tIns="91425" rIns="91425" bIns="91425" anchor="t" anchorCtr="0">
             <a:noAutofit/>
           </a:bodyPr>
           <a:lstStyle/>
           <a:p>
-            <a:pPr indent="0" lvl="0" marL="0" rtl="0" algn="l">
+            <a:pPr marL="0" lvl="0" indent="0" algn="l" rtl="0">
               <a:spcBef>
                 <a:spcPts val="0"/>
               </a:spcBef>
@@ -1554,9 +1610,6 @@
               </a:spcAft>
               <a:buNone/>
             </a:pPr>
-            <a:r>
-              <a:t/>
-            </a:r>
             <a:endParaRPr/>
           </a:p>
         </p:txBody>
@@ -1570,11 +1623,11 @@
 </file>
 
 <file path=ppt/notesSlides/notesSlide3.xml><?xml version="1.0" encoding="utf-8"?>
-<p:notes xmlns:a="http://schemas.openxmlformats.org/drawingml/2006/main" xmlns:r="http://schemas.openxmlformats.org/officeDocument/2006/relationships" xmlns:mc="http://schemas.openxmlformats.org/markup-compatibility/2006" xmlns:mv="urn:schemas-microsoft-com:mac:vml" xmlns:p="http://schemas.openxmlformats.org/presentationml/2006/main" xmlns:c="http://schemas.openxmlformats.org/drawingml/2006/chart" xmlns:dgm="http://schemas.openxmlformats.org/drawingml/2006/diagram" xmlns:o="urn:schemas-microsoft-com:office:office" xmlns:v="urn:schemas-microsoft-com:vml" xmlns:pvml="urn:schemas-microsoft-com:office:powerpoint" xmlns:com="http://schemas.openxmlformats.org/drawingml/2006/compatibility" xmlns:p14="http://schemas.microsoft.com/office/powerpoint/2010/main" xmlns:p15="http://schemas.microsoft.com/office/powerpoint/2012/main" xmlns:ahyp="http://schemas.microsoft.com/office/drawing/2018/hyperlinkcolor" showMasterPhAnim="0" showMasterSp="0">
+<p:notes xmlns:a="http://schemas.openxmlformats.org/drawingml/2006/main" xmlns:r="http://schemas.openxmlformats.org/officeDocument/2006/relationships" xmlns:p="http://schemas.openxmlformats.org/presentationml/2006/main" showMasterSp="0" showMasterPhAnim="0">
   <p:cSld>
     <p:spTree>
       <p:nvGrpSpPr>
-        <p:cNvPr id="94" name="Shape 94"/>
+        <p:cNvPr id="1" name="Shape 94"/>
         <p:cNvGrpSpPr/>
         <p:nvPr/>
       </p:nvGrpSpPr>
@@ -1589,9 +1642,11 @@
       <p:sp>
         <p:nvSpPr>
           <p:cNvPr id="95" name="Google Shape;95;gb0fe95397c_0_267:notes"/>
-          <p:cNvSpPr/>
+          <p:cNvSpPr>
+            <a:spLocks noGrp="1" noRot="1" noChangeAspect="1"/>
+          </p:cNvSpPr>
           <p:nvPr>
-            <p:ph idx="2" type="sldImg"/>
+            <p:ph type="sldImg" idx="2"/>
           </p:nvPr>
         </p:nvSpPr>
         <p:spPr>
@@ -1600,9 +1655,13 @@
             <a:ext cx="6096000" cy="3429000"/>
           </a:xfrm>
           <a:custGeom>
-            <a:rect b="b" l="l" r="r" t="t"/>
+            <a:avLst/>
+            <a:gdLst/>
+            <a:ahLst/>
+            <a:cxnLst/>
+            <a:rect l="l" t="t" r="r" b="b"/>
             <a:pathLst>
-              <a:path extrusionOk="0" h="120000" w="120000">
+              <a:path w="120000" h="120000" extrusionOk="0">
                 <a:moveTo>
                   <a:pt x="0" y="0"/>
                 </a:moveTo>
@@ -1624,9 +1683,11 @@
       <p:sp>
         <p:nvSpPr>
           <p:cNvPr id="96" name="Google Shape;96;gb0fe95397c_0_267:notes"/>
-          <p:cNvSpPr txBox="1"/>
+          <p:cNvSpPr txBox="1">
+            <a:spLocks noGrp="1"/>
+          </p:cNvSpPr>
           <p:nvPr>
-            <p:ph idx="1" type="body"/>
+            <p:ph type="body" idx="1"/>
           </p:nvPr>
         </p:nvSpPr>
         <p:spPr>
@@ -1639,12 +1700,12 @@
           </a:prstGeom>
         </p:spPr>
         <p:txBody>
-          <a:bodyPr anchorCtr="0" anchor="t" bIns="91425" lIns="91425" spcFirstLastPara="1" rIns="91425" wrap="square" tIns="91425">
+          <a:bodyPr spcFirstLastPara="1" wrap="square" lIns="91425" tIns="91425" rIns="91425" bIns="91425" anchor="t" anchorCtr="0">
             <a:noAutofit/>
           </a:bodyPr>
           <a:lstStyle/>
           <a:p>
-            <a:pPr indent="0" lvl="0" marL="0" rtl="0" algn="l">
+            <a:pPr marL="0" lvl="0" indent="0" algn="l" rtl="0">
               <a:spcBef>
                 <a:spcPts val="0"/>
               </a:spcBef>
@@ -1653,9 +1714,6 @@
               </a:spcAft>
               <a:buNone/>
             </a:pPr>
-            <a:r>
-              <a:t/>
-            </a:r>
             <a:endParaRPr/>
           </a:p>
         </p:txBody>
@@ -1669,11 +1727,11 @@
 </file>
 
 <file path=ppt/notesSlides/notesSlide4.xml><?xml version="1.0" encoding="utf-8"?>
-<p:notes xmlns:a="http://schemas.openxmlformats.org/drawingml/2006/main" xmlns:r="http://schemas.openxmlformats.org/officeDocument/2006/relationships" xmlns:mc="http://schemas.openxmlformats.org/markup-compatibility/2006" xmlns:mv="urn:schemas-microsoft-com:mac:vml" xmlns:p="http://schemas.openxmlformats.org/presentationml/2006/main" xmlns:c="http://schemas.openxmlformats.org/drawingml/2006/chart" xmlns:dgm="http://schemas.openxmlformats.org/drawingml/2006/diagram" xmlns:o="urn:schemas-microsoft-com:office:office" xmlns:v="urn:schemas-microsoft-com:vml" xmlns:pvml="urn:schemas-microsoft-com:office:powerpoint" xmlns:com="http://schemas.openxmlformats.org/drawingml/2006/compatibility" xmlns:p14="http://schemas.microsoft.com/office/powerpoint/2010/main" xmlns:p15="http://schemas.microsoft.com/office/powerpoint/2012/main" xmlns:ahyp="http://schemas.microsoft.com/office/drawing/2018/hyperlinkcolor" showMasterPhAnim="0" showMasterSp="0">
+<p:notes xmlns:a="http://schemas.openxmlformats.org/drawingml/2006/main" xmlns:r="http://schemas.openxmlformats.org/officeDocument/2006/relationships" xmlns:p="http://schemas.openxmlformats.org/presentationml/2006/main" showMasterSp="0" showMasterPhAnim="0">
   <p:cSld>
     <p:spTree>
       <p:nvGrpSpPr>
-        <p:cNvPr id="101" name="Shape 101"/>
+        <p:cNvPr id="1" name="Shape 101"/>
         <p:cNvGrpSpPr/>
         <p:nvPr/>
       </p:nvGrpSpPr>
@@ -1688,9 +1746,11 @@
       <p:sp>
         <p:nvSpPr>
           <p:cNvPr id="102" name="Google Shape;102;gc9421efdba_0_223:notes"/>
-          <p:cNvSpPr/>
+          <p:cNvSpPr>
+            <a:spLocks noGrp="1" noRot="1" noChangeAspect="1"/>
+          </p:cNvSpPr>
           <p:nvPr>
-            <p:ph idx="2" type="sldImg"/>
+            <p:ph type="sldImg" idx="2"/>
           </p:nvPr>
         </p:nvSpPr>
         <p:spPr>
@@ -1699,9 +1759,13 @@
             <a:ext cx="6096000" cy="3429000"/>
           </a:xfrm>
           <a:custGeom>
-            <a:rect b="b" l="l" r="r" t="t"/>
+            <a:avLst/>
+            <a:gdLst/>
+            <a:ahLst/>
+            <a:cxnLst/>
+            <a:rect l="l" t="t" r="r" b="b"/>
             <a:pathLst>
-              <a:path extrusionOk="0" h="120000" w="120000">
+              <a:path w="120000" h="120000" extrusionOk="0">
                 <a:moveTo>
                   <a:pt x="0" y="0"/>
                 </a:moveTo>
@@ -1723,9 +1787,11 @@
       <p:sp>
         <p:nvSpPr>
           <p:cNvPr id="103" name="Google Shape;103;gc9421efdba_0_223:notes"/>
-          <p:cNvSpPr txBox="1"/>
+          <p:cNvSpPr txBox="1">
+            <a:spLocks noGrp="1"/>
+          </p:cNvSpPr>
           <p:nvPr>
-            <p:ph idx="1" type="body"/>
+            <p:ph type="body" idx="1"/>
           </p:nvPr>
         </p:nvSpPr>
         <p:spPr>
@@ -1738,12 +1804,12 @@
           </a:prstGeom>
         </p:spPr>
         <p:txBody>
-          <a:bodyPr anchorCtr="0" anchor="t" bIns="91425" lIns="91425" spcFirstLastPara="1" rIns="91425" wrap="square" tIns="91425">
+          <a:bodyPr spcFirstLastPara="1" wrap="square" lIns="91425" tIns="91425" rIns="91425" bIns="91425" anchor="t" anchorCtr="0">
             <a:noAutofit/>
           </a:bodyPr>
           <a:lstStyle/>
           <a:p>
-            <a:pPr indent="0" lvl="0" marL="0" rtl="0" algn="l">
+            <a:pPr marL="0" lvl="0" indent="0" algn="l" rtl="0">
               <a:spcBef>
                 <a:spcPts val="0"/>
               </a:spcBef>
@@ -1752,9 +1818,6 @@
               </a:spcAft>
               <a:buNone/>
             </a:pPr>
-            <a:r>
-              <a:t/>
-            </a:r>
             <a:endParaRPr/>
           </a:p>
         </p:txBody>
@@ -1768,11 +1831,11 @@
 </file>
 
 <file path=ppt/notesSlides/notesSlide5.xml><?xml version="1.0" encoding="utf-8"?>
-<p:notes xmlns:a="http://schemas.openxmlformats.org/drawingml/2006/main" xmlns:r="http://schemas.openxmlformats.org/officeDocument/2006/relationships" xmlns:mc="http://schemas.openxmlformats.org/markup-compatibility/2006" xmlns:mv="urn:schemas-microsoft-com:mac:vml" xmlns:p="http://schemas.openxmlformats.org/presentationml/2006/main" xmlns:c="http://schemas.openxmlformats.org/drawingml/2006/chart" xmlns:dgm="http://schemas.openxmlformats.org/drawingml/2006/diagram" xmlns:o="urn:schemas-microsoft-com:office:office" xmlns:v="urn:schemas-microsoft-com:vml" xmlns:pvml="urn:schemas-microsoft-com:office:powerpoint" xmlns:com="http://schemas.openxmlformats.org/drawingml/2006/compatibility" xmlns:p14="http://schemas.microsoft.com/office/powerpoint/2010/main" xmlns:p15="http://schemas.microsoft.com/office/powerpoint/2012/main" xmlns:ahyp="http://schemas.microsoft.com/office/drawing/2018/hyperlinkcolor" showMasterPhAnim="0" showMasterSp="0">
+<p:notes xmlns:a="http://schemas.openxmlformats.org/drawingml/2006/main" xmlns:r="http://schemas.openxmlformats.org/officeDocument/2006/relationships" xmlns:p="http://schemas.openxmlformats.org/presentationml/2006/main" showMasterSp="0" showMasterPhAnim="0">
   <p:cSld>
     <p:spTree>
       <p:nvGrpSpPr>
-        <p:cNvPr id="116" name="Shape 116"/>
+        <p:cNvPr id="1" name="Shape 116"/>
         <p:cNvGrpSpPr/>
         <p:nvPr/>
       </p:nvGrpSpPr>
@@ -1787,9 +1850,11 @@
       <p:sp>
         <p:nvSpPr>
           <p:cNvPr id="117" name="Google Shape;117;gc9421efdba_0_1:notes"/>
-          <p:cNvSpPr/>
+          <p:cNvSpPr>
+            <a:spLocks noGrp="1" noRot="1" noChangeAspect="1"/>
+          </p:cNvSpPr>
           <p:nvPr>
-            <p:ph idx="2" type="sldImg"/>
+            <p:ph type="sldImg" idx="2"/>
           </p:nvPr>
         </p:nvSpPr>
         <p:spPr>
@@ -1798,9 +1863,13 @@
             <a:ext cx="6096000" cy="3429000"/>
           </a:xfrm>
           <a:custGeom>
-            <a:rect b="b" l="l" r="r" t="t"/>
+            <a:avLst/>
+            <a:gdLst/>
+            <a:ahLst/>
+            <a:cxnLst/>
+            <a:rect l="l" t="t" r="r" b="b"/>
             <a:pathLst>
-              <a:path extrusionOk="0" h="120000" w="120000">
+              <a:path w="120000" h="120000" extrusionOk="0">
                 <a:moveTo>
                   <a:pt x="0" y="0"/>
                 </a:moveTo>
@@ -1822,9 +1891,11 @@
       <p:sp>
         <p:nvSpPr>
           <p:cNvPr id="118" name="Google Shape;118;gc9421efdba_0_1:notes"/>
-          <p:cNvSpPr txBox="1"/>
+          <p:cNvSpPr txBox="1">
+            <a:spLocks noGrp="1"/>
+          </p:cNvSpPr>
           <p:nvPr>
-            <p:ph idx="1" type="body"/>
+            <p:ph type="body" idx="1"/>
           </p:nvPr>
         </p:nvSpPr>
         <p:spPr>
@@ -1837,12 +1908,12 @@
           </a:prstGeom>
         </p:spPr>
         <p:txBody>
-          <a:bodyPr anchorCtr="0" anchor="t" bIns="91425" lIns="91425" spcFirstLastPara="1" rIns="91425" wrap="square" tIns="91425">
+          <a:bodyPr spcFirstLastPara="1" wrap="square" lIns="91425" tIns="91425" rIns="91425" bIns="91425" anchor="t" anchorCtr="0">
             <a:noAutofit/>
           </a:bodyPr>
           <a:lstStyle/>
           <a:p>
-            <a:pPr indent="0" lvl="0" marL="0" rtl="0" algn="l">
+            <a:pPr marL="0" lvl="0" indent="0" algn="l" rtl="0">
               <a:spcBef>
                 <a:spcPts val="0"/>
               </a:spcBef>
@@ -1851,9 +1922,6 @@
               </a:spcAft>
               <a:buNone/>
             </a:pPr>
-            <a:r>
-              <a:t/>
-            </a:r>
             <a:endParaRPr/>
           </a:p>
         </p:txBody>
@@ -1867,11 +1935,11 @@
 </file>
 
 <file path=ppt/notesSlides/notesSlide6.xml><?xml version="1.0" encoding="utf-8"?>
-<p:notes xmlns:a="http://schemas.openxmlformats.org/drawingml/2006/main" xmlns:r="http://schemas.openxmlformats.org/officeDocument/2006/relationships" xmlns:mc="http://schemas.openxmlformats.org/markup-compatibility/2006" xmlns:mv="urn:schemas-microsoft-com:mac:vml" xmlns:p="http://schemas.openxmlformats.org/presentationml/2006/main" xmlns:c="http://schemas.openxmlformats.org/drawingml/2006/chart" xmlns:dgm="http://schemas.openxmlformats.org/drawingml/2006/diagram" xmlns:o="urn:schemas-microsoft-com:office:office" xmlns:v="urn:schemas-microsoft-com:vml" xmlns:pvml="urn:schemas-microsoft-com:office:powerpoint" xmlns:com="http://schemas.openxmlformats.org/drawingml/2006/compatibility" xmlns:p14="http://schemas.microsoft.com/office/powerpoint/2010/main" xmlns:p15="http://schemas.microsoft.com/office/powerpoint/2012/main" xmlns:ahyp="http://schemas.microsoft.com/office/drawing/2018/hyperlinkcolor" showMasterPhAnim="0" showMasterSp="0">
+<p:notes xmlns:a="http://schemas.openxmlformats.org/drawingml/2006/main" xmlns:r="http://schemas.openxmlformats.org/officeDocument/2006/relationships" xmlns:p="http://schemas.openxmlformats.org/presentationml/2006/main" showMasterSp="0" showMasterPhAnim="0">
   <p:cSld>
     <p:spTree>
       <p:nvGrpSpPr>
-        <p:cNvPr id="123" name="Shape 123"/>
+        <p:cNvPr id="1" name="Shape 123"/>
         <p:cNvGrpSpPr/>
         <p:nvPr/>
       </p:nvGrpSpPr>
@@ -1886,20 +1954,26 @@
       <p:sp>
         <p:nvSpPr>
           <p:cNvPr id="124" name="Google Shape;124;gc9421efdba_0_77:notes"/>
-          <p:cNvSpPr/>
+          <p:cNvSpPr>
+            <a:spLocks noGrp="1" noRot="1" noChangeAspect="1"/>
+          </p:cNvSpPr>
           <p:nvPr>
-            <p:ph idx="2" type="sldImg"/>
+            <p:ph type="sldImg" idx="2"/>
           </p:nvPr>
         </p:nvSpPr>
         <p:spPr>
           <a:xfrm>
-            <a:off x="381300" y="685800"/>
+            <a:off x="381000" y="685800"/>
             <a:ext cx="6096000" cy="3429000"/>
           </a:xfrm>
           <a:custGeom>
-            <a:rect b="b" l="l" r="r" t="t"/>
+            <a:avLst/>
+            <a:gdLst/>
+            <a:ahLst/>
+            <a:cxnLst/>
+            <a:rect l="l" t="t" r="r" b="b"/>
             <a:pathLst>
-              <a:path extrusionOk="0" h="120000" w="120000">
+              <a:path w="120000" h="120000" extrusionOk="0">
                 <a:moveTo>
                   <a:pt x="0" y="0"/>
                 </a:moveTo>
@@ -1921,9 +1995,11 @@
       <p:sp>
         <p:nvSpPr>
           <p:cNvPr id="125" name="Google Shape;125;gc9421efdba_0_77:notes"/>
-          <p:cNvSpPr txBox="1"/>
+          <p:cNvSpPr txBox="1">
+            <a:spLocks noGrp="1"/>
+          </p:cNvSpPr>
           <p:nvPr>
-            <p:ph idx="1" type="body"/>
+            <p:ph type="body" idx="1"/>
           </p:nvPr>
         </p:nvSpPr>
         <p:spPr>
@@ -1936,12 +2012,12 @@
           </a:prstGeom>
         </p:spPr>
         <p:txBody>
-          <a:bodyPr anchorCtr="0" anchor="t" bIns="91425" lIns="91425" spcFirstLastPara="1" rIns="91425" wrap="square" tIns="91425">
+          <a:bodyPr spcFirstLastPara="1" wrap="square" lIns="91425" tIns="91425" rIns="91425" bIns="91425" anchor="t" anchorCtr="0">
             <a:noAutofit/>
           </a:bodyPr>
           <a:lstStyle/>
           <a:p>
-            <a:pPr indent="0" lvl="0" marL="0" rtl="0" algn="l">
+            <a:pPr marL="0" lvl="0" indent="0" algn="l" rtl="0">
               <a:spcBef>
                 <a:spcPts val="0"/>
               </a:spcBef>
@@ -1950,9 +2026,6 @@
               </a:spcAft>
               <a:buNone/>
             </a:pPr>
-            <a:r>
-              <a:t/>
-            </a:r>
             <a:endParaRPr/>
           </a:p>
         </p:txBody>
@@ -1966,11 +2039,11 @@
 </file>
 
 <file path=ppt/notesSlides/notesSlide7.xml><?xml version="1.0" encoding="utf-8"?>
-<p:notes xmlns:a="http://schemas.openxmlformats.org/drawingml/2006/main" xmlns:r="http://schemas.openxmlformats.org/officeDocument/2006/relationships" xmlns:mc="http://schemas.openxmlformats.org/markup-compatibility/2006" xmlns:mv="urn:schemas-microsoft-com:mac:vml" xmlns:p="http://schemas.openxmlformats.org/presentationml/2006/main" xmlns:c="http://schemas.openxmlformats.org/drawingml/2006/chart" xmlns:dgm="http://schemas.openxmlformats.org/drawingml/2006/diagram" xmlns:o="urn:schemas-microsoft-com:office:office" xmlns:v="urn:schemas-microsoft-com:vml" xmlns:pvml="urn:schemas-microsoft-com:office:powerpoint" xmlns:com="http://schemas.openxmlformats.org/drawingml/2006/compatibility" xmlns:p14="http://schemas.microsoft.com/office/powerpoint/2010/main" xmlns:p15="http://schemas.microsoft.com/office/powerpoint/2012/main" xmlns:ahyp="http://schemas.microsoft.com/office/drawing/2018/hyperlinkcolor" showMasterPhAnim="0" showMasterSp="0">
+<p:notes xmlns:a="http://schemas.openxmlformats.org/drawingml/2006/main" xmlns:r="http://schemas.openxmlformats.org/officeDocument/2006/relationships" xmlns:p="http://schemas.openxmlformats.org/presentationml/2006/main" showMasterSp="0" showMasterPhAnim="0">
   <p:cSld>
     <p:spTree>
       <p:nvGrpSpPr>
-        <p:cNvPr id="137" name="Shape 137"/>
+        <p:cNvPr id="1" name="Shape 137"/>
         <p:cNvGrpSpPr/>
         <p:nvPr/>
       </p:nvGrpSpPr>
@@ -1985,9 +2058,11 @@
       <p:sp>
         <p:nvSpPr>
           <p:cNvPr id="138" name="Google Shape;138;gc9421efdba_0_101:notes"/>
-          <p:cNvSpPr/>
+          <p:cNvSpPr>
+            <a:spLocks noGrp="1" noRot="1" noChangeAspect="1"/>
+          </p:cNvSpPr>
           <p:nvPr>
-            <p:ph idx="2" type="sldImg"/>
+            <p:ph type="sldImg" idx="2"/>
           </p:nvPr>
         </p:nvSpPr>
         <p:spPr>
@@ -1996,9 +2071,13 @@
             <a:ext cx="6096000" cy="3429000"/>
           </a:xfrm>
           <a:custGeom>
-            <a:rect b="b" l="l" r="r" t="t"/>
+            <a:avLst/>
+            <a:gdLst/>
+            <a:ahLst/>
+            <a:cxnLst/>
+            <a:rect l="l" t="t" r="r" b="b"/>
             <a:pathLst>
-              <a:path extrusionOk="0" h="120000" w="120000">
+              <a:path w="120000" h="120000" extrusionOk="0">
                 <a:moveTo>
                   <a:pt x="0" y="0"/>
                 </a:moveTo>
@@ -2020,9 +2099,11 @@
       <p:sp>
         <p:nvSpPr>
           <p:cNvPr id="139" name="Google Shape;139;gc9421efdba_0_101:notes"/>
-          <p:cNvSpPr txBox="1"/>
+          <p:cNvSpPr txBox="1">
+            <a:spLocks noGrp="1"/>
+          </p:cNvSpPr>
           <p:nvPr>
-            <p:ph idx="1" type="body"/>
+            <p:ph type="body" idx="1"/>
           </p:nvPr>
         </p:nvSpPr>
         <p:spPr>
@@ -2035,12 +2116,12 @@
           </a:prstGeom>
         </p:spPr>
         <p:txBody>
-          <a:bodyPr anchorCtr="0" anchor="t" bIns="91425" lIns="91425" spcFirstLastPara="1" rIns="91425" wrap="square" tIns="91425">
+          <a:bodyPr spcFirstLastPara="1" wrap="square" lIns="91425" tIns="91425" rIns="91425" bIns="91425" anchor="t" anchorCtr="0">
             <a:noAutofit/>
           </a:bodyPr>
           <a:lstStyle/>
           <a:p>
-            <a:pPr indent="0" lvl="0" marL="0" rtl="0" algn="l">
+            <a:pPr marL="0" lvl="0" indent="0" algn="l" rtl="0">
               <a:spcBef>
                 <a:spcPts val="0"/>
               </a:spcBef>
@@ -2049,9 +2130,6 @@
               </a:spcAft>
               <a:buNone/>
             </a:pPr>
-            <a:r>
-              <a:t/>
-            </a:r>
             <a:endParaRPr/>
           </a:p>
         </p:txBody>
@@ -2065,11 +2143,11 @@
 </file>
 
 <file path=ppt/notesSlides/notesSlide8.xml><?xml version="1.0" encoding="utf-8"?>
-<p:notes xmlns:a="http://schemas.openxmlformats.org/drawingml/2006/main" xmlns:r="http://schemas.openxmlformats.org/officeDocument/2006/relationships" xmlns:mc="http://schemas.openxmlformats.org/markup-compatibility/2006" xmlns:mv="urn:schemas-microsoft-com:mac:vml" xmlns:p="http://schemas.openxmlformats.org/presentationml/2006/main" xmlns:c="http://schemas.openxmlformats.org/drawingml/2006/chart" xmlns:dgm="http://schemas.openxmlformats.org/drawingml/2006/diagram" xmlns:o="urn:schemas-microsoft-com:office:office" xmlns:v="urn:schemas-microsoft-com:vml" xmlns:pvml="urn:schemas-microsoft-com:office:powerpoint" xmlns:com="http://schemas.openxmlformats.org/drawingml/2006/compatibility" xmlns:p14="http://schemas.microsoft.com/office/powerpoint/2010/main" xmlns:p15="http://schemas.microsoft.com/office/powerpoint/2012/main" xmlns:ahyp="http://schemas.microsoft.com/office/drawing/2018/hyperlinkcolor" showMasterPhAnim="0" showMasterSp="0">
+<p:notes xmlns:a="http://schemas.openxmlformats.org/drawingml/2006/main" xmlns:r="http://schemas.openxmlformats.org/officeDocument/2006/relationships" xmlns:p="http://schemas.openxmlformats.org/presentationml/2006/main" showMasterSp="0" showMasterPhAnim="0">
   <p:cSld>
     <p:spTree>
       <p:nvGrpSpPr>
-        <p:cNvPr id="151" name="Shape 151"/>
+        <p:cNvPr id="1" name="Shape 151"/>
         <p:cNvGrpSpPr/>
         <p:nvPr/>
       </p:nvGrpSpPr>
@@ -2084,9 +2162,11 @@
       <p:sp>
         <p:nvSpPr>
           <p:cNvPr id="152" name="Google Shape;152;gc9421efdba_0_89:notes"/>
-          <p:cNvSpPr/>
+          <p:cNvSpPr>
+            <a:spLocks noGrp="1" noRot="1" noChangeAspect="1"/>
+          </p:cNvSpPr>
           <p:nvPr>
-            <p:ph idx="2" type="sldImg"/>
+            <p:ph type="sldImg" idx="2"/>
           </p:nvPr>
         </p:nvSpPr>
         <p:spPr>
@@ -2095,9 +2175,13 @@
             <a:ext cx="6096000" cy="3429000"/>
           </a:xfrm>
           <a:custGeom>
-            <a:rect b="b" l="l" r="r" t="t"/>
+            <a:avLst/>
+            <a:gdLst/>
+            <a:ahLst/>
+            <a:cxnLst/>
+            <a:rect l="l" t="t" r="r" b="b"/>
             <a:pathLst>
-              <a:path extrusionOk="0" h="120000" w="120000">
+              <a:path w="120000" h="120000" extrusionOk="0">
                 <a:moveTo>
                   <a:pt x="0" y="0"/>
                 </a:moveTo>
@@ -2119,9 +2203,11 @@
       <p:sp>
         <p:nvSpPr>
           <p:cNvPr id="153" name="Google Shape;153;gc9421efdba_0_89:notes"/>
-          <p:cNvSpPr txBox="1"/>
+          <p:cNvSpPr txBox="1">
+            <a:spLocks noGrp="1"/>
+          </p:cNvSpPr>
           <p:nvPr>
-            <p:ph idx="1" type="body"/>
+            <p:ph type="body" idx="1"/>
           </p:nvPr>
         </p:nvSpPr>
         <p:spPr>
@@ -2134,12 +2220,12 @@
           </a:prstGeom>
         </p:spPr>
         <p:txBody>
-          <a:bodyPr anchorCtr="0" anchor="t" bIns="91425" lIns="91425" spcFirstLastPara="1" rIns="91425" wrap="square" tIns="91425">
+          <a:bodyPr spcFirstLastPara="1" wrap="square" lIns="91425" tIns="91425" rIns="91425" bIns="91425" anchor="t" anchorCtr="0">
             <a:noAutofit/>
           </a:bodyPr>
           <a:lstStyle/>
           <a:p>
-            <a:pPr indent="0" lvl="0" marL="0" rtl="0" algn="l">
+            <a:pPr marL="0" lvl="0" indent="0" algn="l" rtl="0">
               <a:spcBef>
                 <a:spcPts val="0"/>
               </a:spcBef>
@@ -2148,9 +2234,6 @@
               </a:spcAft>
               <a:buNone/>
             </a:pPr>
-            <a:r>
-              <a:t/>
-            </a:r>
             <a:endParaRPr/>
           </a:p>
         </p:txBody>
@@ -2164,11 +2247,11 @@
 </file>
 
 <file path=ppt/notesSlides/notesSlide9.xml><?xml version="1.0" encoding="utf-8"?>
-<p:notes xmlns:a="http://schemas.openxmlformats.org/drawingml/2006/main" xmlns:r="http://schemas.openxmlformats.org/officeDocument/2006/relationships" xmlns:mc="http://schemas.openxmlformats.org/markup-compatibility/2006" xmlns:mv="urn:schemas-microsoft-com:mac:vml" xmlns:p="http://schemas.openxmlformats.org/presentationml/2006/main" xmlns:c="http://schemas.openxmlformats.org/drawingml/2006/chart" xmlns:dgm="http://schemas.openxmlformats.org/drawingml/2006/diagram" xmlns:o="urn:schemas-microsoft-com:office:office" xmlns:v="urn:schemas-microsoft-com:vml" xmlns:pvml="urn:schemas-microsoft-com:office:powerpoint" xmlns:com="http://schemas.openxmlformats.org/drawingml/2006/compatibility" xmlns:p14="http://schemas.microsoft.com/office/powerpoint/2010/main" xmlns:p15="http://schemas.microsoft.com/office/powerpoint/2012/main" xmlns:ahyp="http://schemas.microsoft.com/office/drawing/2018/hyperlinkcolor" showMasterPhAnim="0" showMasterSp="0">
+<p:notes xmlns:a="http://schemas.openxmlformats.org/drawingml/2006/main" xmlns:r="http://schemas.openxmlformats.org/officeDocument/2006/relationships" xmlns:p="http://schemas.openxmlformats.org/presentationml/2006/main" showMasterSp="0" showMasterPhAnim="0">
   <p:cSld>
     <p:spTree>
       <p:nvGrpSpPr>
-        <p:cNvPr id="165" name="Shape 165"/>
+        <p:cNvPr id="1" name="Shape 165"/>
         <p:cNvGrpSpPr/>
         <p:nvPr/>
       </p:nvGrpSpPr>
@@ -2183,9 +2266,11 @@
       <p:sp>
         <p:nvSpPr>
           <p:cNvPr id="166" name="Google Shape;166;gb0fe95397c_0_272:notes"/>
-          <p:cNvSpPr/>
+          <p:cNvSpPr>
+            <a:spLocks noGrp="1" noRot="1" noChangeAspect="1"/>
+          </p:cNvSpPr>
           <p:nvPr>
-            <p:ph idx="2" type="sldImg"/>
+            <p:ph type="sldImg" idx="2"/>
           </p:nvPr>
         </p:nvSpPr>
         <p:spPr>
@@ -2194,9 +2279,13 @@
             <a:ext cx="6096000" cy="3429000"/>
           </a:xfrm>
           <a:custGeom>
-            <a:rect b="b" l="l" r="r" t="t"/>
+            <a:avLst/>
+            <a:gdLst/>
+            <a:ahLst/>
+            <a:cxnLst/>
+            <a:rect l="l" t="t" r="r" b="b"/>
             <a:pathLst>
-              <a:path extrusionOk="0" h="120000" w="120000">
+              <a:path w="120000" h="120000" extrusionOk="0">
                 <a:moveTo>
                   <a:pt x="0" y="0"/>
                 </a:moveTo>
@@ -2218,9 +2307,11 @@
       <p:sp>
         <p:nvSpPr>
           <p:cNvPr id="167" name="Google Shape;167;gb0fe95397c_0_272:notes"/>
-          <p:cNvSpPr txBox="1"/>
+          <p:cNvSpPr txBox="1">
+            <a:spLocks noGrp="1"/>
+          </p:cNvSpPr>
           <p:nvPr>
-            <p:ph idx="1" type="body"/>
+            <p:ph type="body" idx="1"/>
           </p:nvPr>
         </p:nvSpPr>
         <p:spPr>
@@ -2233,12 +2324,12 @@
           </a:prstGeom>
         </p:spPr>
         <p:txBody>
-          <a:bodyPr anchorCtr="0" anchor="t" bIns="91425" lIns="91425" spcFirstLastPara="1" rIns="91425" wrap="square" tIns="91425">
+          <a:bodyPr spcFirstLastPara="1" wrap="square" lIns="91425" tIns="91425" rIns="91425" bIns="91425" anchor="t" anchorCtr="0">
             <a:noAutofit/>
           </a:bodyPr>
           <a:lstStyle/>
           <a:p>
-            <a:pPr indent="0" lvl="0" marL="0" rtl="0" algn="l">
+            <a:pPr marL="0" lvl="0" indent="0" algn="l" rtl="0">
               <a:spcBef>
                 <a:spcPts val="0"/>
               </a:spcBef>
@@ -2247,9 +2338,6 @@
               </a:spcAft>
               <a:buNone/>
             </a:pPr>
-            <a:r>
-              <a:t/>
-            </a:r>
             <a:endParaRPr/>
           </a:p>
         </p:txBody>
@@ -2263,18 +2351,19 @@
 </file>
 
 <file path=ppt/slideLayouts/slideLayout1.xml><?xml version="1.0" encoding="utf-8"?>
-<p:sldLayout xmlns:a="http://schemas.openxmlformats.org/drawingml/2006/main" xmlns:r="http://schemas.openxmlformats.org/officeDocument/2006/relationships" xmlns:mc="http://schemas.openxmlformats.org/markup-compatibility/2006" xmlns:mv="urn:schemas-microsoft-com:mac:vml" xmlns:p="http://schemas.openxmlformats.org/presentationml/2006/main" xmlns:c="http://schemas.openxmlformats.org/drawingml/2006/chart" xmlns:dgm="http://schemas.openxmlformats.org/drawingml/2006/diagram" xmlns:o="urn:schemas-microsoft-com:office:office" xmlns:v="urn:schemas-microsoft-com:vml" xmlns:pvml="urn:schemas-microsoft-com:office:powerpoint" xmlns:com="http://schemas.openxmlformats.org/drawingml/2006/compatibility" xmlns:p14="http://schemas.microsoft.com/office/powerpoint/2010/main" xmlns:p15="http://schemas.microsoft.com/office/powerpoint/2012/main" xmlns:ahyp="http://schemas.microsoft.com/office/drawing/2018/hyperlinkcolor" matchingName="Title slide" type="title">
+<p:sldLayout xmlns:a="http://schemas.openxmlformats.org/drawingml/2006/main" xmlns:r="http://schemas.openxmlformats.org/officeDocument/2006/relationships" xmlns:p="http://schemas.openxmlformats.org/presentationml/2006/main" matchingName="Title slide" type="title">
   <p:cSld name="TITLE">
     <p:bg>
       <p:bgPr>
         <a:solidFill>
           <a:schemeClr val="lt2"/>
         </a:solidFill>
+        <a:effectLst/>
       </p:bgPr>
     </p:bg>
     <p:spTree>
       <p:nvGrpSpPr>
-        <p:cNvPr id="9" name="Shape 9"/>
+        <p:cNvPr id="1" name="Shape 9"/>
         <p:cNvGrpSpPr/>
         <p:nvPr/>
       </p:nvGrpSpPr>
@@ -2308,12 +2397,12 @@
           </a:ln>
         </p:spPr>
         <p:txBody>
-          <a:bodyPr anchorCtr="0" anchor="ctr" bIns="91425" lIns="91425" spcFirstLastPara="1" rIns="91425" wrap="square" tIns="91425">
+          <a:bodyPr spcFirstLastPara="1" wrap="square" lIns="91425" tIns="91425" rIns="91425" bIns="91425" anchor="ctr" anchorCtr="0">
             <a:noAutofit/>
           </a:bodyPr>
           <a:lstStyle/>
           <a:p>
-            <a:pPr indent="0" lvl="0" marL="0" rtl="0" algn="l">
+            <a:pPr marL="0" lvl="0" indent="0" algn="l" rtl="0">
               <a:spcBef>
                 <a:spcPts val="0"/>
               </a:spcBef>
@@ -2322,9 +2411,6 @@
               </a:spcAft>
               <a:buNone/>
             </a:pPr>
-            <a:r>
-              <a:t/>
-            </a:r>
             <a:endParaRPr/>
           </a:p>
         </p:txBody>
@@ -2365,12 +2451,12 @@
             </a:ln>
           </p:spPr>
           <p:txBody>
-            <a:bodyPr anchorCtr="0" anchor="ctr" bIns="91425" lIns="91425" spcFirstLastPara="1" rIns="91425" wrap="square" tIns="91425">
+            <a:bodyPr spcFirstLastPara="1" wrap="square" lIns="91425" tIns="91425" rIns="91425" bIns="91425" anchor="ctr" anchorCtr="0">
               <a:noAutofit/>
             </a:bodyPr>
             <a:lstStyle/>
             <a:p>
-              <a:pPr indent="0" lvl="0" marL="0" rtl="0" algn="l">
+              <a:pPr marL="0" lvl="0" indent="0" algn="l" rtl="0">
                 <a:spcBef>
                   <a:spcPts val="0"/>
                 </a:spcBef>
@@ -2379,9 +2465,6 @@
                 </a:spcAft>
                 <a:buNone/>
               </a:pPr>
-              <a:r>
-                <a:t/>
-              </a:r>
               <a:endParaRPr/>
             </a:p>
           </p:txBody>
@@ -2408,12 +2491,12 @@
             </a:ln>
           </p:spPr>
           <p:txBody>
-            <a:bodyPr anchorCtr="0" anchor="ctr" bIns="91425" lIns="91425" spcFirstLastPara="1" rIns="91425" wrap="square" tIns="91425">
+            <a:bodyPr spcFirstLastPara="1" wrap="square" lIns="91425" tIns="91425" rIns="91425" bIns="91425" anchor="ctr" anchorCtr="0">
               <a:noAutofit/>
             </a:bodyPr>
             <a:lstStyle/>
             <a:p>
-              <a:pPr indent="0" lvl="0" marL="0" rtl="0" algn="l">
+              <a:pPr marL="0" lvl="0" indent="0" algn="l" rtl="0">
                 <a:spcBef>
                   <a:spcPts val="0"/>
                 </a:spcBef>
@@ -2422,9 +2505,6 @@
                 </a:spcAft>
                 <a:buNone/>
               </a:pPr>
-              <a:r>
-                <a:t/>
-              </a:r>
               <a:endParaRPr/>
             </a:p>
           </p:txBody>
@@ -2433,7 +2513,9 @@
       <p:sp>
         <p:nvSpPr>
           <p:cNvPr id="14" name="Google Shape;14;p2"/>
-          <p:cNvSpPr txBox="1"/>
+          <p:cNvSpPr txBox="1">
+            <a:spLocks noGrp="1"/>
+          </p:cNvSpPr>
           <p:nvPr>
             <p:ph type="ctrTitle"/>
           </p:nvPr>
@@ -2448,7 +2530,7 @@
           </a:prstGeom>
         </p:spPr>
         <p:txBody>
-          <a:bodyPr anchorCtr="0" anchor="t" bIns="91425" lIns="91425" spcFirstLastPara="1" rIns="91425" wrap="square" tIns="91425">
+          <a:bodyPr spcFirstLastPara="1" wrap="square" lIns="91425" tIns="91425" rIns="91425" bIns="91425" anchor="t" anchorCtr="0">
             <a:noAutofit/>
           </a:bodyPr>
           <a:lstStyle>
@@ -2615,15 +2697,19 @@
               </a:defRPr>
             </a:lvl9pPr>
           </a:lstStyle>
-          <a:p/>
+          <a:p>
+            <a:endParaRPr/>
+          </a:p>
         </p:txBody>
       </p:sp>
       <p:sp>
         <p:nvSpPr>
           <p:cNvPr id="15" name="Google Shape;15;p2"/>
-          <p:cNvSpPr txBox="1"/>
+          <p:cNvSpPr txBox="1">
+            <a:spLocks noGrp="1"/>
+          </p:cNvSpPr>
           <p:nvPr>
-            <p:ph idx="1" type="subTitle"/>
+            <p:ph type="subTitle" idx="1"/>
           </p:nvPr>
         </p:nvSpPr>
         <p:spPr>
@@ -2636,7 +2722,7 @@
           </a:prstGeom>
         </p:spPr>
         <p:txBody>
-          <a:bodyPr anchorCtr="0" anchor="t" bIns="91425" lIns="91425" spcFirstLastPara="1" rIns="91425" wrap="square" tIns="91425">
+          <a:bodyPr spcFirstLastPara="1" wrap="square" lIns="91425" tIns="91425" rIns="91425" bIns="91425" anchor="t" anchorCtr="0">
             <a:noAutofit/>
           </a:bodyPr>
           <a:lstStyle>
@@ -2767,15 +2853,19 @@
               <a:defRPr sz="1600"/>
             </a:lvl9pPr>
           </a:lstStyle>
-          <a:p/>
+          <a:p>
+            <a:endParaRPr/>
+          </a:p>
         </p:txBody>
       </p:sp>
       <p:sp>
         <p:nvSpPr>
           <p:cNvPr id="16" name="Google Shape;16;p2"/>
-          <p:cNvSpPr txBox="1"/>
+          <p:cNvSpPr txBox="1">
+            <a:spLocks noGrp="1"/>
+          </p:cNvSpPr>
           <p:nvPr>
-            <p:ph idx="12" type="sldNum"/>
+            <p:ph type="sldNum" idx="12"/>
           </p:nvPr>
         </p:nvSpPr>
         <p:spPr>
@@ -2788,7 +2878,7 @@
           </a:prstGeom>
         </p:spPr>
         <p:txBody>
-          <a:bodyPr anchorCtr="0" anchor="ctr" bIns="91425" lIns="91425" spcFirstLastPara="1" rIns="91425" wrap="square" tIns="91425">
+          <a:bodyPr spcFirstLastPara="1" wrap="square" lIns="91425" tIns="91425" rIns="91425" bIns="91425" anchor="ctr" anchorCtr="0">
             <a:noAutofit/>
           </a:bodyPr>
           <a:lstStyle>
@@ -2830,7 +2920,7 @@
             </a:lvl9pPr>
           </a:lstStyle>
           <a:p>
-            <a:pPr indent="0" lvl="0" marL="0" rtl="0" algn="r">
+            <a:pPr marL="0" lvl="0" indent="0" algn="r" rtl="0">
               <a:spcBef>
                 <a:spcPts val="0"/>
               </a:spcBef>
@@ -2856,18 +2946,19 @@
 </file>
 
 <file path=ppt/slideLayouts/slideLayout10.xml><?xml version="1.0" encoding="utf-8"?>
-<p:sldLayout xmlns:a="http://schemas.openxmlformats.org/drawingml/2006/main" xmlns:r="http://schemas.openxmlformats.org/officeDocument/2006/relationships" xmlns:mc="http://schemas.openxmlformats.org/markup-compatibility/2006" xmlns:mv="urn:schemas-microsoft-com:mac:vml" xmlns:p="http://schemas.openxmlformats.org/presentationml/2006/main" xmlns:c="http://schemas.openxmlformats.org/drawingml/2006/chart" xmlns:dgm="http://schemas.openxmlformats.org/drawingml/2006/diagram" xmlns:o="urn:schemas-microsoft-com:office:office" xmlns:v="urn:schemas-microsoft-com:vml" xmlns:pvml="urn:schemas-microsoft-com:office:powerpoint" xmlns:com="http://schemas.openxmlformats.org/drawingml/2006/compatibility" xmlns:p14="http://schemas.microsoft.com/office/powerpoint/2010/main" xmlns:p15="http://schemas.microsoft.com/office/powerpoint/2012/main" xmlns:ahyp="http://schemas.microsoft.com/office/drawing/2018/hyperlinkcolor" matchingName="Big number">
+<p:sldLayout xmlns:a="http://schemas.openxmlformats.org/drawingml/2006/main" xmlns:r="http://schemas.openxmlformats.org/officeDocument/2006/relationships" xmlns:p="http://schemas.openxmlformats.org/presentationml/2006/main" matchingName="Big number">
   <p:cSld name="BIG_NUMBER">
     <p:bg>
       <p:bgPr>
         <a:solidFill>
           <a:schemeClr val="dk1"/>
         </a:solidFill>
+        <a:effectLst/>
       </p:bgPr>
     </p:bg>
     <p:spTree>
       <p:nvGrpSpPr>
-        <p:cNvPr id="73" name="Shape 73"/>
+        <p:cNvPr id="1" name="Shape 73"/>
         <p:cNvGrpSpPr/>
         <p:nvPr/>
       </p:nvGrpSpPr>
@@ -2915,12 +3006,12 @@
             </a:ln>
           </p:spPr>
           <p:txBody>
-            <a:bodyPr anchorCtr="0" anchor="ctr" bIns="91425" lIns="91425" spcFirstLastPara="1" rIns="91425" wrap="square" tIns="91425">
+            <a:bodyPr spcFirstLastPara="1" wrap="square" lIns="91425" tIns="91425" rIns="91425" bIns="91425" anchor="ctr" anchorCtr="0">
               <a:noAutofit/>
             </a:bodyPr>
             <a:lstStyle/>
             <a:p>
-              <a:pPr indent="0" lvl="0" marL="0" rtl="0" algn="l">
+              <a:pPr marL="0" lvl="0" indent="0" algn="l" rtl="0">
                 <a:spcBef>
                   <a:spcPts val="0"/>
                 </a:spcBef>
@@ -2929,9 +3020,6 @@
                 </a:spcAft>
                 <a:buNone/>
               </a:pPr>
-              <a:r>
-                <a:t/>
-              </a:r>
               <a:endParaRPr/>
             </a:p>
           </p:txBody>
@@ -2958,12 +3046,12 @@
             </a:ln>
           </p:spPr>
           <p:txBody>
-            <a:bodyPr anchorCtr="0" anchor="ctr" bIns="91425" lIns="91425" spcFirstLastPara="1" rIns="91425" wrap="square" tIns="91425">
+            <a:bodyPr spcFirstLastPara="1" wrap="square" lIns="91425" tIns="91425" rIns="91425" bIns="91425" anchor="ctr" anchorCtr="0">
               <a:noAutofit/>
             </a:bodyPr>
             <a:lstStyle/>
             <a:p>
-              <a:pPr indent="0" lvl="0" marL="0" rtl="0" algn="l">
+              <a:pPr marL="0" lvl="0" indent="0" algn="l" rtl="0">
                 <a:spcBef>
                   <a:spcPts val="0"/>
                 </a:spcBef>
@@ -2972,9 +3060,6 @@
                 </a:spcAft>
                 <a:buNone/>
               </a:pPr>
-              <a:r>
-                <a:t/>
-              </a:r>
               <a:endParaRPr/>
             </a:p>
           </p:txBody>
@@ -2983,9 +3068,11 @@
       <p:sp>
         <p:nvSpPr>
           <p:cNvPr id="77" name="Google Shape;77;p11"/>
-          <p:cNvSpPr txBox="1"/>
+          <p:cNvSpPr txBox="1">
+            <a:spLocks noGrp="1"/>
+          </p:cNvSpPr>
           <p:nvPr>
-            <p:ph hasCustomPrompt="1" type="title"/>
+            <p:ph type="title" hasCustomPrompt="1"/>
           </p:nvPr>
         </p:nvSpPr>
         <p:spPr>
@@ -2998,7 +3085,7 @@
           </a:prstGeom>
         </p:spPr>
         <p:txBody>
-          <a:bodyPr anchorCtr="0" anchor="t" bIns="91425" lIns="91425" spcFirstLastPara="1" rIns="91425" wrap="square" tIns="91425">
+          <a:bodyPr spcFirstLastPara="1" wrap="square" lIns="91425" tIns="91425" rIns="91425" bIns="91425" anchor="t" anchorCtr="0">
             <a:noAutofit/>
           </a:bodyPr>
           <a:lstStyle>
@@ -3175,9 +3262,11 @@
       <p:sp>
         <p:nvSpPr>
           <p:cNvPr id="78" name="Google Shape;78;p11"/>
-          <p:cNvSpPr txBox="1"/>
+          <p:cNvSpPr txBox="1">
+            <a:spLocks noGrp="1"/>
+          </p:cNvSpPr>
           <p:nvPr>
-            <p:ph idx="1" type="body"/>
+            <p:ph type="body" idx="1"/>
           </p:nvPr>
         </p:nvSpPr>
         <p:spPr>
@@ -3190,11 +3279,11 @@
           </a:prstGeom>
         </p:spPr>
         <p:txBody>
-          <a:bodyPr anchorCtr="0" anchor="t" bIns="91425" lIns="91425" spcFirstLastPara="1" rIns="91425" wrap="square" tIns="91425">
+          <a:bodyPr spcFirstLastPara="1" wrap="square" lIns="91425" tIns="91425" rIns="91425" bIns="91425" anchor="t" anchorCtr="0">
             <a:noAutofit/>
           </a:bodyPr>
           <a:lstStyle>
-            <a:lvl1pPr indent="-311150" lvl="0" marL="457200">
+            <a:lvl1pPr marL="457200" lvl="0" indent="-311150">
               <a:spcBef>
                 <a:spcPts val="0"/>
               </a:spcBef>
@@ -3212,7 +3301,7 @@
                 </a:solidFill>
               </a:defRPr>
             </a:lvl1pPr>
-            <a:lvl2pPr indent="-298450" lvl="1" marL="914400">
+            <a:lvl2pPr marL="914400" lvl="1" indent="-298450">
               <a:spcBef>
                 <a:spcPts val="1600"/>
               </a:spcBef>
@@ -3230,7 +3319,7 @@
                 </a:solidFill>
               </a:defRPr>
             </a:lvl2pPr>
-            <a:lvl3pPr indent="-298450" lvl="2" marL="1371600">
+            <a:lvl3pPr marL="1371600" lvl="2" indent="-298450">
               <a:spcBef>
                 <a:spcPts val="1600"/>
               </a:spcBef>
@@ -3248,7 +3337,7 @@
                 </a:solidFill>
               </a:defRPr>
             </a:lvl3pPr>
-            <a:lvl4pPr indent="-298450" lvl="3" marL="1828800">
+            <a:lvl4pPr marL="1828800" lvl="3" indent="-298450">
               <a:spcBef>
                 <a:spcPts val="1600"/>
               </a:spcBef>
@@ -3266,7 +3355,7 @@
                 </a:solidFill>
               </a:defRPr>
             </a:lvl4pPr>
-            <a:lvl5pPr indent="-298450" lvl="4" marL="2286000">
+            <a:lvl5pPr marL="2286000" lvl="4" indent="-298450">
               <a:spcBef>
                 <a:spcPts val="1600"/>
               </a:spcBef>
@@ -3284,7 +3373,7 @@
                 </a:solidFill>
               </a:defRPr>
             </a:lvl5pPr>
-            <a:lvl6pPr indent="-298450" lvl="5" marL="2743200">
+            <a:lvl6pPr marL="2743200" lvl="5" indent="-298450">
               <a:spcBef>
                 <a:spcPts val="1600"/>
               </a:spcBef>
@@ -3302,7 +3391,7 @@
                 </a:solidFill>
               </a:defRPr>
             </a:lvl6pPr>
-            <a:lvl7pPr indent="-298450" lvl="6" marL="3200400">
+            <a:lvl7pPr marL="3200400" lvl="6" indent="-298450">
               <a:spcBef>
                 <a:spcPts val="1600"/>
               </a:spcBef>
@@ -3320,7 +3409,7 @@
                 </a:solidFill>
               </a:defRPr>
             </a:lvl7pPr>
-            <a:lvl8pPr indent="-298450" lvl="7" marL="3657600">
+            <a:lvl8pPr marL="3657600" lvl="7" indent="-298450">
               <a:spcBef>
                 <a:spcPts val="1600"/>
               </a:spcBef>
@@ -3338,7 +3427,7 @@
                 </a:solidFill>
               </a:defRPr>
             </a:lvl8pPr>
-            <a:lvl9pPr indent="-298450" lvl="8" marL="4114800">
+            <a:lvl9pPr marL="4114800" lvl="8" indent="-298450">
               <a:spcBef>
                 <a:spcPts val="1600"/>
               </a:spcBef>
@@ -3357,15 +3446,19 @@
               </a:defRPr>
             </a:lvl9pPr>
           </a:lstStyle>
-          <a:p/>
+          <a:p>
+            <a:endParaRPr/>
+          </a:p>
         </p:txBody>
       </p:sp>
       <p:sp>
         <p:nvSpPr>
           <p:cNvPr id="79" name="Google Shape;79;p11"/>
-          <p:cNvSpPr txBox="1"/>
+          <p:cNvSpPr txBox="1">
+            <a:spLocks noGrp="1"/>
+          </p:cNvSpPr>
           <p:nvPr>
-            <p:ph idx="12" type="sldNum"/>
+            <p:ph type="sldNum" idx="12"/>
           </p:nvPr>
         </p:nvSpPr>
         <p:spPr>
@@ -3378,7 +3471,7 @@
           </a:prstGeom>
         </p:spPr>
         <p:txBody>
-          <a:bodyPr anchorCtr="0" anchor="ctr" bIns="91425" lIns="91425" spcFirstLastPara="1" rIns="91425" wrap="square" tIns="91425">
+          <a:bodyPr spcFirstLastPara="1" wrap="square" lIns="91425" tIns="91425" rIns="91425" bIns="91425" anchor="ctr" anchorCtr="0">
             <a:noAutofit/>
           </a:bodyPr>
           <a:lstStyle>
@@ -3456,7 +3549,7 @@
             </a:lvl9pPr>
           </a:lstStyle>
           <a:p>
-            <a:pPr indent="0" lvl="0" marL="0" rtl="0" algn="r">
+            <a:pPr marL="0" lvl="0" indent="0" algn="r" rtl="0">
               <a:spcBef>
                 <a:spcPts val="0"/>
               </a:spcBef>
@@ -3482,11 +3575,11 @@
 </file>
 
 <file path=ppt/slideLayouts/slideLayout11.xml><?xml version="1.0" encoding="utf-8"?>
-<p:sldLayout xmlns:a="http://schemas.openxmlformats.org/drawingml/2006/main" xmlns:r="http://schemas.openxmlformats.org/officeDocument/2006/relationships" xmlns:mc="http://schemas.openxmlformats.org/markup-compatibility/2006" xmlns:mv="urn:schemas-microsoft-com:mac:vml" xmlns:p="http://schemas.openxmlformats.org/presentationml/2006/main" xmlns:c="http://schemas.openxmlformats.org/drawingml/2006/chart" xmlns:dgm="http://schemas.openxmlformats.org/drawingml/2006/diagram" xmlns:o="urn:schemas-microsoft-com:office:office" xmlns:v="urn:schemas-microsoft-com:vml" xmlns:pvml="urn:schemas-microsoft-com:office:powerpoint" xmlns:com="http://schemas.openxmlformats.org/drawingml/2006/compatibility" xmlns:p14="http://schemas.microsoft.com/office/powerpoint/2010/main" xmlns:p15="http://schemas.microsoft.com/office/powerpoint/2012/main" xmlns:ahyp="http://schemas.microsoft.com/office/drawing/2018/hyperlinkcolor" matchingName="Blank" type="blank">
+<p:sldLayout xmlns:a="http://schemas.openxmlformats.org/drawingml/2006/main" xmlns:r="http://schemas.openxmlformats.org/officeDocument/2006/relationships" xmlns:p="http://schemas.openxmlformats.org/presentationml/2006/main" matchingName="Blank" type="blank">
   <p:cSld name="BLANK">
     <p:spTree>
       <p:nvGrpSpPr>
-        <p:cNvPr id="80" name="Shape 80"/>
+        <p:cNvPr id="1" name="Shape 80"/>
         <p:cNvGrpSpPr/>
         <p:nvPr/>
       </p:nvGrpSpPr>
@@ -3501,9 +3594,11 @@
       <p:sp>
         <p:nvSpPr>
           <p:cNvPr id="81" name="Google Shape;81;p12"/>
-          <p:cNvSpPr txBox="1"/>
+          <p:cNvSpPr txBox="1">
+            <a:spLocks noGrp="1"/>
+          </p:cNvSpPr>
           <p:nvPr>
-            <p:ph idx="12" type="sldNum"/>
+            <p:ph type="sldNum" idx="12"/>
           </p:nvPr>
         </p:nvSpPr>
         <p:spPr>
@@ -3516,7 +3611,7 @@
           </a:prstGeom>
         </p:spPr>
         <p:txBody>
-          <a:bodyPr anchorCtr="0" anchor="ctr" bIns="91425" lIns="91425" spcFirstLastPara="1" rIns="91425" wrap="square" tIns="91425">
+          <a:bodyPr spcFirstLastPara="1" wrap="square" lIns="91425" tIns="91425" rIns="91425" bIns="91425" anchor="ctr" anchorCtr="0">
             <a:noAutofit/>
           </a:bodyPr>
           <a:lstStyle>
@@ -3558,7 +3653,7 @@
             </a:lvl9pPr>
           </a:lstStyle>
           <a:p>
-            <a:pPr indent="0" lvl="0" marL="0" rtl="0" algn="r">
+            <a:pPr marL="0" lvl="0" indent="0" algn="r" rtl="0">
               <a:spcBef>
                 <a:spcPts val="0"/>
               </a:spcBef>
@@ -3584,18 +3679,19 @@
 </file>
 
 <file path=ppt/slideLayouts/slideLayout2.xml><?xml version="1.0" encoding="utf-8"?>
-<p:sldLayout xmlns:a="http://schemas.openxmlformats.org/drawingml/2006/main" xmlns:r="http://schemas.openxmlformats.org/officeDocument/2006/relationships" xmlns:mc="http://schemas.openxmlformats.org/markup-compatibility/2006" xmlns:mv="urn:schemas-microsoft-com:mac:vml" xmlns:p="http://schemas.openxmlformats.org/presentationml/2006/main" xmlns:c="http://schemas.openxmlformats.org/drawingml/2006/chart" xmlns:dgm="http://schemas.openxmlformats.org/drawingml/2006/diagram" xmlns:o="urn:schemas-microsoft-com:office:office" xmlns:v="urn:schemas-microsoft-com:vml" xmlns:pvml="urn:schemas-microsoft-com:office:powerpoint" xmlns:com="http://schemas.openxmlformats.org/drawingml/2006/compatibility" xmlns:p14="http://schemas.microsoft.com/office/powerpoint/2010/main" xmlns:p15="http://schemas.microsoft.com/office/powerpoint/2012/main" xmlns:ahyp="http://schemas.microsoft.com/office/drawing/2018/hyperlinkcolor" matchingName="Section header" type="secHead">
+<p:sldLayout xmlns:a="http://schemas.openxmlformats.org/drawingml/2006/main" xmlns:r="http://schemas.openxmlformats.org/officeDocument/2006/relationships" xmlns:p="http://schemas.openxmlformats.org/presentationml/2006/main" matchingName="Section header" type="secHead">
   <p:cSld name="SECTION_HEADER">
     <p:bg>
       <p:bgPr>
         <a:solidFill>
           <a:schemeClr val="dk1"/>
         </a:solidFill>
+        <a:effectLst/>
       </p:bgPr>
     </p:bg>
     <p:spTree>
       <p:nvGrpSpPr>
-        <p:cNvPr id="17" name="Shape 17"/>
+        <p:cNvPr id="1" name="Shape 17"/>
         <p:cNvGrpSpPr/>
         <p:nvPr/>
       </p:nvGrpSpPr>
@@ -3643,12 +3739,12 @@
             </a:ln>
           </p:spPr>
           <p:txBody>
-            <a:bodyPr anchorCtr="0" anchor="ctr" bIns="91425" lIns="91425" spcFirstLastPara="1" rIns="91425" wrap="square" tIns="91425">
+            <a:bodyPr spcFirstLastPara="1" wrap="square" lIns="91425" tIns="91425" rIns="91425" bIns="91425" anchor="ctr" anchorCtr="0">
               <a:noAutofit/>
             </a:bodyPr>
             <a:lstStyle/>
             <a:p>
-              <a:pPr indent="0" lvl="0" marL="0" rtl="0" algn="l">
+              <a:pPr marL="0" lvl="0" indent="0" algn="l" rtl="0">
                 <a:spcBef>
                   <a:spcPts val="0"/>
                 </a:spcBef>
@@ -3657,9 +3753,6 @@
                 </a:spcAft>
                 <a:buNone/>
               </a:pPr>
-              <a:r>
-                <a:t/>
-              </a:r>
               <a:endParaRPr/>
             </a:p>
           </p:txBody>
@@ -3686,12 +3779,12 @@
             </a:ln>
           </p:spPr>
           <p:txBody>
-            <a:bodyPr anchorCtr="0" anchor="ctr" bIns="91425" lIns="91425" spcFirstLastPara="1" rIns="91425" wrap="square" tIns="91425">
+            <a:bodyPr spcFirstLastPara="1" wrap="square" lIns="91425" tIns="91425" rIns="91425" bIns="91425" anchor="ctr" anchorCtr="0">
               <a:noAutofit/>
             </a:bodyPr>
             <a:lstStyle/>
             <a:p>
-              <a:pPr indent="0" lvl="0" marL="0" rtl="0" algn="l">
+              <a:pPr marL="0" lvl="0" indent="0" algn="l" rtl="0">
                 <a:spcBef>
                   <a:spcPts val="0"/>
                 </a:spcBef>
@@ -3700,9 +3793,6 @@
                 </a:spcAft>
                 <a:buNone/>
               </a:pPr>
-              <a:r>
-                <a:t/>
-              </a:r>
               <a:endParaRPr/>
             </a:p>
           </p:txBody>
@@ -3711,7 +3801,9 @@
       <p:sp>
         <p:nvSpPr>
           <p:cNvPr id="21" name="Google Shape;21;p3"/>
-          <p:cNvSpPr txBox="1"/>
+          <p:cNvSpPr txBox="1">
+            <a:spLocks noGrp="1"/>
+          </p:cNvSpPr>
           <p:nvPr>
             <p:ph type="title"/>
           </p:nvPr>
@@ -3726,7 +3818,7 @@
           </a:prstGeom>
         </p:spPr>
         <p:txBody>
-          <a:bodyPr anchorCtr="0" anchor="t" bIns="91425" lIns="91425" spcFirstLastPara="1" rIns="91425" wrap="square" tIns="91425">
+          <a:bodyPr spcFirstLastPara="1" wrap="square" lIns="91425" tIns="91425" rIns="91425" bIns="91425" anchor="t" anchorCtr="0">
             <a:noAutofit/>
           </a:bodyPr>
           <a:lstStyle>
@@ -3893,15 +3985,19 @@
               </a:defRPr>
             </a:lvl9pPr>
           </a:lstStyle>
-          <a:p/>
+          <a:p>
+            <a:endParaRPr/>
+          </a:p>
         </p:txBody>
       </p:sp>
       <p:sp>
         <p:nvSpPr>
           <p:cNvPr id="22" name="Google Shape;22;p3"/>
-          <p:cNvSpPr txBox="1"/>
+          <p:cNvSpPr txBox="1">
+            <a:spLocks noGrp="1"/>
+          </p:cNvSpPr>
           <p:nvPr>
-            <p:ph idx="12" type="sldNum"/>
+            <p:ph type="sldNum" idx="12"/>
           </p:nvPr>
         </p:nvSpPr>
         <p:spPr>
@@ -3914,7 +4010,7 @@
           </a:prstGeom>
         </p:spPr>
         <p:txBody>
-          <a:bodyPr anchorCtr="0" anchor="ctr" bIns="91425" lIns="91425" spcFirstLastPara="1" rIns="91425" wrap="square" tIns="91425">
+          <a:bodyPr spcFirstLastPara="1" wrap="square" lIns="91425" tIns="91425" rIns="91425" bIns="91425" anchor="ctr" anchorCtr="0">
             <a:noAutofit/>
           </a:bodyPr>
           <a:lstStyle>
@@ -3992,7 +4088,7 @@
             </a:lvl9pPr>
           </a:lstStyle>
           <a:p>
-            <a:pPr indent="0" lvl="0" marL="0" rtl="0" algn="r">
+            <a:pPr marL="0" lvl="0" indent="0" algn="r" rtl="0">
               <a:spcBef>
                 <a:spcPts val="0"/>
               </a:spcBef>
@@ -4018,11 +4114,11 @@
 </file>
 
 <file path=ppt/slideLayouts/slideLayout3.xml><?xml version="1.0" encoding="utf-8"?>
-<p:sldLayout xmlns:a="http://schemas.openxmlformats.org/drawingml/2006/main" xmlns:r="http://schemas.openxmlformats.org/officeDocument/2006/relationships" xmlns:mc="http://schemas.openxmlformats.org/markup-compatibility/2006" xmlns:mv="urn:schemas-microsoft-com:mac:vml" xmlns:p="http://schemas.openxmlformats.org/presentationml/2006/main" xmlns:c="http://schemas.openxmlformats.org/drawingml/2006/chart" xmlns:dgm="http://schemas.openxmlformats.org/drawingml/2006/diagram" xmlns:o="urn:schemas-microsoft-com:office:office" xmlns:v="urn:schemas-microsoft-com:vml" xmlns:pvml="urn:schemas-microsoft-com:office:powerpoint" xmlns:com="http://schemas.openxmlformats.org/drawingml/2006/compatibility" xmlns:p14="http://schemas.microsoft.com/office/powerpoint/2010/main" xmlns:p15="http://schemas.microsoft.com/office/powerpoint/2012/main" xmlns:ahyp="http://schemas.microsoft.com/office/drawing/2018/hyperlinkcolor" matchingName="Title and body" type="tx">
+<p:sldLayout xmlns:a="http://schemas.openxmlformats.org/drawingml/2006/main" xmlns:r="http://schemas.openxmlformats.org/officeDocument/2006/relationships" xmlns:p="http://schemas.openxmlformats.org/presentationml/2006/main" matchingName="Title and body" type="tx">
   <p:cSld name="TITLE_AND_BODY">
     <p:spTree>
       <p:nvGrpSpPr>
-        <p:cNvPr id="23" name="Shape 23"/>
+        <p:cNvPr id="1" name="Shape 23"/>
         <p:cNvGrpSpPr/>
         <p:nvPr/>
       </p:nvGrpSpPr>
@@ -4056,12 +4152,12 @@
           </a:ln>
         </p:spPr>
         <p:txBody>
-          <a:bodyPr anchorCtr="0" anchor="ctr" bIns="91425" lIns="91425" spcFirstLastPara="1" rIns="91425" wrap="square" tIns="91425">
+          <a:bodyPr spcFirstLastPara="1" wrap="square" lIns="91425" tIns="91425" rIns="91425" bIns="91425" anchor="ctr" anchorCtr="0">
             <a:noAutofit/>
           </a:bodyPr>
           <a:lstStyle/>
           <a:p>
-            <a:pPr indent="0" lvl="0" marL="0" rtl="0" algn="l">
+            <a:pPr marL="0" lvl="0" indent="0" algn="l" rtl="0">
               <a:spcBef>
                 <a:spcPts val="0"/>
               </a:spcBef>
@@ -4070,9 +4166,6 @@
               </a:spcAft>
               <a:buNone/>
             </a:pPr>
-            <a:r>
-              <a:t/>
-            </a:r>
             <a:endParaRPr/>
           </a:p>
         </p:txBody>
@@ -4113,12 +4206,12 @@
             </a:ln>
           </p:spPr>
           <p:txBody>
-            <a:bodyPr anchorCtr="0" anchor="ctr" bIns="91425" lIns="91425" spcFirstLastPara="1" rIns="91425" wrap="square" tIns="91425">
+            <a:bodyPr spcFirstLastPara="1" wrap="square" lIns="91425" tIns="91425" rIns="91425" bIns="91425" anchor="ctr" anchorCtr="0">
               <a:noAutofit/>
             </a:bodyPr>
             <a:lstStyle/>
             <a:p>
-              <a:pPr indent="0" lvl="0" marL="0" rtl="0" algn="l">
+              <a:pPr marL="0" lvl="0" indent="0" algn="l" rtl="0">
                 <a:spcBef>
                   <a:spcPts val="0"/>
                 </a:spcBef>
@@ -4127,9 +4220,6 @@
                 </a:spcAft>
                 <a:buNone/>
               </a:pPr>
-              <a:r>
-                <a:t/>
-              </a:r>
               <a:endParaRPr/>
             </a:p>
           </p:txBody>
@@ -4156,12 +4246,12 @@
             </a:ln>
           </p:spPr>
           <p:txBody>
-            <a:bodyPr anchorCtr="0" anchor="ctr" bIns="91425" lIns="91425" spcFirstLastPara="1" rIns="91425" wrap="square" tIns="91425">
+            <a:bodyPr spcFirstLastPara="1" wrap="square" lIns="91425" tIns="91425" rIns="91425" bIns="91425" anchor="ctr" anchorCtr="0">
               <a:noAutofit/>
             </a:bodyPr>
             <a:lstStyle/>
             <a:p>
-              <a:pPr indent="0" lvl="0" marL="0" rtl="0" algn="l">
+              <a:pPr marL="0" lvl="0" indent="0" algn="l" rtl="0">
                 <a:spcBef>
                   <a:spcPts val="0"/>
                 </a:spcBef>
@@ -4170,9 +4260,6 @@
                 </a:spcAft>
                 <a:buNone/>
               </a:pPr>
-              <a:r>
-                <a:t/>
-              </a:r>
               <a:endParaRPr/>
             </a:p>
           </p:txBody>
@@ -4181,7 +4268,9 @@
       <p:sp>
         <p:nvSpPr>
           <p:cNvPr id="28" name="Google Shape;28;p4"/>
-          <p:cNvSpPr txBox="1"/>
+          <p:cNvSpPr txBox="1">
+            <a:spLocks noGrp="1"/>
+          </p:cNvSpPr>
           <p:nvPr>
             <p:ph type="title"/>
           </p:nvPr>
@@ -4196,7 +4285,7 @@
           </a:prstGeom>
         </p:spPr>
         <p:txBody>
-          <a:bodyPr anchorCtr="0" anchor="t" bIns="91425" lIns="91425" spcFirstLastPara="1" rIns="91425" wrap="square" tIns="91425">
+          <a:bodyPr spcFirstLastPara="1" wrap="square" lIns="91425" tIns="91425" rIns="91425" bIns="91425" anchor="t" anchorCtr="0">
             <a:noAutofit/>
           </a:bodyPr>
           <a:lstStyle>
@@ -4363,15 +4452,19 @@
               </a:defRPr>
             </a:lvl9pPr>
           </a:lstStyle>
-          <a:p/>
+          <a:p>
+            <a:endParaRPr/>
+          </a:p>
         </p:txBody>
       </p:sp>
       <p:sp>
         <p:nvSpPr>
           <p:cNvPr id="29" name="Google Shape;29;p4"/>
-          <p:cNvSpPr txBox="1"/>
+          <p:cNvSpPr txBox="1">
+            <a:spLocks noGrp="1"/>
+          </p:cNvSpPr>
           <p:nvPr>
-            <p:ph idx="1" type="body"/>
+            <p:ph type="body" idx="1"/>
           </p:nvPr>
         </p:nvSpPr>
         <p:spPr>
@@ -4384,11 +4477,11 @@
           </a:prstGeom>
         </p:spPr>
         <p:txBody>
-          <a:bodyPr anchorCtr="0" anchor="t" bIns="91425" lIns="91425" spcFirstLastPara="1" rIns="91425" wrap="square" tIns="91425">
+          <a:bodyPr spcFirstLastPara="1" wrap="square" lIns="91425" tIns="91425" rIns="91425" bIns="91425" anchor="t" anchorCtr="0">
             <a:noAutofit/>
           </a:bodyPr>
           <a:lstStyle>
-            <a:lvl1pPr indent="-311150" lvl="0" marL="457200">
+            <a:lvl1pPr marL="457200" lvl="0" indent="-311150">
               <a:spcBef>
                 <a:spcPts val="0"/>
               </a:spcBef>
@@ -4399,7 +4492,7 @@
               <a:buChar char="●"/>
               <a:defRPr/>
             </a:lvl1pPr>
-            <a:lvl2pPr indent="-298450" lvl="1" marL="914400">
+            <a:lvl2pPr marL="914400" lvl="1" indent="-298450">
               <a:spcBef>
                 <a:spcPts val="1600"/>
               </a:spcBef>
@@ -4410,7 +4503,7 @@
               <a:buChar char="○"/>
               <a:defRPr/>
             </a:lvl2pPr>
-            <a:lvl3pPr indent="-298450" lvl="2" marL="1371600">
+            <a:lvl3pPr marL="1371600" lvl="2" indent="-298450">
               <a:spcBef>
                 <a:spcPts val="1600"/>
               </a:spcBef>
@@ -4421,7 +4514,7 @@
               <a:buChar char="■"/>
               <a:defRPr/>
             </a:lvl3pPr>
-            <a:lvl4pPr indent="-298450" lvl="3" marL="1828800">
+            <a:lvl4pPr marL="1828800" lvl="3" indent="-298450">
               <a:spcBef>
                 <a:spcPts val="1600"/>
               </a:spcBef>
@@ -4432,7 +4525,7 @@
               <a:buChar char="●"/>
               <a:defRPr/>
             </a:lvl4pPr>
-            <a:lvl5pPr indent="-298450" lvl="4" marL="2286000">
+            <a:lvl5pPr marL="2286000" lvl="4" indent="-298450">
               <a:spcBef>
                 <a:spcPts val="1600"/>
               </a:spcBef>
@@ -4443,7 +4536,7 @@
               <a:buChar char="○"/>
               <a:defRPr/>
             </a:lvl5pPr>
-            <a:lvl6pPr indent="-298450" lvl="5" marL="2743200">
+            <a:lvl6pPr marL="2743200" lvl="5" indent="-298450">
               <a:spcBef>
                 <a:spcPts val="1600"/>
               </a:spcBef>
@@ -4454,7 +4547,7 @@
               <a:buChar char="■"/>
               <a:defRPr/>
             </a:lvl6pPr>
-            <a:lvl7pPr indent="-298450" lvl="6" marL="3200400">
+            <a:lvl7pPr marL="3200400" lvl="6" indent="-298450">
               <a:spcBef>
                 <a:spcPts val="1600"/>
               </a:spcBef>
@@ -4465,7 +4558,7 @@
               <a:buChar char="●"/>
               <a:defRPr/>
             </a:lvl7pPr>
-            <a:lvl8pPr indent="-298450" lvl="7" marL="3657600">
+            <a:lvl8pPr marL="3657600" lvl="7" indent="-298450">
               <a:spcBef>
                 <a:spcPts val="1600"/>
               </a:spcBef>
@@ -4476,7 +4569,7 @@
               <a:buChar char="○"/>
               <a:defRPr/>
             </a:lvl8pPr>
-            <a:lvl9pPr indent="-298450" lvl="8" marL="4114800">
+            <a:lvl9pPr marL="4114800" lvl="8" indent="-298450">
               <a:spcBef>
                 <a:spcPts val="1600"/>
               </a:spcBef>
@@ -4488,15 +4581,19 @@
               <a:defRPr/>
             </a:lvl9pPr>
           </a:lstStyle>
-          <a:p/>
+          <a:p>
+            <a:endParaRPr/>
+          </a:p>
         </p:txBody>
       </p:sp>
       <p:sp>
         <p:nvSpPr>
           <p:cNvPr id="30" name="Google Shape;30;p4"/>
-          <p:cNvSpPr txBox="1"/>
+          <p:cNvSpPr txBox="1">
+            <a:spLocks noGrp="1"/>
+          </p:cNvSpPr>
           <p:nvPr>
-            <p:ph idx="12" type="sldNum"/>
+            <p:ph type="sldNum" idx="12"/>
           </p:nvPr>
         </p:nvSpPr>
         <p:spPr>
@@ -4509,7 +4606,7 @@
           </a:prstGeom>
         </p:spPr>
         <p:txBody>
-          <a:bodyPr anchorCtr="0" anchor="ctr" bIns="91425" lIns="91425" spcFirstLastPara="1" rIns="91425" wrap="square" tIns="91425">
+          <a:bodyPr spcFirstLastPara="1" wrap="square" lIns="91425" tIns="91425" rIns="91425" bIns="91425" anchor="ctr" anchorCtr="0">
             <a:noAutofit/>
           </a:bodyPr>
           <a:lstStyle>
@@ -4551,7 +4648,7 @@
             </a:lvl9pPr>
           </a:lstStyle>
           <a:p>
-            <a:pPr indent="0" lvl="0" marL="0" rtl="0" algn="r">
+            <a:pPr marL="0" lvl="0" indent="0" algn="r" rtl="0">
               <a:spcBef>
                 <a:spcPts val="0"/>
               </a:spcBef>
@@ -4577,11 +4674,11 @@
 </file>
 
 <file path=ppt/slideLayouts/slideLayout4.xml><?xml version="1.0" encoding="utf-8"?>
-<p:sldLayout xmlns:a="http://schemas.openxmlformats.org/drawingml/2006/main" xmlns:r="http://schemas.openxmlformats.org/officeDocument/2006/relationships" xmlns:mc="http://schemas.openxmlformats.org/markup-compatibility/2006" xmlns:mv="urn:schemas-microsoft-com:mac:vml" xmlns:p="http://schemas.openxmlformats.org/presentationml/2006/main" xmlns:c="http://schemas.openxmlformats.org/drawingml/2006/chart" xmlns:dgm="http://schemas.openxmlformats.org/drawingml/2006/diagram" xmlns:o="urn:schemas-microsoft-com:office:office" xmlns:v="urn:schemas-microsoft-com:vml" xmlns:pvml="urn:schemas-microsoft-com:office:powerpoint" xmlns:com="http://schemas.openxmlformats.org/drawingml/2006/compatibility" xmlns:p14="http://schemas.microsoft.com/office/powerpoint/2010/main" xmlns:p15="http://schemas.microsoft.com/office/powerpoint/2012/main" xmlns:ahyp="http://schemas.microsoft.com/office/drawing/2018/hyperlinkcolor" matchingName="Title and two columns" type="twoColTx">
+<p:sldLayout xmlns:a="http://schemas.openxmlformats.org/drawingml/2006/main" xmlns:r="http://schemas.openxmlformats.org/officeDocument/2006/relationships" xmlns:p="http://schemas.openxmlformats.org/presentationml/2006/main" matchingName="Title and two columns" type="twoColTx">
   <p:cSld name="TITLE_AND_TWO_COLUMNS">
     <p:spTree>
       <p:nvGrpSpPr>
-        <p:cNvPr id="31" name="Shape 31"/>
+        <p:cNvPr id="1" name="Shape 31"/>
         <p:cNvGrpSpPr/>
         <p:nvPr/>
       </p:nvGrpSpPr>
@@ -4615,12 +4712,12 @@
           </a:ln>
         </p:spPr>
         <p:txBody>
-          <a:bodyPr anchorCtr="0" anchor="ctr" bIns="91425" lIns="91425" spcFirstLastPara="1" rIns="91425" wrap="square" tIns="91425">
+          <a:bodyPr spcFirstLastPara="1" wrap="square" lIns="91425" tIns="91425" rIns="91425" bIns="91425" anchor="ctr" anchorCtr="0">
             <a:noAutofit/>
           </a:bodyPr>
           <a:lstStyle/>
           <a:p>
-            <a:pPr indent="0" lvl="0" marL="0" rtl="0" algn="l">
+            <a:pPr marL="0" lvl="0" indent="0" algn="l" rtl="0">
               <a:spcBef>
                 <a:spcPts val="0"/>
               </a:spcBef>
@@ -4629,9 +4726,6 @@
               </a:spcAft>
               <a:buNone/>
             </a:pPr>
-            <a:r>
-              <a:t/>
-            </a:r>
             <a:endParaRPr/>
           </a:p>
         </p:txBody>
@@ -4672,12 +4766,12 @@
             </a:ln>
           </p:spPr>
           <p:txBody>
-            <a:bodyPr anchorCtr="0" anchor="ctr" bIns="91425" lIns="91425" spcFirstLastPara="1" rIns="91425" wrap="square" tIns="91425">
+            <a:bodyPr spcFirstLastPara="1" wrap="square" lIns="91425" tIns="91425" rIns="91425" bIns="91425" anchor="ctr" anchorCtr="0">
               <a:noAutofit/>
             </a:bodyPr>
             <a:lstStyle/>
             <a:p>
-              <a:pPr indent="0" lvl="0" marL="0" rtl="0" algn="l">
+              <a:pPr marL="0" lvl="0" indent="0" algn="l" rtl="0">
                 <a:spcBef>
                   <a:spcPts val="0"/>
                 </a:spcBef>
@@ -4686,9 +4780,6 @@
                 </a:spcAft>
                 <a:buNone/>
               </a:pPr>
-              <a:r>
-                <a:t/>
-              </a:r>
               <a:endParaRPr/>
             </a:p>
           </p:txBody>
@@ -4715,12 +4806,12 @@
             </a:ln>
           </p:spPr>
           <p:txBody>
-            <a:bodyPr anchorCtr="0" anchor="ctr" bIns="91425" lIns="91425" spcFirstLastPara="1" rIns="91425" wrap="square" tIns="91425">
+            <a:bodyPr spcFirstLastPara="1" wrap="square" lIns="91425" tIns="91425" rIns="91425" bIns="91425" anchor="ctr" anchorCtr="0">
               <a:noAutofit/>
             </a:bodyPr>
             <a:lstStyle/>
             <a:p>
-              <a:pPr indent="0" lvl="0" marL="0" rtl="0" algn="l">
+              <a:pPr marL="0" lvl="0" indent="0" algn="l" rtl="0">
                 <a:spcBef>
                   <a:spcPts val="0"/>
                 </a:spcBef>
@@ -4729,9 +4820,6 @@
                 </a:spcAft>
                 <a:buNone/>
               </a:pPr>
-              <a:r>
-                <a:t/>
-              </a:r>
               <a:endParaRPr/>
             </a:p>
           </p:txBody>
@@ -4740,7 +4828,9 @@
       <p:sp>
         <p:nvSpPr>
           <p:cNvPr id="36" name="Google Shape;36;p5"/>
-          <p:cNvSpPr txBox="1"/>
+          <p:cNvSpPr txBox="1">
+            <a:spLocks noGrp="1"/>
+          </p:cNvSpPr>
           <p:nvPr>
             <p:ph type="title"/>
           </p:nvPr>
@@ -4755,7 +4845,7 @@
           </a:prstGeom>
         </p:spPr>
         <p:txBody>
-          <a:bodyPr anchorCtr="0" anchor="t" bIns="91425" lIns="91425" spcFirstLastPara="1" rIns="91425" wrap="square" tIns="91425">
+          <a:bodyPr spcFirstLastPara="1" wrap="square" lIns="91425" tIns="91425" rIns="91425" bIns="91425" anchor="t" anchorCtr="0">
             <a:noAutofit/>
           </a:bodyPr>
           <a:lstStyle>
@@ -4922,15 +5012,19 @@
               </a:defRPr>
             </a:lvl9pPr>
           </a:lstStyle>
-          <a:p/>
+          <a:p>
+            <a:endParaRPr/>
+          </a:p>
         </p:txBody>
       </p:sp>
       <p:sp>
         <p:nvSpPr>
           <p:cNvPr id="37" name="Google Shape;37;p5"/>
-          <p:cNvSpPr txBox="1"/>
+          <p:cNvSpPr txBox="1">
+            <a:spLocks noGrp="1"/>
+          </p:cNvSpPr>
           <p:nvPr>
-            <p:ph idx="1" type="body"/>
+            <p:ph type="body" idx="1"/>
           </p:nvPr>
         </p:nvSpPr>
         <p:spPr>
@@ -4943,11 +5037,11 @@
           </a:prstGeom>
         </p:spPr>
         <p:txBody>
-          <a:bodyPr anchorCtr="0" anchor="t" bIns="91425" lIns="91425" spcFirstLastPara="1" rIns="91425" wrap="square" tIns="91425">
+          <a:bodyPr spcFirstLastPara="1" wrap="square" lIns="91425" tIns="91425" rIns="91425" bIns="91425" anchor="t" anchorCtr="0">
             <a:noAutofit/>
           </a:bodyPr>
           <a:lstStyle>
-            <a:lvl1pPr indent="-311150" lvl="0" marL="457200">
+            <a:lvl1pPr marL="457200" lvl="0" indent="-311150">
               <a:spcBef>
                 <a:spcPts val="0"/>
               </a:spcBef>
@@ -4958,7 +5052,7 @@
               <a:buChar char="●"/>
               <a:defRPr/>
             </a:lvl1pPr>
-            <a:lvl2pPr indent="-298450" lvl="1" marL="914400">
+            <a:lvl2pPr marL="914400" lvl="1" indent="-298450">
               <a:spcBef>
                 <a:spcPts val="1600"/>
               </a:spcBef>
@@ -4969,7 +5063,7 @@
               <a:buChar char="○"/>
               <a:defRPr/>
             </a:lvl2pPr>
-            <a:lvl3pPr indent="-298450" lvl="2" marL="1371600">
+            <a:lvl3pPr marL="1371600" lvl="2" indent="-298450">
               <a:spcBef>
                 <a:spcPts val="1600"/>
               </a:spcBef>
@@ -4980,7 +5074,7 @@
               <a:buChar char="■"/>
               <a:defRPr/>
             </a:lvl3pPr>
-            <a:lvl4pPr indent="-298450" lvl="3" marL="1828800">
+            <a:lvl4pPr marL="1828800" lvl="3" indent="-298450">
               <a:spcBef>
                 <a:spcPts val="1600"/>
               </a:spcBef>
@@ -4991,7 +5085,7 @@
               <a:buChar char="●"/>
               <a:defRPr/>
             </a:lvl4pPr>
-            <a:lvl5pPr indent="-298450" lvl="4" marL="2286000">
+            <a:lvl5pPr marL="2286000" lvl="4" indent="-298450">
               <a:spcBef>
                 <a:spcPts val="1600"/>
               </a:spcBef>
@@ -5002,7 +5096,7 @@
               <a:buChar char="○"/>
               <a:defRPr/>
             </a:lvl5pPr>
-            <a:lvl6pPr indent="-298450" lvl="5" marL="2743200">
+            <a:lvl6pPr marL="2743200" lvl="5" indent="-298450">
               <a:spcBef>
                 <a:spcPts val="1600"/>
               </a:spcBef>
@@ -5013,7 +5107,7 @@
               <a:buChar char="■"/>
               <a:defRPr/>
             </a:lvl6pPr>
-            <a:lvl7pPr indent="-298450" lvl="6" marL="3200400">
+            <a:lvl7pPr marL="3200400" lvl="6" indent="-298450">
               <a:spcBef>
                 <a:spcPts val="1600"/>
               </a:spcBef>
@@ -5024,7 +5118,7 @@
               <a:buChar char="●"/>
               <a:defRPr/>
             </a:lvl7pPr>
-            <a:lvl8pPr indent="-298450" lvl="7" marL="3657600">
+            <a:lvl8pPr marL="3657600" lvl="7" indent="-298450">
               <a:spcBef>
                 <a:spcPts val="1600"/>
               </a:spcBef>
@@ -5035,7 +5129,7 @@
               <a:buChar char="○"/>
               <a:defRPr/>
             </a:lvl8pPr>
-            <a:lvl9pPr indent="-298450" lvl="8" marL="4114800">
+            <a:lvl9pPr marL="4114800" lvl="8" indent="-298450">
               <a:spcBef>
                 <a:spcPts val="1600"/>
               </a:spcBef>
@@ -5047,15 +5141,19 @@
               <a:defRPr/>
             </a:lvl9pPr>
           </a:lstStyle>
-          <a:p/>
+          <a:p>
+            <a:endParaRPr/>
+          </a:p>
         </p:txBody>
       </p:sp>
       <p:sp>
         <p:nvSpPr>
           <p:cNvPr id="38" name="Google Shape;38;p5"/>
-          <p:cNvSpPr txBox="1"/>
+          <p:cNvSpPr txBox="1">
+            <a:spLocks noGrp="1"/>
+          </p:cNvSpPr>
           <p:nvPr>
-            <p:ph idx="2" type="body"/>
+            <p:ph type="body" idx="2"/>
           </p:nvPr>
         </p:nvSpPr>
         <p:spPr>
@@ -5068,11 +5166,11 @@
           </a:prstGeom>
         </p:spPr>
         <p:txBody>
-          <a:bodyPr anchorCtr="0" anchor="t" bIns="91425" lIns="91425" spcFirstLastPara="1" rIns="91425" wrap="square" tIns="91425">
+          <a:bodyPr spcFirstLastPara="1" wrap="square" lIns="91425" tIns="91425" rIns="91425" bIns="91425" anchor="t" anchorCtr="0">
             <a:noAutofit/>
           </a:bodyPr>
           <a:lstStyle>
-            <a:lvl1pPr indent="-311150" lvl="0" marL="457200">
+            <a:lvl1pPr marL="457200" lvl="0" indent="-311150">
               <a:spcBef>
                 <a:spcPts val="0"/>
               </a:spcBef>
@@ -5083,7 +5181,7 @@
               <a:buChar char="●"/>
               <a:defRPr/>
             </a:lvl1pPr>
-            <a:lvl2pPr indent="-298450" lvl="1" marL="914400">
+            <a:lvl2pPr marL="914400" lvl="1" indent="-298450">
               <a:spcBef>
                 <a:spcPts val="1600"/>
               </a:spcBef>
@@ -5094,7 +5192,7 @@
               <a:buChar char="○"/>
               <a:defRPr/>
             </a:lvl2pPr>
-            <a:lvl3pPr indent="-298450" lvl="2" marL="1371600">
+            <a:lvl3pPr marL="1371600" lvl="2" indent="-298450">
               <a:spcBef>
                 <a:spcPts val="1600"/>
               </a:spcBef>
@@ -5105,7 +5203,7 @@
               <a:buChar char="■"/>
               <a:defRPr/>
             </a:lvl3pPr>
-            <a:lvl4pPr indent="-298450" lvl="3" marL="1828800">
+            <a:lvl4pPr marL="1828800" lvl="3" indent="-298450">
               <a:spcBef>
                 <a:spcPts val="1600"/>
               </a:spcBef>
@@ -5116,7 +5214,7 @@
               <a:buChar char="●"/>
               <a:defRPr/>
             </a:lvl4pPr>
-            <a:lvl5pPr indent="-298450" lvl="4" marL="2286000">
+            <a:lvl5pPr marL="2286000" lvl="4" indent="-298450">
               <a:spcBef>
                 <a:spcPts val="1600"/>
               </a:spcBef>
@@ -5127,7 +5225,7 @@
               <a:buChar char="○"/>
               <a:defRPr/>
             </a:lvl5pPr>
-            <a:lvl6pPr indent="-298450" lvl="5" marL="2743200">
+            <a:lvl6pPr marL="2743200" lvl="5" indent="-298450">
               <a:spcBef>
                 <a:spcPts val="1600"/>
               </a:spcBef>
@@ -5138,7 +5236,7 @@
               <a:buChar char="■"/>
               <a:defRPr/>
             </a:lvl6pPr>
-            <a:lvl7pPr indent="-298450" lvl="6" marL="3200400">
+            <a:lvl7pPr marL="3200400" lvl="6" indent="-298450">
               <a:spcBef>
                 <a:spcPts val="1600"/>
               </a:spcBef>
@@ -5149,7 +5247,7 @@
               <a:buChar char="●"/>
               <a:defRPr/>
             </a:lvl7pPr>
-            <a:lvl8pPr indent="-298450" lvl="7" marL="3657600">
+            <a:lvl8pPr marL="3657600" lvl="7" indent="-298450">
               <a:spcBef>
                 <a:spcPts val="1600"/>
               </a:spcBef>
@@ -5160,7 +5258,7 @@
               <a:buChar char="○"/>
               <a:defRPr/>
             </a:lvl8pPr>
-            <a:lvl9pPr indent="-298450" lvl="8" marL="4114800">
+            <a:lvl9pPr marL="4114800" lvl="8" indent="-298450">
               <a:spcBef>
                 <a:spcPts val="1600"/>
               </a:spcBef>
@@ -5172,15 +5270,19 @@
               <a:defRPr/>
             </a:lvl9pPr>
           </a:lstStyle>
-          <a:p/>
+          <a:p>
+            <a:endParaRPr/>
+          </a:p>
         </p:txBody>
       </p:sp>
       <p:sp>
         <p:nvSpPr>
           <p:cNvPr id="39" name="Google Shape;39;p5"/>
-          <p:cNvSpPr txBox="1"/>
+          <p:cNvSpPr txBox="1">
+            <a:spLocks noGrp="1"/>
+          </p:cNvSpPr>
           <p:nvPr>
-            <p:ph idx="12" type="sldNum"/>
+            <p:ph type="sldNum" idx="12"/>
           </p:nvPr>
         </p:nvSpPr>
         <p:spPr>
@@ -5193,7 +5295,7 @@
           </a:prstGeom>
         </p:spPr>
         <p:txBody>
-          <a:bodyPr anchorCtr="0" anchor="ctr" bIns="91425" lIns="91425" spcFirstLastPara="1" rIns="91425" wrap="square" tIns="91425">
+          <a:bodyPr spcFirstLastPara="1" wrap="square" lIns="91425" tIns="91425" rIns="91425" bIns="91425" anchor="ctr" anchorCtr="0">
             <a:noAutofit/>
           </a:bodyPr>
           <a:lstStyle>
@@ -5235,7 +5337,7 @@
             </a:lvl9pPr>
           </a:lstStyle>
           <a:p>
-            <a:pPr indent="0" lvl="0" marL="0" rtl="0" algn="r">
+            <a:pPr marL="0" lvl="0" indent="0" algn="r" rtl="0">
               <a:spcBef>
                 <a:spcPts val="0"/>
               </a:spcBef>
@@ -5261,11 +5363,11 @@
 </file>
 
 <file path=ppt/slideLayouts/slideLayout5.xml><?xml version="1.0" encoding="utf-8"?>
-<p:sldLayout xmlns:a="http://schemas.openxmlformats.org/drawingml/2006/main" xmlns:r="http://schemas.openxmlformats.org/officeDocument/2006/relationships" xmlns:mc="http://schemas.openxmlformats.org/markup-compatibility/2006" xmlns:mv="urn:schemas-microsoft-com:mac:vml" xmlns:p="http://schemas.openxmlformats.org/presentationml/2006/main" xmlns:c="http://schemas.openxmlformats.org/drawingml/2006/chart" xmlns:dgm="http://schemas.openxmlformats.org/drawingml/2006/diagram" xmlns:o="urn:schemas-microsoft-com:office:office" xmlns:v="urn:schemas-microsoft-com:vml" xmlns:pvml="urn:schemas-microsoft-com:office:powerpoint" xmlns:com="http://schemas.openxmlformats.org/drawingml/2006/compatibility" xmlns:p14="http://schemas.microsoft.com/office/powerpoint/2010/main" xmlns:p15="http://schemas.microsoft.com/office/powerpoint/2012/main" xmlns:ahyp="http://schemas.microsoft.com/office/drawing/2018/hyperlinkcolor" matchingName="Title only" type="titleOnly">
+<p:sldLayout xmlns:a="http://schemas.openxmlformats.org/drawingml/2006/main" xmlns:r="http://schemas.openxmlformats.org/officeDocument/2006/relationships" xmlns:p="http://schemas.openxmlformats.org/presentationml/2006/main" matchingName="Title only" type="titleOnly">
   <p:cSld name="TITLE_ONLY">
     <p:spTree>
       <p:nvGrpSpPr>
-        <p:cNvPr id="40" name="Shape 40"/>
+        <p:cNvPr id="1" name="Shape 40"/>
         <p:cNvGrpSpPr/>
         <p:nvPr/>
       </p:nvGrpSpPr>
@@ -5299,12 +5401,12 @@
           </a:ln>
         </p:spPr>
         <p:txBody>
-          <a:bodyPr anchorCtr="0" anchor="ctr" bIns="91425" lIns="91425" spcFirstLastPara="1" rIns="91425" wrap="square" tIns="91425">
+          <a:bodyPr spcFirstLastPara="1" wrap="square" lIns="91425" tIns="91425" rIns="91425" bIns="91425" anchor="ctr" anchorCtr="0">
             <a:noAutofit/>
           </a:bodyPr>
           <a:lstStyle/>
           <a:p>
-            <a:pPr indent="0" lvl="0" marL="0" rtl="0" algn="l">
+            <a:pPr marL="0" lvl="0" indent="0" algn="l" rtl="0">
               <a:spcBef>
                 <a:spcPts val="0"/>
               </a:spcBef>
@@ -5313,9 +5415,6 @@
               </a:spcAft>
               <a:buNone/>
             </a:pPr>
-            <a:r>
-              <a:t/>
-            </a:r>
             <a:endParaRPr/>
           </a:p>
         </p:txBody>
@@ -5356,12 +5455,12 @@
             </a:ln>
           </p:spPr>
           <p:txBody>
-            <a:bodyPr anchorCtr="0" anchor="ctr" bIns="91425" lIns="91425" spcFirstLastPara="1" rIns="91425" wrap="square" tIns="91425">
+            <a:bodyPr spcFirstLastPara="1" wrap="square" lIns="91425" tIns="91425" rIns="91425" bIns="91425" anchor="ctr" anchorCtr="0">
               <a:noAutofit/>
             </a:bodyPr>
             <a:lstStyle/>
             <a:p>
-              <a:pPr indent="0" lvl="0" marL="0" rtl="0" algn="l">
+              <a:pPr marL="0" lvl="0" indent="0" algn="l" rtl="0">
                 <a:spcBef>
                   <a:spcPts val="0"/>
                 </a:spcBef>
@@ -5370,9 +5469,6 @@
                 </a:spcAft>
                 <a:buNone/>
               </a:pPr>
-              <a:r>
-                <a:t/>
-              </a:r>
               <a:endParaRPr/>
             </a:p>
           </p:txBody>
@@ -5399,12 +5495,12 @@
             </a:ln>
           </p:spPr>
           <p:txBody>
-            <a:bodyPr anchorCtr="0" anchor="ctr" bIns="91425" lIns="91425" spcFirstLastPara="1" rIns="91425" wrap="square" tIns="91425">
+            <a:bodyPr spcFirstLastPara="1" wrap="square" lIns="91425" tIns="91425" rIns="91425" bIns="91425" anchor="ctr" anchorCtr="0">
               <a:noAutofit/>
             </a:bodyPr>
             <a:lstStyle/>
             <a:p>
-              <a:pPr indent="0" lvl="0" marL="0" rtl="0" algn="l">
+              <a:pPr marL="0" lvl="0" indent="0" algn="l" rtl="0">
                 <a:spcBef>
                   <a:spcPts val="0"/>
                 </a:spcBef>
@@ -5413,9 +5509,6 @@
                 </a:spcAft>
                 <a:buNone/>
               </a:pPr>
-              <a:r>
-                <a:t/>
-              </a:r>
               <a:endParaRPr/>
             </a:p>
           </p:txBody>
@@ -5424,7 +5517,9 @@
       <p:sp>
         <p:nvSpPr>
           <p:cNvPr id="45" name="Google Shape;45;p6"/>
-          <p:cNvSpPr txBox="1"/>
+          <p:cNvSpPr txBox="1">
+            <a:spLocks noGrp="1"/>
+          </p:cNvSpPr>
           <p:nvPr>
             <p:ph type="title"/>
           </p:nvPr>
@@ -5439,7 +5534,7 @@
           </a:prstGeom>
         </p:spPr>
         <p:txBody>
-          <a:bodyPr anchorCtr="0" anchor="t" bIns="91425" lIns="91425" spcFirstLastPara="1" rIns="91425" wrap="square" tIns="91425">
+          <a:bodyPr spcFirstLastPara="1" wrap="square" lIns="91425" tIns="91425" rIns="91425" bIns="91425" anchor="t" anchorCtr="0">
             <a:noAutofit/>
           </a:bodyPr>
           <a:lstStyle>
@@ -5606,15 +5701,19 @@
               </a:defRPr>
             </a:lvl9pPr>
           </a:lstStyle>
-          <a:p/>
+          <a:p>
+            <a:endParaRPr/>
+          </a:p>
         </p:txBody>
       </p:sp>
       <p:sp>
         <p:nvSpPr>
           <p:cNvPr id="46" name="Google Shape;46;p6"/>
-          <p:cNvSpPr txBox="1"/>
+          <p:cNvSpPr txBox="1">
+            <a:spLocks noGrp="1"/>
+          </p:cNvSpPr>
           <p:nvPr>
-            <p:ph idx="12" type="sldNum"/>
+            <p:ph type="sldNum" idx="12"/>
           </p:nvPr>
         </p:nvSpPr>
         <p:spPr>
@@ -5627,7 +5726,7 @@
           </a:prstGeom>
         </p:spPr>
         <p:txBody>
-          <a:bodyPr anchorCtr="0" anchor="ctr" bIns="91425" lIns="91425" spcFirstLastPara="1" rIns="91425" wrap="square" tIns="91425">
+          <a:bodyPr spcFirstLastPara="1" wrap="square" lIns="91425" tIns="91425" rIns="91425" bIns="91425" anchor="ctr" anchorCtr="0">
             <a:noAutofit/>
           </a:bodyPr>
           <a:lstStyle>
@@ -5669,7 +5768,7 @@
             </a:lvl9pPr>
           </a:lstStyle>
           <a:p>
-            <a:pPr indent="0" lvl="0" marL="0" rtl="0" algn="r">
+            <a:pPr marL="0" lvl="0" indent="0" algn="r" rtl="0">
               <a:spcBef>
                 <a:spcPts val="0"/>
               </a:spcBef>
@@ -5695,11 +5794,11 @@
 </file>
 
 <file path=ppt/slideLayouts/slideLayout6.xml><?xml version="1.0" encoding="utf-8"?>
-<p:sldLayout xmlns:a="http://schemas.openxmlformats.org/drawingml/2006/main" xmlns:r="http://schemas.openxmlformats.org/officeDocument/2006/relationships" xmlns:mc="http://schemas.openxmlformats.org/markup-compatibility/2006" xmlns:mv="urn:schemas-microsoft-com:mac:vml" xmlns:p="http://schemas.openxmlformats.org/presentationml/2006/main" xmlns:c="http://schemas.openxmlformats.org/drawingml/2006/chart" xmlns:dgm="http://schemas.openxmlformats.org/drawingml/2006/diagram" xmlns:o="urn:schemas-microsoft-com:office:office" xmlns:v="urn:schemas-microsoft-com:vml" xmlns:pvml="urn:schemas-microsoft-com:office:powerpoint" xmlns:com="http://schemas.openxmlformats.org/drawingml/2006/compatibility" xmlns:p14="http://schemas.microsoft.com/office/powerpoint/2010/main" xmlns:p15="http://schemas.microsoft.com/office/powerpoint/2012/main" xmlns:ahyp="http://schemas.microsoft.com/office/drawing/2018/hyperlinkcolor" matchingName="One column text">
+<p:sldLayout xmlns:a="http://schemas.openxmlformats.org/drawingml/2006/main" xmlns:r="http://schemas.openxmlformats.org/officeDocument/2006/relationships" xmlns:p="http://schemas.openxmlformats.org/presentationml/2006/main" matchingName="One column text">
   <p:cSld name="ONE_COLUMN_TEXT">
     <p:spTree>
       <p:nvGrpSpPr>
-        <p:cNvPr id="47" name="Shape 47"/>
+        <p:cNvPr id="1" name="Shape 47"/>
         <p:cNvGrpSpPr/>
         <p:nvPr/>
       </p:nvGrpSpPr>
@@ -5733,12 +5832,12 @@
           </a:ln>
         </p:spPr>
         <p:txBody>
-          <a:bodyPr anchorCtr="0" anchor="ctr" bIns="91425" lIns="91425" spcFirstLastPara="1" rIns="91425" wrap="square" tIns="91425">
+          <a:bodyPr spcFirstLastPara="1" wrap="square" lIns="91425" tIns="91425" rIns="91425" bIns="91425" anchor="ctr" anchorCtr="0">
             <a:noAutofit/>
           </a:bodyPr>
           <a:lstStyle/>
           <a:p>
-            <a:pPr indent="0" lvl="0" marL="0" rtl="0" algn="l">
+            <a:pPr marL="0" lvl="0" indent="0" algn="l" rtl="0">
               <a:spcBef>
                 <a:spcPts val="0"/>
               </a:spcBef>
@@ -5747,9 +5846,6 @@
               </a:spcAft>
               <a:buNone/>
             </a:pPr>
-            <a:r>
-              <a:t/>
-            </a:r>
             <a:endParaRPr/>
           </a:p>
         </p:txBody>
@@ -5790,12 +5886,12 @@
             </a:ln>
           </p:spPr>
           <p:txBody>
-            <a:bodyPr anchorCtr="0" anchor="ctr" bIns="91425" lIns="91425" spcFirstLastPara="1" rIns="91425" wrap="square" tIns="91425">
+            <a:bodyPr spcFirstLastPara="1" wrap="square" lIns="91425" tIns="91425" rIns="91425" bIns="91425" anchor="ctr" anchorCtr="0">
               <a:noAutofit/>
             </a:bodyPr>
             <a:lstStyle/>
             <a:p>
-              <a:pPr indent="0" lvl="0" marL="0" rtl="0" algn="l">
+              <a:pPr marL="0" lvl="0" indent="0" algn="l" rtl="0">
                 <a:spcBef>
                   <a:spcPts val="0"/>
                 </a:spcBef>
@@ -5804,9 +5900,6 @@
                 </a:spcAft>
                 <a:buNone/>
               </a:pPr>
-              <a:r>
-                <a:t/>
-              </a:r>
               <a:endParaRPr/>
             </a:p>
           </p:txBody>
@@ -5833,12 +5926,12 @@
             </a:ln>
           </p:spPr>
           <p:txBody>
-            <a:bodyPr anchorCtr="0" anchor="ctr" bIns="91425" lIns="91425" spcFirstLastPara="1" rIns="91425" wrap="square" tIns="91425">
+            <a:bodyPr spcFirstLastPara="1" wrap="square" lIns="91425" tIns="91425" rIns="91425" bIns="91425" anchor="ctr" anchorCtr="0">
               <a:noAutofit/>
             </a:bodyPr>
             <a:lstStyle/>
             <a:p>
-              <a:pPr indent="0" lvl="0" marL="0" rtl="0" algn="l">
+              <a:pPr marL="0" lvl="0" indent="0" algn="l" rtl="0">
                 <a:spcBef>
                   <a:spcPts val="0"/>
                 </a:spcBef>
@@ -5847,9 +5940,6 @@
                 </a:spcAft>
                 <a:buNone/>
               </a:pPr>
-              <a:r>
-                <a:t/>
-              </a:r>
               <a:endParaRPr/>
             </a:p>
           </p:txBody>
@@ -5858,7 +5948,9 @@
       <p:sp>
         <p:nvSpPr>
           <p:cNvPr id="52" name="Google Shape;52;p7"/>
-          <p:cNvSpPr txBox="1"/>
+          <p:cNvSpPr txBox="1">
+            <a:spLocks noGrp="1"/>
+          </p:cNvSpPr>
           <p:nvPr>
             <p:ph type="title"/>
           </p:nvPr>
@@ -5873,7 +5965,7 @@
           </a:prstGeom>
         </p:spPr>
         <p:txBody>
-          <a:bodyPr anchorCtr="0" anchor="t" bIns="91425" lIns="91425" spcFirstLastPara="1" rIns="91425" wrap="square" tIns="91425">
+          <a:bodyPr spcFirstLastPara="1" wrap="square" lIns="91425" tIns="91425" rIns="91425" bIns="91425" anchor="t" anchorCtr="0">
             <a:noAutofit/>
           </a:bodyPr>
           <a:lstStyle>
@@ -6040,15 +6132,19 @@
               </a:defRPr>
             </a:lvl9pPr>
           </a:lstStyle>
-          <a:p/>
+          <a:p>
+            <a:endParaRPr/>
+          </a:p>
         </p:txBody>
       </p:sp>
       <p:sp>
         <p:nvSpPr>
           <p:cNvPr id="53" name="Google Shape;53;p7"/>
-          <p:cNvSpPr txBox="1"/>
+          <p:cNvSpPr txBox="1">
+            <a:spLocks noGrp="1"/>
+          </p:cNvSpPr>
           <p:nvPr>
-            <p:ph idx="1" type="body"/>
+            <p:ph type="body" idx="1"/>
           </p:nvPr>
         </p:nvSpPr>
         <p:spPr>
@@ -6061,11 +6157,11 @@
           </a:prstGeom>
         </p:spPr>
         <p:txBody>
-          <a:bodyPr anchorCtr="0" anchor="t" bIns="91425" lIns="91425" spcFirstLastPara="1" rIns="91425" wrap="square" tIns="91425">
+          <a:bodyPr spcFirstLastPara="1" wrap="square" lIns="91425" tIns="91425" rIns="91425" bIns="91425" anchor="t" anchorCtr="0">
             <a:noAutofit/>
           </a:bodyPr>
           <a:lstStyle>
-            <a:lvl1pPr indent="-311150" lvl="0" marL="457200">
+            <a:lvl1pPr marL="457200" lvl="0" indent="-311150">
               <a:spcBef>
                 <a:spcPts val="0"/>
               </a:spcBef>
@@ -6076,7 +6172,7 @@
               <a:buChar char="●"/>
               <a:defRPr/>
             </a:lvl1pPr>
-            <a:lvl2pPr indent="-298450" lvl="1" marL="914400">
+            <a:lvl2pPr marL="914400" lvl="1" indent="-298450">
               <a:spcBef>
                 <a:spcPts val="1600"/>
               </a:spcBef>
@@ -6087,7 +6183,7 @@
               <a:buChar char="○"/>
               <a:defRPr/>
             </a:lvl2pPr>
-            <a:lvl3pPr indent="-298450" lvl="2" marL="1371600">
+            <a:lvl3pPr marL="1371600" lvl="2" indent="-298450">
               <a:spcBef>
                 <a:spcPts val="1600"/>
               </a:spcBef>
@@ -6098,7 +6194,7 @@
               <a:buChar char="■"/>
               <a:defRPr/>
             </a:lvl3pPr>
-            <a:lvl4pPr indent="-298450" lvl="3" marL="1828800">
+            <a:lvl4pPr marL="1828800" lvl="3" indent="-298450">
               <a:spcBef>
                 <a:spcPts val="1600"/>
               </a:spcBef>
@@ -6109,7 +6205,7 @@
               <a:buChar char="●"/>
               <a:defRPr/>
             </a:lvl4pPr>
-            <a:lvl5pPr indent="-298450" lvl="4" marL="2286000">
+            <a:lvl5pPr marL="2286000" lvl="4" indent="-298450">
               <a:spcBef>
                 <a:spcPts val="1600"/>
               </a:spcBef>
@@ -6120,7 +6216,7 @@
               <a:buChar char="○"/>
               <a:defRPr/>
             </a:lvl5pPr>
-            <a:lvl6pPr indent="-298450" lvl="5" marL="2743200">
+            <a:lvl6pPr marL="2743200" lvl="5" indent="-298450">
               <a:spcBef>
                 <a:spcPts val="1600"/>
               </a:spcBef>
@@ -6131,7 +6227,7 @@
               <a:buChar char="■"/>
               <a:defRPr/>
             </a:lvl6pPr>
-            <a:lvl7pPr indent="-298450" lvl="6" marL="3200400">
+            <a:lvl7pPr marL="3200400" lvl="6" indent="-298450">
               <a:spcBef>
                 <a:spcPts val="1600"/>
               </a:spcBef>
@@ -6142,7 +6238,7 @@
               <a:buChar char="●"/>
               <a:defRPr/>
             </a:lvl7pPr>
-            <a:lvl8pPr indent="-298450" lvl="7" marL="3657600">
+            <a:lvl8pPr marL="3657600" lvl="7" indent="-298450">
               <a:spcBef>
                 <a:spcPts val="1600"/>
               </a:spcBef>
@@ -6153,7 +6249,7 @@
               <a:buChar char="○"/>
               <a:defRPr/>
             </a:lvl8pPr>
-            <a:lvl9pPr indent="-298450" lvl="8" marL="4114800">
+            <a:lvl9pPr marL="4114800" lvl="8" indent="-298450">
               <a:spcBef>
                 <a:spcPts val="1600"/>
               </a:spcBef>
@@ -6165,15 +6261,19 @@
               <a:defRPr/>
             </a:lvl9pPr>
           </a:lstStyle>
-          <a:p/>
+          <a:p>
+            <a:endParaRPr/>
+          </a:p>
         </p:txBody>
       </p:sp>
       <p:sp>
         <p:nvSpPr>
           <p:cNvPr id="54" name="Google Shape;54;p7"/>
-          <p:cNvSpPr txBox="1"/>
+          <p:cNvSpPr txBox="1">
+            <a:spLocks noGrp="1"/>
+          </p:cNvSpPr>
           <p:nvPr>
-            <p:ph idx="12" type="sldNum"/>
+            <p:ph type="sldNum" idx="12"/>
           </p:nvPr>
         </p:nvSpPr>
         <p:spPr>
@@ -6186,7 +6286,7 @@
           </a:prstGeom>
         </p:spPr>
         <p:txBody>
-          <a:bodyPr anchorCtr="0" anchor="ctr" bIns="91425" lIns="91425" spcFirstLastPara="1" rIns="91425" wrap="square" tIns="91425">
+          <a:bodyPr spcFirstLastPara="1" wrap="square" lIns="91425" tIns="91425" rIns="91425" bIns="91425" anchor="ctr" anchorCtr="0">
             <a:noAutofit/>
           </a:bodyPr>
           <a:lstStyle>
@@ -6228,7 +6328,7 @@
             </a:lvl9pPr>
           </a:lstStyle>
           <a:p>
-            <a:pPr indent="0" lvl="0" marL="0" rtl="0" algn="r">
+            <a:pPr marL="0" lvl="0" indent="0" algn="r" rtl="0">
               <a:spcBef>
                 <a:spcPts val="0"/>
               </a:spcBef>
@@ -6254,18 +6354,19 @@
 </file>
 
 <file path=ppt/slideLayouts/slideLayout7.xml><?xml version="1.0" encoding="utf-8"?>
-<p:sldLayout xmlns:a="http://schemas.openxmlformats.org/drawingml/2006/main" xmlns:r="http://schemas.openxmlformats.org/officeDocument/2006/relationships" xmlns:mc="http://schemas.openxmlformats.org/markup-compatibility/2006" xmlns:mv="urn:schemas-microsoft-com:mac:vml" xmlns:p="http://schemas.openxmlformats.org/presentationml/2006/main" xmlns:c="http://schemas.openxmlformats.org/drawingml/2006/chart" xmlns:dgm="http://schemas.openxmlformats.org/drawingml/2006/diagram" xmlns:o="urn:schemas-microsoft-com:office:office" xmlns:v="urn:schemas-microsoft-com:vml" xmlns:pvml="urn:schemas-microsoft-com:office:powerpoint" xmlns:com="http://schemas.openxmlformats.org/drawingml/2006/compatibility" xmlns:p14="http://schemas.microsoft.com/office/powerpoint/2010/main" xmlns:p15="http://schemas.microsoft.com/office/powerpoint/2012/main" xmlns:ahyp="http://schemas.microsoft.com/office/drawing/2018/hyperlinkcolor" matchingName="Main point">
+<p:sldLayout xmlns:a="http://schemas.openxmlformats.org/drawingml/2006/main" xmlns:r="http://schemas.openxmlformats.org/officeDocument/2006/relationships" xmlns:p="http://schemas.openxmlformats.org/presentationml/2006/main" matchingName="Main point">
   <p:cSld name="MAIN_POINT">
     <p:bg>
       <p:bgPr>
         <a:solidFill>
           <a:schemeClr val="accent3"/>
         </a:solidFill>
+        <a:effectLst/>
       </p:bgPr>
     </p:bg>
     <p:spTree>
       <p:nvGrpSpPr>
-        <p:cNvPr id="55" name="Shape 55"/>
+        <p:cNvPr id="1" name="Shape 55"/>
         <p:cNvGrpSpPr/>
         <p:nvPr/>
       </p:nvGrpSpPr>
@@ -6313,12 +6414,12 @@
             </a:ln>
           </p:spPr>
           <p:txBody>
-            <a:bodyPr anchorCtr="0" anchor="ctr" bIns="91425" lIns="91425" spcFirstLastPara="1" rIns="91425" wrap="square" tIns="91425">
+            <a:bodyPr spcFirstLastPara="1" wrap="square" lIns="91425" tIns="91425" rIns="91425" bIns="91425" anchor="ctr" anchorCtr="0">
               <a:noAutofit/>
             </a:bodyPr>
             <a:lstStyle/>
             <a:p>
-              <a:pPr indent="0" lvl="0" marL="0" rtl="0" algn="l">
+              <a:pPr marL="0" lvl="0" indent="0" algn="l" rtl="0">
                 <a:spcBef>
                   <a:spcPts val="0"/>
                 </a:spcBef>
@@ -6327,9 +6428,6 @@
                 </a:spcAft>
                 <a:buNone/>
               </a:pPr>
-              <a:r>
-                <a:t/>
-              </a:r>
               <a:endParaRPr/>
             </a:p>
           </p:txBody>
@@ -6356,12 +6454,12 @@
             </a:ln>
           </p:spPr>
           <p:txBody>
-            <a:bodyPr anchorCtr="0" anchor="ctr" bIns="91425" lIns="91425" spcFirstLastPara="1" rIns="91425" wrap="square" tIns="91425">
+            <a:bodyPr spcFirstLastPara="1" wrap="square" lIns="91425" tIns="91425" rIns="91425" bIns="91425" anchor="ctr" anchorCtr="0">
               <a:noAutofit/>
             </a:bodyPr>
             <a:lstStyle/>
             <a:p>
-              <a:pPr indent="0" lvl="0" marL="0" rtl="0" algn="l">
+              <a:pPr marL="0" lvl="0" indent="0" algn="l" rtl="0">
                 <a:spcBef>
                   <a:spcPts val="0"/>
                 </a:spcBef>
@@ -6370,9 +6468,6 @@
                 </a:spcAft>
                 <a:buNone/>
               </a:pPr>
-              <a:r>
-                <a:t/>
-              </a:r>
               <a:endParaRPr/>
             </a:p>
           </p:txBody>
@@ -6381,7 +6476,9 @@
       <p:sp>
         <p:nvSpPr>
           <p:cNvPr id="59" name="Google Shape;59;p8"/>
-          <p:cNvSpPr txBox="1"/>
+          <p:cNvSpPr txBox="1">
+            <a:spLocks noGrp="1"/>
+          </p:cNvSpPr>
           <p:nvPr>
             <p:ph type="title"/>
           </p:nvPr>
@@ -6396,7 +6493,7 @@
           </a:prstGeom>
         </p:spPr>
         <p:txBody>
-          <a:bodyPr anchorCtr="0" anchor="ctr" bIns="91425" lIns="91425" spcFirstLastPara="1" rIns="91425" wrap="square" tIns="91425">
+          <a:bodyPr spcFirstLastPara="1" wrap="square" lIns="91425" tIns="91425" rIns="91425" bIns="91425" anchor="ctr" anchorCtr="0">
             <a:noAutofit/>
           </a:bodyPr>
           <a:lstStyle>
@@ -6563,15 +6660,19 @@
               </a:defRPr>
             </a:lvl9pPr>
           </a:lstStyle>
-          <a:p/>
+          <a:p>
+            <a:endParaRPr/>
+          </a:p>
         </p:txBody>
       </p:sp>
       <p:sp>
         <p:nvSpPr>
           <p:cNvPr id="60" name="Google Shape;60;p8"/>
-          <p:cNvSpPr txBox="1"/>
+          <p:cNvSpPr txBox="1">
+            <a:spLocks noGrp="1"/>
+          </p:cNvSpPr>
           <p:nvPr>
-            <p:ph idx="12" type="sldNum"/>
+            <p:ph type="sldNum" idx="12"/>
           </p:nvPr>
         </p:nvSpPr>
         <p:spPr>
@@ -6584,7 +6685,7 @@
           </a:prstGeom>
         </p:spPr>
         <p:txBody>
-          <a:bodyPr anchorCtr="0" anchor="ctr" bIns="91425" lIns="91425" spcFirstLastPara="1" rIns="91425" wrap="square" tIns="91425">
+          <a:bodyPr spcFirstLastPara="1" wrap="square" lIns="91425" tIns="91425" rIns="91425" bIns="91425" anchor="ctr" anchorCtr="0">
             <a:noAutofit/>
           </a:bodyPr>
           <a:lstStyle>
@@ -6662,7 +6763,7 @@
             </a:lvl9pPr>
           </a:lstStyle>
           <a:p>
-            <a:pPr indent="0" lvl="0" marL="0" rtl="0" algn="r">
+            <a:pPr marL="0" lvl="0" indent="0" algn="r" rtl="0">
               <a:spcBef>
                 <a:spcPts val="0"/>
               </a:spcBef>
@@ -6688,11 +6789,11 @@
 </file>
 
 <file path=ppt/slideLayouts/slideLayout8.xml><?xml version="1.0" encoding="utf-8"?>
-<p:sldLayout xmlns:a="http://schemas.openxmlformats.org/drawingml/2006/main" xmlns:r="http://schemas.openxmlformats.org/officeDocument/2006/relationships" xmlns:mc="http://schemas.openxmlformats.org/markup-compatibility/2006" xmlns:mv="urn:schemas-microsoft-com:mac:vml" xmlns:p="http://schemas.openxmlformats.org/presentationml/2006/main" xmlns:c="http://schemas.openxmlformats.org/drawingml/2006/chart" xmlns:dgm="http://schemas.openxmlformats.org/drawingml/2006/diagram" xmlns:o="urn:schemas-microsoft-com:office:office" xmlns:v="urn:schemas-microsoft-com:vml" xmlns:pvml="urn:schemas-microsoft-com:office:powerpoint" xmlns:com="http://schemas.openxmlformats.org/drawingml/2006/compatibility" xmlns:p14="http://schemas.microsoft.com/office/powerpoint/2010/main" xmlns:p15="http://schemas.microsoft.com/office/powerpoint/2012/main" xmlns:ahyp="http://schemas.microsoft.com/office/drawing/2018/hyperlinkcolor" matchingName="Section title and description">
+<p:sldLayout xmlns:a="http://schemas.openxmlformats.org/drawingml/2006/main" xmlns:r="http://schemas.openxmlformats.org/officeDocument/2006/relationships" xmlns:p="http://schemas.openxmlformats.org/presentationml/2006/main" matchingName="Section title and description">
   <p:cSld name="SECTION_TITLE_AND_DESCRIPTION">
     <p:spTree>
       <p:nvGrpSpPr>
-        <p:cNvPr id="61" name="Shape 61"/>
+        <p:cNvPr id="1" name="Shape 61"/>
         <p:cNvGrpSpPr/>
         <p:nvPr/>
       </p:nvGrpSpPr>
@@ -6726,12 +6827,12 @@
           </a:ln>
         </p:spPr>
         <p:txBody>
-          <a:bodyPr anchorCtr="0" anchor="ctr" bIns="91425" lIns="91425" spcFirstLastPara="1" rIns="91425" wrap="square" tIns="91425">
+          <a:bodyPr spcFirstLastPara="1" wrap="square" lIns="91425" tIns="91425" rIns="91425" bIns="91425" anchor="ctr" anchorCtr="0">
             <a:noAutofit/>
           </a:bodyPr>
           <a:lstStyle/>
           <a:p>
-            <a:pPr indent="0" lvl="0" marL="0" rtl="0" algn="l">
+            <a:pPr marL="0" lvl="0" indent="0" algn="l" rtl="0">
               <a:spcBef>
                 <a:spcPts val="0"/>
               </a:spcBef>
@@ -6740,9 +6841,6 @@
               </a:spcAft>
               <a:buNone/>
             </a:pPr>
-            <a:r>
-              <a:t/>
-            </a:r>
             <a:endParaRPr/>
           </a:p>
         </p:txBody>
@@ -6783,12 +6881,12 @@
             </a:ln>
           </p:spPr>
           <p:txBody>
-            <a:bodyPr anchorCtr="0" anchor="ctr" bIns="91425" lIns="91425" spcFirstLastPara="1" rIns="91425" wrap="square" tIns="91425">
+            <a:bodyPr spcFirstLastPara="1" wrap="square" lIns="91425" tIns="91425" rIns="91425" bIns="91425" anchor="ctr" anchorCtr="0">
               <a:noAutofit/>
             </a:bodyPr>
             <a:lstStyle/>
             <a:p>
-              <a:pPr indent="0" lvl="0" marL="0" rtl="0" algn="l">
+              <a:pPr marL="0" lvl="0" indent="0" algn="l" rtl="0">
                 <a:spcBef>
                   <a:spcPts val="0"/>
                 </a:spcBef>
@@ -6797,9 +6895,6 @@
                 </a:spcAft>
                 <a:buNone/>
               </a:pPr>
-              <a:r>
-                <a:t/>
-              </a:r>
               <a:endParaRPr/>
             </a:p>
           </p:txBody>
@@ -6826,12 +6921,12 @@
             </a:ln>
           </p:spPr>
           <p:txBody>
-            <a:bodyPr anchorCtr="0" anchor="ctr" bIns="91425" lIns="91425" spcFirstLastPara="1" rIns="91425" wrap="square" tIns="91425">
+            <a:bodyPr spcFirstLastPara="1" wrap="square" lIns="91425" tIns="91425" rIns="91425" bIns="91425" anchor="ctr" anchorCtr="0">
               <a:noAutofit/>
             </a:bodyPr>
             <a:lstStyle/>
             <a:p>
-              <a:pPr indent="0" lvl="0" marL="0" rtl="0" algn="l">
+              <a:pPr marL="0" lvl="0" indent="0" algn="l" rtl="0">
                 <a:spcBef>
                   <a:spcPts val="0"/>
                 </a:spcBef>
@@ -6840,9 +6935,6 @@
                 </a:spcAft>
                 <a:buNone/>
               </a:pPr>
-              <a:r>
-                <a:t/>
-              </a:r>
               <a:endParaRPr/>
             </a:p>
           </p:txBody>
@@ -6851,7 +6943,9 @@
       <p:sp>
         <p:nvSpPr>
           <p:cNvPr id="66" name="Google Shape;66;p9"/>
-          <p:cNvSpPr txBox="1"/>
+          <p:cNvSpPr txBox="1">
+            <a:spLocks noGrp="1"/>
+          </p:cNvSpPr>
           <p:nvPr>
             <p:ph type="title"/>
           </p:nvPr>
@@ -6866,7 +6960,7 @@
           </a:prstGeom>
         </p:spPr>
         <p:txBody>
-          <a:bodyPr anchorCtr="0" anchor="t" bIns="91425" lIns="91425" spcFirstLastPara="1" rIns="91425" wrap="square" tIns="91425">
+          <a:bodyPr spcFirstLastPara="1" wrap="square" lIns="91425" tIns="91425" rIns="91425" bIns="91425" anchor="t" anchorCtr="0">
             <a:noAutofit/>
           </a:bodyPr>
           <a:lstStyle>
@@ -7033,15 +7127,19 @@
               </a:defRPr>
             </a:lvl9pPr>
           </a:lstStyle>
-          <a:p/>
+          <a:p>
+            <a:endParaRPr/>
+          </a:p>
         </p:txBody>
       </p:sp>
       <p:sp>
         <p:nvSpPr>
           <p:cNvPr id="67" name="Google Shape;67;p9"/>
-          <p:cNvSpPr txBox="1"/>
+          <p:cNvSpPr txBox="1">
+            <a:spLocks noGrp="1"/>
+          </p:cNvSpPr>
           <p:nvPr>
-            <p:ph idx="1" type="subTitle"/>
+            <p:ph type="subTitle" idx="1"/>
           </p:nvPr>
         </p:nvSpPr>
         <p:spPr>
@@ -7054,7 +7152,7 @@
           </a:prstGeom>
         </p:spPr>
         <p:txBody>
-          <a:bodyPr anchorCtr="0" anchor="t" bIns="91425" lIns="91425" spcFirstLastPara="1" rIns="91425" wrap="square" tIns="91425">
+          <a:bodyPr spcFirstLastPara="1" wrap="square" lIns="91425" tIns="91425" rIns="91425" bIns="91425" anchor="t" anchorCtr="0">
             <a:noAutofit/>
           </a:bodyPr>
           <a:lstStyle>
@@ -7185,15 +7283,19 @@
               <a:defRPr sz="1600"/>
             </a:lvl9pPr>
           </a:lstStyle>
-          <a:p/>
+          <a:p>
+            <a:endParaRPr/>
+          </a:p>
         </p:txBody>
       </p:sp>
       <p:sp>
         <p:nvSpPr>
           <p:cNvPr id="68" name="Google Shape;68;p9"/>
-          <p:cNvSpPr txBox="1"/>
+          <p:cNvSpPr txBox="1">
+            <a:spLocks noGrp="1"/>
+          </p:cNvSpPr>
           <p:nvPr>
-            <p:ph idx="2" type="body"/>
+            <p:ph type="body" idx="2"/>
           </p:nvPr>
         </p:nvSpPr>
         <p:spPr>
@@ -7206,11 +7308,11 @@
           </a:prstGeom>
         </p:spPr>
         <p:txBody>
-          <a:bodyPr anchorCtr="0" anchor="t" bIns="91425" lIns="91425" spcFirstLastPara="1" rIns="91425" wrap="square" tIns="91425">
+          <a:bodyPr spcFirstLastPara="1" wrap="square" lIns="91425" tIns="91425" rIns="91425" bIns="91425" anchor="t" anchorCtr="0">
             <a:noAutofit/>
           </a:bodyPr>
           <a:lstStyle>
-            <a:lvl1pPr indent="-311150" lvl="0" marL="457200">
+            <a:lvl1pPr marL="457200" lvl="0" indent="-311150">
               <a:spcBef>
                 <a:spcPts val="0"/>
               </a:spcBef>
@@ -7221,7 +7323,7 @@
               <a:buChar char="●"/>
               <a:defRPr/>
             </a:lvl1pPr>
-            <a:lvl2pPr indent="-298450" lvl="1" marL="914400">
+            <a:lvl2pPr marL="914400" lvl="1" indent="-298450">
               <a:spcBef>
                 <a:spcPts val="1600"/>
               </a:spcBef>
@@ -7232,7 +7334,7 @@
               <a:buChar char="○"/>
               <a:defRPr/>
             </a:lvl2pPr>
-            <a:lvl3pPr indent="-298450" lvl="2" marL="1371600">
+            <a:lvl3pPr marL="1371600" lvl="2" indent="-298450">
               <a:spcBef>
                 <a:spcPts val="1600"/>
               </a:spcBef>
@@ -7243,7 +7345,7 @@
               <a:buChar char="■"/>
               <a:defRPr/>
             </a:lvl3pPr>
-            <a:lvl4pPr indent="-298450" lvl="3" marL="1828800">
+            <a:lvl4pPr marL="1828800" lvl="3" indent="-298450">
               <a:spcBef>
                 <a:spcPts val="1600"/>
               </a:spcBef>
@@ -7254,7 +7356,7 @@
               <a:buChar char="●"/>
               <a:defRPr/>
             </a:lvl4pPr>
-            <a:lvl5pPr indent="-298450" lvl="4" marL="2286000">
+            <a:lvl5pPr marL="2286000" lvl="4" indent="-298450">
               <a:spcBef>
                 <a:spcPts val="1600"/>
               </a:spcBef>
@@ -7265,7 +7367,7 @@
               <a:buChar char="○"/>
               <a:defRPr/>
             </a:lvl5pPr>
-            <a:lvl6pPr indent="-298450" lvl="5" marL="2743200">
+            <a:lvl6pPr marL="2743200" lvl="5" indent="-298450">
               <a:spcBef>
                 <a:spcPts val="1600"/>
               </a:spcBef>
@@ -7276,7 +7378,7 @@
               <a:buChar char="■"/>
               <a:defRPr/>
             </a:lvl6pPr>
-            <a:lvl7pPr indent="-298450" lvl="6" marL="3200400">
+            <a:lvl7pPr marL="3200400" lvl="6" indent="-298450">
               <a:spcBef>
                 <a:spcPts val="1600"/>
               </a:spcBef>
@@ -7287,7 +7389,7 @@
               <a:buChar char="●"/>
               <a:defRPr/>
             </a:lvl7pPr>
-            <a:lvl8pPr indent="-298450" lvl="7" marL="3657600">
+            <a:lvl8pPr marL="3657600" lvl="7" indent="-298450">
               <a:spcBef>
                 <a:spcPts val="1600"/>
               </a:spcBef>
@@ -7298,7 +7400,7 @@
               <a:buChar char="○"/>
               <a:defRPr/>
             </a:lvl8pPr>
-            <a:lvl9pPr indent="-298450" lvl="8" marL="4114800">
+            <a:lvl9pPr marL="4114800" lvl="8" indent="-298450">
               <a:spcBef>
                 <a:spcPts val="1600"/>
               </a:spcBef>
@@ -7310,15 +7412,19 @@
               <a:defRPr/>
             </a:lvl9pPr>
           </a:lstStyle>
-          <a:p/>
+          <a:p>
+            <a:endParaRPr/>
+          </a:p>
         </p:txBody>
       </p:sp>
       <p:sp>
         <p:nvSpPr>
           <p:cNvPr id="69" name="Google Shape;69;p9"/>
-          <p:cNvSpPr txBox="1"/>
+          <p:cNvSpPr txBox="1">
+            <a:spLocks noGrp="1"/>
+          </p:cNvSpPr>
           <p:nvPr>
-            <p:ph idx="12" type="sldNum"/>
+            <p:ph type="sldNum" idx="12"/>
           </p:nvPr>
         </p:nvSpPr>
         <p:spPr>
@@ -7331,7 +7437,7 @@
           </a:prstGeom>
         </p:spPr>
         <p:txBody>
-          <a:bodyPr anchorCtr="0" anchor="ctr" bIns="91425" lIns="91425" spcFirstLastPara="1" rIns="91425" wrap="square" tIns="91425">
+          <a:bodyPr spcFirstLastPara="1" wrap="square" lIns="91425" tIns="91425" rIns="91425" bIns="91425" anchor="ctr" anchorCtr="0">
             <a:noAutofit/>
           </a:bodyPr>
           <a:lstStyle>
@@ -7373,7 +7479,7 @@
             </a:lvl9pPr>
           </a:lstStyle>
           <a:p>
-            <a:pPr indent="0" lvl="0" marL="0" rtl="0" algn="r">
+            <a:pPr marL="0" lvl="0" indent="0" algn="r" rtl="0">
               <a:spcBef>
                 <a:spcPts val="0"/>
               </a:spcBef>
@@ -7399,11 +7505,11 @@
 </file>
 
 <file path=ppt/slideLayouts/slideLayout9.xml><?xml version="1.0" encoding="utf-8"?>
-<p:sldLayout xmlns:a="http://schemas.openxmlformats.org/drawingml/2006/main" xmlns:r="http://schemas.openxmlformats.org/officeDocument/2006/relationships" xmlns:mc="http://schemas.openxmlformats.org/markup-compatibility/2006" xmlns:mv="urn:schemas-microsoft-com:mac:vml" xmlns:p="http://schemas.openxmlformats.org/presentationml/2006/main" xmlns:c="http://schemas.openxmlformats.org/drawingml/2006/chart" xmlns:dgm="http://schemas.openxmlformats.org/drawingml/2006/diagram" xmlns:o="urn:schemas-microsoft-com:office:office" xmlns:v="urn:schemas-microsoft-com:vml" xmlns:pvml="urn:schemas-microsoft-com:office:powerpoint" xmlns:com="http://schemas.openxmlformats.org/drawingml/2006/compatibility" xmlns:p14="http://schemas.microsoft.com/office/powerpoint/2010/main" xmlns:p15="http://schemas.microsoft.com/office/powerpoint/2012/main" xmlns:ahyp="http://schemas.microsoft.com/office/drawing/2018/hyperlinkcolor" matchingName="Caption">
+<p:sldLayout xmlns:a="http://schemas.openxmlformats.org/drawingml/2006/main" xmlns:r="http://schemas.openxmlformats.org/officeDocument/2006/relationships" xmlns:p="http://schemas.openxmlformats.org/presentationml/2006/main" matchingName="Caption">
   <p:cSld name="CAPTION_ONLY">
     <p:spTree>
       <p:nvGrpSpPr>
-        <p:cNvPr id="70" name="Shape 70"/>
+        <p:cNvPr id="1" name="Shape 70"/>
         <p:cNvGrpSpPr/>
         <p:nvPr/>
       </p:nvGrpSpPr>
@@ -7418,9 +7524,11 @@
       <p:sp>
         <p:nvSpPr>
           <p:cNvPr id="71" name="Google Shape;71;p10"/>
-          <p:cNvSpPr txBox="1"/>
+          <p:cNvSpPr txBox="1">
+            <a:spLocks noGrp="1"/>
+          </p:cNvSpPr>
           <p:nvPr>
-            <p:ph idx="1" type="body"/>
+            <p:ph type="body" idx="1"/>
           </p:nvPr>
         </p:nvSpPr>
         <p:spPr>
@@ -7433,11 +7541,11 @@
           </a:prstGeom>
         </p:spPr>
         <p:txBody>
-          <a:bodyPr anchorCtr="0" anchor="ctr" bIns="91425" lIns="91425" spcFirstLastPara="1" rIns="91425" wrap="square" tIns="91425">
+          <a:bodyPr spcFirstLastPara="1" wrap="square" lIns="91425" tIns="91425" rIns="91425" bIns="91425" anchor="ctr" anchorCtr="0">
             <a:noAutofit/>
           </a:bodyPr>
           <a:lstStyle>
-            <a:lvl1pPr indent="-228600" lvl="0" marL="457200">
+            <a:lvl1pPr marL="457200" lvl="0" indent="-228600">
               <a:lnSpc>
                 <a:spcPct val="100000"/>
               </a:lnSpc>
@@ -7452,15 +7560,19 @@
               <a:defRPr/>
             </a:lvl1pPr>
           </a:lstStyle>
-          <a:p/>
+          <a:p>
+            <a:endParaRPr/>
+          </a:p>
         </p:txBody>
       </p:sp>
       <p:sp>
         <p:nvSpPr>
           <p:cNvPr id="72" name="Google Shape;72;p10"/>
-          <p:cNvSpPr txBox="1"/>
+          <p:cNvSpPr txBox="1">
+            <a:spLocks noGrp="1"/>
+          </p:cNvSpPr>
           <p:nvPr>
-            <p:ph idx="12" type="sldNum"/>
+            <p:ph type="sldNum" idx="12"/>
           </p:nvPr>
         </p:nvSpPr>
         <p:spPr>
@@ -7473,7 +7585,7 @@
           </a:prstGeom>
         </p:spPr>
         <p:txBody>
-          <a:bodyPr anchorCtr="0" anchor="ctr" bIns="91425" lIns="91425" spcFirstLastPara="1" rIns="91425" wrap="square" tIns="91425">
+          <a:bodyPr spcFirstLastPara="1" wrap="square" lIns="91425" tIns="91425" rIns="91425" bIns="91425" anchor="ctr" anchorCtr="0">
             <a:noAutofit/>
           </a:bodyPr>
           <a:lstStyle>
@@ -7515,7 +7627,7 @@
             </a:lvl9pPr>
           </a:lstStyle>
           <a:p>
-            <a:pPr indent="0" lvl="0" marL="0" rtl="0" algn="r">
+            <a:pPr marL="0" lvl="0" indent="0" algn="r" rtl="0">
               <a:spcBef>
                 <a:spcPts val="0"/>
               </a:spcBef>
@@ -7541,18 +7653,19 @@
 </file>
 
 <file path=ppt/slideMasters/slideMaster1.xml><?xml version="1.0" encoding="utf-8"?>
-<p:sldMaster xmlns:a="http://schemas.openxmlformats.org/drawingml/2006/main" xmlns:r="http://schemas.openxmlformats.org/officeDocument/2006/relationships" xmlns:mc="http://schemas.openxmlformats.org/markup-compatibility/2006" xmlns:mv="urn:schemas-microsoft-com:mac:vml" xmlns:p="http://schemas.openxmlformats.org/presentationml/2006/main" xmlns:c="http://schemas.openxmlformats.org/drawingml/2006/chart" xmlns:dgm="http://schemas.openxmlformats.org/drawingml/2006/diagram" xmlns:o="urn:schemas-microsoft-com:office:office" xmlns:v="urn:schemas-microsoft-com:vml" xmlns:pvml="urn:schemas-microsoft-com:office:powerpoint" xmlns:com="http://schemas.openxmlformats.org/drawingml/2006/compatibility" xmlns:p14="http://schemas.microsoft.com/office/powerpoint/2010/main" xmlns:p15="http://schemas.microsoft.com/office/powerpoint/2012/main" xmlns:ahyp="http://schemas.microsoft.com/office/drawing/2018/hyperlinkcolor">
+<p:sldMaster xmlns:a="http://schemas.openxmlformats.org/drawingml/2006/main" xmlns:r="http://schemas.openxmlformats.org/officeDocument/2006/relationships" xmlns:p="http://schemas.openxmlformats.org/presentationml/2006/main">
   <p:cSld name="streamline">
     <p:bg>
       <p:bgPr>
         <a:solidFill>
           <a:schemeClr val="lt1"/>
         </a:solidFill>
+        <a:effectLst/>
       </p:bgPr>
     </p:bg>
     <p:spTree>
       <p:nvGrpSpPr>
-        <p:cNvPr id="5" name="Shape 5"/>
+        <p:cNvPr id="1" name="Shape 5"/>
         <p:cNvGrpSpPr/>
         <p:nvPr/>
       </p:nvGrpSpPr>
@@ -7567,7 +7680,9 @@
       <p:sp>
         <p:nvSpPr>
           <p:cNvPr id="6" name="Google Shape;6;p1"/>
-          <p:cNvSpPr txBox="1"/>
+          <p:cNvSpPr txBox="1">
+            <a:spLocks noGrp="1"/>
+          </p:cNvSpPr>
           <p:nvPr>
             <p:ph type="title"/>
           </p:nvPr>
@@ -7586,7 +7701,7 @@
           </a:ln>
         </p:spPr>
         <p:txBody>
-          <a:bodyPr anchorCtr="0" anchor="t" bIns="91425" lIns="91425" spcFirstLastPara="1" rIns="91425" wrap="square" tIns="91425">
+          <a:bodyPr spcFirstLastPara="1" wrap="square" lIns="91425" tIns="91425" rIns="91425" bIns="91425" anchor="t" anchorCtr="0">
             <a:noAutofit/>
           </a:bodyPr>
           <a:lstStyle>
@@ -7600,7 +7715,7 @@
               <a:buSzPts val="2800"/>
               <a:buFont typeface="Raleway"/>
               <a:buNone/>
-              <a:defRPr b="1" sz="2800">
+              <a:defRPr sz="2800" b="1">
                 <a:latin typeface="Raleway"/>
                 <a:ea typeface="Raleway"/>
                 <a:cs typeface="Raleway"/>
@@ -7617,7 +7732,7 @@
               <a:buSzPts val="2800"/>
               <a:buFont typeface="Raleway"/>
               <a:buNone/>
-              <a:defRPr b="1" sz="2800">
+              <a:defRPr sz="2800" b="1">
                 <a:latin typeface="Raleway"/>
                 <a:ea typeface="Raleway"/>
                 <a:cs typeface="Raleway"/>
@@ -7634,7 +7749,7 @@
               <a:buSzPts val="2800"/>
               <a:buFont typeface="Raleway"/>
               <a:buNone/>
-              <a:defRPr b="1" sz="2800">
+              <a:defRPr sz="2800" b="1">
                 <a:latin typeface="Raleway"/>
                 <a:ea typeface="Raleway"/>
                 <a:cs typeface="Raleway"/>
@@ -7651,7 +7766,7 @@
               <a:buSzPts val="2800"/>
               <a:buFont typeface="Raleway"/>
               <a:buNone/>
-              <a:defRPr b="1" sz="2800">
+              <a:defRPr sz="2800" b="1">
                 <a:latin typeface="Raleway"/>
                 <a:ea typeface="Raleway"/>
                 <a:cs typeface="Raleway"/>
@@ -7668,7 +7783,7 @@
               <a:buSzPts val="2800"/>
               <a:buFont typeface="Raleway"/>
               <a:buNone/>
-              <a:defRPr b="1" sz="2800">
+              <a:defRPr sz="2800" b="1">
                 <a:latin typeface="Raleway"/>
                 <a:ea typeface="Raleway"/>
                 <a:cs typeface="Raleway"/>
@@ -7685,7 +7800,7 @@
               <a:buSzPts val="2800"/>
               <a:buFont typeface="Raleway"/>
               <a:buNone/>
-              <a:defRPr b="1" sz="2800">
+              <a:defRPr sz="2800" b="1">
                 <a:latin typeface="Raleway"/>
                 <a:ea typeface="Raleway"/>
                 <a:cs typeface="Raleway"/>
@@ -7702,7 +7817,7 @@
               <a:buSzPts val="2800"/>
               <a:buFont typeface="Raleway"/>
               <a:buNone/>
-              <a:defRPr b="1" sz="2800">
+              <a:defRPr sz="2800" b="1">
                 <a:latin typeface="Raleway"/>
                 <a:ea typeface="Raleway"/>
                 <a:cs typeface="Raleway"/>
@@ -7719,7 +7834,7 @@
               <a:buSzPts val="2800"/>
               <a:buFont typeface="Raleway"/>
               <a:buNone/>
-              <a:defRPr b="1" sz="2800">
+              <a:defRPr sz="2800" b="1">
                 <a:latin typeface="Raleway"/>
                 <a:ea typeface="Raleway"/>
                 <a:cs typeface="Raleway"/>
@@ -7736,7 +7851,7 @@
               <a:buSzPts val="2800"/>
               <a:buFont typeface="Raleway"/>
               <a:buNone/>
-              <a:defRPr b="1" sz="2800">
+              <a:defRPr sz="2800" b="1">
                 <a:latin typeface="Raleway"/>
                 <a:ea typeface="Raleway"/>
                 <a:cs typeface="Raleway"/>
@@ -7744,15 +7859,19 @@
               </a:defRPr>
             </a:lvl9pPr>
           </a:lstStyle>
-          <a:p/>
+          <a:p>
+            <a:endParaRPr/>
+          </a:p>
         </p:txBody>
       </p:sp>
       <p:sp>
         <p:nvSpPr>
           <p:cNvPr id="7" name="Google Shape;7;p1"/>
-          <p:cNvSpPr txBox="1"/>
+          <p:cNvSpPr txBox="1">
+            <a:spLocks noGrp="1"/>
+          </p:cNvSpPr>
           <p:nvPr>
-            <p:ph idx="1" type="body"/>
+            <p:ph type="body" idx="1"/>
           </p:nvPr>
         </p:nvSpPr>
         <p:spPr>
@@ -7769,11 +7888,11 @@
           </a:ln>
         </p:spPr>
         <p:txBody>
-          <a:bodyPr anchorCtr="0" anchor="t" bIns="91425" lIns="91425" spcFirstLastPara="1" rIns="91425" wrap="square" tIns="91425">
+          <a:bodyPr spcFirstLastPara="1" wrap="square" lIns="91425" tIns="91425" rIns="91425" bIns="91425" anchor="t" anchorCtr="0">
             <a:noAutofit/>
           </a:bodyPr>
           <a:lstStyle>
-            <a:lvl1pPr indent="-311150" lvl="0" marL="457200">
+            <a:lvl1pPr marL="457200" lvl="0" indent="-311150">
               <a:lnSpc>
                 <a:spcPct val="115000"/>
               </a:lnSpc>
@@ -7799,7 +7918,7 @@
                 <a:sym typeface="Lato"/>
               </a:defRPr>
             </a:lvl1pPr>
-            <a:lvl2pPr indent="-298450" lvl="1" marL="914400">
+            <a:lvl2pPr marL="914400" lvl="1" indent="-298450">
               <a:lnSpc>
                 <a:spcPct val="115000"/>
               </a:lnSpc>
@@ -7825,7 +7944,7 @@
                 <a:sym typeface="Lato"/>
               </a:defRPr>
             </a:lvl2pPr>
-            <a:lvl3pPr indent="-298450" lvl="2" marL="1371600">
+            <a:lvl3pPr marL="1371600" lvl="2" indent="-298450">
               <a:lnSpc>
                 <a:spcPct val="115000"/>
               </a:lnSpc>
@@ -7851,7 +7970,7 @@
                 <a:sym typeface="Lato"/>
               </a:defRPr>
             </a:lvl3pPr>
-            <a:lvl4pPr indent="-298450" lvl="3" marL="1828800">
+            <a:lvl4pPr marL="1828800" lvl="3" indent="-298450">
               <a:lnSpc>
                 <a:spcPct val="115000"/>
               </a:lnSpc>
@@ -7877,7 +7996,7 @@
                 <a:sym typeface="Lato"/>
               </a:defRPr>
             </a:lvl4pPr>
-            <a:lvl5pPr indent="-298450" lvl="4" marL="2286000">
+            <a:lvl5pPr marL="2286000" lvl="4" indent="-298450">
               <a:lnSpc>
                 <a:spcPct val="115000"/>
               </a:lnSpc>
@@ -7903,7 +8022,7 @@
                 <a:sym typeface="Lato"/>
               </a:defRPr>
             </a:lvl5pPr>
-            <a:lvl6pPr indent="-298450" lvl="5" marL="2743200">
+            <a:lvl6pPr marL="2743200" lvl="5" indent="-298450">
               <a:lnSpc>
                 <a:spcPct val="115000"/>
               </a:lnSpc>
@@ -7929,7 +8048,7 @@
                 <a:sym typeface="Lato"/>
               </a:defRPr>
             </a:lvl6pPr>
-            <a:lvl7pPr indent="-298450" lvl="6" marL="3200400">
+            <a:lvl7pPr marL="3200400" lvl="6" indent="-298450">
               <a:lnSpc>
                 <a:spcPct val="115000"/>
               </a:lnSpc>
@@ -7955,7 +8074,7 @@
                 <a:sym typeface="Lato"/>
               </a:defRPr>
             </a:lvl7pPr>
-            <a:lvl8pPr indent="-298450" lvl="7" marL="3657600">
+            <a:lvl8pPr marL="3657600" lvl="7" indent="-298450">
               <a:lnSpc>
                 <a:spcPct val="115000"/>
               </a:lnSpc>
@@ -7981,7 +8100,7 @@
                 <a:sym typeface="Lato"/>
               </a:defRPr>
             </a:lvl8pPr>
-            <a:lvl9pPr indent="-298450" lvl="8" marL="4114800">
+            <a:lvl9pPr marL="4114800" lvl="8" indent="-298450">
               <a:lnSpc>
                 <a:spcPct val="115000"/>
               </a:lnSpc>
@@ -8008,15 +8127,19 @@
               </a:defRPr>
             </a:lvl9pPr>
           </a:lstStyle>
-          <a:p/>
+          <a:p>
+            <a:endParaRPr/>
+          </a:p>
         </p:txBody>
       </p:sp>
       <p:sp>
         <p:nvSpPr>
           <p:cNvPr id="8" name="Google Shape;8;p1"/>
-          <p:cNvSpPr txBox="1"/>
+          <p:cNvSpPr txBox="1">
+            <a:spLocks noGrp="1"/>
+          </p:cNvSpPr>
           <p:nvPr>
-            <p:ph idx="12" type="sldNum"/>
+            <p:ph type="sldNum" idx="12"/>
           </p:nvPr>
         </p:nvSpPr>
         <p:spPr>
@@ -8033,7 +8156,7 @@
           </a:ln>
         </p:spPr>
         <p:txBody>
-          <a:bodyPr anchorCtr="0" anchor="ctr" bIns="91425" lIns="91425" spcFirstLastPara="1" rIns="91425" wrap="square" tIns="91425">
+          <a:bodyPr spcFirstLastPara="1" wrap="square" lIns="91425" tIns="91425" rIns="91425" bIns="91425" anchor="ctr" anchorCtr="0">
             <a:noAutofit/>
           </a:bodyPr>
           <a:lstStyle>
@@ -8147,7 +8270,7 @@
             </a:lvl9pPr>
           </a:lstStyle>
           <a:p>
-            <a:pPr indent="0" lvl="0" marL="0" rtl="0" algn="r">
+            <a:pPr marL="0" lvl="0" indent="0" algn="r" rtl="0">
               <a:spcBef>
                 <a:spcPts val="0"/>
               </a:spcBef>
@@ -8166,7 +8289,7 @@
       </p:sp>
     </p:spTree>
   </p:cSld>
-  <p:clrMap accent1="accent1" accent2="accent2" accent3="accent3" accent4="accent4" accent5="accent5" accent6="accent6" bg1="lt1" bg2="dk2" tx1="dk1" tx2="lt2" folHlink="folHlink" hlink="hlink"/>
+  <p:clrMap bg1="lt1" tx1="dk1" bg2="dk2" tx2="lt2" accent1="accent1" accent2="accent2" accent3="accent3" accent4="accent4" accent5="accent5" accent6="accent6" hlink="hlink" folHlink="folHlink"/>
   <p:sldLayoutIdLst>
     <p:sldLayoutId id="2147483648" r:id="rId1"/>
     <p:sldLayoutId id="2147483649" r:id="rId2"/>
@@ -8180,10 +8303,10 @@
     <p:sldLayoutId id="2147483657" r:id="rId10"/>
     <p:sldLayoutId id="2147483658" r:id="rId11"/>
   </p:sldLayoutIdLst>
-  <p:hf dt="0" ftr="0" hdr="0" sldNum="0"/>
+  <p:hf sldNum="0" hdr="0" ftr="0" dt="0"/>
   <p:txStyles>
     <p:titleStyle>
-      <a:defPPr lvl="0" marR="0" rtl="0" algn="l">
+      <a:defPPr marR="0" lvl="0" algn="l" rtl="0">
         <a:lnSpc>
           <a:spcPct val="100000"/>
         </a:lnSpc>
@@ -8194,7 +8317,7 @@
           <a:spcPts val="0"/>
         </a:spcAft>
       </a:defPPr>
-      <a:lvl1pPr lvl="0" marR="0" rtl="0" algn="l">
+      <a:lvl1pPr marR="0" lvl="0" algn="l" rtl="0">
         <a:lnSpc>
           <a:spcPct val="100000"/>
         </a:lnSpc>
@@ -8208,7 +8331,7 @@
           <a:srgbClr val="000000"/>
         </a:buClr>
         <a:buFont typeface="Arial"/>
-        <a:defRPr b="0" i="0" sz="1400" u="none" cap="none" strike="noStrike">
+        <a:defRPr sz="1400" b="0" i="0" u="none" strike="noStrike" cap="none">
           <a:solidFill>
             <a:srgbClr val="000000"/>
           </a:solidFill>
@@ -8218,7 +8341,7 @@
           <a:sym typeface="Arial"/>
         </a:defRPr>
       </a:lvl1pPr>
-      <a:lvl2pPr lvl="1" marR="0" rtl="0" algn="l">
+      <a:lvl2pPr marR="0" lvl="1" algn="l" rtl="0">
         <a:lnSpc>
           <a:spcPct val="100000"/>
         </a:lnSpc>
@@ -8232,7 +8355,7 @@
           <a:srgbClr val="000000"/>
         </a:buClr>
         <a:buFont typeface="Arial"/>
-        <a:defRPr b="0" i="0" sz="1400" u="none" cap="none" strike="noStrike">
+        <a:defRPr sz="1400" b="0" i="0" u="none" strike="noStrike" cap="none">
           <a:solidFill>
             <a:srgbClr val="000000"/>
           </a:solidFill>
@@ -8242,7 +8365,7 @@
           <a:sym typeface="Arial"/>
         </a:defRPr>
       </a:lvl2pPr>
-      <a:lvl3pPr lvl="2" marR="0" rtl="0" algn="l">
+      <a:lvl3pPr marR="0" lvl="2" algn="l" rtl="0">
         <a:lnSpc>
           <a:spcPct val="100000"/>
         </a:lnSpc>
@@ -8256,7 +8379,7 @@
           <a:srgbClr val="000000"/>
         </a:buClr>
         <a:buFont typeface="Arial"/>
-        <a:defRPr b="0" i="0" sz="1400" u="none" cap="none" strike="noStrike">
+        <a:defRPr sz="1400" b="0" i="0" u="none" strike="noStrike" cap="none">
           <a:solidFill>
             <a:srgbClr val="000000"/>
           </a:solidFill>
@@ -8266,7 +8389,7 @@
           <a:sym typeface="Arial"/>
         </a:defRPr>
       </a:lvl3pPr>
-      <a:lvl4pPr lvl="3" marR="0" rtl="0" algn="l">
+      <a:lvl4pPr marR="0" lvl="3" algn="l" rtl="0">
         <a:lnSpc>
           <a:spcPct val="100000"/>
         </a:lnSpc>
@@ -8280,7 +8403,7 @@
           <a:srgbClr val="000000"/>
         </a:buClr>
         <a:buFont typeface="Arial"/>
-        <a:defRPr b="0" i="0" sz="1400" u="none" cap="none" strike="noStrike">
+        <a:defRPr sz="1400" b="0" i="0" u="none" strike="noStrike" cap="none">
           <a:solidFill>
             <a:srgbClr val="000000"/>
           </a:solidFill>
@@ -8290,7 +8413,7 @@
           <a:sym typeface="Arial"/>
         </a:defRPr>
       </a:lvl4pPr>
-      <a:lvl5pPr lvl="4" marR="0" rtl="0" algn="l">
+      <a:lvl5pPr marR="0" lvl="4" algn="l" rtl="0">
         <a:lnSpc>
           <a:spcPct val="100000"/>
         </a:lnSpc>
@@ -8304,7 +8427,7 @@
           <a:srgbClr val="000000"/>
         </a:buClr>
         <a:buFont typeface="Arial"/>
-        <a:defRPr b="0" i="0" sz="1400" u="none" cap="none" strike="noStrike">
+        <a:defRPr sz="1400" b="0" i="0" u="none" strike="noStrike" cap="none">
           <a:solidFill>
             <a:srgbClr val="000000"/>
           </a:solidFill>
@@ -8314,7 +8437,7 @@
           <a:sym typeface="Arial"/>
         </a:defRPr>
       </a:lvl5pPr>
-      <a:lvl6pPr lvl="5" marR="0" rtl="0" algn="l">
+      <a:lvl6pPr marR="0" lvl="5" algn="l" rtl="0">
         <a:lnSpc>
           <a:spcPct val="100000"/>
         </a:lnSpc>
@@ -8328,7 +8451,7 @@
           <a:srgbClr val="000000"/>
         </a:buClr>
         <a:buFont typeface="Arial"/>
-        <a:defRPr b="0" i="0" sz="1400" u="none" cap="none" strike="noStrike">
+        <a:defRPr sz="1400" b="0" i="0" u="none" strike="noStrike" cap="none">
           <a:solidFill>
             <a:srgbClr val="000000"/>
           </a:solidFill>
@@ -8338,7 +8461,7 @@
           <a:sym typeface="Arial"/>
         </a:defRPr>
       </a:lvl6pPr>
-      <a:lvl7pPr lvl="6" marR="0" rtl="0" algn="l">
+      <a:lvl7pPr marR="0" lvl="6" algn="l" rtl="0">
         <a:lnSpc>
           <a:spcPct val="100000"/>
         </a:lnSpc>
@@ -8352,7 +8475,7 @@
           <a:srgbClr val="000000"/>
         </a:buClr>
         <a:buFont typeface="Arial"/>
-        <a:defRPr b="0" i="0" sz="1400" u="none" cap="none" strike="noStrike">
+        <a:defRPr sz="1400" b="0" i="0" u="none" strike="noStrike" cap="none">
           <a:solidFill>
             <a:srgbClr val="000000"/>
           </a:solidFill>
@@ -8362,7 +8485,7 @@
           <a:sym typeface="Arial"/>
         </a:defRPr>
       </a:lvl7pPr>
-      <a:lvl8pPr lvl="7" marR="0" rtl="0" algn="l">
+      <a:lvl8pPr marR="0" lvl="7" algn="l" rtl="0">
         <a:lnSpc>
           <a:spcPct val="100000"/>
         </a:lnSpc>
@@ -8376,7 +8499,7 @@
           <a:srgbClr val="000000"/>
         </a:buClr>
         <a:buFont typeface="Arial"/>
-        <a:defRPr b="0" i="0" sz="1400" u="none" cap="none" strike="noStrike">
+        <a:defRPr sz="1400" b="0" i="0" u="none" strike="noStrike" cap="none">
           <a:solidFill>
             <a:srgbClr val="000000"/>
           </a:solidFill>
@@ -8386,7 +8509,7 @@
           <a:sym typeface="Arial"/>
         </a:defRPr>
       </a:lvl8pPr>
-      <a:lvl9pPr lvl="8" marR="0" rtl="0" algn="l">
+      <a:lvl9pPr marR="0" lvl="8" algn="l" rtl="0">
         <a:lnSpc>
           <a:spcPct val="100000"/>
         </a:lnSpc>
@@ -8400,7 +8523,7 @@
           <a:srgbClr val="000000"/>
         </a:buClr>
         <a:buFont typeface="Arial"/>
-        <a:defRPr b="0" i="0" sz="1400" u="none" cap="none" strike="noStrike">
+        <a:defRPr sz="1400" b="0" i="0" u="none" strike="noStrike" cap="none">
           <a:solidFill>
             <a:srgbClr val="000000"/>
           </a:solidFill>
@@ -8412,7 +8535,7 @@
       </a:lvl9pPr>
     </p:titleStyle>
     <p:bodyStyle>
-      <a:defPPr lvl="0" marR="0" rtl="0" algn="l">
+      <a:defPPr marR="0" lvl="0" algn="l" rtl="0">
         <a:lnSpc>
           <a:spcPct val="100000"/>
         </a:lnSpc>
@@ -8423,7 +8546,7 @@
           <a:spcPts val="0"/>
         </a:spcAft>
       </a:defPPr>
-      <a:lvl1pPr lvl="0" marR="0" rtl="0" algn="l">
+      <a:lvl1pPr marR="0" lvl="0" algn="l" rtl="0">
         <a:lnSpc>
           <a:spcPct val="100000"/>
         </a:lnSpc>
@@ -8437,7 +8560,7 @@
           <a:srgbClr val="000000"/>
         </a:buClr>
         <a:buFont typeface="Arial"/>
-        <a:defRPr b="0" i="0" sz="1400" u="none" cap="none" strike="noStrike">
+        <a:defRPr sz="1400" b="0" i="0" u="none" strike="noStrike" cap="none">
           <a:solidFill>
             <a:srgbClr val="000000"/>
           </a:solidFill>
@@ -8447,7 +8570,7 @@
           <a:sym typeface="Arial"/>
         </a:defRPr>
       </a:lvl1pPr>
-      <a:lvl2pPr lvl="1" marR="0" rtl="0" algn="l">
+      <a:lvl2pPr marR="0" lvl="1" algn="l" rtl="0">
         <a:lnSpc>
           <a:spcPct val="100000"/>
         </a:lnSpc>
@@ -8461,7 +8584,7 @@
           <a:srgbClr val="000000"/>
         </a:buClr>
         <a:buFont typeface="Arial"/>
-        <a:defRPr b="0" i="0" sz="1400" u="none" cap="none" strike="noStrike">
+        <a:defRPr sz="1400" b="0" i="0" u="none" strike="noStrike" cap="none">
           <a:solidFill>
             <a:srgbClr val="000000"/>
           </a:solidFill>
@@ -8471,7 +8594,7 @@
           <a:sym typeface="Arial"/>
         </a:defRPr>
       </a:lvl2pPr>
-      <a:lvl3pPr lvl="2" marR="0" rtl="0" algn="l">
+      <a:lvl3pPr marR="0" lvl="2" algn="l" rtl="0">
         <a:lnSpc>
           <a:spcPct val="100000"/>
         </a:lnSpc>
@@ -8485,7 +8608,7 @@
           <a:srgbClr val="000000"/>
         </a:buClr>
         <a:buFont typeface="Arial"/>
-        <a:defRPr b="0" i="0" sz="1400" u="none" cap="none" strike="noStrike">
+        <a:defRPr sz="1400" b="0" i="0" u="none" strike="noStrike" cap="none">
           <a:solidFill>
             <a:srgbClr val="000000"/>
           </a:solidFill>
@@ -8495,7 +8618,7 @@
           <a:sym typeface="Arial"/>
         </a:defRPr>
       </a:lvl3pPr>
-      <a:lvl4pPr lvl="3" marR="0" rtl="0" algn="l">
+      <a:lvl4pPr marR="0" lvl="3" algn="l" rtl="0">
         <a:lnSpc>
           <a:spcPct val="100000"/>
         </a:lnSpc>
@@ -8509,7 +8632,7 @@
           <a:srgbClr val="000000"/>
         </a:buClr>
         <a:buFont typeface="Arial"/>
-        <a:defRPr b="0" i="0" sz="1400" u="none" cap="none" strike="noStrike">
+        <a:defRPr sz="1400" b="0" i="0" u="none" strike="noStrike" cap="none">
           <a:solidFill>
             <a:srgbClr val="000000"/>
           </a:solidFill>
@@ -8519,7 +8642,7 @@
           <a:sym typeface="Arial"/>
         </a:defRPr>
       </a:lvl4pPr>
-      <a:lvl5pPr lvl="4" marR="0" rtl="0" algn="l">
+      <a:lvl5pPr marR="0" lvl="4" algn="l" rtl="0">
         <a:lnSpc>
           <a:spcPct val="100000"/>
         </a:lnSpc>
@@ -8533,7 +8656,7 @@
           <a:srgbClr val="000000"/>
         </a:buClr>
         <a:buFont typeface="Arial"/>
-        <a:defRPr b="0" i="0" sz="1400" u="none" cap="none" strike="noStrike">
+        <a:defRPr sz="1400" b="0" i="0" u="none" strike="noStrike" cap="none">
           <a:solidFill>
             <a:srgbClr val="000000"/>
           </a:solidFill>
@@ -8543,7 +8666,7 @@
           <a:sym typeface="Arial"/>
         </a:defRPr>
       </a:lvl5pPr>
-      <a:lvl6pPr lvl="5" marR="0" rtl="0" algn="l">
+      <a:lvl6pPr marR="0" lvl="5" algn="l" rtl="0">
         <a:lnSpc>
           <a:spcPct val="100000"/>
         </a:lnSpc>
@@ -8557,7 +8680,7 @@
           <a:srgbClr val="000000"/>
         </a:buClr>
         <a:buFont typeface="Arial"/>
-        <a:defRPr b="0" i="0" sz="1400" u="none" cap="none" strike="noStrike">
+        <a:defRPr sz="1400" b="0" i="0" u="none" strike="noStrike" cap="none">
           <a:solidFill>
             <a:srgbClr val="000000"/>
           </a:solidFill>
@@ -8567,7 +8690,7 @@
           <a:sym typeface="Arial"/>
         </a:defRPr>
       </a:lvl6pPr>
-      <a:lvl7pPr lvl="6" marR="0" rtl="0" algn="l">
+      <a:lvl7pPr marR="0" lvl="6" algn="l" rtl="0">
         <a:lnSpc>
           <a:spcPct val="100000"/>
         </a:lnSpc>
@@ -8581,7 +8704,7 @@
           <a:srgbClr val="000000"/>
         </a:buClr>
         <a:buFont typeface="Arial"/>
-        <a:defRPr b="0" i="0" sz="1400" u="none" cap="none" strike="noStrike">
+        <a:defRPr sz="1400" b="0" i="0" u="none" strike="noStrike" cap="none">
           <a:solidFill>
             <a:srgbClr val="000000"/>
           </a:solidFill>
@@ -8591,7 +8714,7 @@
           <a:sym typeface="Arial"/>
         </a:defRPr>
       </a:lvl7pPr>
-      <a:lvl8pPr lvl="7" marR="0" rtl="0" algn="l">
+      <a:lvl8pPr marR="0" lvl="7" algn="l" rtl="0">
         <a:lnSpc>
           <a:spcPct val="100000"/>
         </a:lnSpc>
@@ -8605,7 +8728,7 @@
           <a:srgbClr val="000000"/>
         </a:buClr>
         <a:buFont typeface="Arial"/>
-        <a:defRPr b="0" i="0" sz="1400" u="none" cap="none" strike="noStrike">
+        <a:defRPr sz="1400" b="0" i="0" u="none" strike="noStrike" cap="none">
           <a:solidFill>
             <a:srgbClr val="000000"/>
           </a:solidFill>
@@ -8615,7 +8738,7 @@
           <a:sym typeface="Arial"/>
         </a:defRPr>
       </a:lvl8pPr>
-      <a:lvl9pPr lvl="8" marR="0" rtl="0" algn="l">
+      <a:lvl9pPr marR="0" lvl="8" algn="l" rtl="0">
         <a:lnSpc>
           <a:spcPct val="100000"/>
         </a:lnSpc>
@@ -8629,7 +8752,7 @@
           <a:srgbClr val="000000"/>
         </a:buClr>
         <a:buFont typeface="Arial"/>
-        <a:defRPr b="0" i="0" sz="1400" u="none" cap="none" strike="noStrike">
+        <a:defRPr sz="1400" b="0" i="0" u="none" strike="noStrike" cap="none">
           <a:solidFill>
             <a:srgbClr val="000000"/>
           </a:solidFill>
@@ -8641,7 +8764,7 @@
       </a:lvl9pPr>
     </p:bodyStyle>
     <p:otherStyle>
-      <a:defPPr lvl="0" marR="0" rtl="0" algn="l">
+      <a:defPPr marR="0" lvl="0" algn="l" rtl="0">
         <a:lnSpc>
           <a:spcPct val="100000"/>
         </a:lnSpc>
@@ -8652,7 +8775,7 @@
           <a:spcPts val="0"/>
         </a:spcAft>
       </a:defPPr>
-      <a:lvl1pPr lvl="0" marR="0" rtl="0" algn="l">
+      <a:lvl1pPr marR="0" lvl="0" algn="l" rtl="0">
         <a:lnSpc>
           <a:spcPct val="100000"/>
         </a:lnSpc>
@@ -8666,7 +8789,7 @@
           <a:srgbClr val="000000"/>
         </a:buClr>
         <a:buFont typeface="Arial"/>
-        <a:defRPr b="0" i="0" sz="1400" u="none" cap="none" strike="noStrike">
+        <a:defRPr sz="1400" b="0" i="0" u="none" strike="noStrike" cap="none">
           <a:solidFill>
             <a:srgbClr val="000000"/>
           </a:solidFill>
@@ -8676,7 +8799,7 @@
           <a:sym typeface="Arial"/>
         </a:defRPr>
       </a:lvl1pPr>
-      <a:lvl2pPr lvl="1" marR="0" rtl="0" algn="l">
+      <a:lvl2pPr marR="0" lvl="1" algn="l" rtl="0">
         <a:lnSpc>
           <a:spcPct val="100000"/>
         </a:lnSpc>
@@ -8690,7 +8813,7 @@
           <a:srgbClr val="000000"/>
         </a:buClr>
         <a:buFont typeface="Arial"/>
-        <a:defRPr b="0" i="0" sz="1400" u="none" cap="none" strike="noStrike">
+        <a:defRPr sz="1400" b="0" i="0" u="none" strike="noStrike" cap="none">
           <a:solidFill>
             <a:srgbClr val="000000"/>
           </a:solidFill>
@@ -8700,7 +8823,7 @@
           <a:sym typeface="Arial"/>
         </a:defRPr>
       </a:lvl2pPr>
-      <a:lvl3pPr lvl="2" marR="0" rtl="0" algn="l">
+      <a:lvl3pPr marR="0" lvl="2" algn="l" rtl="0">
         <a:lnSpc>
           <a:spcPct val="100000"/>
         </a:lnSpc>
@@ -8714,7 +8837,7 @@
           <a:srgbClr val="000000"/>
         </a:buClr>
         <a:buFont typeface="Arial"/>
-        <a:defRPr b="0" i="0" sz="1400" u="none" cap="none" strike="noStrike">
+        <a:defRPr sz="1400" b="0" i="0" u="none" strike="noStrike" cap="none">
           <a:solidFill>
             <a:srgbClr val="000000"/>
           </a:solidFill>
@@ -8724,7 +8847,7 @@
           <a:sym typeface="Arial"/>
         </a:defRPr>
       </a:lvl3pPr>
-      <a:lvl4pPr lvl="3" marR="0" rtl="0" algn="l">
+      <a:lvl4pPr marR="0" lvl="3" algn="l" rtl="0">
         <a:lnSpc>
           <a:spcPct val="100000"/>
         </a:lnSpc>
@@ -8738,7 +8861,7 @@
           <a:srgbClr val="000000"/>
         </a:buClr>
         <a:buFont typeface="Arial"/>
-        <a:defRPr b="0" i="0" sz="1400" u="none" cap="none" strike="noStrike">
+        <a:defRPr sz="1400" b="0" i="0" u="none" strike="noStrike" cap="none">
           <a:solidFill>
             <a:srgbClr val="000000"/>
           </a:solidFill>
@@ -8748,7 +8871,7 @@
           <a:sym typeface="Arial"/>
         </a:defRPr>
       </a:lvl4pPr>
-      <a:lvl5pPr lvl="4" marR="0" rtl="0" algn="l">
+      <a:lvl5pPr marR="0" lvl="4" algn="l" rtl="0">
         <a:lnSpc>
           <a:spcPct val="100000"/>
         </a:lnSpc>
@@ -8762,7 +8885,7 @@
           <a:srgbClr val="000000"/>
         </a:buClr>
         <a:buFont typeface="Arial"/>
-        <a:defRPr b="0" i="0" sz="1400" u="none" cap="none" strike="noStrike">
+        <a:defRPr sz="1400" b="0" i="0" u="none" strike="noStrike" cap="none">
           <a:solidFill>
             <a:srgbClr val="000000"/>
           </a:solidFill>
@@ -8772,7 +8895,7 @@
           <a:sym typeface="Arial"/>
         </a:defRPr>
       </a:lvl5pPr>
-      <a:lvl6pPr lvl="5" marR="0" rtl="0" algn="l">
+      <a:lvl6pPr marR="0" lvl="5" algn="l" rtl="0">
         <a:lnSpc>
           <a:spcPct val="100000"/>
         </a:lnSpc>
@@ -8786,7 +8909,7 @@
           <a:srgbClr val="000000"/>
         </a:buClr>
         <a:buFont typeface="Arial"/>
-        <a:defRPr b="0" i="0" sz="1400" u="none" cap="none" strike="noStrike">
+        <a:defRPr sz="1400" b="0" i="0" u="none" strike="noStrike" cap="none">
           <a:solidFill>
             <a:srgbClr val="000000"/>
           </a:solidFill>
@@ -8796,7 +8919,7 @@
           <a:sym typeface="Arial"/>
         </a:defRPr>
       </a:lvl6pPr>
-      <a:lvl7pPr lvl="6" marR="0" rtl="0" algn="l">
+      <a:lvl7pPr marR="0" lvl="6" algn="l" rtl="0">
         <a:lnSpc>
           <a:spcPct val="100000"/>
         </a:lnSpc>
@@ -8810,7 +8933,7 @@
           <a:srgbClr val="000000"/>
         </a:buClr>
         <a:buFont typeface="Arial"/>
-        <a:defRPr b="0" i="0" sz="1400" u="none" cap="none" strike="noStrike">
+        <a:defRPr sz="1400" b="0" i="0" u="none" strike="noStrike" cap="none">
           <a:solidFill>
             <a:srgbClr val="000000"/>
           </a:solidFill>
@@ -8820,7 +8943,7 @@
           <a:sym typeface="Arial"/>
         </a:defRPr>
       </a:lvl7pPr>
-      <a:lvl8pPr lvl="7" marR="0" rtl="0" algn="l">
+      <a:lvl8pPr marR="0" lvl="7" algn="l" rtl="0">
         <a:lnSpc>
           <a:spcPct val="100000"/>
         </a:lnSpc>
@@ -8834,7 +8957,7 @@
           <a:srgbClr val="000000"/>
         </a:buClr>
         <a:buFont typeface="Arial"/>
-        <a:defRPr b="0" i="0" sz="1400" u="none" cap="none" strike="noStrike">
+        <a:defRPr sz="1400" b="0" i="0" u="none" strike="noStrike" cap="none">
           <a:solidFill>
             <a:srgbClr val="000000"/>
           </a:solidFill>
@@ -8844,7 +8967,7 @@
           <a:sym typeface="Arial"/>
         </a:defRPr>
       </a:lvl8pPr>
-      <a:lvl9pPr lvl="8" marR="0" rtl="0" algn="l">
+      <a:lvl9pPr marR="0" lvl="8" algn="l" rtl="0">
         <a:lnSpc>
           <a:spcPct val="100000"/>
         </a:lnSpc>
@@ -8858,7 +8981,7 @@
           <a:srgbClr val="000000"/>
         </a:buClr>
         <a:buFont typeface="Arial"/>
-        <a:defRPr b="0" i="0" sz="1400" u="none" cap="none" strike="noStrike">
+        <a:defRPr sz="1400" b="0" i="0" u="none" strike="noStrike" cap="none">
           <a:solidFill>
             <a:srgbClr val="000000"/>
           </a:solidFill>
@@ -8874,11 +8997,11 @@
 </file>
 
 <file path=ppt/slides/slide1.xml><?xml version="1.0" encoding="utf-8"?>
-<p:sld xmlns:a="http://schemas.openxmlformats.org/drawingml/2006/main" xmlns:r="http://schemas.openxmlformats.org/officeDocument/2006/relationships" xmlns:mc="http://schemas.openxmlformats.org/markup-compatibility/2006" xmlns:mv="urn:schemas-microsoft-com:mac:vml" xmlns:p="http://schemas.openxmlformats.org/presentationml/2006/main" xmlns:c="http://schemas.openxmlformats.org/drawingml/2006/chart" xmlns:dgm="http://schemas.openxmlformats.org/drawingml/2006/diagram" xmlns:o="urn:schemas-microsoft-com:office:office" xmlns:v="urn:schemas-microsoft-com:vml" xmlns:pvml="urn:schemas-microsoft-com:office:powerpoint" xmlns:com="http://schemas.openxmlformats.org/drawingml/2006/compatibility" xmlns:p14="http://schemas.microsoft.com/office/powerpoint/2010/main" xmlns:p15="http://schemas.microsoft.com/office/powerpoint/2012/main" xmlns:ahyp="http://schemas.microsoft.com/office/drawing/2018/hyperlinkcolor">
+<p:sld xmlns:a="http://schemas.openxmlformats.org/drawingml/2006/main" xmlns:r="http://schemas.openxmlformats.org/officeDocument/2006/relationships" xmlns:p="http://schemas.openxmlformats.org/presentationml/2006/main">
   <p:cSld>
     <p:spTree>
       <p:nvGrpSpPr>
-        <p:cNvPr id="85" name="Shape 85"/>
+        <p:cNvPr id="1" name="Shape 85"/>
         <p:cNvGrpSpPr/>
         <p:nvPr/>
       </p:nvGrpSpPr>
@@ -8893,7 +9016,9 @@
       <p:sp>
         <p:nvSpPr>
           <p:cNvPr id="86" name="Google Shape;86;p13"/>
-          <p:cNvSpPr txBox="1"/>
+          <p:cNvSpPr txBox="1">
+            <a:spLocks noGrp="1"/>
+          </p:cNvSpPr>
           <p:nvPr>
             <p:ph type="ctrTitle"/>
           </p:nvPr>
@@ -8908,12 +9033,12 @@
           </a:prstGeom>
         </p:spPr>
         <p:txBody>
-          <a:bodyPr anchorCtr="0" anchor="t" bIns="91425" lIns="91425" spcFirstLastPara="1" rIns="91425" wrap="square" tIns="91425">
+          <a:bodyPr spcFirstLastPara="1" wrap="square" lIns="91425" tIns="91425" rIns="91425" bIns="91425" anchor="t" anchorCtr="0">
             <a:noAutofit/>
           </a:bodyPr>
           <a:lstStyle/>
           <a:p>
-            <a:pPr indent="0" lvl="0" marL="0" rtl="0" algn="ctr">
+            <a:pPr marL="0" lvl="0" indent="0" algn="ctr" rtl="0">
               <a:spcBef>
                 <a:spcPts val="0"/>
               </a:spcBef>
@@ -8945,9 +9070,11 @@
       <p:sp>
         <p:nvSpPr>
           <p:cNvPr id="87" name="Google Shape;87;p13"/>
-          <p:cNvSpPr txBox="1"/>
+          <p:cNvSpPr txBox="1">
+            <a:spLocks noGrp="1"/>
+          </p:cNvSpPr>
           <p:nvPr>
-            <p:ph idx="1" type="subTitle"/>
+            <p:ph type="subTitle" idx="1"/>
           </p:nvPr>
         </p:nvSpPr>
         <p:spPr>
@@ -8960,12 +9087,12 @@
           </a:prstGeom>
         </p:spPr>
         <p:txBody>
-          <a:bodyPr anchorCtr="0" anchor="t" bIns="91425" lIns="91425" spcFirstLastPara="1" rIns="91425" wrap="square" tIns="91425">
+          <a:bodyPr spcFirstLastPara="1" wrap="square" lIns="91425" tIns="91425" rIns="91425" bIns="91425" anchor="t" anchorCtr="0">
             <a:noAutofit/>
           </a:bodyPr>
           <a:lstStyle/>
           <a:p>
-            <a:pPr indent="0" lvl="0" marL="0" rtl="0" algn="ctr">
+            <a:pPr marL="0" lvl="0" indent="0" algn="ctr" rtl="0">
               <a:spcBef>
                 <a:spcPts val="0"/>
               </a:spcBef>
@@ -8975,13 +9102,13 @@
               <a:buNone/>
             </a:pPr>
             <a:r>
-              <a:rPr b="1" lang="en"/>
+              <a:rPr lang="en" b="1"/>
               <a:t>Siddhartha Vanam</a:t>
             </a:r>
             <a:endParaRPr b="1"/>
           </a:p>
           <a:p>
-            <a:pPr indent="0" lvl="0" marL="0" rtl="0" algn="ctr">
+            <a:pPr marL="0" lvl="0" indent="0" algn="ctr" rtl="0">
               <a:spcBef>
                 <a:spcPts val="0"/>
               </a:spcBef>
@@ -9005,7 +9132,7 @@
             </a:endParaRPr>
           </a:p>
           <a:p>
-            <a:pPr indent="0" lvl="0" marL="0" rtl="0" algn="ctr">
+            <a:pPr marL="0" lvl="0" indent="0" algn="ctr" rtl="0">
               <a:spcBef>
                 <a:spcPts val="0"/>
               </a:spcBef>
@@ -9015,7 +9142,7 @@
               <a:buNone/>
             </a:pPr>
             <a:r>
-              <a:rPr b="1" lang="en">
+              <a:rPr lang="en" b="1">
                 <a:solidFill>
                   <a:srgbClr val="CC0000"/>
                 </a:solidFill>
@@ -9039,11 +9166,11 @@
 </file>
 
 <file path=ppt/slides/slide10.xml><?xml version="1.0" encoding="utf-8"?>
-<p:sld xmlns:a="http://schemas.openxmlformats.org/drawingml/2006/main" xmlns:r="http://schemas.openxmlformats.org/officeDocument/2006/relationships" xmlns:mc="http://schemas.openxmlformats.org/markup-compatibility/2006" xmlns:mv="urn:schemas-microsoft-com:mac:vml" xmlns:p="http://schemas.openxmlformats.org/presentationml/2006/main" xmlns:c="http://schemas.openxmlformats.org/drawingml/2006/chart" xmlns:dgm="http://schemas.openxmlformats.org/drawingml/2006/diagram" xmlns:o="urn:schemas-microsoft-com:office:office" xmlns:v="urn:schemas-microsoft-com:vml" xmlns:pvml="urn:schemas-microsoft-com:office:powerpoint" xmlns:com="http://schemas.openxmlformats.org/drawingml/2006/compatibility" xmlns:p14="http://schemas.microsoft.com/office/powerpoint/2010/main" xmlns:p15="http://schemas.microsoft.com/office/powerpoint/2012/main" xmlns:ahyp="http://schemas.microsoft.com/office/drawing/2018/hyperlinkcolor">
+<p:sld xmlns:a="http://schemas.openxmlformats.org/drawingml/2006/main" xmlns:r="http://schemas.openxmlformats.org/officeDocument/2006/relationships" xmlns:p="http://schemas.openxmlformats.org/presentationml/2006/main">
   <p:cSld>
     <p:spTree>
       <p:nvGrpSpPr>
-        <p:cNvPr id="182" name="Shape 182"/>
+        <p:cNvPr id="1" name="Shape 182"/>
         <p:cNvGrpSpPr/>
         <p:nvPr/>
       </p:nvGrpSpPr>
@@ -9075,12 +9202,12 @@
           </a:ln>
         </p:spPr>
         <p:txBody>
-          <a:bodyPr anchorCtr="0" anchor="t" bIns="0" lIns="0" spcFirstLastPara="1" rIns="0" wrap="square" tIns="0">
+          <a:bodyPr spcFirstLastPara="1" wrap="square" lIns="0" tIns="0" rIns="0" bIns="0" anchor="t" anchorCtr="0">
             <a:noAutofit/>
           </a:bodyPr>
           <a:lstStyle/>
           <a:p>
-            <a:pPr indent="0" lvl="0" marL="0" rtl="0" algn="l">
+            <a:pPr marL="0" lvl="0" indent="0" algn="l" rtl="0">
               <a:spcBef>
                 <a:spcPts val="0"/>
               </a:spcBef>
@@ -9090,7 +9217,7 @@
               <a:buNone/>
             </a:pPr>
             <a:r>
-              <a:rPr b="1" lang="en" sz="2600">
+              <a:rPr lang="en" sz="2600" b="1">
                 <a:solidFill>
                   <a:srgbClr val="002060"/>
                 </a:solidFill>
@@ -9101,7 +9228,7 @@
               </a:rPr>
               <a:t>EDA – Exploratory Data Analysis</a:t>
             </a:r>
-            <a:endParaRPr b="1" sz="2600">
+            <a:endParaRPr sz="2600" b="1">
               <a:solidFill>
                 <a:srgbClr val="002060"/>
               </a:solidFill>
@@ -9135,12 +9262,12 @@
           </a:ln>
         </p:spPr>
         <p:txBody>
-          <a:bodyPr anchorCtr="0" anchor="t" bIns="0" lIns="0" spcFirstLastPara="1" rIns="0" wrap="square" tIns="0">
+          <a:bodyPr spcFirstLastPara="1" wrap="square" lIns="0" tIns="0" rIns="0" bIns="0" anchor="t" anchorCtr="0">
             <a:noAutofit/>
           </a:bodyPr>
           <a:lstStyle/>
           <a:p>
-            <a:pPr indent="0" lvl="0" marL="0" marR="0" rtl="0" algn="l">
+            <a:pPr marL="0" marR="0" lvl="0" indent="0" algn="l" rtl="0">
               <a:lnSpc>
                 <a:spcPct val="106000"/>
               </a:lnSpc>
@@ -9157,10 +9284,7 @@
               <a:buFont typeface="Arial"/>
               <a:buNone/>
             </a:pPr>
-            <a:r>
-              <a:t/>
-            </a:r>
-            <a:endParaRPr b="0" i="0" sz="1100" u="none" cap="none" strike="noStrike">
+            <a:endParaRPr sz="1100" b="0" i="0" u="none" strike="noStrike" cap="none">
               <a:solidFill>
                 <a:srgbClr val="000000"/>
               </a:solidFill>
@@ -9201,14 +9325,14 @@
               <a:avLst/>
             </a:prstGeom>
             <a:noFill/>
-            <a:ln cap="rnd" cmpd="sng" w="12700">
+            <a:ln w="12700" cap="rnd" cmpd="sng">
               <a:solidFill>
                 <a:srgbClr val="003399"/>
               </a:solidFill>
               <a:prstDash val="solid"/>
               <a:round/>
-              <a:headEnd len="med" w="med" type="none"/>
-              <a:tailEnd len="med" w="med" type="none"/>
+              <a:headEnd type="none" w="med" len="med"/>
+              <a:tailEnd type="none" w="med" len="med"/>
             </a:ln>
           </p:spPr>
         </p:cxnSp>
@@ -9234,12 +9358,12 @@
             </a:ln>
           </p:spPr>
           <p:txBody>
-            <a:bodyPr anchorCtr="1" anchor="b" bIns="0" lIns="72000" spcFirstLastPara="1" rIns="72000" wrap="square" tIns="0">
+            <a:bodyPr spcFirstLastPara="1" wrap="square" lIns="72000" tIns="0" rIns="72000" bIns="0" anchor="b" anchorCtr="1">
               <a:noAutofit/>
             </a:bodyPr>
             <a:lstStyle/>
             <a:p>
-              <a:pPr indent="0" lvl="0" marL="0" marR="0" rtl="0" algn="ctr">
+              <a:pPr marL="0" marR="0" lvl="0" indent="0" algn="ctr" rtl="0">
                 <a:lnSpc>
                   <a:spcPct val="95000"/>
                 </a:lnSpc>
@@ -9252,7 +9376,7 @@
                 <a:buNone/>
               </a:pPr>
               <a:r>
-                <a:rPr b="1" lang="en" sz="1100">
+                <a:rPr lang="en" sz="1100" b="1">
                   <a:solidFill>
                     <a:srgbClr val="000000"/>
                   </a:solidFill>
@@ -9263,7 +9387,7 @@
                 </a:rPr>
                 <a:t>Visualization EDA 1</a:t>
               </a:r>
-              <a:endParaRPr b="1" i="0" sz="1100" u="none" cap="none" strike="noStrike">
+              <a:endParaRPr sz="1100" b="1" i="0" u="none" strike="noStrike" cap="none">
                 <a:solidFill>
                   <a:srgbClr val="000000"/>
                 </a:solidFill>
@@ -9305,14 +9429,14 @@
               <a:avLst/>
             </a:prstGeom>
             <a:noFill/>
-            <a:ln cap="rnd" cmpd="sng" w="12700">
+            <a:ln w="12700" cap="rnd" cmpd="sng">
               <a:solidFill>
                 <a:srgbClr val="003399"/>
               </a:solidFill>
               <a:prstDash val="solid"/>
               <a:round/>
-              <a:headEnd len="med" w="med" type="none"/>
-              <a:tailEnd len="med" w="med" type="none"/>
+              <a:headEnd type="none" w="med" len="med"/>
+              <a:tailEnd type="none" w="med" len="med"/>
             </a:ln>
           </p:spPr>
         </p:cxnSp>
@@ -9338,12 +9462,12 @@
             </a:ln>
           </p:spPr>
           <p:txBody>
-            <a:bodyPr anchorCtr="1" anchor="b" bIns="0" lIns="72000" spcFirstLastPara="1" rIns="72000" wrap="square" tIns="0">
+            <a:bodyPr spcFirstLastPara="1" wrap="square" lIns="72000" tIns="0" rIns="72000" bIns="0" anchor="b" anchorCtr="1">
               <a:noAutofit/>
             </a:bodyPr>
             <a:lstStyle/>
             <a:p>
-              <a:pPr indent="0" lvl="0" marL="0" marR="0" rtl="0" algn="ctr">
+              <a:pPr marL="0" marR="0" lvl="0" indent="0" algn="ctr" rtl="0">
                 <a:lnSpc>
                   <a:spcPct val="95000"/>
                 </a:lnSpc>
@@ -9356,7 +9480,7 @@
                 <a:buNone/>
               </a:pPr>
               <a:r>
-                <a:rPr b="1" lang="en" sz="1100">
+                <a:rPr lang="en" sz="1100" b="1">
                   <a:solidFill>
                     <a:srgbClr val="000000"/>
                   </a:solidFill>
@@ -9367,7 +9491,7 @@
                 </a:rPr>
                 <a:t>Visualization EDA 1</a:t>
               </a:r>
-              <a:endParaRPr b="1" i="0" sz="1100" u="none" cap="none" strike="noStrike">
+              <a:endParaRPr sz="1100" b="1" i="0" u="none" strike="noStrike" cap="none">
                 <a:solidFill>
                   <a:srgbClr val="000000"/>
                 </a:solidFill>
@@ -9428,12 +9552,12 @@
           </a:ln>
         </p:spPr>
         <p:txBody>
-          <a:bodyPr anchorCtr="0" anchor="t" bIns="45700" lIns="91425" spcFirstLastPara="1" rIns="91425" wrap="square" tIns="45700">
+          <a:bodyPr spcFirstLastPara="1" wrap="square" lIns="91425" tIns="45700" rIns="91425" bIns="45700" anchor="t" anchorCtr="0">
             <a:noAutofit/>
           </a:bodyPr>
           <a:lstStyle/>
           <a:p>
-            <a:pPr indent="0" lvl="0" marL="0" rtl="0" algn="r">
+            <a:pPr marL="0" lvl="0" indent="0" algn="r" rtl="0">
               <a:spcBef>
                 <a:spcPts val="0"/>
               </a:spcBef>
@@ -9443,28 +9567,28 @@
               <a:buNone/>
             </a:pPr>
             <a:r>
-              <a:rPr i="1" lang="en" sz="800"/>
+              <a:rPr lang="en" sz="800" i="1"/>
               <a:t>Source: </a:t>
             </a:r>
             <a:r>
-              <a:rPr i="1" lang="en" sz="800" u="sng">
+              <a:rPr lang="en" sz="800" i="1" u="sng">
                 <a:solidFill>
                   <a:schemeClr val="accent5"/>
                 </a:solidFill>
                 <a:hlinkClick r:id="rId4">
                   <a:extLst>
                     <a:ext uri="{A12FA001-AC4F-418D-AE19-62706E023703}">
-                      <ahyp:hlinkClr val="tx"/>
+                      <ahyp:hlinkClr xmlns:ahyp="http://schemas.microsoft.com/office/drawing/2018/hyperlinkcolor" val="tx"/>
                     </a:ext>
                   </a:extLst>
                 </a:hlinkClick>
               </a:rPr>
               <a:t>https://github.com/siddley1001/NCState_Datathon21/blob/master/state_datathon_police.ipynb</a:t>
             </a:r>
-            <a:endParaRPr i="1" sz="800"/>
+            <a:endParaRPr sz="800" i="1"/>
           </a:p>
           <a:p>
-            <a:pPr indent="0" lvl="0" marL="0" rtl="0" algn="r">
+            <a:pPr marL="0" lvl="0" indent="0" algn="r" rtl="0">
               <a:spcBef>
                 <a:spcPts val="0"/>
               </a:spcBef>
@@ -9473,13 +9597,10 @@
               </a:spcAft>
               <a:buNone/>
             </a:pPr>
-            <a:r>
-              <a:t/>
-            </a:r>
-            <a:endParaRPr i="1" sz="800"/>
+            <a:endParaRPr sz="800" i="1"/>
           </a:p>
           <a:p>
-            <a:pPr indent="0" lvl="0" marL="0" marR="0" rtl="0" algn="r">
+            <a:pPr marL="0" marR="0" lvl="0" indent="0" algn="r" rtl="0">
               <a:spcBef>
                 <a:spcPts val="0"/>
               </a:spcBef>
@@ -9488,10 +9609,7 @@
               </a:spcAft>
               <a:buNone/>
             </a:pPr>
-            <a:r>
-              <a:t/>
-            </a:r>
-            <a:endParaRPr i="1" sz="800"/>
+            <a:endParaRPr sz="800" i="1"/>
           </a:p>
         </p:txBody>
       </p:sp>
@@ -9524,14 +9642,14 @@
               <a:avLst/>
             </a:prstGeom>
             <a:noFill/>
-            <a:ln cap="rnd" cmpd="sng" w="12700">
+            <a:ln w="12700" cap="rnd" cmpd="sng">
               <a:solidFill>
                 <a:srgbClr val="003399"/>
               </a:solidFill>
               <a:prstDash val="solid"/>
               <a:round/>
-              <a:headEnd len="med" w="med" type="none"/>
-              <a:tailEnd len="med" w="med" type="none"/>
+              <a:headEnd type="none" w="med" len="med"/>
+              <a:tailEnd type="none" w="med" len="med"/>
             </a:ln>
           </p:spPr>
         </p:cxnSp>
@@ -9557,12 +9675,12 @@
             </a:ln>
           </p:spPr>
           <p:txBody>
-            <a:bodyPr anchorCtr="1" anchor="b" bIns="0" lIns="72000" spcFirstLastPara="1" rIns="72000" wrap="square" tIns="0">
+            <a:bodyPr spcFirstLastPara="1" wrap="square" lIns="72000" tIns="0" rIns="72000" bIns="0" anchor="b" anchorCtr="1">
               <a:noAutofit/>
             </a:bodyPr>
             <a:lstStyle/>
             <a:p>
-              <a:pPr indent="0" lvl="0" marL="0" marR="0" rtl="0" algn="ctr">
+              <a:pPr marL="0" marR="0" lvl="0" indent="0" algn="ctr" rtl="0">
                 <a:lnSpc>
                   <a:spcPct val="95000"/>
                 </a:lnSpc>
@@ -9575,7 +9693,7 @@
                 <a:buNone/>
               </a:pPr>
               <a:r>
-                <a:rPr b="1" lang="en" sz="1100">
+                <a:rPr lang="en" sz="1100" b="1">
                   <a:solidFill>
                     <a:srgbClr val="000000"/>
                   </a:solidFill>
@@ -9586,7 +9704,7 @@
                 </a:rPr>
                 <a:t>Visualization EDA 1</a:t>
               </a:r>
-              <a:endParaRPr b="1" i="0" sz="1100" u="none" cap="none" strike="noStrike">
+              <a:endParaRPr sz="1100" b="1" i="0" u="none" strike="noStrike" cap="none">
                 <a:solidFill>
                   <a:srgbClr val="000000"/>
                 </a:solidFill>
@@ -9628,14 +9746,14 @@
               <a:avLst/>
             </a:prstGeom>
             <a:noFill/>
-            <a:ln cap="rnd" cmpd="sng" w="12700">
+            <a:ln w="12700" cap="rnd" cmpd="sng">
               <a:solidFill>
                 <a:srgbClr val="003399"/>
               </a:solidFill>
               <a:prstDash val="solid"/>
               <a:round/>
-              <a:headEnd len="med" w="med" type="none"/>
-              <a:tailEnd len="med" w="med" type="none"/>
+              <a:headEnd type="none" w="med" len="med"/>
+              <a:tailEnd type="none" w="med" len="med"/>
             </a:ln>
           </p:spPr>
         </p:cxnSp>
@@ -9661,12 +9779,12 @@
             </a:ln>
           </p:spPr>
           <p:txBody>
-            <a:bodyPr anchorCtr="1" anchor="b" bIns="0" lIns="72000" spcFirstLastPara="1" rIns="72000" wrap="square" tIns="0">
+            <a:bodyPr spcFirstLastPara="1" wrap="square" lIns="72000" tIns="0" rIns="72000" bIns="0" anchor="b" anchorCtr="1">
               <a:noAutofit/>
             </a:bodyPr>
             <a:lstStyle/>
             <a:p>
-              <a:pPr indent="0" lvl="0" marL="0" marR="0" rtl="0" algn="ctr">
+              <a:pPr marL="0" marR="0" lvl="0" indent="0" algn="ctr" rtl="0">
                 <a:lnSpc>
                   <a:spcPct val="95000"/>
                 </a:lnSpc>
@@ -9679,7 +9797,7 @@
                 <a:buNone/>
               </a:pPr>
               <a:r>
-                <a:rPr b="1" lang="en" sz="1100">
+                <a:rPr lang="en" sz="1100" b="1">
                   <a:solidFill>
                     <a:srgbClr val="000000"/>
                   </a:solidFill>
@@ -9690,7 +9808,7 @@
                 </a:rPr>
                 <a:t>Visualization EDA 1</a:t>
               </a:r>
-              <a:endParaRPr b="1" i="0" sz="1100" u="none" cap="none" strike="noStrike">
+              <a:endParaRPr sz="1100" b="1" i="0" u="none" strike="noStrike" cap="none">
                 <a:solidFill>
                   <a:srgbClr val="000000"/>
                 </a:solidFill>
@@ -9712,11 +9830,11 @@
 </file>
 
 <file path=ppt/slides/slide11.xml><?xml version="1.0" encoding="utf-8"?>
-<p:sld xmlns:a="http://schemas.openxmlformats.org/drawingml/2006/main" xmlns:r="http://schemas.openxmlformats.org/officeDocument/2006/relationships" xmlns:mc="http://schemas.openxmlformats.org/markup-compatibility/2006" xmlns:mv="urn:schemas-microsoft-com:mac:vml" xmlns:p="http://schemas.openxmlformats.org/presentationml/2006/main" xmlns:c="http://schemas.openxmlformats.org/drawingml/2006/chart" xmlns:dgm="http://schemas.openxmlformats.org/drawingml/2006/diagram" xmlns:o="urn:schemas-microsoft-com:office:office" xmlns:v="urn:schemas-microsoft-com:vml" xmlns:pvml="urn:schemas-microsoft-com:office:powerpoint" xmlns:com="http://schemas.openxmlformats.org/drawingml/2006/compatibility" xmlns:p14="http://schemas.microsoft.com/office/powerpoint/2010/main" xmlns:p15="http://schemas.microsoft.com/office/powerpoint/2012/main" xmlns:ahyp="http://schemas.microsoft.com/office/drawing/2018/hyperlinkcolor">
+<p:sld xmlns:a="http://schemas.openxmlformats.org/drawingml/2006/main" xmlns:r="http://schemas.openxmlformats.org/officeDocument/2006/relationships" xmlns:p="http://schemas.openxmlformats.org/presentationml/2006/main">
   <p:cSld>
     <p:spTree>
       <p:nvGrpSpPr>
-        <p:cNvPr id="202" name="Shape 202"/>
+        <p:cNvPr id="1" name="Shape 202"/>
         <p:cNvGrpSpPr/>
         <p:nvPr/>
       </p:nvGrpSpPr>
@@ -9748,12 +9866,12 @@
           </a:ln>
         </p:spPr>
         <p:txBody>
-          <a:bodyPr anchorCtr="0" anchor="t" bIns="0" lIns="0" spcFirstLastPara="1" rIns="0" wrap="square" tIns="0">
+          <a:bodyPr spcFirstLastPara="1" wrap="square" lIns="0" tIns="0" rIns="0" bIns="0" anchor="t" anchorCtr="0">
             <a:noAutofit/>
           </a:bodyPr>
           <a:lstStyle/>
           <a:p>
-            <a:pPr indent="0" lvl="0" marL="0" rtl="0" algn="l">
+            <a:pPr marL="0" lvl="0" indent="0" algn="l" rtl="0">
               <a:spcBef>
                 <a:spcPts val="0"/>
               </a:spcBef>
@@ -9763,7 +9881,7 @@
               <a:buNone/>
             </a:pPr>
             <a:r>
-              <a:rPr b="1" lang="en" sz="2600">
+              <a:rPr lang="en" sz="2600" b="1">
                 <a:solidFill>
                   <a:srgbClr val="002060"/>
                 </a:solidFill>
@@ -9774,7 +9892,7 @@
               </a:rPr>
               <a:t>EDA – Exploratory Data Analysis</a:t>
             </a:r>
-            <a:endParaRPr b="1" sz="2600">
+            <a:endParaRPr sz="2600" b="1">
               <a:solidFill>
                 <a:srgbClr val="002060"/>
               </a:solidFill>
@@ -9808,12 +9926,12 @@
           </a:ln>
         </p:spPr>
         <p:txBody>
-          <a:bodyPr anchorCtr="0" anchor="t" bIns="0" lIns="0" spcFirstLastPara="1" rIns="0" wrap="square" tIns="0">
+          <a:bodyPr spcFirstLastPara="1" wrap="square" lIns="0" tIns="0" rIns="0" bIns="0" anchor="t" anchorCtr="0">
             <a:noAutofit/>
           </a:bodyPr>
           <a:lstStyle/>
           <a:p>
-            <a:pPr indent="0" lvl="0" marL="0" marR="0" rtl="0" algn="l">
+            <a:pPr marL="0" marR="0" lvl="0" indent="0" algn="l" rtl="0">
               <a:lnSpc>
                 <a:spcPct val="106000"/>
               </a:lnSpc>
@@ -9830,10 +9948,7 @@
               <a:buFont typeface="Arial"/>
               <a:buNone/>
             </a:pPr>
-            <a:r>
-              <a:t/>
-            </a:r>
-            <a:endParaRPr b="0" i="0" sz="1100" u="none" cap="none" strike="noStrike">
+            <a:endParaRPr sz="1100" b="0" i="0" u="none" strike="noStrike" cap="none">
               <a:solidFill>
                 <a:srgbClr val="000000"/>
               </a:solidFill>
@@ -9874,14 +9989,14 @@
               <a:avLst/>
             </a:prstGeom>
             <a:noFill/>
-            <a:ln cap="rnd" cmpd="sng" w="12700">
+            <a:ln w="12700" cap="rnd" cmpd="sng">
               <a:solidFill>
                 <a:srgbClr val="003399"/>
               </a:solidFill>
               <a:prstDash val="solid"/>
               <a:round/>
-              <a:headEnd len="med" w="med" type="none"/>
-              <a:tailEnd len="med" w="med" type="none"/>
+              <a:headEnd type="none" w="med" len="med"/>
+              <a:tailEnd type="none" w="med" len="med"/>
             </a:ln>
           </p:spPr>
         </p:cxnSp>
@@ -9907,12 +10022,12 @@
             </a:ln>
           </p:spPr>
           <p:txBody>
-            <a:bodyPr anchorCtr="1" anchor="b" bIns="0" lIns="72000" spcFirstLastPara="1" rIns="72000" wrap="square" tIns="0">
+            <a:bodyPr spcFirstLastPara="1" wrap="square" lIns="72000" tIns="0" rIns="72000" bIns="0" anchor="b" anchorCtr="1">
               <a:noAutofit/>
             </a:bodyPr>
             <a:lstStyle/>
             <a:p>
-              <a:pPr indent="0" lvl="0" marL="0" marR="0" rtl="0" algn="ctr">
+              <a:pPr marL="0" marR="0" lvl="0" indent="0" algn="ctr" rtl="0">
                 <a:lnSpc>
                   <a:spcPct val="95000"/>
                 </a:lnSpc>
@@ -9925,7 +10040,7 @@
                 <a:buNone/>
               </a:pPr>
               <a:r>
-                <a:rPr b="1" lang="en" sz="1100">
+                <a:rPr lang="en" sz="1100" b="1">
                   <a:solidFill>
                     <a:srgbClr val="000000"/>
                   </a:solidFill>
@@ -9936,7 +10051,7 @@
                 </a:rPr>
                 <a:t>Visualization EDA 1</a:t>
               </a:r>
-              <a:endParaRPr b="1" i="0" sz="1100" u="none" cap="none" strike="noStrike">
+              <a:endParaRPr sz="1100" b="1" i="0" u="none" strike="noStrike" cap="none">
                 <a:solidFill>
                   <a:srgbClr val="000000"/>
                 </a:solidFill>
@@ -9969,12 +10084,12 @@
           </a:ln>
         </p:spPr>
         <p:txBody>
-          <a:bodyPr anchorCtr="0" anchor="t" bIns="45700" lIns="91425" spcFirstLastPara="1" rIns="91425" wrap="square" tIns="45700">
+          <a:bodyPr spcFirstLastPara="1" wrap="square" lIns="91425" tIns="45700" rIns="91425" bIns="45700" anchor="t" anchorCtr="0">
             <a:noAutofit/>
           </a:bodyPr>
           <a:lstStyle/>
           <a:p>
-            <a:pPr indent="0" lvl="0" marL="0" rtl="0" algn="r">
+            <a:pPr marL="0" lvl="0" indent="0" algn="r" rtl="0">
               <a:spcBef>
                 <a:spcPts val="0"/>
               </a:spcBef>
@@ -9984,28 +10099,28 @@
               <a:buNone/>
             </a:pPr>
             <a:r>
-              <a:rPr i="1" lang="en" sz="800"/>
+              <a:rPr lang="en" sz="800" i="1"/>
               <a:t>Source: </a:t>
             </a:r>
             <a:r>
-              <a:rPr i="1" lang="en" sz="800" u="sng">
+              <a:rPr lang="en" sz="800" i="1" u="sng">
                 <a:solidFill>
                   <a:schemeClr val="accent5"/>
                 </a:solidFill>
                 <a:hlinkClick r:id="rId3">
                   <a:extLst>
                     <a:ext uri="{A12FA001-AC4F-418D-AE19-62706E023703}">
-                      <ahyp:hlinkClr val="tx"/>
+                      <ahyp:hlinkClr xmlns:ahyp="http://schemas.microsoft.com/office/drawing/2018/hyperlinkcolor" val="tx"/>
                     </a:ext>
                   </a:extLst>
                 </a:hlinkClick>
               </a:rPr>
               <a:t>https://github.com/siddley1001/NCState_Datathon21/blob/master/state_datathon_police.ipynb</a:t>
             </a:r>
-            <a:endParaRPr i="1" sz="800"/>
+            <a:endParaRPr sz="800" i="1"/>
           </a:p>
           <a:p>
-            <a:pPr indent="0" lvl="0" marL="0" rtl="0" algn="r">
+            <a:pPr marL="0" lvl="0" indent="0" algn="r" rtl="0">
               <a:spcBef>
                 <a:spcPts val="0"/>
               </a:spcBef>
@@ -10014,13 +10129,10 @@
               </a:spcAft>
               <a:buNone/>
             </a:pPr>
-            <a:r>
-              <a:t/>
-            </a:r>
-            <a:endParaRPr i="1" sz="800"/>
+            <a:endParaRPr sz="800" i="1"/>
           </a:p>
           <a:p>
-            <a:pPr indent="0" lvl="0" marL="0" marR="0" rtl="0" algn="r">
+            <a:pPr marL="0" marR="0" lvl="0" indent="0" algn="r" rtl="0">
               <a:spcBef>
                 <a:spcPts val="0"/>
               </a:spcBef>
@@ -10029,10 +10141,7 @@
               </a:spcAft>
               <a:buNone/>
             </a:pPr>
-            <a:r>
-              <a:t/>
-            </a:r>
-            <a:endParaRPr i="1" sz="800"/>
+            <a:endParaRPr sz="800" i="1"/>
           </a:p>
         </p:txBody>
       </p:sp>
@@ -10065,14 +10174,14 @@
               <a:avLst/>
             </a:prstGeom>
             <a:noFill/>
-            <a:ln cap="rnd" cmpd="sng" w="12700">
+            <a:ln w="12700" cap="rnd" cmpd="sng">
               <a:solidFill>
                 <a:srgbClr val="003399"/>
               </a:solidFill>
               <a:prstDash val="solid"/>
               <a:round/>
-              <a:headEnd len="med" w="med" type="none"/>
-              <a:tailEnd len="med" w="med" type="none"/>
+              <a:headEnd type="none" w="med" len="med"/>
+              <a:tailEnd type="none" w="med" len="med"/>
             </a:ln>
           </p:spPr>
         </p:cxnSp>
@@ -10098,12 +10207,12 @@
             </a:ln>
           </p:spPr>
           <p:txBody>
-            <a:bodyPr anchorCtr="1" anchor="b" bIns="0" lIns="72000" spcFirstLastPara="1" rIns="72000" wrap="square" tIns="0">
+            <a:bodyPr spcFirstLastPara="1" wrap="square" lIns="72000" tIns="0" rIns="72000" bIns="0" anchor="b" anchorCtr="1">
               <a:noAutofit/>
             </a:bodyPr>
             <a:lstStyle/>
             <a:p>
-              <a:pPr indent="0" lvl="0" marL="0" marR="0" rtl="0" algn="ctr">
+              <a:pPr marL="0" marR="0" lvl="0" indent="0" algn="ctr" rtl="0">
                 <a:lnSpc>
                   <a:spcPct val="95000"/>
                 </a:lnSpc>
@@ -10116,7 +10225,7 @@
                 <a:buNone/>
               </a:pPr>
               <a:r>
-                <a:rPr b="1" lang="en" sz="1100">
+                <a:rPr lang="en" sz="1100" b="1">
                   <a:solidFill>
                     <a:srgbClr val="000000"/>
                   </a:solidFill>
@@ -10127,7 +10236,7 @@
                 </a:rPr>
                 <a:t>Visualization EDA 1</a:t>
               </a:r>
-              <a:endParaRPr b="1" i="0" sz="1100" u="none" cap="none" strike="noStrike">
+              <a:endParaRPr sz="1100" b="1" i="0" u="none" strike="noStrike" cap="none">
                 <a:solidFill>
                   <a:srgbClr val="000000"/>
                 </a:solidFill>
@@ -10156,8 +10265,8 @@
         </p:blipFill>
         <p:spPr>
           <a:xfrm>
-            <a:off x="568813" y="1996958"/>
-            <a:ext cx="7882130" cy="2286000"/>
+            <a:off x="568813" y="1996957"/>
+            <a:ext cx="7981298" cy="2335287"/>
           </a:xfrm>
           <a:prstGeom prst="rect">
             <a:avLst/>
@@ -10177,11 +10286,11 @@
 </file>
 
 <file path=ppt/slides/slide12.xml><?xml version="1.0" encoding="utf-8"?>
-<p:sld xmlns:a="http://schemas.openxmlformats.org/drawingml/2006/main" xmlns:r="http://schemas.openxmlformats.org/officeDocument/2006/relationships" xmlns:mc="http://schemas.openxmlformats.org/markup-compatibility/2006" xmlns:mv="urn:schemas-microsoft-com:mac:vml" xmlns:p="http://schemas.openxmlformats.org/presentationml/2006/main" xmlns:c="http://schemas.openxmlformats.org/drawingml/2006/chart" xmlns:dgm="http://schemas.openxmlformats.org/drawingml/2006/diagram" xmlns:o="urn:schemas-microsoft-com:office:office" xmlns:v="urn:schemas-microsoft-com:vml" xmlns:pvml="urn:schemas-microsoft-com:office:powerpoint" xmlns:com="http://schemas.openxmlformats.org/drawingml/2006/compatibility" xmlns:p14="http://schemas.microsoft.com/office/powerpoint/2010/main" xmlns:p15="http://schemas.microsoft.com/office/powerpoint/2012/main" xmlns:ahyp="http://schemas.microsoft.com/office/drawing/2018/hyperlinkcolor">
+<p:sld xmlns:a="http://schemas.openxmlformats.org/drawingml/2006/main" xmlns:r="http://schemas.openxmlformats.org/officeDocument/2006/relationships" xmlns:p="http://schemas.openxmlformats.org/presentationml/2006/main">
   <p:cSld>
     <p:spTree>
       <p:nvGrpSpPr>
-        <p:cNvPr id="216" name="Shape 216"/>
+        <p:cNvPr id="1" name="Shape 216"/>
         <p:cNvGrpSpPr/>
         <p:nvPr/>
       </p:nvGrpSpPr>
@@ -10213,12 +10322,12 @@
           </a:ln>
         </p:spPr>
         <p:txBody>
-          <a:bodyPr anchorCtr="0" anchor="t" bIns="0" lIns="0" spcFirstLastPara="1" rIns="0" wrap="square" tIns="0">
+          <a:bodyPr spcFirstLastPara="1" wrap="square" lIns="0" tIns="0" rIns="0" bIns="0" anchor="t" anchorCtr="0">
             <a:noAutofit/>
           </a:bodyPr>
           <a:lstStyle/>
           <a:p>
-            <a:pPr indent="0" lvl="0" marL="0" rtl="0" algn="l">
+            <a:pPr marL="0" lvl="0" indent="0" algn="l" rtl="0">
               <a:spcBef>
                 <a:spcPts val="0"/>
               </a:spcBef>
@@ -10228,7 +10337,7 @@
               <a:buNone/>
             </a:pPr>
             <a:r>
-              <a:rPr b="1" lang="en" sz="2100">
+              <a:rPr lang="en" sz="2100" b="1">
                 <a:solidFill>
                   <a:srgbClr val="002060"/>
                 </a:solidFill>
@@ -10239,7 +10348,7 @@
               </a:rPr>
               <a:t>EDA – Exploratory Data Analysis</a:t>
             </a:r>
-            <a:endParaRPr b="1" sz="2100">
+            <a:endParaRPr sz="2100" b="1">
               <a:solidFill>
                 <a:srgbClr val="002060"/>
               </a:solidFill>
@@ -10280,14 +10389,14 @@
               <a:avLst/>
             </a:prstGeom>
             <a:noFill/>
-            <a:ln cap="rnd" cmpd="sng" w="12700">
+            <a:ln w="12700" cap="rnd" cmpd="sng">
               <a:solidFill>
                 <a:srgbClr val="003399"/>
               </a:solidFill>
               <a:prstDash val="solid"/>
               <a:round/>
-              <a:headEnd len="med" w="med" type="none"/>
-              <a:tailEnd len="med" w="med" type="none"/>
+              <a:headEnd type="none" w="med" len="med"/>
+              <a:tailEnd type="none" w="med" len="med"/>
             </a:ln>
           </p:spPr>
         </p:cxnSp>
@@ -10313,12 +10422,12 @@
             </a:ln>
           </p:spPr>
           <p:txBody>
-            <a:bodyPr anchorCtr="1" anchor="b" bIns="0" lIns="72000" spcFirstLastPara="1" rIns="72000" wrap="square" tIns="0">
+            <a:bodyPr spcFirstLastPara="1" wrap="square" lIns="72000" tIns="0" rIns="72000" bIns="0" anchor="b" anchorCtr="1">
               <a:noAutofit/>
             </a:bodyPr>
             <a:lstStyle/>
             <a:p>
-              <a:pPr indent="0" lvl="0" marL="0" marR="0" rtl="0" algn="ctr">
+              <a:pPr marL="0" marR="0" lvl="0" indent="0" algn="ctr" rtl="0">
                 <a:lnSpc>
                   <a:spcPct val="95000"/>
                 </a:lnSpc>
@@ -10331,7 +10440,7 @@
                 <a:buNone/>
               </a:pPr>
               <a:r>
-                <a:rPr b="1" lang="en" sz="1100">
+                <a:rPr lang="en" sz="1100" b="1">
                   <a:solidFill>
                     <a:srgbClr val="000000"/>
                   </a:solidFill>
@@ -10342,7 +10451,7 @@
                 </a:rPr>
                 <a:t>Visualization EDA 1</a:t>
               </a:r>
-              <a:endParaRPr b="1" i="0" sz="1100" u="none" cap="none" strike="noStrike">
+              <a:endParaRPr sz="1100" b="1" i="0" u="none" strike="noStrike" cap="none">
                 <a:solidFill>
                   <a:srgbClr val="000000"/>
                 </a:solidFill>
@@ -10375,12 +10484,12 @@
           </a:ln>
         </p:spPr>
         <p:txBody>
-          <a:bodyPr anchorCtr="0" anchor="t" bIns="45700" lIns="91425" spcFirstLastPara="1" rIns="91425" wrap="square" tIns="45700">
+          <a:bodyPr spcFirstLastPara="1" wrap="square" lIns="91425" tIns="45700" rIns="91425" bIns="45700" anchor="t" anchorCtr="0">
             <a:noAutofit/>
           </a:bodyPr>
           <a:lstStyle/>
           <a:p>
-            <a:pPr indent="0" lvl="0" marL="0" marR="0" rtl="0" algn="r">
+            <a:pPr marL="0" marR="0" lvl="0" indent="0" algn="r" rtl="0">
               <a:spcBef>
                 <a:spcPts val="0"/>
               </a:spcBef>
@@ -10390,7 +10499,7 @@
               <a:buNone/>
             </a:pPr>
             <a:r>
-              <a:rPr i="1" lang="en" sz="800">
+              <a:rPr lang="en" sz="800" i="1">
                 <a:solidFill>
                   <a:srgbClr val="000000"/>
                 </a:solidFill>
@@ -10402,7 +10511,7 @@
               <a:t>Source: </a:t>
             </a:r>
             <a:r>
-              <a:rPr i="1" lang="en" sz="800" u="sng">
+              <a:rPr lang="en" sz="800" i="1" u="sng">
                 <a:solidFill>
                   <a:schemeClr val="hlink"/>
                 </a:solidFill>
@@ -10410,14 +10519,14 @@
               </a:rPr>
               <a:t>https://raleighnc.gov/safety/content/Police/Articles/PoliceDistricts.html</a:t>
             </a:r>
-            <a:endParaRPr i="1" sz="800">
+            <a:endParaRPr sz="800" i="1">
               <a:solidFill>
                 <a:srgbClr val="000000"/>
               </a:solidFill>
             </a:endParaRPr>
           </a:p>
           <a:p>
-            <a:pPr indent="0" lvl="0" marL="0" marR="0" rtl="0" algn="r">
+            <a:pPr marL="0" marR="0" lvl="0" indent="0" algn="r" rtl="0">
               <a:spcBef>
                 <a:spcPts val="0"/>
               </a:spcBef>
@@ -10426,10 +10535,7 @@
               </a:spcAft>
               <a:buNone/>
             </a:pPr>
-            <a:r>
-              <a:t/>
-            </a:r>
-            <a:endParaRPr i="1" sz="800"/>
+            <a:endParaRPr sz="800" i="1"/>
           </a:p>
         </p:txBody>
       </p:sp>
@@ -10490,14 +10596,14 @@
               <a:avLst/>
             </a:prstGeom>
             <a:noFill/>
-            <a:ln cap="rnd" cmpd="sng" w="12700">
+            <a:ln w="12700" cap="rnd" cmpd="sng">
               <a:solidFill>
                 <a:srgbClr val="003399"/>
               </a:solidFill>
               <a:prstDash val="solid"/>
               <a:round/>
-              <a:headEnd len="med" w="med" type="none"/>
-              <a:tailEnd len="med" w="med" type="none"/>
+              <a:headEnd type="none" w="med" len="med"/>
+              <a:tailEnd type="none" w="med" len="med"/>
             </a:ln>
           </p:spPr>
         </p:cxnSp>
@@ -10523,12 +10629,12 @@
             </a:ln>
           </p:spPr>
           <p:txBody>
-            <a:bodyPr anchorCtr="1" anchor="b" bIns="0" lIns="72000" spcFirstLastPara="1" rIns="72000" wrap="square" tIns="0">
+            <a:bodyPr spcFirstLastPara="1" wrap="square" lIns="72000" tIns="0" rIns="72000" bIns="0" anchor="b" anchorCtr="1">
               <a:noAutofit/>
             </a:bodyPr>
             <a:lstStyle/>
             <a:p>
-              <a:pPr indent="0" lvl="0" marL="0" marR="0" rtl="0" algn="ctr">
+              <a:pPr marL="0" marR="0" lvl="0" indent="0" algn="ctr" rtl="0">
                 <a:lnSpc>
                   <a:spcPct val="95000"/>
                 </a:lnSpc>
@@ -10541,7 +10647,7 @@
                 <a:buNone/>
               </a:pPr>
               <a:r>
-                <a:rPr b="1" lang="en" sz="1100">
+                <a:rPr lang="en" sz="1100" b="1">
                   <a:solidFill>
                     <a:srgbClr val="000000"/>
                   </a:solidFill>
@@ -10552,7 +10658,7 @@
                 </a:rPr>
                 <a:t>Visualization EDA 1</a:t>
               </a:r>
-              <a:endParaRPr b="1" i="0" sz="1100" u="none" cap="none" strike="noStrike">
+              <a:endParaRPr sz="1100" b="1" i="0" u="none" strike="noStrike" cap="none">
                 <a:solidFill>
                   <a:srgbClr val="000000"/>
                 </a:solidFill>
@@ -10697,12 +10803,12 @@
           </a:ln>
         </p:spPr>
         <p:txBody>
-          <a:bodyPr anchorCtr="0" anchor="t" bIns="91425" lIns="91425" spcFirstLastPara="1" rIns="91425" wrap="square" tIns="91425">
+          <a:bodyPr spcFirstLastPara="1" wrap="square" lIns="91425" tIns="91425" rIns="91425" bIns="91425" anchor="t" anchorCtr="0">
             <a:spAutoFit/>
           </a:bodyPr>
           <a:lstStyle/>
           <a:p>
-            <a:pPr indent="0" lvl="0" marL="0" rtl="0" algn="l">
+            <a:pPr marL="0" lvl="0" indent="0" algn="l" rtl="0">
               <a:spcBef>
                 <a:spcPts val="0"/>
               </a:spcBef>
@@ -10749,12 +10855,12 @@
           </a:ln>
         </p:spPr>
         <p:txBody>
-          <a:bodyPr anchorCtr="0" anchor="t" bIns="91425" lIns="91425" spcFirstLastPara="1" rIns="91425" wrap="square" tIns="91425">
+          <a:bodyPr spcFirstLastPara="1" wrap="square" lIns="91425" tIns="91425" rIns="91425" bIns="91425" anchor="t" anchorCtr="0">
             <a:spAutoFit/>
           </a:bodyPr>
           <a:lstStyle/>
           <a:p>
-            <a:pPr indent="0" lvl="0" marL="0" rtl="0" algn="l">
+            <a:pPr marL="0" lvl="0" indent="0" algn="l" rtl="0">
               <a:spcBef>
                 <a:spcPts val="0"/>
               </a:spcBef>
@@ -10801,12 +10907,12 @@
           </a:ln>
         </p:spPr>
         <p:txBody>
-          <a:bodyPr anchorCtr="0" anchor="t" bIns="91425" lIns="91425" spcFirstLastPara="1" rIns="91425" wrap="square" tIns="91425">
+          <a:bodyPr spcFirstLastPara="1" wrap="square" lIns="91425" tIns="91425" rIns="91425" bIns="91425" anchor="t" anchorCtr="0">
             <a:spAutoFit/>
           </a:bodyPr>
           <a:lstStyle/>
           <a:p>
-            <a:pPr indent="0" lvl="0" marL="0" rtl="0" algn="l">
+            <a:pPr marL="0" lvl="0" indent="0" algn="l" rtl="0">
               <a:spcBef>
                 <a:spcPts val="0"/>
               </a:spcBef>
@@ -10853,12 +10959,12 @@
           </a:ln>
         </p:spPr>
         <p:txBody>
-          <a:bodyPr anchorCtr="0" anchor="t" bIns="91425" lIns="91425" spcFirstLastPara="1" rIns="91425" wrap="square" tIns="91425">
+          <a:bodyPr spcFirstLastPara="1" wrap="square" lIns="91425" tIns="91425" rIns="91425" bIns="91425" anchor="t" anchorCtr="0">
             <a:spAutoFit/>
           </a:bodyPr>
           <a:lstStyle/>
           <a:p>
-            <a:pPr indent="0" lvl="0" marL="0" rtl="0" algn="l">
+            <a:pPr marL="0" lvl="0" indent="0" algn="l" rtl="0">
               <a:spcBef>
                 <a:spcPts val="0"/>
               </a:spcBef>
@@ -10933,12 +11039,12 @@
           </a:ln>
         </p:spPr>
         <p:txBody>
-          <a:bodyPr anchorCtr="0" anchor="t" bIns="91425" lIns="91425" spcFirstLastPara="1" rIns="91425" wrap="square" tIns="91425">
+          <a:bodyPr spcFirstLastPara="1" wrap="square" lIns="91425" tIns="91425" rIns="91425" bIns="91425" anchor="t" anchorCtr="0">
             <a:spAutoFit/>
           </a:bodyPr>
           <a:lstStyle/>
           <a:p>
-            <a:pPr indent="0" lvl="0" marL="0" rtl="0" algn="l">
+            <a:pPr marL="0" lvl="0" indent="0" algn="l" rtl="0">
               <a:spcBef>
                 <a:spcPts val="0"/>
               </a:spcBef>
@@ -11013,12 +11119,12 @@
           </a:ln>
         </p:spPr>
         <p:txBody>
-          <a:bodyPr anchorCtr="0" anchor="t" bIns="91425" lIns="91425" spcFirstLastPara="1" rIns="91425" wrap="square" tIns="91425">
+          <a:bodyPr spcFirstLastPara="1" wrap="square" lIns="91425" tIns="91425" rIns="91425" bIns="91425" anchor="t" anchorCtr="0">
             <a:spAutoFit/>
           </a:bodyPr>
           <a:lstStyle/>
           <a:p>
-            <a:pPr indent="0" lvl="0" marL="0" rtl="0" algn="l">
+            <a:pPr marL="0" lvl="0" indent="0" algn="l" rtl="0">
               <a:spcBef>
                 <a:spcPts val="0"/>
               </a:spcBef>
@@ -11093,12 +11199,12 @@
           </a:ln>
         </p:spPr>
         <p:txBody>
-          <a:bodyPr anchorCtr="0" anchor="t" bIns="91425" lIns="91425" spcFirstLastPara="1" rIns="91425" wrap="square" tIns="91425">
+          <a:bodyPr spcFirstLastPara="1" wrap="square" lIns="91425" tIns="91425" rIns="91425" bIns="91425" anchor="t" anchorCtr="0">
             <a:spAutoFit/>
           </a:bodyPr>
           <a:lstStyle/>
           <a:p>
-            <a:pPr indent="0" lvl="0" marL="0" rtl="0" algn="l">
+            <a:pPr marL="0" lvl="0" indent="0" algn="l" rtl="0">
               <a:spcBef>
                 <a:spcPts val="0"/>
               </a:spcBef>
@@ -11173,12 +11279,12 @@
           </a:ln>
         </p:spPr>
         <p:txBody>
-          <a:bodyPr anchorCtr="0" anchor="t" bIns="91425" lIns="91425" spcFirstLastPara="1" rIns="91425" wrap="square" tIns="91425">
+          <a:bodyPr spcFirstLastPara="1" wrap="square" lIns="91425" tIns="91425" rIns="91425" bIns="91425" anchor="t" anchorCtr="0">
             <a:spAutoFit/>
           </a:bodyPr>
           <a:lstStyle/>
           <a:p>
-            <a:pPr indent="0" lvl="0" marL="0" rtl="0" algn="l">
+            <a:pPr marL="0" lvl="0" indent="0" algn="l" rtl="0">
               <a:spcBef>
                 <a:spcPts val="0"/>
               </a:spcBef>
@@ -11253,12 +11359,12 @@
           </a:ln>
         </p:spPr>
         <p:txBody>
-          <a:bodyPr anchorCtr="0" anchor="t" bIns="91425" lIns="91425" spcFirstLastPara="1" rIns="91425" wrap="square" tIns="91425">
+          <a:bodyPr spcFirstLastPara="1" wrap="square" lIns="91425" tIns="91425" rIns="91425" bIns="91425" anchor="t" anchorCtr="0">
             <a:spAutoFit/>
           </a:bodyPr>
           <a:lstStyle/>
           <a:p>
-            <a:pPr indent="0" lvl="0" marL="0" rtl="0" algn="l">
+            <a:pPr marL="0" lvl="0" indent="0" algn="l" rtl="0">
               <a:spcBef>
                 <a:spcPts val="0"/>
               </a:spcBef>
@@ -11333,12 +11439,12 @@
           </a:ln>
         </p:spPr>
         <p:txBody>
-          <a:bodyPr anchorCtr="0" anchor="t" bIns="91425" lIns="91425" spcFirstLastPara="1" rIns="91425" wrap="square" tIns="91425">
+          <a:bodyPr spcFirstLastPara="1" wrap="square" lIns="91425" tIns="91425" rIns="91425" bIns="91425" anchor="t" anchorCtr="0">
             <a:spAutoFit/>
           </a:bodyPr>
           <a:lstStyle/>
           <a:p>
-            <a:pPr indent="0" lvl="0" marL="0" rtl="0" algn="l">
+            <a:pPr marL="0" lvl="0" indent="0" algn="l" rtl="0">
               <a:spcBef>
                 <a:spcPts val="0"/>
               </a:spcBef>
@@ -11383,8 +11489,20 @@
                 <a:tableStyleId>{D1C4A533-5BE6-4AE1-8CF4-843ECA0BF2EF}</a:tableStyleId>
               </a:tblPr>
               <a:tblGrid>
-                <a:gridCol w="1492650"/>
-                <a:gridCol w="1492650"/>
+                <a:gridCol w="1492650">
+                  <a:extLst>
+                    <a:ext uri="{9D8B030D-6E8A-4147-A177-3AD203B41FA5}">
+                      <a16:colId xmlns:a16="http://schemas.microsoft.com/office/drawing/2014/main" val="20000"/>
+                    </a:ext>
+                  </a:extLst>
+                </a:gridCol>
+                <a:gridCol w="1492650">
+                  <a:extLst>
+                    <a:ext uri="{9D8B030D-6E8A-4147-A177-3AD203B41FA5}">
+                      <a16:colId xmlns:a16="http://schemas.microsoft.com/office/drawing/2014/main" val="20001"/>
+                    </a:ext>
+                  </a:extLst>
+                </a:gridCol>
               </a:tblGrid>
               <a:tr h="294525">
                 <a:tc>
@@ -11392,7 +11510,7 @@
                     <a:bodyPr/>
                     <a:lstStyle/>
                     <a:p>
-                      <a:pPr indent="0" lvl="0" marL="0" rtl="0" algn="l">
+                      <a:pPr marL="0" lvl="0" indent="0" algn="l" rtl="0">
                         <a:spcBef>
                           <a:spcPts val="0"/>
                         </a:spcBef>
@@ -11408,14 +11526,14 @@
                       <a:endParaRPr/>
                     </a:p>
                   </a:txBody>
-                  <a:tcPr marT="91425" marB="91425" marR="91425" marL="91425"/>
+                  <a:tcPr marL="91425" marR="91425" marT="91425" marB="91425"/>
                 </a:tc>
                 <a:tc>
                   <a:txBody>
                     <a:bodyPr/>
                     <a:lstStyle/>
                     <a:p>
-                      <a:pPr indent="0" lvl="0" marL="0" rtl="0" algn="l">
+                      <a:pPr marL="0" lvl="0" indent="0" algn="l" rtl="0">
                         <a:spcBef>
                           <a:spcPts val="0"/>
                         </a:spcBef>
@@ -11431,8 +11549,13 @@
                       <a:endParaRPr/>
                     </a:p>
                   </a:txBody>
-                  <a:tcPr marT="91425" marB="91425" marR="91425" marL="91425"/>
+                  <a:tcPr marL="91425" marR="91425" marT="91425" marB="91425"/>
                 </a:tc>
+                <a:extLst>
+                  <a:ext uri="{0D108BD9-81ED-4DB2-BD59-A6C34878D82A}">
+                    <a16:rowId xmlns:a16="http://schemas.microsoft.com/office/drawing/2014/main" val="10000"/>
+                  </a:ext>
+                </a:extLst>
               </a:tr>
               <a:tr h="294525">
                 <a:tc>
@@ -11440,7 +11563,7 @@
                     <a:bodyPr/>
                     <a:lstStyle/>
                     <a:p>
-                      <a:pPr indent="0" lvl="0" marL="0" rtl="0" algn="l">
+                      <a:pPr marL="0" lvl="0" indent="0" algn="l" rtl="0">
                         <a:spcBef>
                           <a:spcPts val="0"/>
                         </a:spcBef>
@@ -11456,14 +11579,14 @@
                       <a:endParaRPr/>
                     </a:p>
                   </a:txBody>
-                  <a:tcPr marT="91425" marB="91425" marR="91425" marL="91425"/>
+                  <a:tcPr marL="91425" marR="91425" marT="91425" marB="91425"/>
                 </a:tc>
                 <a:tc>
                   <a:txBody>
                     <a:bodyPr/>
                     <a:lstStyle/>
                     <a:p>
-                      <a:pPr indent="0" lvl="0" marL="0" rtl="0" algn="l">
+                      <a:pPr marL="0" lvl="0" indent="0" algn="l" rtl="0">
                         <a:spcBef>
                           <a:spcPts val="0"/>
                         </a:spcBef>
@@ -11479,8 +11602,13 @@
                       <a:endParaRPr/>
                     </a:p>
                   </a:txBody>
-                  <a:tcPr marT="91425" marB="91425" marR="91425" marL="91425"/>
+                  <a:tcPr marL="91425" marR="91425" marT="91425" marB="91425"/>
                 </a:tc>
+                <a:extLst>
+                  <a:ext uri="{0D108BD9-81ED-4DB2-BD59-A6C34878D82A}">
+                    <a16:rowId xmlns:a16="http://schemas.microsoft.com/office/drawing/2014/main" val="10001"/>
+                  </a:ext>
+                </a:extLst>
               </a:tr>
               <a:tr h="294525">
                 <a:tc>
@@ -11488,7 +11616,7 @@
                     <a:bodyPr/>
                     <a:lstStyle/>
                     <a:p>
-                      <a:pPr indent="0" lvl="0" marL="0" rtl="0" algn="l">
+                      <a:pPr marL="0" lvl="0" indent="0" algn="l" rtl="0">
                         <a:spcBef>
                           <a:spcPts val="0"/>
                         </a:spcBef>
@@ -11504,14 +11632,14 @@
                       <a:endParaRPr/>
                     </a:p>
                   </a:txBody>
-                  <a:tcPr marT="91425" marB="91425" marR="91425" marL="91425"/>
+                  <a:tcPr marL="91425" marR="91425" marT="91425" marB="91425"/>
                 </a:tc>
                 <a:tc>
                   <a:txBody>
                     <a:bodyPr/>
                     <a:lstStyle/>
                     <a:p>
-                      <a:pPr indent="0" lvl="0" marL="0" rtl="0" algn="l">
+                      <a:pPr marL="0" lvl="0" indent="0" algn="l" rtl="0">
                         <a:spcBef>
                           <a:spcPts val="0"/>
                         </a:spcBef>
@@ -11527,8 +11655,13 @@
                       <a:endParaRPr/>
                     </a:p>
                   </a:txBody>
-                  <a:tcPr marT="91425" marB="91425" marR="91425" marL="91425"/>
+                  <a:tcPr marL="91425" marR="91425" marT="91425" marB="91425"/>
                 </a:tc>
+                <a:extLst>
+                  <a:ext uri="{0D108BD9-81ED-4DB2-BD59-A6C34878D82A}">
+                    <a16:rowId xmlns:a16="http://schemas.microsoft.com/office/drawing/2014/main" val="10002"/>
+                  </a:ext>
+                </a:extLst>
               </a:tr>
               <a:tr h="294525">
                 <a:tc>
@@ -11536,7 +11669,7 @@
                     <a:bodyPr/>
                     <a:lstStyle/>
                     <a:p>
-                      <a:pPr indent="0" lvl="0" marL="0" rtl="0" algn="l">
+                      <a:pPr marL="0" lvl="0" indent="0" algn="l" rtl="0">
                         <a:spcBef>
                           <a:spcPts val="0"/>
                         </a:spcBef>
@@ -11552,14 +11685,14 @@
                       <a:endParaRPr/>
                     </a:p>
                   </a:txBody>
-                  <a:tcPr marT="91425" marB="91425" marR="91425" marL="91425"/>
+                  <a:tcPr marL="91425" marR="91425" marT="91425" marB="91425"/>
                 </a:tc>
                 <a:tc>
                   <a:txBody>
                     <a:bodyPr/>
                     <a:lstStyle/>
                     <a:p>
-                      <a:pPr indent="0" lvl="0" marL="0" rtl="0" algn="l">
+                      <a:pPr marL="0" lvl="0" indent="0" algn="l" rtl="0">
                         <a:spcBef>
                           <a:spcPts val="0"/>
                         </a:spcBef>
@@ -11575,8 +11708,13 @@
                       <a:endParaRPr/>
                     </a:p>
                   </a:txBody>
-                  <a:tcPr marT="91425" marB="91425" marR="91425" marL="91425"/>
+                  <a:tcPr marL="91425" marR="91425" marT="91425" marB="91425"/>
                 </a:tc>
+                <a:extLst>
+                  <a:ext uri="{0D108BD9-81ED-4DB2-BD59-A6C34878D82A}">
+                    <a16:rowId xmlns:a16="http://schemas.microsoft.com/office/drawing/2014/main" val="10003"/>
+                  </a:ext>
+                </a:extLst>
               </a:tr>
               <a:tr h="294525">
                 <a:tc>
@@ -11584,7 +11722,7 @@
                     <a:bodyPr/>
                     <a:lstStyle/>
                     <a:p>
-                      <a:pPr indent="0" lvl="0" marL="0" rtl="0" algn="l">
+                      <a:pPr marL="0" lvl="0" indent="0" algn="l" rtl="0">
                         <a:spcBef>
                           <a:spcPts val="0"/>
                         </a:spcBef>
@@ -11600,14 +11738,14 @@
                       <a:endParaRPr/>
                     </a:p>
                   </a:txBody>
-                  <a:tcPr marT="91425" marB="91425" marR="91425" marL="91425"/>
+                  <a:tcPr marL="91425" marR="91425" marT="91425" marB="91425"/>
                 </a:tc>
                 <a:tc>
                   <a:txBody>
                     <a:bodyPr/>
                     <a:lstStyle/>
                     <a:p>
-                      <a:pPr indent="0" lvl="0" marL="0" rtl="0" algn="l">
+                      <a:pPr marL="0" lvl="0" indent="0" algn="l" rtl="0">
                         <a:spcBef>
                           <a:spcPts val="0"/>
                         </a:spcBef>
@@ -11623,8 +11761,13 @@
                       <a:endParaRPr/>
                     </a:p>
                   </a:txBody>
-                  <a:tcPr marT="91425" marB="91425" marR="91425" marL="91425"/>
+                  <a:tcPr marL="91425" marR="91425" marT="91425" marB="91425"/>
                 </a:tc>
+                <a:extLst>
+                  <a:ext uri="{0D108BD9-81ED-4DB2-BD59-A6C34878D82A}">
+                    <a16:rowId xmlns:a16="http://schemas.microsoft.com/office/drawing/2014/main" val="10004"/>
+                  </a:ext>
+                </a:extLst>
               </a:tr>
             </a:tbl>
           </a:graphicData>
@@ -11874,12 +12017,12 @@
           </a:ln>
         </p:spPr>
         <p:txBody>
-          <a:bodyPr anchorCtr="0" anchor="t" bIns="91425" lIns="91425" spcFirstLastPara="1" rIns="91425" wrap="square" tIns="91425">
+          <a:bodyPr spcFirstLastPara="1" wrap="square" lIns="91425" tIns="91425" rIns="91425" bIns="91425" anchor="t" anchorCtr="0">
             <a:spAutoFit/>
           </a:bodyPr>
           <a:lstStyle/>
           <a:p>
-            <a:pPr indent="0" lvl="0" marL="0" rtl="0" algn="l">
+            <a:pPr marL="0" lvl="0" indent="0" algn="l" rtl="0">
               <a:spcBef>
                 <a:spcPts val="0"/>
               </a:spcBef>
@@ -11926,12 +12069,12 @@
           </a:ln>
         </p:spPr>
         <p:txBody>
-          <a:bodyPr anchorCtr="0" anchor="t" bIns="91425" lIns="91425" spcFirstLastPara="1" rIns="91425" wrap="square" tIns="91425">
+          <a:bodyPr spcFirstLastPara="1" wrap="square" lIns="91425" tIns="91425" rIns="91425" bIns="91425" anchor="t" anchorCtr="0">
             <a:spAutoFit/>
           </a:bodyPr>
           <a:lstStyle/>
           <a:p>
-            <a:pPr indent="0" lvl="0" marL="0" rtl="0" algn="l">
+            <a:pPr marL="0" lvl="0" indent="0" algn="l" rtl="0">
               <a:spcBef>
                 <a:spcPts val="0"/>
               </a:spcBef>
@@ -11978,12 +12121,12 @@
           </a:ln>
         </p:spPr>
         <p:txBody>
-          <a:bodyPr anchorCtr="0" anchor="t" bIns="91425" lIns="91425" spcFirstLastPara="1" rIns="91425" wrap="square" tIns="91425">
+          <a:bodyPr spcFirstLastPara="1" wrap="square" lIns="91425" tIns="91425" rIns="91425" bIns="91425" anchor="t" anchorCtr="0">
             <a:spAutoFit/>
           </a:bodyPr>
           <a:lstStyle/>
           <a:p>
-            <a:pPr indent="0" lvl="0" marL="0" rtl="0" algn="ctr">
+            <a:pPr marL="0" lvl="0" indent="0" algn="ctr" rtl="0">
               <a:spcBef>
                 <a:spcPts val="0"/>
               </a:spcBef>
@@ -11993,7 +12136,7 @@
               <a:buNone/>
             </a:pPr>
             <a:r>
-              <a:rPr b="1" lang="en" u="sng">
+              <a:rPr lang="en" b="1" u="sng">
                 <a:latin typeface="Lato"/>
                 <a:ea typeface="Lato"/>
                 <a:cs typeface="Lato"/>
@@ -12019,11 +12162,11 @@
 </file>
 
 <file path=ppt/slides/slide13.xml><?xml version="1.0" encoding="utf-8"?>
-<p:sld xmlns:a="http://schemas.openxmlformats.org/drawingml/2006/main" xmlns:r="http://schemas.openxmlformats.org/officeDocument/2006/relationships" xmlns:mc="http://schemas.openxmlformats.org/markup-compatibility/2006" xmlns:mv="urn:schemas-microsoft-com:mac:vml" xmlns:p="http://schemas.openxmlformats.org/presentationml/2006/main" xmlns:c="http://schemas.openxmlformats.org/drawingml/2006/chart" xmlns:dgm="http://schemas.openxmlformats.org/drawingml/2006/diagram" xmlns:o="urn:schemas-microsoft-com:office:office" xmlns:v="urn:schemas-microsoft-com:vml" xmlns:pvml="urn:schemas-microsoft-com:office:powerpoint" xmlns:com="http://schemas.openxmlformats.org/drawingml/2006/compatibility" xmlns:p14="http://schemas.microsoft.com/office/powerpoint/2010/main" xmlns:p15="http://schemas.microsoft.com/office/powerpoint/2012/main" xmlns:ahyp="http://schemas.microsoft.com/office/drawing/2018/hyperlinkcolor">
+<p:sld xmlns:a="http://schemas.openxmlformats.org/drawingml/2006/main" xmlns:r="http://schemas.openxmlformats.org/officeDocument/2006/relationships" xmlns:p="http://schemas.openxmlformats.org/presentationml/2006/main">
   <p:cSld>
     <p:spTree>
       <p:nvGrpSpPr>
-        <p:cNvPr id="261" name="Shape 261"/>
+        <p:cNvPr id="1" name="Shape 261"/>
         <p:cNvGrpSpPr/>
         <p:nvPr/>
       </p:nvGrpSpPr>
@@ -12038,7 +12181,9 @@
       <p:sp>
         <p:nvSpPr>
           <p:cNvPr id="262" name="Google Shape;262;p25"/>
-          <p:cNvSpPr txBox="1"/>
+          <p:cNvSpPr txBox="1">
+            <a:spLocks noGrp="1"/>
+          </p:cNvSpPr>
           <p:nvPr>
             <p:ph type="title"/>
           </p:nvPr>
@@ -12053,12 +12198,12 @@
           </a:prstGeom>
         </p:spPr>
         <p:txBody>
-          <a:bodyPr anchorCtr="0" anchor="t" bIns="91425" lIns="91425" spcFirstLastPara="1" rIns="91425" wrap="square" tIns="91425">
+          <a:bodyPr spcFirstLastPara="1" wrap="square" lIns="91425" tIns="91425" rIns="91425" bIns="91425" anchor="t" anchorCtr="0">
             <a:noAutofit/>
           </a:bodyPr>
           <a:lstStyle/>
           <a:p>
-            <a:pPr indent="0" lvl="0" marL="0" rtl="0" algn="l">
+            <a:pPr marL="0" lvl="0" indent="0" algn="l" rtl="0">
               <a:spcBef>
                 <a:spcPts val="0"/>
               </a:spcBef>
@@ -12078,9 +12223,11 @@
       <p:sp>
         <p:nvSpPr>
           <p:cNvPr id="263" name="Google Shape;263;p25"/>
-          <p:cNvSpPr txBox="1"/>
+          <p:cNvSpPr txBox="1">
+            <a:spLocks noGrp="1"/>
+          </p:cNvSpPr>
           <p:nvPr>
-            <p:ph idx="1" type="body"/>
+            <p:ph type="body" idx="1"/>
           </p:nvPr>
         </p:nvSpPr>
         <p:spPr>
@@ -12093,12 +12240,12 @@
           </a:prstGeom>
         </p:spPr>
         <p:txBody>
-          <a:bodyPr anchorCtr="0" anchor="ctr" bIns="91425" lIns="91425" spcFirstLastPara="1" rIns="91425" wrap="square" tIns="91425">
+          <a:bodyPr spcFirstLastPara="1" wrap="square" lIns="91425" tIns="91425" rIns="91425" bIns="91425" anchor="ctr" anchorCtr="0">
             <a:noAutofit/>
           </a:bodyPr>
           <a:lstStyle/>
           <a:p>
-            <a:pPr indent="0" lvl="0" marL="0" rtl="0" algn="ctr">
+            <a:pPr marL="0" lvl="0" indent="0" algn="ctr" rtl="0">
               <a:spcBef>
                 <a:spcPts val="0"/>
               </a:spcBef>
@@ -12108,10 +12255,10 @@
               <a:buNone/>
             </a:pPr>
             <a:r>
-              <a:rPr b="1" lang="en" sz="2500"/>
+              <a:rPr lang="en" sz="2500" b="1"/>
               <a:t>Comprehensive Prevention</a:t>
             </a:r>
-            <a:endParaRPr b="1" sz="9400">
+            <a:endParaRPr sz="9400" b="1">
               <a:latin typeface="Raleway"/>
               <a:ea typeface="Raleway"/>
               <a:cs typeface="Raleway"/>
@@ -12140,12 +12287,12 @@
           </a:ln>
         </p:spPr>
         <p:txBody>
-          <a:bodyPr anchorCtr="0" anchor="t" bIns="91425" lIns="91425" spcFirstLastPara="1" rIns="91425" wrap="square" tIns="91425">
+          <a:bodyPr spcFirstLastPara="1" wrap="square" lIns="91425" tIns="91425" rIns="91425" bIns="91425" anchor="t" anchorCtr="0">
             <a:spAutoFit/>
           </a:bodyPr>
           <a:lstStyle/>
           <a:p>
-            <a:pPr indent="0" lvl="0" marL="0" rtl="0" algn="r">
+            <a:pPr marL="0" lvl="0" indent="0" algn="r" rtl="0">
               <a:spcBef>
                 <a:spcPts val="0"/>
               </a:spcBef>
@@ -12155,11 +12302,11 @@
               <a:buNone/>
             </a:pPr>
             <a:r>
-              <a:rPr i="1" lang="en" sz="800"/>
+              <a:rPr lang="en" sz="800" i="1"/>
               <a:t>Source: </a:t>
             </a:r>
             <a:r>
-              <a:rPr i="1" lang="en" sz="800" u="sng">
+              <a:rPr lang="en" sz="800" i="1" u="sng">
                 <a:solidFill>
                   <a:schemeClr val="hlink"/>
                 </a:solidFill>
@@ -12167,7 +12314,7 @@
               </a:rPr>
               <a:t>https://www.americashealthrankings.org/explore/annual/measure/Crime/state/NC</a:t>
             </a:r>
-            <a:endParaRPr i="1" sz="800"/>
+            <a:endParaRPr sz="800" i="1"/>
           </a:p>
         </p:txBody>
       </p:sp>
@@ -12191,12 +12338,12 @@
           </a:ln>
         </p:spPr>
         <p:txBody>
-          <a:bodyPr anchorCtr="0" anchor="t" bIns="91425" lIns="91425" spcFirstLastPara="1" rIns="91425" wrap="square" tIns="91425">
+          <a:bodyPr spcFirstLastPara="1" wrap="square" lIns="91425" tIns="91425" rIns="91425" bIns="91425" anchor="t" anchorCtr="0">
             <a:spAutoFit/>
           </a:bodyPr>
           <a:lstStyle/>
           <a:p>
-            <a:pPr indent="-317500" lvl="0" marL="457200" rtl="0" algn="l">
+            <a:pPr marL="457200" lvl="0" indent="-317500" algn="l" rtl="0">
               <a:spcBef>
                 <a:spcPts val="0"/>
               </a:spcBef>
@@ -12217,7 +12364,7 @@
               <a:t>Using the Data to </a:t>
             </a:r>
             <a:r>
-              <a:rPr b="1" lang="en">
+              <a:rPr lang="en" b="1">
                 <a:solidFill>
                   <a:srgbClr val="CC0000"/>
                 </a:solidFill>
@@ -12245,7 +12392,7 @@
             </a:endParaRPr>
           </a:p>
           <a:p>
-            <a:pPr indent="-317500" lvl="0" marL="457200" rtl="0" algn="l">
+            <a:pPr marL="457200" lvl="0" indent="-317500" algn="l" rtl="0">
               <a:spcBef>
                 <a:spcPts val="0"/>
               </a:spcBef>
@@ -12266,7 +12413,7 @@
               <a:t>Coordinate between Regional branches to </a:t>
             </a:r>
             <a:r>
-              <a:rPr b="1" lang="en">
+              <a:rPr lang="en" b="1">
                 <a:solidFill>
                   <a:srgbClr val="CC0000"/>
                 </a:solidFill>
@@ -12292,9 +12439,11 @@
       <p:sp>
         <p:nvSpPr>
           <p:cNvPr id="266" name="Google Shape;266;p25"/>
-          <p:cNvSpPr txBox="1"/>
+          <p:cNvSpPr txBox="1">
+            <a:spLocks noGrp="1"/>
+          </p:cNvSpPr>
           <p:nvPr>
-            <p:ph idx="1" type="body"/>
+            <p:ph type="body" idx="1"/>
           </p:nvPr>
         </p:nvSpPr>
         <p:spPr>
@@ -12307,12 +12456,12 @@
           </a:prstGeom>
         </p:spPr>
         <p:txBody>
-          <a:bodyPr anchorCtr="0" anchor="ctr" bIns="91425" lIns="91425" spcFirstLastPara="1" rIns="91425" wrap="square" tIns="91425">
+          <a:bodyPr spcFirstLastPara="1" wrap="square" lIns="91425" tIns="91425" rIns="91425" bIns="91425" anchor="ctr" anchorCtr="0">
             <a:noAutofit/>
           </a:bodyPr>
           <a:lstStyle/>
           <a:p>
-            <a:pPr indent="0" lvl="0" marL="0" rtl="0" algn="ctr">
+            <a:pPr marL="0" lvl="0" indent="0" algn="ctr" rtl="0">
               <a:spcBef>
                 <a:spcPts val="0"/>
               </a:spcBef>
@@ -12322,10 +12471,10 @@
               <a:buNone/>
             </a:pPr>
             <a:r>
-              <a:rPr b="1" lang="en" sz="2500"/>
+              <a:rPr lang="en" sz="2500" b="1"/>
               <a:t>Data Integrity</a:t>
             </a:r>
-            <a:endParaRPr b="1" sz="9400">
+            <a:endParaRPr sz="9400" b="1">
               <a:latin typeface="Raleway"/>
               <a:ea typeface="Raleway"/>
               <a:cs typeface="Raleway"/>
@@ -12354,12 +12503,12 @@
           </a:ln>
         </p:spPr>
         <p:txBody>
-          <a:bodyPr anchorCtr="0" anchor="t" bIns="91425" lIns="91425" spcFirstLastPara="1" rIns="91425" wrap="square" tIns="91425">
+          <a:bodyPr spcFirstLastPara="1" wrap="square" lIns="91425" tIns="91425" rIns="91425" bIns="91425" anchor="t" anchorCtr="0">
             <a:spAutoFit/>
           </a:bodyPr>
           <a:lstStyle/>
           <a:p>
-            <a:pPr indent="-317500" lvl="0" marL="457200" rtl="0" algn="l">
+            <a:pPr marL="457200" lvl="0" indent="-317500" algn="l" rtl="0">
               <a:spcBef>
                 <a:spcPts val="0"/>
               </a:spcBef>
@@ -12380,7 +12529,7 @@
               <a:t>Ensure </a:t>
             </a:r>
             <a:r>
-              <a:rPr b="1" lang="en">
+              <a:rPr lang="en" b="1">
                 <a:solidFill>
                   <a:srgbClr val="CC0000"/>
                 </a:solidFill>
@@ -12402,7 +12551,7 @@
             </a:endParaRPr>
           </a:p>
           <a:p>
-            <a:pPr indent="-317500" lvl="0" marL="457200" rtl="0" algn="l">
+            <a:pPr marL="457200" lvl="0" indent="-317500" algn="l" rtl="0">
               <a:spcBef>
                 <a:spcPts val="0"/>
               </a:spcBef>
@@ -12423,7 +12572,7 @@
               <a:t>Keep a </a:t>
             </a:r>
             <a:r>
-              <a:rPr b="1" lang="en">
+              <a:rPr lang="en" b="1">
                 <a:solidFill>
                   <a:srgbClr val="CC0000"/>
                 </a:solidFill>
@@ -12455,9 +12604,11 @@
       <p:sp>
         <p:nvSpPr>
           <p:cNvPr id="268" name="Google Shape;268;p25"/>
-          <p:cNvSpPr txBox="1"/>
+          <p:cNvSpPr txBox="1">
+            <a:spLocks noGrp="1"/>
+          </p:cNvSpPr>
           <p:nvPr>
-            <p:ph idx="1" type="body"/>
+            <p:ph type="body" idx="1"/>
           </p:nvPr>
         </p:nvSpPr>
         <p:spPr>
@@ -12470,12 +12621,12 @@
           </a:prstGeom>
         </p:spPr>
         <p:txBody>
-          <a:bodyPr anchorCtr="0" anchor="ctr" bIns="91425" lIns="91425" spcFirstLastPara="1" rIns="91425" wrap="square" tIns="91425">
+          <a:bodyPr spcFirstLastPara="1" wrap="square" lIns="91425" tIns="91425" rIns="91425" bIns="91425" anchor="ctr" anchorCtr="0">
             <a:noAutofit/>
           </a:bodyPr>
           <a:lstStyle/>
           <a:p>
-            <a:pPr indent="0" lvl="0" marL="0" rtl="0" algn="ctr">
+            <a:pPr marL="0" lvl="0" indent="0" algn="ctr" rtl="0">
               <a:spcBef>
                 <a:spcPts val="0"/>
               </a:spcBef>
@@ -12485,10 +12636,10 @@
               <a:buNone/>
             </a:pPr>
             <a:r>
-              <a:rPr b="1" lang="en" sz="2500"/>
+              <a:rPr lang="en" sz="2500" b="1"/>
               <a:t>Public Transparency</a:t>
             </a:r>
-            <a:endParaRPr b="1" sz="9400">
+            <a:endParaRPr sz="9400" b="1">
               <a:latin typeface="Raleway"/>
               <a:ea typeface="Raleway"/>
               <a:cs typeface="Raleway"/>
@@ -12517,12 +12668,12 @@
           </a:ln>
         </p:spPr>
         <p:txBody>
-          <a:bodyPr anchorCtr="0" anchor="t" bIns="91425" lIns="91425" spcFirstLastPara="1" rIns="91425" wrap="square" tIns="91425">
+          <a:bodyPr spcFirstLastPara="1" wrap="square" lIns="91425" tIns="91425" rIns="91425" bIns="91425" anchor="t" anchorCtr="0">
             <a:spAutoFit/>
           </a:bodyPr>
           <a:lstStyle/>
           <a:p>
-            <a:pPr indent="-317500" lvl="0" marL="457200" rtl="0" algn="l">
+            <a:pPr marL="457200" lvl="0" indent="-317500" algn="l" rtl="0">
               <a:spcBef>
                 <a:spcPts val="0"/>
               </a:spcBef>
@@ -12543,7 +12694,7 @@
               <a:t>Keep the </a:t>
             </a:r>
             <a:r>
-              <a:rPr b="1" lang="en">
+              <a:rPr lang="en" b="1">
                 <a:solidFill>
                   <a:srgbClr val="CC0000"/>
                 </a:solidFill>
@@ -12571,7 +12722,7 @@
             </a:endParaRPr>
           </a:p>
           <a:p>
-            <a:pPr indent="-317500" lvl="0" marL="457200" rtl="0" algn="l">
+            <a:pPr marL="457200" lvl="0" indent="-317500" algn="l" rtl="0">
               <a:spcBef>
                 <a:spcPts val="0"/>
               </a:spcBef>
@@ -12592,7 +12743,7 @@
               <a:t>Market the available Data to keep the </a:t>
             </a:r>
             <a:r>
-              <a:rPr b="1" lang="en">
+              <a:rPr lang="en" b="1">
                 <a:solidFill>
                   <a:srgbClr val="CC0000"/>
                 </a:solidFill>
@@ -12613,7 +12764,7 @@
               <a:t> with </a:t>
             </a:r>
             <a:r>
-              <a:rPr b="1" lang="en">
+              <a:rPr lang="en" b="1">
                 <a:solidFill>
                   <a:srgbClr val="CC0000"/>
                 </a:solidFill>
@@ -12634,7 +12785,7 @@
               <a:t> and </a:t>
             </a:r>
             <a:r>
-              <a:rPr b="1" lang="en">
+              <a:rPr lang="en" b="1">
                 <a:solidFill>
                   <a:srgbClr val="CC0000"/>
                 </a:solidFill>
@@ -12672,11 +12823,11 @@
 </file>
 
 <file path=ppt/slides/slide14.xml><?xml version="1.0" encoding="utf-8"?>
-<p:sld xmlns:a="http://schemas.openxmlformats.org/drawingml/2006/main" xmlns:r="http://schemas.openxmlformats.org/officeDocument/2006/relationships" xmlns:mc="http://schemas.openxmlformats.org/markup-compatibility/2006" xmlns:mv="urn:schemas-microsoft-com:mac:vml" xmlns:p="http://schemas.openxmlformats.org/presentationml/2006/main" xmlns:c="http://schemas.openxmlformats.org/drawingml/2006/chart" xmlns:dgm="http://schemas.openxmlformats.org/drawingml/2006/diagram" xmlns:o="urn:schemas-microsoft-com:office:office" xmlns:v="urn:schemas-microsoft-com:vml" xmlns:pvml="urn:schemas-microsoft-com:office:powerpoint" xmlns:com="http://schemas.openxmlformats.org/drawingml/2006/compatibility" xmlns:p14="http://schemas.microsoft.com/office/powerpoint/2010/main" xmlns:p15="http://schemas.microsoft.com/office/powerpoint/2012/main" xmlns:ahyp="http://schemas.microsoft.com/office/drawing/2018/hyperlinkcolor">
+<p:sld xmlns:a="http://schemas.openxmlformats.org/drawingml/2006/main" xmlns:r="http://schemas.openxmlformats.org/officeDocument/2006/relationships" xmlns:p="http://schemas.openxmlformats.org/presentationml/2006/main">
   <p:cSld>
     <p:spTree>
       <p:nvGrpSpPr>
-        <p:cNvPr id="273" name="Shape 273"/>
+        <p:cNvPr id="1" name="Shape 273"/>
         <p:cNvGrpSpPr/>
         <p:nvPr/>
       </p:nvGrpSpPr>
@@ -12703,23 +12854,23 @@
             <a:avLst/>
           </a:prstGeom>
           <a:noFill/>
-          <a:ln cap="flat" cmpd="sng" w="9525">
+          <a:ln w="9525" cap="flat" cmpd="sng">
             <a:solidFill>
               <a:schemeClr val="dk2"/>
             </a:solidFill>
             <a:prstDash val="solid"/>
             <a:round/>
-            <a:headEnd len="sm" w="sm" type="none"/>
-            <a:tailEnd len="sm" w="sm" type="none"/>
+            <a:headEnd type="none" w="sm" len="sm"/>
+            <a:tailEnd type="none" w="sm" len="sm"/>
           </a:ln>
         </p:spPr>
         <p:txBody>
-          <a:bodyPr anchorCtr="0" anchor="ctr" bIns="91425" lIns="91425" spcFirstLastPara="1" rIns="91425" wrap="square" tIns="91425">
+          <a:bodyPr spcFirstLastPara="1" wrap="square" lIns="91425" tIns="91425" rIns="91425" bIns="91425" anchor="ctr" anchorCtr="0">
             <a:noAutofit/>
           </a:bodyPr>
           <a:lstStyle/>
           <a:p>
-            <a:pPr indent="0" lvl="0" marL="0" rtl="0" algn="l">
+            <a:pPr marL="0" lvl="0" indent="0" algn="l" rtl="0">
               <a:spcBef>
                 <a:spcPts val="0"/>
               </a:spcBef>
@@ -12728,9 +12879,6 @@
               </a:spcAft>
               <a:buNone/>
             </a:pPr>
-            <a:r>
-              <a:t/>
-            </a:r>
             <a:endParaRPr/>
           </a:p>
         </p:txBody>
@@ -12738,7 +12886,9 @@
       <p:sp>
         <p:nvSpPr>
           <p:cNvPr id="275" name="Google Shape;275;p26"/>
-          <p:cNvSpPr txBox="1"/>
+          <p:cNvSpPr txBox="1">
+            <a:spLocks noGrp="1"/>
+          </p:cNvSpPr>
           <p:nvPr>
             <p:ph type="title"/>
           </p:nvPr>
@@ -12753,12 +12903,12 @@
           </a:prstGeom>
         </p:spPr>
         <p:txBody>
-          <a:bodyPr anchorCtr="0" anchor="t" bIns="91425" lIns="91425" spcFirstLastPara="1" rIns="91425" wrap="square" tIns="91425">
+          <a:bodyPr spcFirstLastPara="1" wrap="square" lIns="91425" tIns="91425" rIns="91425" bIns="91425" anchor="t" anchorCtr="0">
             <a:noAutofit/>
           </a:bodyPr>
           <a:lstStyle/>
           <a:p>
-            <a:pPr indent="0" lvl="0" marL="0" rtl="0" algn="l">
+            <a:pPr marL="0" lvl="0" indent="0" algn="l" rtl="0">
               <a:spcBef>
                 <a:spcPts val="0"/>
               </a:spcBef>
@@ -12769,16 +12919,12 @@
             </a:pPr>
             <a:r>
               <a:rPr lang="en"/>
-              <a:t>Foreword</a:t>
-            </a:r>
-            <a:r>
-              <a:rPr lang="en"/>
-              <a:t>: Machine Learning Approach</a:t>
+              <a:t>Foreword: Machine Learning Approach</a:t>
             </a:r>
             <a:endParaRPr/>
           </a:p>
           <a:p>
-            <a:pPr indent="0" lvl="0" marL="0" rtl="0" algn="l">
+            <a:pPr marL="0" lvl="0" indent="0" algn="l" rtl="0">
               <a:spcBef>
                 <a:spcPts val="0"/>
               </a:spcBef>
@@ -12787,9 +12933,6 @@
               </a:spcAft>
               <a:buNone/>
             </a:pPr>
-            <a:r>
-              <a:t/>
-            </a:r>
             <a:endParaRPr/>
           </a:p>
         </p:txBody>
@@ -12811,23 +12954,23 @@
           <a:solidFill>
             <a:schemeClr val="lt2"/>
           </a:solidFill>
-          <a:ln cap="flat" cmpd="sng" w="9525">
+          <a:ln w="9525" cap="flat" cmpd="sng">
             <a:solidFill>
               <a:schemeClr val="dk2"/>
             </a:solidFill>
             <a:prstDash val="solid"/>
             <a:round/>
-            <a:headEnd len="sm" w="sm" type="none"/>
-            <a:tailEnd len="sm" w="sm" type="none"/>
+            <a:headEnd type="none" w="sm" len="sm"/>
+            <a:tailEnd type="none" w="sm" len="sm"/>
           </a:ln>
         </p:spPr>
         <p:txBody>
-          <a:bodyPr anchorCtr="0" anchor="ctr" bIns="91425" lIns="0" spcFirstLastPara="1" rIns="0" wrap="square" tIns="91425">
+          <a:bodyPr spcFirstLastPara="1" wrap="square" lIns="0" tIns="91425" rIns="0" bIns="91425" anchor="ctr" anchorCtr="0">
             <a:noAutofit/>
           </a:bodyPr>
           <a:lstStyle/>
           <a:p>
-            <a:pPr indent="0" lvl="0" marL="0" rtl="0" algn="ctr">
+            <a:pPr marL="0" lvl="0" indent="0" algn="ctr" rtl="0">
               <a:spcBef>
                 <a:spcPts val="0"/>
               </a:spcBef>
@@ -12861,23 +13004,23 @@
           <a:solidFill>
             <a:schemeClr val="lt2"/>
           </a:solidFill>
-          <a:ln cap="flat" cmpd="sng" w="9525">
+          <a:ln w="9525" cap="flat" cmpd="sng">
             <a:solidFill>
               <a:schemeClr val="dk2"/>
             </a:solidFill>
             <a:prstDash val="solid"/>
             <a:round/>
-            <a:headEnd len="sm" w="sm" type="none"/>
-            <a:tailEnd len="sm" w="sm" type="none"/>
+            <a:headEnd type="none" w="sm" len="sm"/>
+            <a:tailEnd type="none" w="sm" len="sm"/>
           </a:ln>
         </p:spPr>
         <p:txBody>
-          <a:bodyPr anchorCtr="0" anchor="ctr" bIns="91425" lIns="0" spcFirstLastPara="1" rIns="0" wrap="square" tIns="91425">
+          <a:bodyPr spcFirstLastPara="1" wrap="square" lIns="0" tIns="91425" rIns="0" bIns="91425" anchor="ctr" anchorCtr="0">
             <a:noAutofit/>
           </a:bodyPr>
           <a:lstStyle/>
           <a:p>
-            <a:pPr indent="0" lvl="0" marL="0" rtl="0" algn="ctr">
+            <a:pPr marL="0" lvl="0" indent="0" algn="ctr" rtl="0">
               <a:spcBef>
                 <a:spcPts val="0"/>
               </a:spcBef>
@@ -12911,23 +13054,23 @@
           <a:solidFill>
             <a:schemeClr val="lt2"/>
           </a:solidFill>
-          <a:ln cap="flat" cmpd="sng" w="9525">
+          <a:ln w="9525" cap="flat" cmpd="sng">
             <a:solidFill>
               <a:schemeClr val="dk2"/>
             </a:solidFill>
             <a:prstDash val="solid"/>
             <a:round/>
-            <a:headEnd len="sm" w="sm" type="none"/>
-            <a:tailEnd len="sm" w="sm" type="none"/>
+            <a:headEnd type="none" w="sm" len="sm"/>
+            <a:tailEnd type="none" w="sm" len="sm"/>
           </a:ln>
         </p:spPr>
         <p:txBody>
-          <a:bodyPr anchorCtr="0" anchor="ctr" bIns="91425" lIns="0" spcFirstLastPara="1" rIns="0" wrap="square" tIns="91425">
+          <a:bodyPr spcFirstLastPara="1" wrap="square" lIns="0" tIns="91425" rIns="0" bIns="91425" anchor="ctr" anchorCtr="0">
             <a:noAutofit/>
           </a:bodyPr>
           <a:lstStyle/>
           <a:p>
-            <a:pPr indent="0" lvl="0" marL="0" rtl="0" algn="ctr">
+            <a:pPr marL="0" lvl="0" indent="0" algn="ctr" rtl="0">
               <a:spcBef>
                 <a:spcPts val="0"/>
               </a:spcBef>
@@ -12957,29 +13100,29 @@
           </a:xfrm>
           <a:prstGeom prst="triangle">
             <a:avLst>
-              <a:gd fmla="val 50000" name="adj"/>
+              <a:gd name="adj" fmla="val 50000"/>
             </a:avLst>
           </a:prstGeom>
           <a:solidFill>
             <a:schemeClr val="lt2"/>
           </a:solidFill>
-          <a:ln cap="flat" cmpd="sng" w="9525">
+          <a:ln w="9525" cap="flat" cmpd="sng">
             <a:solidFill>
               <a:schemeClr val="dk2"/>
             </a:solidFill>
             <a:prstDash val="solid"/>
             <a:round/>
-            <a:headEnd len="sm" w="sm" type="none"/>
-            <a:tailEnd len="sm" w="sm" type="none"/>
+            <a:headEnd type="none" w="sm" len="sm"/>
+            <a:tailEnd type="none" w="sm" len="sm"/>
           </a:ln>
         </p:spPr>
         <p:txBody>
-          <a:bodyPr anchorCtr="0" anchor="ctr" bIns="91425" lIns="91425" spcFirstLastPara="1" rIns="91425" wrap="square" tIns="91425">
+          <a:bodyPr spcFirstLastPara="1" wrap="square" lIns="91425" tIns="91425" rIns="91425" bIns="91425" anchor="ctr" anchorCtr="0">
             <a:noAutofit/>
           </a:bodyPr>
           <a:lstStyle/>
           <a:p>
-            <a:pPr indent="0" lvl="0" marL="0" rtl="0" algn="l">
+            <a:pPr marL="0" lvl="0" indent="0" algn="l" rtl="0">
               <a:spcBef>
                 <a:spcPts val="0"/>
               </a:spcBef>
@@ -12988,9 +13131,6 @@
               </a:spcAft>
               <a:buNone/>
             </a:pPr>
-            <a:r>
-              <a:t/>
-            </a:r>
             <a:endParaRPr/>
           </a:p>
         </p:txBody>
@@ -13008,29 +13148,29 @@
           </a:xfrm>
           <a:prstGeom prst="triangle">
             <a:avLst>
-              <a:gd fmla="val 50000" name="adj"/>
+              <a:gd name="adj" fmla="val 50000"/>
             </a:avLst>
           </a:prstGeom>
           <a:solidFill>
             <a:schemeClr val="lt2"/>
           </a:solidFill>
-          <a:ln cap="flat" cmpd="sng" w="9525">
+          <a:ln w="9525" cap="flat" cmpd="sng">
             <a:solidFill>
               <a:schemeClr val="dk2"/>
             </a:solidFill>
             <a:prstDash val="solid"/>
             <a:round/>
-            <a:headEnd len="sm" w="sm" type="none"/>
-            <a:tailEnd len="sm" w="sm" type="none"/>
+            <a:headEnd type="none" w="sm" len="sm"/>
+            <a:tailEnd type="none" w="sm" len="sm"/>
           </a:ln>
         </p:spPr>
         <p:txBody>
-          <a:bodyPr anchorCtr="0" anchor="ctr" bIns="91425" lIns="91425" spcFirstLastPara="1" rIns="91425" wrap="square" tIns="91425">
+          <a:bodyPr spcFirstLastPara="1" wrap="square" lIns="91425" tIns="91425" rIns="91425" bIns="91425" anchor="ctr" anchorCtr="0">
             <a:noAutofit/>
           </a:bodyPr>
           <a:lstStyle/>
           <a:p>
-            <a:pPr indent="0" lvl="0" marL="0" rtl="0" algn="l">
+            <a:pPr marL="0" lvl="0" indent="0" algn="l" rtl="0">
               <a:spcBef>
                 <a:spcPts val="0"/>
               </a:spcBef>
@@ -13039,9 +13179,6 @@
               </a:spcAft>
               <a:buNone/>
             </a:pPr>
-            <a:r>
-              <a:t/>
-            </a:r>
             <a:endParaRPr/>
           </a:p>
         </p:txBody>
@@ -13122,12 +13259,12 @@
           </a:ln>
         </p:spPr>
         <p:txBody>
-          <a:bodyPr anchorCtr="0" anchor="t" bIns="91425" lIns="91425" spcFirstLastPara="1" rIns="91425" wrap="square" tIns="91425">
+          <a:bodyPr spcFirstLastPara="1" wrap="square" lIns="91425" tIns="91425" rIns="91425" bIns="91425" anchor="t" anchorCtr="0">
             <a:noAutofit/>
           </a:bodyPr>
           <a:lstStyle/>
           <a:p>
-            <a:pPr indent="0" lvl="0" marL="0" rtl="0" algn="ctr">
+            <a:pPr marL="0" lvl="0" indent="0" algn="ctr" rtl="0">
               <a:spcBef>
                 <a:spcPts val="0"/>
               </a:spcBef>
@@ -13137,7 +13274,7 @@
               <a:buNone/>
             </a:pPr>
             <a:r>
-              <a:rPr i="1" lang="en">
+              <a:rPr lang="en" i="1">
                 <a:latin typeface="Lato"/>
                 <a:ea typeface="Lato"/>
                 <a:cs typeface="Lato"/>
@@ -13174,12 +13311,12 @@
           </a:ln>
         </p:spPr>
         <p:txBody>
-          <a:bodyPr anchorCtr="0" anchor="t" bIns="91425" lIns="91425" spcFirstLastPara="1" rIns="91425" wrap="square" tIns="91425">
+          <a:bodyPr spcFirstLastPara="1" wrap="square" lIns="91425" tIns="91425" rIns="91425" bIns="91425" anchor="t" anchorCtr="0">
             <a:noAutofit/>
           </a:bodyPr>
           <a:lstStyle/>
           <a:p>
-            <a:pPr indent="0" lvl="0" marL="0" rtl="0" algn="ctr">
+            <a:pPr marL="0" lvl="0" indent="0" algn="ctr" rtl="0">
               <a:spcBef>
                 <a:spcPts val="0"/>
               </a:spcBef>
@@ -13189,7 +13326,7 @@
               <a:buNone/>
             </a:pPr>
             <a:r>
-              <a:rPr i="1" lang="en">
+              <a:rPr lang="en" i="1">
                 <a:latin typeface="Lato"/>
                 <a:ea typeface="Lato"/>
                 <a:cs typeface="Lato"/>
@@ -13205,7 +13342,7 @@
             </a:endParaRPr>
           </a:p>
           <a:p>
-            <a:pPr indent="0" lvl="0" marL="0" rtl="0" algn="ctr">
+            <a:pPr marL="0" lvl="0" indent="0" algn="ctr" rtl="0">
               <a:spcBef>
                 <a:spcPts val="0"/>
               </a:spcBef>
@@ -13215,7 +13352,7 @@
               <a:buNone/>
             </a:pPr>
             <a:r>
-              <a:rPr i="1" lang="en" sz="1000">
+              <a:rPr lang="en" sz="1000" i="1">
                 <a:latin typeface="Lato"/>
                 <a:ea typeface="Lato"/>
                 <a:cs typeface="Lato"/>
@@ -13223,7 +13360,7 @@
               </a:rPr>
               <a:t>(XGBoost)</a:t>
             </a:r>
-            <a:endParaRPr i="1" sz="1000">
+            <a:endParaRPr sz="1000" i="1">
               <a:latin typeface="Lato"/>
               <a:ea typeface="Lato"/>
               <a:cs typeface="Lato"/>
@@ -13252,12 +13389,12 @@
           </a:ln>
         </p:spPr>
         <p:txBody>
-          <a:bodyPr anchorCtr="0" anchor="t" bIns="91425" lIns="91425" spcFirstLastPara="1" rIns="91425" wrap="square" tIns="91425">
+          <a:bodyPr spcFirstLastPara="1" wrap="square" lIns="91425" tIns="91425" rIns="91425" bIns="91425" anchor="t" anchorCtr="0">
             <a:noAutofit/>
           </a:bodyPr>
           <a:lstStyle/>
           <a:p>
-            <a:pPr indent="0" lvl="0" marL="0" rtl="0" algn="ctr">
+            <a:pPr marL="0" lvl="0" indent="0" algn="ctr" rtl="0">
               <a:spcBef>
                 <a:spcPts val="0"/>
               </a:spcBef>
@@ -13267,7 +13404,7 @@
               <a:buNone/>
             </a:pPr>
             <a:r>
-              <a:rPr b="1" lang="en">
+              <a:rPr lang="en" b="1">
                 <a:latin typeface="Lato"/>
                 <a:ea typeface="Lato"/>
                 <a:cs typeface="Lato"/>
@@ -13302,11 +13439,11 @@
 </file>
 
 <file path=ppt/slides/slide2.xml><?xml version="1.0" encoding="utf-8"?>
-<p:sld xmlns:a="http://schemas.openxmlformats.org/drawingml/2006/main" xmlns:r="http://schemas.openxmlformats.org/officeDocument/2006/relationships" xmlns:mc="http://schemas.openxmlformats.org/markup-compatibility/2006" xmlns:mv="urn:schemas-microsoft-com:mac:vml" xmlns:p="http://schemas.openxmlformats.org/presentationml/2006/main" xmlns:c="http://schemas.openxmlformats.org/drawingml/2006/chart" xmlns:dgm="http://schemas.openxmlformats.org/drawingml/2006/diagram" xmlns:o="urn:schemas-microsoft-com:office:office" xmlns:v="urn:schemas-microsoft-com:vml" xmlns:pvml="urn:schemas-microsoft-com:office:powerpoint" xmlns:com="http://schemas.openxmlformats.org/drawingml/2006/compatibility" xmlns:p14="http://schemas.microsoft.com/office/powerpoint/2010/main" xmlns:p15="http://schemas.microsoft.com/office/powerpoint/2012/main" xmlns:ahyp="http://schemas.microsoft.com/office/drawing/2018/hyperlinkcolor">
+<p:sld xmlns:a="http://schemas.openxmlformats.org/drawingml/2006/main" xmlns:r="http://schemas.openxmlformats.org/officeDocument/2006/relationships" xmlns:p="http://schemas.openxmlformats.org/presentationml/2006/main">
   <p:cSld>
     <p:spTree>
       <p:nvGrpSpPr>
-        <p:cNvPr id="91" name="Shape 91"/>
+        <p:cNvPr id="1" name="Shape 91"/>
         <p:cNvGrpSpPr/>
         <p:nvPr/>
       </p:nvGrpSpPr>
@@ -13321,7 +13458,9 @@
       <p:sp>
         <p:nvSpPr>
           <p:cNvPr id="92" name="Google Shape;92;p14"/>
-          <p:cNvSpPr txBox="1"/>
+          <p:cNvSpPr txBox="1">
+            <a:spLocks noGrp="1"/>
+          </p:cNvSpPr>
           <p:nvPr>
             <p:ph type="title"/>
           </p:nvPr>
@@ -13336,12 +13475,12 @@
           </a:prstGeom>
         </p:spPr>
         <p:txBody>
-          <a:bodyPr anchorCtr="0" anchor="t" bIns="91425" lIns="91425" spcFirstLastPara="1" rIns="91425" wrap="square" tIns="91425">
+          <a:bodyPr spcFirstLastPara="1" wrap="square" lIns="91425" tIns="91425" rIns="91425" bIns="91425" anchor="t" anchorCtr="0">
             <a:noAutofit/>
           </a:bodyPr>
           <a:lstStyle/>
           <a:p>
-            <a:pPr indent="0" lvl="0" marL="0" rtl="0" algn="l">
+            <a:pPr marL="0" lvl="0" indent="0" algn="l" rtl="0">
               <a:spcBef>
                 <a:spcPts val="0"/>
               </a:spcBef>
@@ -13361,9 +13500,11 @@
       <p:sp>
         <p:nvSpPr>
           <p:cNvPr id="93" name="Google Shape;93;p14"/>
-          <p:cNvSpPr txBox="1"/>
+          <p:cNvSpPr txBox="1">
+            <a:spLocks noGrp="1"/>
+          </p:cNvSpPr>
           <p:nvPr>
-            <p:ph idx="1" type="body"/>
+            <p:ph type="body" idx="1"/>
           </p:nvPr>
         </p:nvSpPr>
         <p:spPr>
@@ -13376,12 +13517,12 @@
           </a:prstGeom>
         </p:spPr>
         <p:txBody>
-          <a:bodyPr anchorCtr="0" anchor="t" bIns="91425" lIns="91425" spcFirstLastPara="1" rIns="91425" wrap="square" tIns="91425">
+          <a:bodyPr spcFirstLastPara="1" wrap="square" lIns="91425" tIns="91425" rIns="91425" bIns="91425" anchor="t" anchorCtr="0">
             <a:noAutofit/>
           </a:bodyPr>
           <a:lstStyle/>
           <a:p>
-            <a:pPr indent="-349250" lvl="0" marL="457200" rtl="0" algn="l">
+            <a:pPr marL="457200" lvl="0" indent="-349250" algn="l" rtl="0">
               <a:spcBef>
                 <a:spcPts val="0"/>
               </a:spcBef>
@@ -13398,7 +13539,7 @@
             <a:endParaRPr sz="1900"/>
           </a:p>
           <a:p>
-            <a:pPr indent="-349250" lvl="0" marL="457200" rtl="0" algn="l">
+            <a:pPr marL="457200" lvl="0" indent="-349250" algn="l" rtl="0">
               <a:spcBef>
                 <a:spcPts val="0"/>
               </a:spcBef>
@@ -13415,7 +13556,7 @@
             <a:endParaRPr sz="1900"/>
           </a:p>
           <a:p>
-            <a:pPr indent="-349250" lvl="0" marL="457200" rtl="0" algn="l">
+            <a:pPr marL="457200" lvl="0" indent="-349250" algn="l" rtl="0">
               <a:spcBef>
                 <a:spcPts val="0"/>
               </a:spcBef>
@@ -13432,7 +13573,7 @@
             <a:endParaRPr sz="1900"/>
           </a:p>
           <a:p>
-            <a:pPr indent="-349250" lvl="1" marL="914400" rtl="0" algn="l">
+            <a:pPr marL="914400" lvl="1" indent="-349250" algn="l" rtl="0">
               <a:spcBef>
                 <a:spcPts val="0"/>
               </a:spcBef>
@@ -13449,7 +13590,7 @@
             <a:endParaRPr sz="1900"/>
           </a:p>
           <a:p>
-            <a:pPr indent="-349250" lvl="1" marL="914400" rtl="0" algn="l">
+            <a:pPr marL="914400" lvl="1" indent="-349250" algn="l" rtl="0">
               <a:spcBef>
                 <a:spcPts val="0"/>
               </a:spcBef>
@@ -13466,7 +13607,7 @@
             <a:endParaRPr sz="1900"/>
           </a:p>
           <a:p>
-            <a:pPr indent="-349250" lvl="0" marL="457200" rtl="0" algn="l">
+            <a:pPr marL="457200" lvl="0" indent="-349250" algn="l" rtl="0">
               <a:spcBef>
                 <a:spcPts val="0"/>
               </a:spcBef>
@@ -13483,7 +13624,7 @@
             <a:endParaRPr sz="1900"/>
           </a:p>
           <a:p>
-            <a:pPr indent="-349250" lvl="0" marL="457200" rtl="0" algn="l">
+            <a:pPr marL="457200" lvl="0" indent="-349250" algn="l" rtl="0">
               <a:spcBef>
                 <a:spcPts val="0"/>
               </a:spcBef>
@@ -13510,11 +13651,11 @@
 </file>
 
 <file path=ppt/slides/slide3.xml><?xml version="1.0" encoding="utf-8"?>
-<p:sld xmlns:a="http://schemas.openxmlformats.org/drawingml/2006/main" xmlns:r="http://schemas.openxmlformats.org/officeDocument/2006/relationships" xmlns:mc="http://schemas.openxmlformats.org/markup-compatibility/2006" xmlns:mv="urn:schemas-microsoft-com:mac:vml" xmlns:p="http://schemas.openxmlformats.org/presentationml/2006/main" xmlns:c="http://schemas.openxmlformats.org/drawingml/2006/chart" xmlns:dgm="http://schemas.openxmlformats.org/drawingml/2006/diagram" xmlns:o="urn:schemas-microsoft-com:office:office" xmlns:v="urn:schemas-microsoft-com:vml" xmlns:pvml="urn:schemas-microsoft-com:office:powerpoint" xmlns:com="http://schemas.openxmlformats.org/drawingml/2006/compatibility" xmlns:p14="http://schemas.microsoft.com/office/powerpoint/2010/main" xmlns:p15="http://schemas.microsoft.com/office/powerpoint/2012/main" xmlns:ahyp="http://schemas.microsoft.com/office/drawing/2018/hyperlinkcolor">
+<p:sld xmlns:a="http://schemas.openxmlformats.org/drawingml/2006/main" xmlns:r="http://schemas.openxmlformats.org/officeDocument/2006/relationships" xmlns:p="http://schemas.openxmlformats.org/presentationml/2006/main">
   <p:cSld>
     <p:spTree>
       <p:nvGrpSpPr>
-        <p:cNvPr id="97" name="Shape 97"/>
+        <p:cNvPr id="1" name="Shape 97"/>
         <p:cNvGrpSpPr/>
         <p:nvPr/>
       </p:nvGrpSpPr>
@@ -13529,9 +13670,11 @@
       <p:sp>
         <p:nvSpPr>
           <p:cNvPr id="98" name="Google Shape;98;p15"/>
-          <p:cNvSpPr txBox="1"/>
+          <p:cNvSpPr txBox="1">
+            <a:spLocks noGrp="1"/>
+          </p:cNvSpPr>
           <p:nvPr>
-            <p:ph idx="1" type="body"/>
+            <p:ph type="body" idx="1"/>
           </p:nvPr>
         </p:nvSpPr>
         <p:spPr>
@@ -13544,12 +13687,12 @@
           </a:prstGeom>
         </p:spPr>
         <p:txBody>
-          <a:bodyPr anchorCtr="0" anchor="t" bIns="91425" lIns="91425" spcFirstLastPara="1" rIns="91425" wrap="square" tIns="91425">
+          <a:bodyPr spcFirstLastPara="1" wrap="square" lIns="91425" tIns="91425" rIns="91425" bIns="91425" anchor="t" anchorCtr="0">
             <a:noAutofit/>
           </a:bodyPr>
           <a:lstStyle/>
           <a:p>
-            <a:pPr indent="0" lvl="0" marL="0" rtl="0" algn="l">
+            <a:pPr marL="0" lvl="0" indent="0" algn="l" rtl="0">
               <a:lnSpc>
                 <a:spcPct val="150000"/>
               </a:lnSpc>
@@ -13562,7 +13705,7 @@
               <a:buNone/>
             </a:pPr>
             <a:r>
-              <a:rPr b="1" lang="en" sz="1600"/>
+              <a:rPr lang="en" sz="1600" b="1"/>
               <a:t>FBI Implementation: </a:t>
             </a:r>
             <a:r>
@@ -13572,7 +13715,7 @@
             <a:endParaRPr sz="1600"/>
           </a:p>
           <a:p>
-            <a:pPr indent="-330200" lvl="0" marL="457200" rtl="0" algn="l">
+            <a:pPr marL="457200" lvl="0" indent="-330200" algn="l" rtl="0">
               <a:lnSpc>
                 <a:spcPct val="150000"/>
               </a:lnSpc>
@@ -13586,7 +13729,7 @@
               <a:buChar char="-"/>
             </a:pPr>
             <a:r>
-              <a:rPr b="1" lang="en" sz="1600"/>
+              <a:rPr lang="en" sz="1600" b="1"/>
               <a:t>Past</a:t>
             </a:r>
             <a:r>
@@ -13598,15 +13741,15 @@
               <a:t>Summary Reporting System</a:t>
             </a:r>
             <a:r>
-              <a:rPr i="1" lang="en" sz="1600"/>
+              <a:rPr lang="en" sz="1600" i="1"/>
               <a:t> (</a:t>
             </a:r>
             <a:r>
-              <a:rPr b="1" i="1" lang="en" sz="1600"/>
+              <a:rPr lang="en" sz="1600" b="1" i="1"/>
               <a:t>SRS</a:t>
             </a:r>
             <a:r>
-              <a:rPr i="1" lang="en" sz="1600"/>
+              <a:rPr lang="en" sz="1600" i="1"/>
               <a:t>) = </a:t>
             </a:r>
             <a:r>
@@ -13614,7 +13757,7 @@
               <a:t>An </a:t>
             </a:r>
             <a:r>
-              <a:rPr i="1" lang="en" sz="1600"/>
+              <a:rPr lang="en" sz="1600" i="1"/>
               <a:t>aggregate monthly tally</a:t>
             </a:r>
             <a:r>
@@ -13624,7 +13767,7 @@
             <a:endParaRPr sz="1600"/>
           </a:p>
           <a:p>
-            <a:pPr indent="-330200" lvl="0" marL="457200" rtl="0" algn="l">
+            <a:pPr marL="457200" lvl="0" indent="-330200" algn="l" rtl="0">
               <a:lnSpc>
                 <a:spcPct val="150000"/>
               </a:lnSpc>
@@ -13638,7 +13781,7 @@
               <a:buChar char="-"/>
             </a:pPr>
             <a:r>
-              <a:rPr b="1" lang="en" sz="1600"/>
+              <a:rPr lang="en" sz="1600" b="1"/>
               <a:t>Current</a:t>
             </a:r>
             <a:r>
@@ -13650,15 +13793,15 @@
               <a:t>National Incident-Based Reporting System</a:t>
             </a:r>
             <a:r>
-              <a:rPr i="1" lang="en" sz="1600"/>
+              <a:rPr lang="en" sz="1600" i="1"/>
               <a:t> (</a:t>
             </a:r>
             <a:r>
-              <a:rPr b="1" i="1" lang="en" sz="1600"/>
+              <a:rPr lang="en" sz="1600" b="1" i="1"/>
               <a:t>NIBRS</a:t>
             </a:r>
             <a:r>
-              <a:rPr i="1" lang="en" sz="1600"/>
+              <a:rPr lang="en" sz="1600" i="1"/>
               <a:t>) </a:t>
             </a:r>
             <a:r>
@@ -13666,7 +13809,7 @@
               <a:t> = </a:t>
             </a:r>
             <a:r>
-              <a:rPr i="1" lang="en" sz="1600"/>
+              <a:rPr lang="en" sz="1600" i="1"/>
               <a:t>Detailed</a:t>
             </a:r>
             <a:r>
@@ -13676,7 +13819,7 @@
             <a:endParaRPr sz="1600"/>
           </a:p>
           <a:p>
-            <a:pPr indent="-330200" lvl="0" marL="457200" rtl="0" algn="l">
+            <a:pPr marL="457200" lvl="0" indent="-330200" algn="l" rtl="0">
               <a:lnSpc>
                 <a:spcPct val="150000"/>
               </a:lnSpc>
@@ -13694,15 +13837,15 @@
               <a:t>FBI’s </a:t>
             </a:r>
             <a:r>
-              <a:rPr i="1" lang="en" sz="1600"/>
+              <a:rPr lang="en" sz="1600" i="1"/>
               <a:t>Uniform Crime Reporting (</a:t>
             </a:r>
             <a:r>
-              <a:rPr b="1" i="1" lang="en" sz="1600"/>
+              <a:rPr lang="en" sz="1600" b="1" i="1"/>
               <a:t>UCR</a:t>
             </a:r>
             <a:r>
-              <a:rPr i="1" lang="en" sz="1600"/>
+              <a:rPr lang="en" sz="1600" i="1"/>
               <a:t>) </a:t>
             </a:r>
             <a:r>
@@ -13710,7 +13853,7 @@
               <a:t>has officially </a:t>
             </a:r>
             <a:r>
-              <a:rPr b="1" lang="en" sz="1600"/>
+              <a:rPr lang="en" sz="1600" b="1"/>
               <a:t>retired the SRS (01-01-2021)</a:t>
             </a:r>
             <a:r>
@@ -13718,7 +13861,7 @@
               <a:t> and is </a:t>
             </a:r>
             <a:r>
-              <a:rPr b="1" lang="en" sz="1600">
+              <a:rPr lang="en" sz="1600" b="1">
                 <a:solidFill>
                   <a:srgbClr val="CC0000"/>
                 </a:solidFill>
@@ -13730,7 +13873,7 @@
               <a:t> and assisting agencies </a:t>
             </a:r>
             <a:r>
-              <a:rPr b="1" lang="en" sz="1600">
+              <a:rPr lang="en" sz="1600" b="1">
                 <a:solidFill>
                   <a:srgbClr val="CC0000"/>
                 </a:solidFill>
@@ -13742,7 +13885,7 @@
               <a:t> </a:t>
             </a:r>
             <a:r>
-              <a:rPr b="1" lang="en" sz="1600">
+              <a:rPr lang="en" sz="1600" b="1">
                 <a:solidFill>
                   <a:srgbClr val="CC0000"/>
                 </a:solidFill>
@@ -13756,7 +13899,7 @@
             <a:endParaRPr sz="1600"/>
           </a:p>
           <a:p>
-            <a:pPr indent="0" lvl="0" marL="0" rtl="0" algn="l">
+            <a:pPr marL="0" lvl="0" indent="0" algn="l" rtl="0">
               <a:lnSpc>
                 <a:spcPct val="150000"/>
               </a:lnSpc>
@@ -13768,9 +13911,6 @@
               </a:spcAft>
               <a:buNone/>
             </a:pPr>
-            <a:r>
-              <a:t/>
-            </a:r>
             <a:endParaRPr sz="1600"/>
           </a:p>
         </p:txBody>
@@ -13778,7 +13918,9 @@
       <p:sp>
         <p:nvSpPr>
           <p:cNvPr id="99" name="Google Shape;99;p15"/>
-          <p:cNvSpPr txBox="1"/>
+          <p:cNvSpPr txBox="1">
+            <a:spLocks noGrp="1"/>
+          </p:cNvSpPr>
           <p:nvPr>
             <p:ph type="title"/>
           </p:nvPr>
@@ -13793,12 +13935,12 @@
           </a:prstGeom>
         </p:spPr>
         <p:txBody>
-          <a:bodyPr anchorCtr="0" anchor="t" bIns="91425" lIns="91425" spcFirstLastPara="1" rIns="91425" wrap="square" tIns="91425">
+          <a:bodyPr spcFirstLastPara="1" wrap="square" lIns="91425" tIns="91425" rIns="91425" bIns="91425" anchor="t" anchorCtr="0">
             <a:noAutofit/>
           </a:bodyPr>
           <a:lstStyle/>
           <a:p>
-            <a:pPr indent="0" lvl="0" marL="0" rtl="0" algn="l">
+            <a:pPr marL="0" lvl="0" indent="0" algn="l" rtl="0">
               <a:spcBef>
                 <a:spcPts val="0"/>
               </a:spcBef>
@@ -13809,11 +13951,7 @@
             </a:pPr>
             <a:r>
               <a:rPr lang="en"/>
-              <a:t>1. </a:t>
-            </a:r>
-            <a:r>
-              <a:rPr lang="en"/>
-              <a:t>Background (½)</a:t>
+              <a:t>1. Background (½)</a:t>
             </a:r>
             <a:endParaRPr/>
           </a:p>
@@ -13839,12 +13977,12 @@
           </a:ln>
         </p:spPr>
         <p:txBody>
-          <a:bodyPr anchorCtr="0" anchor="t" bIns="45700" lIns="91425" spcFirstLastPara="1" rIns="91425" wrap="square" tIns="45700">
+          <a:bodyPr spcFirstLastPara="1" wrap="square" lIns="91425" tIns="45700" rIns="91425" bIns="45700" anchor="t" anchorCtr="0">
             <a:noAutofit/>
           </a:bodyPr>
           <a:lstStyle/>
           <a:p>
-            <a:pPr indent="0" lvl="0" marL="0" marR="0" rtl="0" algn="r">
+            <a:pPr marL="0" marR="0" lvl="0" indent="0" algn="r" rtl="0">
               <a:spcBef>
                 <a:spcPts val="0"/>
               </a:spcBef>
@@ -13854,7 +13992,7 @@
               <a:buNone/>
             </a:pPr>
             <a:r>
-              <a:rPr i="1" lang="en" sz="800">
+              <a:rPr lang="en" sz="800" i="1">
                 <a:solidFill>
                   <a:srgbClr val="000000"/>
                 </a:solidFill>
@@ -13866,7 +14004,7 @@
               <a:t>Source: </a:t>
             </a:r>
             <a:r>
-              <a:rPr i="1" lang="en" sz="800" u="sng">
+              <a:rPr lang="en" sz="800" i="1" u="sng">
                 <a:solidFill>
                   <a:schemeClr val="hlink"/>
                 </a:solidFill>
@@ -13874,14 +14012,14 @@
               </a:rPr>
               <a:t>https://www.fbi.gov/services/cjis/ucr/nibrs</a:t>
             </a:r>
-            <a:endParaRPr i="1" sz="800">
+            <a:endParaRPr sz="800" i="1">
               <a:solidFill>
                 <a:srgbClr val="000000"/>
               </a:solidFill>
             </a:endParaRPr>
           </a:p>
           <a:p>
-            <a:pPr indent="0" lvl="0" marL="0" marR="0" rtl="0" algn="r">
+            <a:pPr marL="0" marR="0" lvl="0" indent="0" algn="r" rtl="0">
               <a:spcBef>
                 <a:spcPts val="0"/>
               </a:spcBef>
@@ -13890,10 +14028,7 @@
               </a:spcAft>
               <a:buNone/>
             </a:pPr>
-            <a:r>
-              <a:t/>
-            </a:r>
-            <a:endParaRPr i="1" sz="800"/>
+            <a:endParaRPr sz="800" i="1"/>
           </a:p>
         </p:txBody>
       </p:sp>
@@ -13906,11 +14041,11 @@
 </file>
 
 <file path=ppt/slides/slide4.xml><?xml version="1.0" encoding="utf-8"?>
-<p:sld xmlns:a="http://schemas.openxmlformats.org/drawingml/2006/main" xmlns:r="http://schemas.openxmlformats.org/officeDocument/2006/relationships" xmlns:mc="http://schemas.openxmlformats.org/markup-compatibility/2006" xmlns:mv="urn:schemas-microsoft-com:mac:vml" xmlns:p="http://schemas.openxmlformats.org/presentationml/2006/main" xmlns:c="http://schemas.openxmlformats.org/drawingml/2006/chart" xmlns:dgm="http://schemas.openxmlformats.org/drawingml/2006/diagram" xmlns:o="urn:schemas-microsoft-com:office:office" xmlns:v="urn:schemas-microsoft-com:vml" xmlns:pvml="urn:schemas-microsoft-com:office:powerpoint" xmlns:com="http://schemas.openxmlformats.org/drawingml/2006/compatibility" xmlns:p14="http://schemas.microsoft.com/office/powerpoint/2010/main" xmlns:p15="http://schemas.microsoft.com/office/powerpoint/2012/main" xmlns:ahyp="http://schemas.microsoft.com/office/drawing/2018/hyperlinkcolor">
+<p:sld xmlns:a="http://schemas.openxmlformats.org/drawingml/2006/main" xmlns:r="http://schemas.openxmlformats.org/officeDocument/2006/relationships" xmlns:p="http://schemas.openxmlformats.org/presentationml/2006/main">
   <p:cSld>
     <p:spTree>
       <p:nvGrpSpPr>
-        <p:cNvPr id="104" name="Shape 104"/>
+        <p:cNvPr id="1" name="Shape 104"/>
         <p:cNvGrpSpPr/>
         <p:nvPr/>
       </p:nvGrpSpPr>
@@ -13925,9 +14060,11 @@
       <p:sp>
         <p:nvSpPr>
           <p:cNvPr id="105" name="Google Shape;105;p16"/>
-          <p:cNvSpPr txBox="1"/>
+          <p:cNvSpPr txBox="1">
+            <a:spLocks noGrp="1"/>
+          </p:cNvSpPr>
           <p:nvPr>
-            <p:ph idx="1" type="body"/>
+            <p:ph type="body" idx="1"/>
           </p:nvPr>
         </p:nvSpPr>
         <p:spPr>
@@ -13940,12 +14077,12 @@
           </a:prstGeom>
         </p:spPr>
         <p:txBody>
-          <a:bodyPr anchorCtr="0" anchor="t" bIns="91425" lIns="91425" spcFirstLastPara="1" rIns="91425" wrap="square" tIns="91425">
+          <a:bodyPr spcFirstLastPara="1" wrap="square" lIns="91425" tIns="91425" rIns="91425" bIns="91425" anchor="t" anchorCtr="0">
             <a:noAutofit/>
           </a:bodyPr>
           <a:lstStyle/>
           <a:p>
-            <a:pPr indent="0" lvl="0" marL="0" rtl="0" algn="l">
+            <a:pPr marL="0" lvl="0" indent="0" algn="l" rtl="0">
               <a:lnSpc>
                 <a:spcPct val="100000"/>
               </a:lnSpc>
@@ -13958,21 +14095,17 @@
               <a:buNone/>
             </a:pPr>
             <a:r>
-              <a:rPr b="1" lang="en" sz="1600"/>
+              <a:rPr lang="en" sz="1600" b="1"/>
               <a:t>Cost of Violent Crime is </a:t>
             </a:r>
             <a:r>
               <a:rPr lang="en" sz="1600"/>
-              <a:t>r</a:t>
-            </a:r>
-            <a:r>
-              <a:rPr lang="en" sz="1600"/>
-              <a:t>eceived by Health Care Systems for :</a:t>
+              <a:t>received by Health Care Systems for :</a:t>
             </a:r>
             <a:endParaRPr sz="1600"/>
           </a:p>
           <a:p>
-            <a:pPr indent="-330200" lvl="0" marL="457200" rtl="0" algn="l">
+            <a:pPr marL="457200" lvl="0" indent="-330200" algn="l" rtl="0">
               <a:lnSpc>
                 <a:spcPct val="100000"/>
               </a:lnSpc>
@@ -13992,7 +14125,7 @@
             <a:endParaRPr sz="1600"/>
           </a:p>
           <a:p>
-            <a:pPr indent="-330200" lvl="0" marL="457200" rtl="0" algn="l">
+            <a:pPr marL="457200" lvl="0" indent="-330200" algn="l" rtl="0">
               <a:lnSpc>
                 <a:spcPct val="100000"/>
               </a:lnSpc>
@@ -14012,7 +14145,7 @@
             <a:endParaRPr sz="1600"/>
           </a:p>
           <a:p>
-            <a:pPr indent="-330200" lvl="0" marL="457200" rtl="0" algn="l">
+            <a:pPr marL="457200" lvl="0" indent="-330200" algn="l" rtl="0">
               <a:lnSpc>
                 <a:spcPct val="100000"/>
               </a:lnSpc>
@@ -14032,7 +14165,7 @@
             <a:endParaRPr sz="1600"/>
           </a:p>
           <a:p>
-            <a:pPr indent="0" lvl="0" marL="0" rtl="0" algn="l">
+            <a:pPr marL="0" lvl="0" indent="0" algn="l" rtl="0">
               <a:lnSpc>
                 <a:spcPct val="150000"/>
               </a:lnSpc>
@@ -14044,9 +14177,6 @@
               </a:spcAft>
               <a:buNone/>
             </a:pPr>
-            <a:r>
-              <a:t/>
-            </a:r>
             <a:endParaRPr sz="1600"/>
           </a:p>
         </p:txBody>
@@ -14054,7 +14184,9 @@
       <p:sp>
         <p:nvSpPr>
           <p:cNvPr id="106" name="Google Shape;106;p16"/>
-          <p:cNvSpPr txBox="1"/>
+          <p:cNvSpPr txBox="1">
+            <a:spLocks noGrp="1"/>
+          </p:cNvSpPr>
           <p:nvPr>
             <p:ph type="title"/>
           </p:nvPr>
@@ -14069,12 +14201,12 @@
           </a:prstGeom>
         </p:spPr>
         <p:txBody>
-          <a:bodyPr anchorCtr="0" anchor="t" bIns="91425" lIns="91425" spcFirstLastPara="1" rIns="91425" wrap="square" tIns="91425">
+          <a:bodyPr spcFirstLastPara="1" wrap="square" lIns="91425" tIns="91425" rIns="91425" bIns="91425" anchor="t" anchorCtr="0">
             <a:noAutofit/>
           </a:bodyPr>
           <a:lstStyle/>
           <a:p>
-            <a:pPr indent="0" lvl="0" marL="0" rtl="0" algn="l">
+            <a:pPr marL="0" lvl="0" indent="0" algn="l" rtl="0">
               <a:spcBef>
                 <a:spcPts val="0"/>
               </a:spcBef>
@@ -14111,12 +14243,12 @@
           </a:ln>
         </p:spPr>
         <p:txBody>
-          <a:bodyPr anchorCtr="0" anchor="t" bIns="45700" lIns="91425" spcFirstLastPara="1" rIns="91425" wrap="square" tIns="45700">
+          <a:bodyPr spcFirstLastPara="1" wrap="square" lIns="91425" tIns="45700" rIns="91425" bIns="45700" anchor="t" anchorCtr="0">
             <a:noAutofit/>
           </a:bodyPr>
           <a:lstStyle/>
           <a:p>
-            <a:pPr indent="0" lvl="0" marL="0" marR="0" rtl="0" algn="r">
+            <a:pPr marL="0" marR="0" lvl="0" indent="0" algn="r" rtl="0">
               <a:spcBef>
                 <a:spcPts val="0"/>
               </a:spcBef>
@@ -14126,7 +14258,7 @@
               <a:buNone/>
             </a:pPr>
             <a:r>
-              <a:rPr i="1" lang="en" sz="800">
+              <a:rPr lang="en" sz="800" i="1">
                 <a:solidFill>
                   <a:srgbClr val="000000"/>
                 </a:solidFill>
@@ -14138,7 +14270,7 @@
               <a:t>Source: </a:t>
             </a:r>
             <a:r>
-              <a:rPr i="1" lang="en" sz="800" u="sng">
+              <a:rPr lang="en" sz="800" i="1" u="sng">
                 <a:solidFill>
                   <a:schemeClr val="hlink"/>
                 </a:solidFill>
@@ -14146,10 +14278,10 @@
               </a:rPr>
               <a:t>https://www.americashealthrankings.org/explore/annual/measure/Crime/state/NC</a:t>
             </a:r>
-            <a:endParaRPr i="1" sz="800"/>
+            <a:endParaRPr sz="800" i="1"/>
           </a:p>
           <a:p>
-            <a:pPr indent="0" lvl="0" marL="0" marR="0" rtl="0" algn="r">
+            <a:pPr marL="0" marR="0" lvl="0" indent="0" algn="r" rtl="0">
               <a:spcBef>
                 <a:spcPts val="0"/>
               </a:spcBef>
@@ -14158,10 +14290,7 @@
               </a:spcAft>
               <a:buNone/>
             </a:pPr>
-            <a:r>
-              <a:t/>
-            </a:r>
-            <a:endParaRPr i="1" sz="800"/>
+            <a:endParaRPr sz="800" i="1"/>
           </a:p>
         </p:txBody>
       </p:sp>
@@ -14185,12 +14314,12 @@
           </a:ln>
         </p:spPr>
         <p:txBody>
-          <a:bodyPr anchorCtr="0" anchor="t" bIns="91425" lIns="91425" spcFirstLastPara="1" rIns="91425" wrap="square" tIns="91425">
+          <a:bodyPr spcFirstLastPara="1" wrap="square" lIns="91425" tIns="91425" rIns="91425" bIns="91425" anchor="t" anchorCtr="0">
             <a:spAutoFit/>
           </a:bodyPr>
           <a:lstStyle/>
           <a:p>
-            <a:pPr indent="0" lvl="0" marL="0" rtl="0" algn="ctr">
+            <a:pPr marL="0" lvl="0" indent="0" algn="ctr" rtl="0">
               <a:spcBef>
                 <a:spcPts val="0"/>
               </a:spcBef>
@@ -14200,7 +14329,7 @@
               <a:buNone/>
             </a:pPr>
             <a:r>
-              <a:rPr b="1" lang="en" sz="3900">
+              <a:rPr lang="en" sz="3900" b="1">
                 <a:solidFill>
                   <a:srgbClr val="CC0000"/>
                 </a:solidFill>
@@ -14211,7 +14340,7 @@
               </a:rPr>
               <a:t>$9M</a:t>
             </a:r>
-            <a:endParaRPr b="1" sz="3900">
+            <a:endParaRPr sz="3900" b="1">
               <a:solidFill>
                 <a:srgbClr val="CC0000"/>
               </a:solidFill>
@@ -14243,12 +14372,12 @@
           </a:ln>
         </p:spPr>
         <p:txBody>
-          <a:bodyPr anchorCtr="0" anchor="t" bIns="91425" lIns="91425" spcFirstLastPara="1" rIns="91425" wrap="square" tIns="91425">
+          <a:bodyPr spcFirstLastPara="1" wrap="square" lIns="91425" tIns="91425" rIns="91425" bIns="91425" anchor="t" anchorCtr="0">
             <a:spAutoFit/>
           </a:bodyPr>
           <a:lstStyle/>
           <a:p>
-            <a:pPr indent="0" lvl="0" marL="0" rtl="0" algn="ctr">
+            <a:pPr marL="0" lvl="0" indent="0" algn="ctr" rtl="0">
               <a:spcBef>
                 <a:spcPts val="0"/>
               </a:spcBef>
@@ -14258,7 +14387,7 @@
               <a:buNone/>
             </a:pPr>
             <a:r>
-              <a:rPr b="1" i="1" lang="en" sz="1100">
+              <a:rPr lang="en" sz="1100" b="1" i="1">
                 <a:latin typeface="Lato"/>
                 <a:ea typeface="Lato"/>
                 <a:cs typeface="Lato"/>
@@ -14266,7 +14395,7 @@
               </a:rPr>
               <a:t>Per homicide</a:t>
             </a:r>
-            <a:endParaRPr b="1" i="1" sz="1100">
+            <a:endParaRPr sz="1100" b="1" i="1">
               <a:latin typeface="Lato"/>
               <a:ea typeface="Lato"/>
               <a:cs typeface="Lato"/>
@@ -14295,12 +14424,12 @@
           </a:ln>
         </p:spPr>
         <p:txBody>
-          <a:bodyPr anchorCtr="0" anchor="t" bIns="91425" lIns="91425" spcFirstLastPara="1" rIns="91425" wrap="square" tIns="91425">
+          <a:bodyPr spcFirstLastPara="1" wrap="square" lIns="91425" tIns="91425" rIns="91425" bIns="91425" anchor="t" anchorCtr="0">
             <a:spAutoFit/>
           </a:bodyPr>
           <a:lstStyle/>
           <a:p>
-            <a:pPr indent="0" lvl="0" marL="0" rtl="0" algn="ctr">
+            <a:pPr marL="0" lvl="0" indent="0" algn="ctr" rtl="0">
               <a:spcBef>
                 <a:spcPts val="0"/>
               </a:spcBef>
@@ -14310,7 +14439,7 @@
               <a:buNone/>
             </a:pPr>
             <a:r>
-              <a:rPr b="1" lang="en" sz="3900">
+              <a:rPr lang="en" sz="3900" b="1">
                 <a:solidFill>
                   <a:srgbClr val="CC0000"/>
                 </a:solidFill>
@@ -14321,7 +14450,7 @@
               </a:rPr>
               <a:t>$241K</a:t>
             </a:r>
-            <a:endParaRPr b="1" sz="3900">
+            <a:endParaRPr sz="3900" b="1">
               <a:solidFill>
                 <a:srgbClr val="CC0000"/>
               </a:solidFill>
@@ -14353,12 +14482,12 @@
           </a:ln>
         </p:spPr>
         <p:txBody>
-          <a:bodyPr anchorCtr="0" anchor="t" bIns="91425" lIns="91425" spcFirstLastPara="1" rIns="91425" wrap="square" tIns="91425">
+          <a:bodyPr spcFirstLastPara="1" wrap="square" lIns="91425" tIns="91425" rIns="91425" bIns="91425" anchor="t" anchorCtr="0">
             <a:spAutoFit/>
           </a:bodyPr>
           <a:lstStyle/>
           <a:p>
-            <a:pPr indent="0" lvl="0" marL="0" rtl="0" algn="ctr">
+            <a:pPr marL="0" lvl="0" indent="0" algn="ctr" rtl="0">
               <a:spcBef>
                 <a:spcPts val="0"/>
               </a:spcBef>
@@ -14368,7 +14497,7 @@
               <a:buNone/>
             </a:pPr>
             <a:r>
-              <a:rPr b="1" i="1" lang="en" sz="1100">
+              <a:rPr lang="en" sz="1100" b="1" i="1">
                 <a:latin typeface="Lato"/>
                 <a:ea typeface="Lato"/>
                 <a:cs typeface="Lato"/>
@@ -14376,7 +14505,7 @@
               </a:rPr>
               <a:t>Per rape or sexual assualt</a:t>
             </a:r>
-            <a:endParaRPr b="1" i="1" sz="1100">
+            <a:endParaRPr sz="1100" b="1" i="1">
               <a:latin typeface="Lato"/>
               <a:ea typeface="Lato"/>
               <a:cs typeface="Lato"/>
@@ -14405,12 +14534,12 @@
           </a:ln>
         </p:spPr>
         <p:txBody>
-          <a:bodyPr anchorCtr="0" anchor="t" bIns="91425" lIns="91425" spcFirstLastPara="1" rIns="91425" wrap="square" tIns="91425">
+          <a:bodyPr spcFirstLastPara="1" wrap="square" lIns="91425" tIns="91425" rIns="91425" bIns="91425" anchor="t" anchorCtr="0">
             <a:spAutoFit/>
           </a:bodyPr>
           <a:lstStyle/>
           <a:p>
-            <a:pPr indent="0" lvl="0" marL="0" rtl="0" algn="ctr">
+            <a:pPr marL="0" lvl="0" indent="0" algn="ctr" rtl="0">
               <a:spcBef>
                 <a:spcPts val="0"/>
               </a:spcBef>
@@ -14420,7 +14549,7 @@
               <a:buNone/>
             </a:pPr>
             <a:r>
-              <a:rPr b="1" lang="en" sz="3900">
+              <a:rPr lang="en" sz="3900" b="1">
                 <a:solidFill>
                   <a:srgbClr val="CC0000"/>
                 </a:solidFill>
@@ -14431,7 +14560,7 @@
               </a:rPr>
               <a:t>$107K</a:t>
             </a:r>
-            <a:endParaRPr b="1" sz="3900">
+            <a:endParaRPr sz="3900" b="1">
               <a:solidFill>
                 <a:srgbClr val="CC0000"/>
               </a:solidFill>
@@ -14463,12 +14592,12 @@
           </a:ln>
         </p:spPr>
         <p:txBody>
-          <a:bodyPr anchorCtr="0" anchor="t" bIns="91425" lIns="91425" spcFirstLastPara="1" rIns="91425" wrap="square" tIns="91425">
+          <a:bodyPr spcFirstLastPara="1" wrap="square" lIns="91425" tIns="91425" rIns="91425" bIns="91425" anchor="t" anchorCtr="0">
             <a:spAutoFit/>
           </a:bodyPr>
           <a:lstStyle/>
           <a:p>
-            <a:pPr indent="0" lvl="0" marL="0" rtl="0" algn="ctr">
+            <a:pPr marL="0" lvl="0" indent="0" algn="ctr" rtl="0">
               <a:spcBef>
                 <a:spcPts val="0"/>
               </a:spcBef>
@@ -14478,7 +14607,7 @@
               <a:buNone/>
             </a:pPr>
             <a:r>
-              <a:rPr b="1" i="1" lang="en" sz="1100">
+              <a:rPr lang="en" sz="1100" b="1" i="1">
                 <a:latin typeface="Lato"/>
                 <a:ea typeface="Lato"/>
                 <a:cs typeface="Lato"/>
@@ -14486,7 +14615,7 @@
               </a:rPr>
               <a:t>Per aggravated assault</a:t>
             </a:r>
-            <a:endParaRPr b="1" i="1" sz="1100">
+            <a:endParaRPr sz="1100" b="1" i="1">
               <a:latin typeface="Lato"/>
               <a:ea typeface="Lato"/>
               <a:cs typeface="Lato"/>
@@ -14515,12 +14644,12 @@
           </a:ln>
         </p:spPr>
         <p:txBody>
-          <a:bodyPr anchorCtr="0" anchor="t" bIns="91425" lIns="91425" spcFirstLastPara="1" rIns="91425" wrap="square" tIns="91425">
+          <a:bodyPr spcFirstLastPara="1" wrap="square" lIns="91425" tIns="91425" rIns="91425" bIns="91425" anchor="t" anchorCtr="0">
             <a:spAutoFit/>
           </a:bodyPr>
           <a:lstStyle/>
           <a:p>
-            <a:pPr indent="0" lvl="0" marL="0" rtl="0" algn="ctr">
+            <a:pPr marL="0" lvl="0" indent="0" algn="ctr" rtl="0">
               <a:spcBef>
                 <a:spcPts val="0"/>
               </a:spcBef>
@@ -14530,7 +14659,7 @@
               <a:buNone/>
             </a:pPr>
             <a:r>
-              <a:rPr b="1" lang="en" sz="3900">
+              <a:rPr lang="en" sz="3900" b="1">
                 <a:solidFill>
                   <a:srgbClr val="CC0000"/>
                 </a:solidFill>
@@ -14541,7 +14670,7 @@
               </a:rPr>
               <a:t>$42K</a:t>
             </a:r>
-            <a:endParaRPr b="1" sz="3900">
+            <a:endParaRPr sz="3900" b="1">
               <a:solidFill>
                 <a:srgbClr val="CC0000"/>
               </a:solidFill>
@@ -14573,12 +14702,12 @@
           </a:ln>
         </p:spPr>
         <p:txBody>
-          <a:bodyPr anchorCtr="0" anchor="t" bIns="91425" lIns="91425" spcFirstLastPara="1" rIns="91425" wrap="square" tIns="91425">
+          <a:bodyPr spcFirstLastPara="1" wrap="square" lIns="91425" tIns="91425" rIns="91425" bIns="91425" anchor="t" anchorCtr="0">
             <a:spAutoFit/>
           </a:bodyPr>
           <a:lstStyle/>
           <a:p>
-            <a:pPr indent="0" lvl="0" marL="0" rtl="0" algn="ctr">
+            <a:pPr marL="0" lvl="0" indent="0" algn="ctr" rtl="0">
               <a:spcBef>
                 <a:spcPts val="0"/>
               </a:spcBef>
@@ -14588,7 +14717,7 @@
               <a:buNone/>
             </a:pPr>
             <a:r>
-              <a:rPr b="1" i="1" lang="en" sz="1100">
+              <a:rPr lang="en" sz="1100" b="1" i="1">
                 <a:latin typeface="Lato"/>
                 <a:ea typeface="Lato"/>
                 <a:cs typeface="Lato"/>
@@ -14596,7 +14725,7 @@
               </a:rPr>
               <a:t>Per robbery</a:t>
             </a:r>
-            <a:endParaRPr b="1" i="1" sz="1100">
+            <a:endParaRPr sz="1100" b="1" i="1">
               <a:latin typeface="Lato"/>
               <a:ea typeface="Lato"/>
               <a:cs typeface="Lato"/>
@@ -14614,11 +14743,11 @@
 </file>
 
 <file path=ppt/slides/slide5.xml><?xml version="1.0" encoding="utf-8"?>
-<p:sld xmlns:a="http://schemas.openxmlformats.org/drawingml/2006/main" xmlns:r="http://schemas.openxmlformats.org/officeDocument/2006/relationships" xmlns:mc="http://schemas.openxmlformats.org/markup-compatibility/2006" xmlns:mv="urn:schemas-microsoft-com:mac:vml" xmlns:p="http://schemas.openxmlformats.org/presentationml/2006/main" xmlns:c="http://schemas.openxmlformats.org/drawingml/2006/chart" xmlns:dgm="http://schemas.openxmlformats.org/drawingml/2006/diagram" xmlns:o="urn:schemas-microsoft-com:office:office" xmlns:v="urn:schemas-microsoft-com:vml" xmlns:pvml="urn:schemas-microsoft-com:office:powerpoint" xmlns:com="http://schemas.openxmlformats.org/drawingml/2006/compatibility" xmlns:p14="http://schemas.microsoft.com/office/powerpoint/2010/main" xmlns:p15="http://schemas.microsoft.com/office/powerpoint/2012/main" xmlns:ahyp="http://schemas.microsoft.com/office/drawing/2018/hyperlinkcolor">
+<p:sld xmlns:a="http://schemas.openxmlformats.org/drawingml/2006/main" xmlns:r="http://schemas.openxmlformats.org/officeDocument/2006/relationships" xmlns:p="http://schemas.openxmlformats.org/presentationml/2006/main">
   <p:cSld>
     <p:spTree>
       <p:nvGrpSpPr>
-        <p:cNvPr id="119" name="Shape 119"/>
+        <p:cNvPr id="1" name="Shape 119"/>
         <p:cNvGrpSpPr/>
         <p:nvPr/>
       </p:nvGrpSpPr>
@@ -14633,7 +14762,9 @@
       <p:sp>
         <p:nvSpPr>
           <p:cNvPr id="120" name="Google Shape;120;p17"/>
-          <p:cNvSpPr txBox="1"/>
+          <p:cNvSpPr txBox="1">
+            <a:spLocks noGrp="1"/>
+          </p:cNvSpPr>
           <p:nvPr>
             <p:ph type="title"/>
           </p:nvPr>
@@ -14648,12 +14779,12 @@
           </a:prstGeom>
         </p:spPr>
         <p:txBody>
-          <a:bodyPr anchorCtr="0" anchor="t" bIns="91425" lIns="91425" spcFirstLastPara="1" rIns="91425" wrap="square" tIns="91425">
+          <a:bodyPr spcFirstLastPara="1" wrap="square" lIns="91425" tIns="91425" rIns="91425" bIns="91425" anchor="t" anchorCtr="0">
             <a:noAutofit/>
           </a:bodyPr>
           <a:lstStyle/>
           <a:p>
-            <a:pPr indent="0" lvl="0" marL="0" rtl="0" algn="l">
+            <a:pPr marL="0" lvl="0" indent="0" algn="l" rtl="0">
               <a:spcBef>
                 <a:spcPts val="0"/>
               </a:spcBef>
@@ -14673,9 +14804,11 @@
       <p:sp>
         <p:nvSpPr>
           <p:cNvPr id="121" name="Google Shape;121;p17"/>
-          <p:cNvSpPr txBox="1"/>
+          <p:cNvSpPr txBox="1">
+            <a:spLocks noGrp="1"/>
+          </p:cNvSpPr>
           <p:nvPr>
-            <p:ph idx="1" type="body"/>
+            <p:ph type="body" idx="1"/>
           </p:nvPr>
         </p:nvSpPr>
         <p:spPr>
@@ -14688,12 +14821,12 @@
           </a:prstGeom>
         </p:spPr>
         <p:txBody>
-          <a:bodyPr anchorCtr="0" anchor="t" bIns="91425" lIns="91425" spcFirstLastPara="1" rIns="91425" wrap="square" tIns="91425">
+          <a:bodyPr spcFirstLastPara="1" wrap="square" lIns="91425" tIns="91425" rIns="91425" bIns="91425" anchor="t" anchorCtr="0">
             <a:noAutofit/>
           </a:bodyPr>
           <a:lstStyle/>
           <a:p>
-            <a:pPr indent="-330200" lvl="0" marL="457200" rtl="0" algn="l">
+            <a:pPr marL="457200" lvl="0" indent="-330200" algn="l" rtl="0">
               <a:lnSpc>
                 <a:spcPct val="150000"/>
               </a:lnSpc>
@@ -14710,21 +14843,21 @@
               <a:buChar char="+"/>
             </a:pPr>
             <a:r>
-              <a:rPr b="1" lang="en" sz="1600">
+              <a:rPr lang="en" sz="1600" b="1">
                 <a:solidFill>
                   <a:srgbClr val="6AA84F"/>
                 </a:solidFill>
               </a:rPr>
               <a:t>Opportunity for Analysis</a:t>
             </a:r>
-            <a:endParaRPr b="1" sz="1600">
+            <a:endParaRPr sz="1600" b="1">
               <a:solidFill>
                 <a:srgbClr val="6AA84F"/>
               </a:solidFill>
             </a:endParaRPr>
           </a:p>
           <a:p>
-            <a:pPr indent="-330200" lvl="0" marL="914400" rtl="0" algn="l">
+            <a:pPr marL="914400" lvl="0" indent="-330200" algn="l" rtl="0">
               <a:lnSpc>
                 <a:spcPct val="150000"/>
               </a:lnSpc>
@@ -14755,7 +14888,7 @@
             </a:endParaRPr>
           </a:p>
           <a:p>
-            <a:pPr indent="-330200" lvl="0" marL="457200" rtl="0" algn="l">
+            <a:pPr marL="457200" lvl="0" indent="-330200" algn="l" rtl="0">
               <a:lnSpc>
                 <a:spcPct val="150000"/>
               </a:lnSpc>
@@ -14772,21 +14905,21 @@
               <a:buChar char="-"/>
             </a:pPr>
             <a:r>
-              <a:rPr b="1" lang="en" sz="1600">
+              <a:rPr lang="en" sz="1600" b="1">
                 <a:solidFill>
                   <a:srgbClr val="CC0000"/>
                 </a:solidFill>
               </a:rPr>
               <a:t>Inconsistent Reporting</a:t>
             </a:r>
-            <a:endParaRPr b="1" sz="1600">
+            <a:endParaRPr sz="1600" b="1">
               <a:solidFill>
                 <a:srgbClr val="CC0000"/>
               </a:solidFill>
             </a:endParaRPr>
           </a:p>
           <a:p>
-            <a:pPr indent="-330200" lvl="1" marL="914400" rtl="0" algn="l">
+            <a:pPr marL="914400" lvl="1" indent="-330200" algn="l" rtl="0">
               <a:lnSpc>
                 <a:spcPct val="150000"/>
               </a:lnSpc>
@@ -14806,7 +14939,7 @@
             <a:endParaRPr sz="1600"/>
           </a:p>
           <a:p>
-            <a:pPr indent="-330200" lvl="0" marL="457200" rtl="0" algn="l">
+            <a:pPr marL="457200" lvl="0" indent="-330200" algn="l" rtl="0">
               <a:lnSpc>
                 <a:spcPct val="150000"/>
               </a:lnSpc>
@@ -14823,21 +14956,21 @@
               <a:buChar char="-"/>
             </a:pPr>
             <a:r>
-              <a:rPr b="1" lang="en" sz="1600">
+              <a:rPr lang="en" sz="1600" b="1">
                 <a:solidFill>
                   <a:srgbClr val="CC0000"/>
                 </a:solidFill>
               </a:rPr>
               <a:t>Organization/ Clarity</a:t>
             </a:r>
-            <a:endParaRPr b="1" sz="1600">
+            <a:endParaRPr sz="1600" b="1">
               <a:solidFill>
                 <a:srgbClr val="CC0000"/>
               </a:solidFill>
             </a:endParaRPr>
           </a:p>
           <a:p>
-            <a:pPr indent="-330200" lvl="1" marL="914400" rtl="0" algn="l">
+            <a:pPr marL="914400" lvl="1" indent="-330200" algn="l" rtl="0">
               <a:lnSpc>
                 <a:spcPct val="150000"/>
               </a:lnSpc>
@@ -14868,7 +15001,7 @@
             </a:endParaRPr>
           </a:p>
           <a:p>
-            <a:pPr indent="-330200" lvl="1" marL="914400" rtl="0" algn="l">
+            <a:pPr marL="914400" lvl="1" indent="-330200" algn="l" rtl="0">
               <a:lnSpc>
                 <a:spcPct val="150000"/>
               </a:lnSpc>
@@ -14937,11 +15070,11 @@
 </file>
 
 <file path=ppt/slides/slide6.xml><?xml version="1.0" encoding="utf-8"?>
-<p:sld xmlns:a="http://schemas.openxmlformats.org/drawingml/2006/main" xmlns:r="http://schemas.openxmlformats.org/officeDocument/2006/relationships" xmlns:mc="http://schemas.openxmlformats.org/markup-compatibility/2006" xmlns:mv="urn:schemas-microsoft-com:mac:vml" xmlns:p="http://schemas.openxmlformats.org/presentationml/2006/main" xmlns:c="http://schemas.openxmlformats.org/drawingml/2006/chart" xmlns:dgm="http://schemas.openxmlformats.org/drawingml/2006/diagram" xmlns:o="urn:schemas-microsoft-com:office:office" xmlns:v="urn:schemas-microsoft-com:vml" xmlns:pvml="urn:schemas-microsoft-com:office:powerpoint" xmlns:com="http://schemas.openxmlformats.org/drawingml/2006/compatibility" xmlns:p14="http://schemas.microsoft.com/office/powerpoint/2010/main" xmlns:p15="http://schemas.microsoft.com/office/powerpoint/2012/main" xmlns:ahyp="http://schemas.microsoft.com/office/drawing/2018/hyperlinkcolor">
+<p:sld xmlns:a="http://schemas.openxmlformats.org/drawingml/2006/main" xmlns:r="http://schemas.openxmlformats.org/officeDocument/2006/relationships" xmlns:p="http://schemas.openxmlformats.org/presentationml/2006/main">
   <p:cSld>
     <p:spTree>
       <p:nvGrpSpPr>
-        <p:cNvPr id="126" name="Shape 126"/>
+        <p:cNvPr id="1" name="Shape 126"/>
         <p:cNvGrpSpPr/>
         <p:nvPr/>
       </p:nvGrpSpPr>
@@ -14973,12 +15106,12 @@
           </a:ln>
         </p:spPr>
         <p:txBody>
-          <a:bodyPr anchorCtr="0" anchor="t" bIns="0" lIns="0" spcFirstLastPara="1" rIns="0" wrap="square" tIns="0">
+          <a:bodyPr spcFirstLastPara="1" wrap="square" lIns="0" tIns="0" rIns="0" bIns="0" anchor="t" anchorCtr="0">
             <a:noAutofit/>
           </a:bodyPr>
           <a:lstStyle/>
           <a:p>
-            <a:pPr indent="0" lvl="0" marL="0" rtl="0" algn="l">
+            <a:pPr marL="0" lvl="0" indent="0" algn="l" rtl="0">
               <a:spcBef>
                 <a:spcPts val="0"/>
               </a:spcBef>
@@ -14988,7 +15121,7 @@
               <a:buNone/>
             </a:pPr>
             <a:r>
-              <a:rPr b="1" lang="en" sz="2600">
+              <a:rPr lang="en" sz="2600" b="1">
                 <a:solidFill>
                   <a:srgbClr val="002060"/>
                 </a:solidFill>
@@ -14999,7 +15132,7 @@
               </a:rPr>
               <a:t>EDA – Exploratory Data Analysis</a:t>
             </a:r>
-            <a:endParaRPr b="1" sz="2600">
+            <a:endParaRPr sz="2600" b="1">
               <a:solidFill>
                 <a:srgbClr val="002060"/>
               </a:solidFill>
@@ -15033,12 +15166,12 @@
           </a:ln>
         </p:spPr>
         <p:txBody>
-          <a:bodyPr anchorCtr="0" anchor="t" bIns="0" lIns="0" spcFirstLastPara="1" rIns="0" wrap="square" tIns="0">
+          <a:bodyPr spcFirstLastPara="1" wrap="square" lIns="0" tIns="0" rIns="0" bIns="0" anchor="t" anchorCtr="0">
             <a:noAutofit/>
           </a:bodyPr>
           <a:lstStyle/>
           <a:p>
-            <a:pPr indent="0" lvl="0" marL="0" marR="0" rtl="0" algn="l">
+            <a:pPr marL="0" marR="0" lvl="0" indent="0" algn="l" rtl="0">
               <a:lnSpc>
                 <a:spcPct val="106000"/>
               </a:lnSpc>
@@ -15055,10 +15188,7 @@
               <a:buFont typeface="Arial"/>
               <a:buNone/>
             </a:pPr>
-            <a:r>
-              <a:t/>
-            </a:r>
-            <a:endParaRPr b="0" i="0" sz="1100" u="none" cap="none" strike="noStrike">
+            <a:endParaRPr sz="1100" b="0" i="0" u="none" strike="noStrike" cap="none">
               <a:solidFill>
                 <a:srgbClr val="000000"/>
               </a:solidFill>
@@ -15099,14 +15229,14 @@
               <a:avLst/>
             </a:prstGeom>
             <a:noFill/>
-            <a:ln cap="rnd" cmpd="sng" w="12700">
+            <a:ln w="12700" cap="rnd" cmpd="sng">
               <a:solidFill>
                 <a:srgbClr val="003399"/>
               </a:solidFill>
               <a:prstDash val="solid"/>
               <a:round/>
-              <a:headEnd len="med" w="med" type="none"/>
-              <a:tailEnd len="med" w="med" type="none"/>
+              <a:headEnd type="none" w="med" len="med"/>
+              <a:tailEnd type="none" w="med" len="med"/>
             </a:ln>
           </p:spPr>
         </p:cxnSp>
@@ -15132,12 +15262,12 @@
             </a:ln>
           </p:spPr>
           <p:txBody>
-            <a:bodyPr anchorCtr="1" anchor="b" bIns="0" lIns="72000" spcFirstLastPara="1" rIns="72000" wrap="square" tIns="0">
+            <a:bodyPr spcFirstLastPara="1" wrap="square" lIns="72000" tIns="0" rIns="72000" bIns="0" anchor="b" anchorCtr="1">
               <a:noAutofit/>
             </a:bodyPr>
             <a:lstStyle/>
             <a:p>
-              <a:pPr indent="0" lvl="0" marL="0" marR="0" rtl="0" algn="ctr">
+              <a:pPr marL="0" marR="0" lvl="0" indent="0" algn="ctr" rtl="0">
                 <a:lnSpc>
                   <a:spcPct val="95000"/>
                 </a:lnSpc>
@@ -15150,7 +15280,7 @@
                 <a:buNone/>
               </a:pPr>
               <a:r>
-                <a:rPr b="1" lang="en" sz="1100">
+                <a:rPr lang="en" sz="1100" b="1">
                   <a:solidFill>
                     <a:srgbClr val="000000"/>
                   </a:solidFill>
@@ -15161,7 +15291,7 @@
                 </a:rPr>
                 <a:t>Visualization EDA 1</a:t>
               </a:r>
-              <a:endParaRPr b="1" i="0" sz="1100" u="none" cap="none" strike="noStrike">
+              <a:endParaRPr sz="1100" b="1" i="0" u="none" strike="noStrike" cap="none">
                 <a:solidFill>
                   <a:srgbClr val="000000"/>
                 </a:solidFill>
@@ -15194,12 +15324,12 @@
           </a:ln>
         </p:spPr>
         <p:txBody>
-          <a:bodyPr anchorCtr="0" anchor="t" bIns="45700" lIns="91425" spcFirstLastPara="1" rIns="91425" wrap="square" tIns="45700">
+          <a:bodyPr spcFirstLastPara="1" wrap="square" lIns="91425" tIns="45700" rIns="91425" bIns="45700" anchor="t" anchorCtr="0">
             <a:noAutofit/>
           </a:bodyPr>
           <a:lstStyle/>
           <a:p>
-            <a:pPr indent="0" lvl="0" marL="0" marR="0" rtl="0" algn="r">
+            <a:pPr marL="0" marR="0" lvl="0" indent="0" algn="r" rtl="0">
               <a:spcBef>
                 <a:spcPts val="0"/>
               </a:spcBef>
@@ -15209,7 +15339,7 @@
               <a:buNone/>
             </a:pPr>
             <a:r>
-              <a:rPr i="1" lang="en" sz="800">
+              <a:rPr lang="en" sz="800" i="1">
                 <a:solidFill>
                   <a:srgbClr val="000000"/>
                 </a:solidFill>
@@ -15221,7 +15351,7 @@
               <a:t>Source: </a:t>
             </a:r>
             <a:r>
-              <a:rPr i="1" lang="en" sz="800" u="sng">
+              <a:rPr lang="en" sz="800" i="1" u="sng">
                 <a:solidFill>
                   <a:schemeClr val="hlink"/>
                 </a:solidFill>
@@ -15229,14 +15359,14 @@
               </a:rPr>
               <a:t>https://github.com/siddley1001/NCState_Datathon21/blob/master/state_datathon_police.ipynb</a:t>
             </a:r>
-            <a:endParaRPr i="1" sz="800">
+            <a:endParaRPr sz="800" i="1">
               <a:solidFill>
                 <a:srgbClr val="000000"/>
               </a:solidFill>
             </a:endParaRPr>
           </a:p>
           <a:p>
-            <a:pPr indent="0" lvl="0" marL="0" marR="0" rtl="0" algn="r">
+            <a:pPr marL="0" marR="0" lvl="0" indent="0" algn="r" rtl="0">
               <a:spcBef>
                 <a:spcPts val="0"/>
               </a:spcBef>
@@ -15245,10 +15375,7 @@
               </a:spcAft>
               <a:buNone/>
             </a:pPr>
-            <a:r>
-              <a:t/>
-            </a:r>
-            <a:endParaRPr i="1" sz="800"/>
+            <a:endParaRPr sz="800" i="1"/>
           </a:p>
         </p:txBody>
       </p:sp>
@@ -15281,14 +15408,14 @@
               <a:avLst/>
             </a:prstGeom>
             <a:noFill/>
-            <a:ln cap="rnd" cmpd="sng" w="12700">
+            <a:ln w="12700" cap="rnd" cmpd="sng">
               <a:solidFill>
                 <a:srgbClr val="003399"/>
               </a:solidFill>
               <a:prstDash val="solid"/>
               <a:round/>
-              <a:headEnd len="med" w="med" type="none"/>
-              <a:tailEnd len="med" w="med" type="none"/>
+              <a:headEnd type="none" w="med" len="med"/>
+              <a:tailEnd type="none" w="med" len="med"/>
             </a:ln>
           </p:spPr>
         </p:cxnSp>
@@ -15314,12 +15441,12 @@
             </a:ln>
           </p:spPr>
           <p:txBody>
-            <a:bodyPr anchorCtr="1" anchor="b" bIns="0" lIns="72000" spcFirstLastPara="1" rIns="72000" wrap="square" tIns="0">
+            <a:bodyPr spcFirstLastPara="1" wrap="square" lIns="72000" tIns="0" rIns="72000" bIns="0" anchor="b" anchorCtr="1">
               <a:noAutofit/>
             </a:bodyPr>
             <a:lstStyle/>
             <a:p>
-              <a:pPr indent="0" lvl="0" marL="0" marR="0" rtl="0" algn="ctr">
+              <a:pPr marL="0" marR="0" lvl="0" indent="0" algn="ctr" rtl="0">
                 <a:lnSpc>
                   <a:spcPct val="95000"/>
                 </a:lnSpc>
@@ -15332,7 +15459,7 @@
                 <a:buNone/>
               </a:pPr>
               <a:r>
-                <a:rPr b="1" lang="en" sz="1100">
+                <a:rPr lang="en" sz="1100" b="1">
                   <a:solidFill>
                     <a:srgbClr val="000000"/>
                   </a:solidFill>
@@ -15343,7 +15470,7 @@
                 </a:rPr>
                 <a:t>Visualization EDA 1</a:t>
               </a:r>
-              <a:endParaRPr b="1" i="0" sz="1100" u="none" cap="none" strike="noStrike">
+              <a:endParaRPr sz="1100" b="1" i="0" u="none" strike="noStrike" cap="none">
                 <a:solidFill>
                   <a:srgbClr val="000000"/>
                 </a:solidFill>
@@ -15372,8 +15499,8 @@
         </p:blipFill>
         <p:spPr>
           <a:xfrm>
-            <a:off x="630925" y="1996945"/>
-            <a:ext cx="7882129" cy="2286000"/>
+            <a:off x="630925" y="1996944"/>
+            <a:ext cx="7947467" cy="2335305"/>
           </a:xfrm>
           <a:prstGeom prst="rect">
             <a:avLst/>
@@ -15393,11 +15520,11 @@
 </file>
 
 <file path=ppt/slides/slide7.xml><?xml version="1.0" encoding="utf-8"?>
-<p:sld xmlns:a="http://schemas.openxmlformats.org/drawingml/2006/main" xmlns:r="http://schemas.openxmlformats.org/officeDocument/2006/relationships" xmlns:mc="http://schemas.openxmlformats.org/markup-compatibility/2006" xmlns:mv="urn:schemas-microsoft-com:mac:vml" xmlns:p="http://schemas.openxmlformats.org/presentationml/2006/main" xmlns:c="http://schemas.openxmlformats.org/drawingml/2006/chart" xmlns:dgm="http://schemas.openxmlformats.org/drawingml/2006/diagram" xmlns:o="urn:schemas-microsoft-com:office:office" xmlns:v="urn:schemas-microsoft-com:vml" xmlns:pvml="urn:schemas-microsoft-com:office:powerpoint" xmlns:com="http://schemas.openxmlformats.org/drawingml/2006/compatibility" xmlns:p14="http://schemas.microsoft.com/office/powerpoint/2010/main" xmlns:p15="http://schemas.microsoft.com/office/powerpoint/2012/main" xmlns:ahyp="http://schemas.microsoft.com/office/drawing/2018/hyperlinkcolor">
+<p:sld xmlns:a="http://schemas.openxmlformats.org/drawingml/2006/main" xmlns:r="http://schemas.openxmlformats.org/officeDocument/2006/relationships" xmlns:p="http://schemas.openxmlformats.org/presentationml/2006/main">
   <p:cSld>
     <p:spTree>
       <p:nvGrpSpPr>
-        <p:cNvPr id="140" name="Shape 140"/>
+        <p:cNvPr id="1" name="Shape 140"/>
         <p:cNvGrpSpPr/>
         <p:nvPr/>
       </p:nvGrpSpPr>
@@ -15429,12 +15556,12 @@
           </a:ln>
         </p:spPr>
         <p:txBody>
-          <a:bodyPr anchorCtr="0" anchor="t" bIns="0" lIns="0" spcFirstLastPara="1" rIns="0" wrap="square" tIns="0">
+          <a:bodyPr spcFirstLastPara="1" wrap="square" lIns="0" tIns="0" rIns="0" bIns="0" anchor="t" anchorCtr="0">
             <a:noAutofit/>
           </a:bodyPr>
           <a:lstStyle/>
           <a:p>
-            <a:pPr indent="0" lvl="0" marL="0" rtl="0" algn="l">
+            <a:pPr marL="0" lvl="0" indent="0" algn="l" rtl="0">
               <a:spcBef>
                 <a:spcPts val="0"/>
               </a:spcBef>
@@ -15444,7 +15571,7 @@
               <a:buNone/>
             </a:pPr>
             <a:r>
-              <a:rPr b="1" lang="en" sz="2600">
+              <a:rPr lang="en" sz="2600" b="1">
                 <a:solidFill>
                   <a:srgbClr val="002060"/>
                 </a:solidFill>
@@ -15455,7 +15582,7 @@
               </a:rPr>
               <a:t>EDA – Exploratory Data Analysis</a:t>
             </a:r>
-            <a:endParaRPr b="1" sz="2600">
+            <a:endParaRPr sz="2600" b="1">
               <a:solidFill>
                 <a:srgbClr val="002060"/>
               </a:solidFill>
@@ -15489,12 +15616,12 @@
           </a:ln>
         </p:spPr>
         <p:txBody>
-          <a:bodyPr anchorCtr="0" anchor="t" bIns="0" lIns="0" spcFirstLastPara="1" rIns="0" wrap="square" tIns="0">
+          <a:bodyPr spcFirstLastPara="1" wrap="square" lIns="0" tIns="0" rIns="0" bIns="0" anchor="t" anchorCtr="0">
             <a:noAutofit/>
           </a:bodyPr>
           <a:lstStyle/>
           <a:p>
-            <a:pPr indent="0" lvl="0" marL="0" marR="0" rtl="0" algn="l">
+            <a:pPr marL="0" marR="0" lvl="0" indent="0" algn="l" rtl="0">
               <a:lnSpc>
                 <a:spcPct val="106000"/>
               </a:lnSpc>
@@ -15511,10 +15638,7 @@
               <a:buFont typeface="Arial"/>
               <a:buNone/>
             </a:pPr>
-            <a:r>
-              <a:t/>
-            </a:r>
-            <a:endParaRPr b="0" i="0" sz="1100" u="none" cap="none" strike="noStrike">
+            <a:endParaRPr sz="1100" b="0" i="0" u="none" strike="noStrike" cap="none">
               <a:solidFill>
                 <a:srgbClr val="000000"/>
               </a:solidFill>
@@ -15555,14 +15679,14 @@
               <a:avLst/>
             </a:prstGeom>
             <a:noFill/>
-            <a:ln cap="rnd" cmpd="sng" w="12700">
+            <a:ln w="12700" cap="rnd" cmpd="sng">
               <a:solidFill>
                 <a:srgbClr val="003399"/>
               </a:solidFill>
               <a:prstDash val="solid"/>
               <a:round/>
-              <a:headEnd len="med" w="med" type="none"/>
-              <a:tailEnd len="med" w="med" type="none"/>
+              <a:headEnd type="none" w="med" len="med"/>
+              <a:tailEnd type="none" w="med" len="med"/>
             </a:ln>
           </p:spPr>
         </p:cxnSp>
@@ -15588,12 +15712,12 @@
             </a:ln>
           </p:spPr>
           <p:txBody>
-            <a:bodyPr anchorCtr="1" anchor="b" bIns="0" lIns="72000" spcFirstLastPara="1" rIns="72000" wrap="square" tIns="0">
+            <a:bodyPr spcFirstLastPara="1" wrap="square" lIns="72000" tIns="0" rIns="72000" bIns="0" anchor="b" anchorCtr="1">
               <a:noAutofit/>
             </a:bodyPr>
             <a:lstStyle/>
             <a:p>
-              <a:pPr indent="0" lvl="0" marL="0" marR="0" rtl="0" algn="ctr">
+              <a:pPr marL="0" marR="0" lvl="0" indent="0" algn="ctr" rtl="0">
                 <a:lnSpc>
                   <a:spcPct val="95000"/>
                 </a:lnSpc>
@@ -15606,7 +15730,7 @@
                 <a:buNone/>
               </a:pPr>
               <a:r>
-                <a:rPr b="1" lang="en" sz="1100">
+                <a:rPr lang="en" sz="1100" b="1">
                   <a:solidFill>
                     <a:srgbClr val="000000"/>
                   </a:solidFill>
@@ -15617,7 +15741,7 @@
                 </a:rPr>
                 <a:t>Visualization EDA 1</a:t>
               </a:r>
-              <a:endParaRPr b="1" i="0" sz="1100" u="none" cap="none" strike="noStrike">
+              <a:endParaRPr sz="1100" b="1" i="0" u="none" strike="noStrike" cap="none">
                 <a:solidFill>
                   <a:srgbClr val="000000"/>
                 </a:solidFill>
@@ -15650,12 +15774,12 @@
           </a:ln>
         </p:spPr>
         <p:txBody>
-          <a:bodyPr anchorCtr="0" anchor="t" bIns="45700" lIns="91425" spcFirstLastPara="1" rIns="91425" wrap="square" tIns="45700">
+          <a:bodyPr spcFirstLastPara="1" wrap="square" lIns="91425" tIns="45700" rIns="91425" bIns="45700" anchor="t" anchorCtr="0">
             <a:noAutofit/>
           </a:bodyPr>
           <a:lstStyle/>
           <a:p>
-            <a:pPr indent="0" lvl="0" marL="0" rtl="0" algn="r">
+            <a:pPr marL="0" lvl="0" indent="0" algn="r" rtl="0">
               <a:spcBef>
                 <a:spcPts val="0"/>
               </a:spcBef>
@@ -15665,28 +15789,28 @@
               <a:buNone/>
             </a:pPr>
             <a:r>
-              <a:rPr i="1" lang="en" sz="800"/>
+              <a:rPr lang="en" sz="800" i="1"/>
               <a:t>Source: </a:t>
             </a:r>
             <a:r>
-              <a:rPr i="1" lang="en" sz="800" u="sng">
+              <a:rPr lang="en" sz="800" i="1" u="sng">
                 <a:solidFill>
                   <a:schemeClr val="accent5"/>
                 </a:solidFill>
                 <a:hlinkClick r:id="rId3">
                   <a:extLst>
                     <a:ext uri="{A12FA001-AC4F-418D-AE19-62706E023703}">
-                      <ahyp:hlinkClr val="tx"/>
+                      <ahyp:hlinkClr xmlns:ahyp="http://schemas.microsoft.com/office/drawing/2018/hyperlinkcolor" val="tx"/>
                     </a:ext>
                   </a:extLst>
                 </a:hlinkClick>
               </a:rPr>
               <a:t>https://github.com/siddley1001/NCState_Datathon21/blob/master/state_datathon_police.ipynb</a:t>
             </a:r>
-            <a:endParaRPr i="1" sz="800"/>
+            <a:endParaRPr sz="800" i="1"/>
           </a:p>
           <a:p>
-            <a:pPr indent="0" lvl="0" marL="0" rtl="0" algn="r">
+            <a:pPr marL="0" lvl="0" indent="0" algn="r" rtl="0">
               <a:spcBef>
                 <a:spcPts val="0"/>
               </a:spcBef>
@@ -15695,13 +15819,10 @@
               </a:spcAft>
               <a:buNone/>
             </a:pPr>
-            <a:r>
-              <a:t/>
-            </a:r>
-            <a:endParaRPr i="1" sz="800"/>
+            <a:endParaRPr sz="800" i="1"/>
           </a:p>
           <a:p>
-            <a:pPr indent="0" lvl="0" marL="0" marR="0" rtl="0" algn="r">
+            <a:pPr marL="0" marR="0" lvl="0" indent="0" algn="r" rtl="0">
               <a:spcBef>
                 <a:spcPts val="0"/>
               </a:spcBef>
@@ -15710,10 +15831,7 @@
               </a:spcAft>
               <a:buNone/>
             </a:pPr>
-            <a:r>
-              <a:t/>
-            </a:r>
-            <a:endParaRPr i="1" sz="800"/>
+            <a:endParaRPr sz="800" i="1"/>
           </a:p>
         </p:txBody>
       </p:sp>
@@ -15746,14 +15864,14 @@
               <a:avLst/>
             </a:prstGeom>
             <a:noFill/>
-            <a:ln cap="rnd" cmpd="sng" w="12700">
+            <a:ln w="12700" cap="rnd" cmpd="sng">
               <a:solidFill>
                 <a:srgbClr val="003399"/>
               </a:solidFill>
               <a:prstDash val="solid"/>
               <a:round/>
-              <a:headEnd len="med" w="med" type="none"/>
-              <a:tailEnd len="med" w="med" type="none"/>
+              <a:headEnd type="none" w="med" len="med"/>
+              <a:tailEnd type="none" w="med" len="med"/>
             </a:ln>
           </p:spPr>
         </p:cxnSp>
@@ -15779,12 +15897,12 @@
             </a:ln>
           </p:spPr>
           <p:txBody>
-            <a:bodyPr anchorCtr="1" anchor="b" bIns="0" lIns="72000" spcFirstLastPara="1" rIns="72000" wrap="square" tIns="0">
+            <a:bodyPr spcFirstLastPara="1" wrap="square" lIns="72000" tIns="0" rIns="72000" bIns="0" anchor="b" anchorCtr="1">
               <a:noAutofit/>
             </a:bodyPr>
             <a:lstStyle/>
             <a:p>
-              <a:pPr indent="0" lvl="0" marL="0" marR="0" rtl="0" algn="ctr">
+              <a:pPr marL="0" marR="0" lvl="0" indent="0" algn="ctr" rtl="0">
                 <a:lnSpc>
                   <a:spcPct val="95000"/>
                 </a:lnSpc>
@@ -15797,7 +15915,7 @@
                 <a:buNone/>
               </a:pPr>
               <a:r>
-                <a:rPr b="1" lang="en" sz="1100">
+                <a:rPr lang="en" sz="1100" b="1">
                   <a:solidFill>
                     <a:srgbClr val="000000"/>
                   </a:solidFill>
@@ -15808,7 +15926,7 @@
                 </a:rPr>
                 <a:t>Visualization EDA 1</a:t>
               </a:r>
-              <a:endParaRPr b="1" i="0" sz="1100" u="none" cap="none" strike="noStrike">
+              <a:endParaRPr sz="1100" b="1" i="0" u="none" strike="noStrike" cap="none">
                 <a:solidFill>
                   <a:srgbClr val="000000"/>
                 </a:solidFill>
@@ -15858,11 +15976,11 @@
 </file>
 
 <file path=ppt/slides/slide8.xml><?xml version="1.0" encoding="utf-8"?>
-<p:sld xmlns:a="http://schemas.openxmlformats.org/drawingml/2006/main" xmlns:r="http://schemas.openxmlformats.org/officeDocument/2006/relationships" xmlns:mc="http://schemas.openxmlformats.org/markup-compatibility/2006" xmlns:mv="urn:schemas-microsoft-com:mac:vml" xmlns:p="http://schemas.openxmlformats.org/presentationml/2006/main" xmlns:c="http://schemas.openxmlformats.org/drawingml/2006/chart" xmlns:dgm="http://schemas.openxmlformats.org/drawingml/2006/diagram" xmlns:o="urn:schemas-microsoft-com:office:office" xmlns:v="urn:schemas-microsoft-com:vml" xmlns:pvml="urn:schemas-microsoft-com:office:powerpoint" xmlns:com="http://schemas.openxmlformats.org/drawingml/2006/compatibility" xmlns:p14="http://schemas.microsoft.com/office/powerpoint/2010/main" xmlns:p15="http://schemas.microsoft.com/office/powerpoint/2012/main" xmlns:ahyp="http://schemas.microsoft.com/office/drawing/2018/hyperlinkcolor">
+<p:sld xmlns:a="http://schemas.openxmlformats.org/drawingml/2006/main" xmlns:r="http://schemas.openxmlformats.org/officeDocument/2006/relationships" xmlns:p="http://schemas.openxmlformats.org/presentationml/2006/main">
   <p:cSld>
     <p:spTree>
       <p:nvGrpSpPr>
-        <p:cNvPr id="154" name="Shape 154"/>
+        <p:cNvPr id="1" name="Shape 154"/>
         <p:cNvGrpSpPr/>
         <p:nvPr/>
       </p:nvGrpSpPr>
@@ -15894,12 +16012,12 @@
           </a:ln>
         </p:spPr>
         <p:txBody>
-          <a:bodyPr anchorCtr="0" anchor="t" bIns="0" lIns="0" spcFirstLastPara="1" rIns="0" wrap="square" tIns="0">
+          <a:bodyPr spcFirstLastPara="1" wrap="square" lIns="0" tIns="0" rIns="0" bIns="0" anchor="t" anchorCtr="0">
             <a:noAutofit/>
           </a:bodyPr>
           <a:lstStyle/>
           <a:p>
-            <a:pPr indent="0" lvl="0" marL="0" rtl="0" algn="l">
+            <a:pPr marL="0" lvl="0" indent="0" algn="l" rtl="0">
               <a:spcBef>
                 <a:spcPts val="0"/>
               </a:spcBef>
@@ -15909,7 +16027,7 @@
               <a:buNone/>
             </a:pPr>
             <a:r>
-              <a:rPr b="1" lang="en" sz="2600">
+              <a:rPr lang="en" sz="2600" b="1">
                 <a:solidFill>
                   <a:srgbClr val="002060"/>
                 </a:solidFill>
@@ -15920,7 +16038,7 @@
               </a:rPr>
               <a:t>EDA – Exploratory Data Analysis</a:t>
             </a:r>
-            <a:endParaRPr b="1" sz="2600">
+            <a:endParaRPr sz="2600" b="1">
               <a:solidFill>
                 <a:srgbClr val="002060"/>
               </a:solidFill>
@@ -15954,12 +16072,12 @@
           </a:ln>
         </p:spPr>
         <p:txBody>
-          <a:bodyPr anchorCtr="0" anchor="t" bIns="0" lIns="0" spcFirstLastPara="1" rIns="0" wrap="square" tIns="0">
+          <a:bodyPr spcFirstLastPara="1" wrap="square" lIns="0" tIns="0" rIns="0" bIns="0" anchor="t" anchorCtr="0">
             <a:noAutofit/>
           </a:bodyPr>
           <a:lstStyle/>
           <a:p>
-            <a:pPr indent="0" lvl="0" marL="0" marR="0" rtl="0" algn="l">
+            <a:pPr marL="0" marR="0" lvl="0" indent="0" algn="l" rtl="0">
               <a:lnSpc>
                 <a:spcPct val="106000"/>
               </a:lnSpc>
@@ -15976,10 +16094,7 @@
               <a:buFont typeface="Arial"/>
               <a:buNone/>
             </a:pPr>
-            <a:r>
-              <a:t/>
-            </a:r>
-            <a:endParaRPr b="0" i="0" sz="1100" u="none" cap="none" strike="noStrike">
+            <a:endParaRPr sz="1100" b="0" i="0" u="none" strike="noStrike" cap="none">
               <a:solidFill>
                 <a:srgbClr val="000000"/>
               </a:solidFill>
@@ -16020,14 +16135,14 @@
               <a:avLst/>
             </a:prstGeom>
             <a:noFill/>
-            <a:ln cap="rnd" cmpd="sng" w="12700">
+            <a:ln w="12700" cap="rnd" cmpd="sng">
               <a:solidFill>
                 <a:srgbClr val="003399"/>
               </a:solidFill>
               <a:prstDash val="solid"/>
               <a:round/>
-              <a:headEnd len="med" w="med" type="none"/>
-              <a:tailEnd len="med" w="med" type="none"/>
+              <a:headEnd type="none" w="med" len="med"/>
+              <a:tailEnd type="none" w="med" len="med"/>
             </a:ln>
           </p:spPr>
         </p:cxnSp>
@@ -16053,12 +16168,12 @@
             </a:ln>
           </p:spPr>
           <p:txBody>
-            <a:bodyPr anchorCtr="1" anchor="b" bIns="0" lIns="72000" spcFirstLastPara="1" rIns="72000" wrap="square" tIns="0">
+            <a:bodyPr spcFirstLastPara="1" wrap="square" lIns="72000" tIns="0" rIns="72000" bIns="0" anchor="b" anchorCtr="1">
               <a:noAutofit/>
             </a:bodyPr>
             <a:lstStyle/>
             <a:p>
-              <a:pPr indent="0" lvl="0" marL="0" marR="0" rtl="0" algn="ctr">
+              <a:pPr marL="0" marR="0" lvl="0" indent="0" algn="ctr" rtl="0">
                 <a:lnSpc>
                   <a:spcPct val="95000"/>
                 </a:lnSpc>
@@ -16071,7 +16186,7 @@
                 <a:buNone/>
               </a:pPr>
               <a:r>
-                <a:rPr b="1" lang="en" sz="1100">
+                <a:rPr lang="en" sz="1100" b="1">
                   <a:solidFill>
                     <a:srgbClr val="000000"/>
                   </a:solidFill>
@@ -16082,7 +16197,7 @@
                 </a:rPr>
                 <a:t>Visualization EDA 1</a:t>
               </a:r>
-              <a:endParaRPr b="1" i="0" sz="1100" u="none" cap="none" strike="noStrike">
+              <a:endParaRPr sz="1100" b="1" i="0" u="none" strike="noStrike" cap="none">
                 <a:solidFill>
                   <a:srgbClr val="000000"/>
                 </a:solidFill>
@@ -16115,12 +16230,12 @@
           </a:ln>
         </p:spPr>
         <p:txBody>
-          <a:bodyPr anchorCtr="0" anchor="t" bIns="45700" lIns="91425" spcFirstLastPara="1" rIns="91425" wrap="square" tIns="45700">
+          <a:bodyPr spcFirstLastPara="1" wrap="square" lIns="91425" tIns="45700" rIns="91425" bIns="45700" anchor="t" anchorCtr="0">
             <a:noAutofit/>
           </a:bodyPr>
           <a:lstStyle/>
           <a:p>
-            <a:pPr indent="0" lvl="0" marL="0" rtl="0" algn="r">
+            <a:pPr marL="0" lvl="0" indent="0" algn="r" rtl="0">
               <a:spcBef>
                 <a:spcPts val="0"/>
               </a:spcBef>
@@ -16130,28 +16245,28 @@
               <a:buNone/>
             </a:pPr>
             <a:r>
-              <a:rPr i="1" lang="en" sz="800"/>
+              <a:rPr lang="en" sz="800" i="1"/>
               <a:t>Source: </a:t>
             </a:r>
             <a:r>
-              <a:rPr i="1" lang="en" sz="800" u="sng">
+              <a:rPr lang="en" sz="800" i="1" u="sng">
                 <a:solidFill>
                   <a:schemeClr val="accent5"/>
                 </a:solidFill>
                 <a:hlinkClick r:id="rId3">
                   <a:extLst>
                     <a:ext uri="{A12FA001-AC4F-418D-AE19-62706E023703}">
-                      <ahyp:hlinkClr val="tx"/>
+                      <ahyp:hlinkClr xmlns:ahyp="http://schemas.microsoft.com/office/drawing/2018/hyperlinkcolor" val="tx"/>
                     </a:ext>
                   </a:extLst>
                 </a:hlinkClick>
               </a:rPr>
               <a:t>https://github.com/siddley1001/NCState_Datathon21/blob/master/state_datathon_police.ipynb</a:t>
             </a:r>
-            <a:endParaRPr i="1" sz="800"/>
+            <a:endParaRPr sz="800" i="1"/>
           </a:p>
           <a:p>
-            <a:pPr indent="0" lvl="0" marL="0" rtl="0" algn="r">
+            <a:pPr marL="0" lvl="0" indent="0" algn="r" rtl="0">
               <a:spcBef>
                 <a:spcPts val="0"/>
               </a:spcBef>
@@ -16160,13 +16275,10 @@
               </a:spcAft>
               <a:buNone/>
             </a:pPr>
-            <a:r>
-              <a:t/>
-            </a:r>
-            <a:endParaRPr i="1" sz="800"/>
+            <a:endParaRPr sz="800" i="1"/>
           </a:p>
           <a:p>
-            <a:pPr indent="0" lvl="0" marL="0" marR="0" rtl="0" algn="r">
+            <a:pPr marL="0" marR="0" lvl="0" indent="0" algn="r" rtl="0">
               <a:spcBef>
                 <a:spcPts val="0"/>
               </a:spcBef>
@@ -16175,10 +16287,7 @@
               </a:spcAft>
               <a:buNone/>
             </a:pPr>
-            <a:r>
-              <a:t/>
-            </a:r>
-            <a:endParaRPr i="1" sz="800"/>
+            <a:endParaRPr sz="800" i="1"/>
           </a:p>
         </p:txBody>
       </p:sp>
@@ -16211,14 +16320,14 @@
               <a:avLst/>
             </a:prstGeom>
             <a:noFill/>
-            <a:ln cap="rnd" cmpd="sng" w="12700">
+            <a:ln w="12700" cap="rnd" cmpd="sng">
               <a:solidFill>
                 <a:srgbClr val="003399"/>
               </a:solidFill>
               <a:prstDash val="solid"/>
               <a:round/>
-              <a:headEnd len="med" w="med" type="none"/>
-              <a:tailEnd len="med" w="med" type="none"/>
+              <a:headEnd type="none" w="med" len="med"/>
+              <a:tailEnd type="none" w="med" len="med"/>
             </a:ln>
           </p:spPr>
         </p:cxnSp>
@@ -16244,12 +16353,12 @@
             </a:ln>
           </p:spPr>
           <p:txBody>
-            <a:bodyPr anchorCtr="1" anchor="b" bIns="0" lIns="72000" spcFirstLastPara="1" rIns="72000" wrap="square" tIns="0">
+            <a:bodyPr spcFirstLastPara="1" wrap="square" lIns="72000" tIns="0" rIns="72000" bIns="0" anchor="b" anchorCtr="1">
               <a:noAutofit/>
             </a:bodyPr>
             <a:lstStyle/>
             <a:p>
-              <a:pPr indent="0" lvl="0" marL="0" marR="0" rtl="0" algn="ctr">
+              <a:pPr marL="0" marR="0" lvl="0" indent="0" algn="ctr" rtl="0">
                 <a:lnSpc>
                   <a:spcPct val="95000"/>
                 </a:lnSpc>
@@ -16262,7 +16371,7 @@
                 <a:buNone/>
               </a:pPr>
               <a:r>
-                <a:rPr b="1" lang="en" sz="1100">
+                <a:rPr lang="en" sz="1100" b="1">
                   <a:solidFill>
                     <a:srgbClr val="000000"/>
                   </a:solidFill>
@@ -16273,7 +16382,7 @@
                 </a:rPr>
                 <a:t>Visualization EDA 1</a:t>
               </a:r>
-              <a:endParaRPr b="1" i="0" sz="1100" u="none" cap="none" strike="noStrike">
+              <a:endParaRPr sz="1100" b="1" i="0" u="none" strike="noStrike" cap="none">
                 <a:solidFill>
                   <a:srgbClr val="000000"/>
                 </a:solidFill>
@@ -16323,11 +16432,11 @@
 </file>
 
 <file path=ppt/slides/slide9.xml><?xml version="1.0" encoding="utf-8"?>
-<p:sld xmlns:a="http://schemas.openxmlformats.org/drawingml/2006/main" xmlns:r="http://schemas.openxmlformats.org/officeDocument/2006/relationships" xmlns:mc="http://schemas.openxmlformats.org/markup-compatibility/2006" xmlns:mv="urn:schemas-microsoft-com:mac:vml" xmlns:p="http://schemas.openxmlformats.org/presentationml/2006/main" xmlns:c="http://schemas.openxmlformats.org/drawingml/2006/chart" xmlns:dgm="http://schemas.openxmlformats.org/drawingml/2006/diagram" xmlns:o="urn:schemas-microsoft-com:office:office" xmlns:v="urn:schemas-microsoft-com:vml" xmlns:pvml="urn:schemas-microsoft-com:office:powerpoint" xmlns:com="http://schemas.openxmlformats.org/drawingml/2006/compatibility" xmlns:p14="http://schemas.microsoft.com/office/powerpoint/2010/main" xmlns:p15="http://schemas.microsoft.com/office/powerpoint/2012/main" xmlns:ahyp="http://schemas.microsoft.com/office/drawing/2018/hyperlinkcolor">
+<p:sld xmlns:a="http://schemas.openxmlformats.org/drawingml/2006/main" xmlns:r="http://schemas.openxmlformats.org/officeDocument/2006/relationships" xmlns:p="http://schemas.openxmlformats.org/presentationml/2006/main">
   <p:cSld>
     <p:spTree>
       <p:nvGrpSpPr>
-        <p:cNvPr id="168" name="Shape 168"/>
+        <p:cNvPr id="1" name="Shape 168"/>
         <p:cNvGrpSpPr/>
         <p:nvPr/>
       </p:nvGrpSpPr>
@@ -16359,12 +16468,12 @@
           </a:ln>
         </p:spPr>
         <p:txBody>
-          <a:bodyPr anchorCtr="0" anchor="t" bIns="0" lIns="0" spcFirstLastPara="1" rIns="0" wrap="square" tIns="0">
+          <a:bodyPr spcFirstLastPara="1" wrap="square" lIns="0" tIns="0" rIns="0" bIns="0" anchor="t" anchorCtr="0">
             <a:noAutofit/>
           </a:bodyPr>
           <a:lstStyle/>
           <a:p>
-            <a:pPr indent="0" lvl="0" marL="0" rtl="0" algn="l">
+            <a:pPr marL="0" lvl="0" indent="0" algn="l" rtl="0">
               <a:spcBef>
                 <a:spcPts val="0"/>
               </a:spcBef>
@@ -16374,7 +16483,7 @@
               <a:buNone/>
             </a:pPr>
             <a:r>
-              <a:rPr b="1" lang="en" sz="2600">
+              <a:rPr lang="en" sz="2600" b="1">
                 <a:solidFill>
                   <a:srgbClr val="002060"/>
                 </a:solidFill>
@@ -16385,7 +16494,7 @@
               </a:rPr>
               <a:t>EDA – Exploratory Data Analysis</a:t>
             </a:r>
-            <a:endParaRPr b="1" sz="2600">
+            <a:endParaRPr sz="2600" b="1">
               <a:solidFill>
                 <a:srgbClr val="002060"/>
               </a:solidFill>
@@ -16419,12 +16528,12 @@
           </a:ln>
         </p:spPr>
         <p:txBody>
-          <a:bodyPr anchorCtr="0" anchor="t" bIns="0" lIns="0" spcFirstLastPara="1" rIns="0" wrap="square" tIns="0">
+          <a:bodyPr spcFirstLastPara="1" wrap="square" lIns="0" tIns="0" rIns="0" bIns="0" anchor="t" anchorCtr="0">
             <a:noAutofit/>
           </a:bodyPr>
           <a:lstStyle/>
           <a:p>
-            <a:pPr indent="0" lvl="0" marL="0" marR="0" rtl="0" algn="l">
+            <a:pPr marL="0" marR="0" lvl="0" indent="0" algn="l" rtl="0">
               <a:lnSpc>
                 <a:spcPct val="106000"/>
               </a:lnSpc>
@@ -16441,10 +16550,7 @@
               <a:buFont typeface="Arial"/>
               <a:buNone/>
             </a:pPr>
-            <a:r>
-              <a:t/>
-            </a:r>
-            <a:endParaRPr b="0" i="0" sz="1100" u="none" cap="none" strike="noStrike">
+            <a:endParaRPr sz="1100" b="0" i="0" u="none" strike="noStrike" cap="none">
               <a:solidFill>
                 <a:srgbClr val="000000"/>
               </a:solidFill>
@@ -16485,14 +16591,14 @@
               <a:avLst/>
             </a:prstGeom>
             <a:noFill/>
-            <a:ln cap="rnd" cmpd="sng" w="12700">
+            <a:ln w="12700" cap="rnd" cmpd="sng">
               <a:solidFill>
                 <a:srgbClr val="003399"/>
               </a:solidFill>
               <a:prstDash val="solid"/>
               <a:round/>
-              <a:headEnd len="med" w="med" type="none"/>
-              <a:tailEnd len="med" w="med" type="none"/>
+              <a:headEnd type="none" w="med" len="med"/>
+              <a:tailEnd type="none" w="med" len="med"/>
             </a:ln>
           </p:spPr>
         </p:cxnSp>
@@ -16518,12 +16624,12 @@
             </a:ln>
           </p:spPr>
           <p:txBody>
-            <a:bodyPr anchorCtr="1" anchor="b" bIns="0" lIns="72000" spcFirstLastPara="1" rIns="72000" wrap="square" tIns="0">
+            <a:bodyPr spcFirstLastPara="1" wrap="square" lIns="72000" tIns="0" rIns="72000" bIns="0" anchor="b" anchorCtr="1">
               <a:noAutofit/>
             </a:bodyPr>
             <a:lstStyle/>
             <a:p>
-              <a:pPr indent="0" lvl="0" marL="0" marR="0" rtl="0" algn="ctr">
+              <a:pPr marL="0" marR="0" lvl="0" indent="0" algn="ctr" rtl="0">
                 <a:lnSpc>
                   <a:spcPct val="95000"/>
                 </a:lnSpc>
@@ -16536,7 +16642,7 @@
                 <a:buNone/>
               </a:pPr>
               <a:r>
-                <a:rPr b="1" lang="en" sz="1100">
+                <a:rPr lang="en" sz="1100" b="1">
                   <a:solidFill>
                     <a:srgbClr val="000000"/>
                   </a:solidFill>
@@ -16547,7 +16653,7 @@
                 </a:rPr>
                 <a:t>Visualization EDA 1</a:t>
               </a:r>
-              <a:endParaRPr b="1" i="0" sz="1100" u="none" cap="none" strike="noStrike">
+              <a:endParaRPr sz="1100" b="1" i="0" u="none" strike="noStrike" cap="none">
                 <a:solidFill>
                   <a:srgbClr val="000000"/>
                 </a:solidFill>
@@ -16580,12 +16686,12 @@
           </a:ln>
         </p:spPr>
         <p:txBody>
-          <a:bodyPr anchorCtr="0" anchor="t" bIns="45700" lIns="91425" spcFirstLastPara="1" rIns="91425" wrap="square" tIns="45700">
+          <a:bodyPr spcFirstLastPara="1" wrap="square" lIns="91425" tIns="45700" rIns="91425" bIns="45700" anchor="t" anchorCtr="0">
             <a:noAutofit/>
           </a:bodyPr>
           <a:lstStyle/>
           <a:p>
-            <a:pPr indent="0" lvl="0" marL="0" rtl="0" algn="r">
+            <a:pPr marL="0" lvl="0" indent="0" algn="r" rtl="0">
               <a:spcBef>
                 <a:spcPts val="0"/>
               </a:spcBef>
@@ -16595,28 +16701,28 @@
               <a:buNone/>
             </a:pPr>
             <a:r>
-              <a:rPr i="1" lang="en" sz="800"/>
+              <a:rPr lang="en" sz="800" i="1"/>
               <a:t>Source: </a:t>
             </a:r>
             <a:r>
-              <a:rPr i="1" lang="en" sz="800" u="sng">
+              <a:rPr lang="en" sz="800" i="1" u="sng">
                 <a:solidFill>
                   <a:schemeClr val="accent5"/>
                 </a:solidFill>
                 <a:hlinkClick r:id="rId3">
                   <a:extLst>
                     <a:ext uri="{A12FA001-AC4F-418D-AE19-62706E023703}">
-                      <ahyp:hlinkClr val="tx"/>
+                      <ahyp:hlinkClr xmlns:ahyp="http://schemas.microsoft.com/office/drawing/2018/hyperlinkcolor" val="tx"/>
                     </a:ext>
                   </a:extLst>
                 </a:hlinkClick>
               </a:rPr>
               <a:t>https://github.com/siddley1001/NCState_Datathon21/blob/master/state_datathon_police.ipynb</a:t>
             </a:r>
-            <a:endParaRPr i="1" sz="800"/>
+            <a:endParaRPr sz="800" i="1"/>
           </a:p>
           <a:p>
-            <a:pPr indent="0" lvl="0" marL="0" rtl="0" algn="r">
+            <a:pPr marL="0" lvl="0" indent="0" algn="r" rtl="0">
               <a:spcBef>
                 <a:spcPts val="0"/>
               </a:spcBef>
@@ -16625,13 +16731,10 @@
               </a:spcAft>
               <a:buNone/>
             </a:pPr>
-            <a:r>
-              <a:t/>
-            </a:r>
-            <a:endParaRPr i="1" sz="800"/>
+            <a:endParaRPr sz="800" i="1"/>
           </a:p>
           <a:p>
-            <a:pPr indent="0" lvl="0" marL="0" marR="0" rtl="0" algn="r">
+            <a:pPr marL="0" marR="0" lvl="0" indent="0" algn="r" rtl="0">
               <a:spcBef>
                 <a:spcPts val="0"/>
               </a:spcBef>
@@ -16640,10 +16743,7 @@
               </a:spcAft>
               <a:buNone/>
             </a:pPr>
-            <a:r>
-              <a:t/>
-            </a:r>
-            <a:endParaRPr i="1" sz="800"/>
+            <a:endParaRPr sz="800" i="1"/>
           </a:p>
         </p:txBody>
       </p:sp>
@@ -16676,14 +16776,14 @@
               <a:avLst/>
             </a:prstGeom>
             <a:noFill/>
-            <a:ln cap="rnd" cmpd="sng" w="12700">
+            <a:ln w="12700" cap="rnd" cmpd="sng">
               <a:solidFill>
                 <a:srgbClr val="003399"/>
               </a:solidFill>
               <a:prstDash val="solid"/>
               <a:round/>
-              <a:headEnd len="med" w="med" type="none"/>
-              <a:tailEnd len="med" w="med" type="none"/>
+              <a:headEnd type="none" w="med" len="med"/>
+              <a:tailEnd type="none" w="med" len="med"/>
             </a:ln>
           </p:spPr>
         </p:cxnSp>
@@ -16709,12 +16809,12 @@
             </a:ln>
           </p:spPr>
           <p:txBody>
-            <a:bodyPr anchorCtr="1" anchor="b" bIns="0" lIns="72000" spcFirstLastPara="1" rIns="72000" wrap="square" tIns="0">
+            <a:bodyPr spcFirstLastPara="1" wrap="square" lIns="72000" tIns="0" rIns="72000" bIns="0" anchor="b" anchorCtr="1">
               <a:noAutofit/>
             </a:bodyPr>
             <a:lstStyle/>
             <a:p>
-              <a:pPr indent="0" lvl="0" marL="0" marR="0" rtl="0" algn="ctr">
+              <a:pPr marL="0" marR="0" lvl="0" indent="0" algn="ctr" rtl="0">
                 <a:lnSpc>
                   <a:spcPct val="95000"/>
                 </a:lnSpc>
@@ -16727,7 +16827,7 @@
                 <a:buNone/>
               </a:pPr>
               <a:r>
-                <a:rPr b="1" lang="en" sz="1100">
+                <a:rPr lang="en" sz="1100" b="1">
                   <a:solidFill>
                     <a:srgbClr val="000000"/>
                   </a:solidFill>
@@ -16738,7 +16838,7 @@
                 </a:rPr>
                 <a:t>Visualization EDA 1</a:t>
               </a:r>
-              <a:endParaRPr b="1" i="0" sz="1100" u="none" cap="none" strike="noStrike">
+              <a:endParaRPr sz="1100" b="1" i="0" u="none" strike="noStrike" cap="none">
                 <a:solidFill>
                   <a:srgbClr val="000000"/>
                 </a:solidFill>
@@ -16788,7 +16888,7 @@
 </file>
 
 <file path=ppt/theme/theme1.xml><?xml version="1.0" encoding="utf-8"?>
-<a:theme xmlns:a="http://schemas.openxmlformats.org/drawingml/2006/main" xmlns:r="http://schemas.openxmlformats.org/officeDocument/2006/relationships" name="Streamline">
+<a:theme xmlns:a="http://schemas.openxmlformats.org/drawingml/2006/main" name="Streamline">
   <a:themeElements>
     <a:clrScheme name="Streamline">
       <a:dk1>
@@ -17063,11 +17163,13 @@
       </a:bgFillStyleLst>
     </a:fmtScheme>
   </a:themeElements>
+  <a:objectDefaults/>
+  <a:extraClrSchemeLst/>
 </a:theme>
 </file>
 
 <file path=ppt/theme/theme2.xml><?xml version="1.0" encoding="utf-8"?>
-<a:theme xmlns:a="http://schemas.openxmlformats.org/drawingml/2006/main" xmlns:r="http://schemas.openxmlformats.org/officeDocument/2006/relationships">
+<a:theme xmlns:a="http://schemas.openxmlformats.org/drawingml/2006/main">
   <a:themeElements>
     <a:clrScheme name="Default">
       <a:dk1>
@@ -17342,5 +17444,7 @@
       </a:bgFillStyleLst>
     </a:fmtScheme>
   </a:themeElements>
+  <a:objectDefaults/>
+  <a:extraClrSchemeLst/>
 </a:theme>
 </file>